--- a/1_tex_edit/月例 図/git図素材.pptx
+++ b/1_tex_edit/月例 図/git図素材.pptx
@@ -8,12 +8,14 @@
     <p:sldId id="256" r:id="rId2"/>
     <p:sldId id="257" r:id="rId3"/>
     <p:sldId id="258" r:id="rId4"/>
-    <p:sldId id="259" r:id="rId5"/>
-    <p:sldId id="260" r:id="rId6"/>
-    <p:sldId id="261" r:id="rId7"/>
-    <p:sldId id="262" r:id="rId8"/>
-    <p:sldId id="263" r:id="rId9"/>
-    <p:sldId id="264" r:id="rId10"/>
+    <p:sldId id="265" r:id="rId5"/>
+    <p:sldId id="259" r:id="rId6"/>
+    <p:sldId id="260" r:id="rId7"/>
+    <p:sldId id="261" r:id="rId8"/>
+    <p:sldId id="262" r:id="rId9"/>
+    <p:sldId id="263" r:id="rId10"/>
+    <p:sldId id="264" r:id="rId11"/>
+    <p:sldId id="266" r:id="rId12"/>
   </p:sldIdLst>
   <p:sldSz cx="12192000" cy="6858000"/>
   <p:notesSz cx="6858000" cy="9144000"/>
@@ -120,6 +122,4528 @@
 </p:presentation>
 </file>
 
+<file path=ppt/diagrams/colors1.xml><?xml version="1.0" encoding="utf-8"?>
+<dgm:colorsDef xmlns:dgm="http://schemas.openxmlformats.org/drawingml/2006/diagram" xmlns:a="http://schemas.openxmlformats.org/drawingml/2006/main" uniqueId="urn:microsoft.com/office/officeart/2005/8/colors/accent3_2">
+  <dgm:title val=""/>
+  <dgm:desc val=""/>
+  <dgm:catLst>
+    <dgm:cat type="accent3" pri="11200"/>
+  </dgm:catLst>
+  <dgm:styleLbl name="node0">
+    <dgm:fillClrLst meth="repeat">
+      <a:schemeClr val="accent3"/>
+    </dgm:fillClrLst>
+    <dgm:linClrLst meth="repeat">
+      <a:schemeClr val="lt1"/>
+    </dgm:linClrLst>
+    <dgm:effectClrLst/>
+    <dgm:txLinClrLst/>
+    <dgm:txFillClrLst/>
+    <dgm:txEffectClrLst/>
+  </dgm:styleLbl>
+  <dgm:styleLbl name="node1">
+    <dgm:fillClrLst meth="repeat">
+      <a:schemeClr val="accent3"/>
+    </dgm:fillClrLst>
+    <dgm:linClrLst meth="repeat">
+      <a:schemeClr val="lt1"/>
+    </dgm:linClrLst>
+    <dgm:effectClrLst/>
+    <dgm:txLinClrLst/>
+    <dgm:txFillClrLst/>
+    <dgm:txEffectClrLst/>
+  </dgm:styleLbl>
+  <dgm:styleLbl name="alignNode1">
+    <dgm:fillClrLst meth="repeat">
+      <a:schemeClr val="accent3"/>
+    </dgm:fillClrLst>
+    <dgm:linClrLst meth="repeat">
+      <a:schemeClr val="accent3"/>
+    </dgm:linClrLst>
+    <dgm:effectClrLst/>
+    <dgm:txLinClrLst/>
+    <dgm:txFillClrLst/>
+    <dgm:txEffectClrLst/>
+  </dgm:styleLbl>
+  <dgm:styleLbl name="lnNode1">
+    <dgm:fillClrLst meth="repeat">
+      <a:schemeClr val="accent3"/>
+    </dgm:fillClrLst>
+    <dgm:linClrLst meth="repeat">
+      <a:schemeClr val="lt1"/>
+    </dgm:linClrLst>
+    <dgm:effectClrLst/>
+    <dgm:txLinClrLst/>
+    <dgm:txFillClrLst/>
+    <dgm:txEffectClrLst/>
+  </dgm:styleLbl>
+  <dgm:styleLbl name="vennNode1">
+    <dgm:fillClrLst meth="repeat">
+      <a:schemeClr val="accent3">
+        <a:alpha val="50000"/>
+      </a:schemeClr>
+    </dgm:fillClrLst>
+    <dgm:linClrLst meth="repeat">
+      <a:schemeClr val="lt1"/>
+    </dgm:linClrLst>
+    <dgm:effectClrLst/>
+    <dgm:txLinClrLst/>
+    <dgm:txFillClrLst/>
+    <dgm:txEffectClrLst/>
+  </dgm:styleLbl>
+  <dgm:styleLbl name="node2">
+    <dgm:fillClrLst meth="repeat">
+      <a:schemeClr val="accent3"/>
+    </dgm:fillClrLst>
+    <dgm:linClrLst meth="repeat">
+      <a:schemeClr val="lt1"/>
+    </dgm:linClrLst>
+    <dgm:effectClrLst/>
+    <dgm:txLinClrLst/>
+    <dgm:txFillClrLst/>
+    <dgm:txEffectClrLst/>
+  </dgm:styleLbl>
+  <dgm:styleLbl name="node3">
+    <dgm:fillClrLst meth="repeat">
+      <a:schemeClr val="accent3"/>
+    </dgm:fillClrLst>
+    <dgm:linClrLst meth="repeat">
+      <a:schemeClr val="lt1"/>
+    </dgm:linClrLst>
+    <dgm:effectClrLst/>
+    <dgm:txLinClrLst/>
+    <dgm:txFillClrLst/>
+    <dgm:txEffectClrLst/>
+  </dgm:styleLbl>
+  <dgm:styleLbl name="node4">
+    <dgm:fillClrLst meth="repeat">
+      <a:schemeClr val="accent3"/>
+    </dgm:fillClrLst>
+    <dgm:linClrLst meth="repeat">
+      <a:schemeClr val="lt1"/>
+    </dgm:linClrLst>
+    <dgm:effectClrLst/>
+    <dgm:txLinClrLst/>
+    <dgm:txFillClrLst/>
+    <dgm:txEffectClrLst/>
+  </dgm:styleLbl>
+  <dgm:styleLbl name="fgImgPlace1">
+    <dgm:fillClrLst meth="repeat">
+      <a:schemeClr val="accent3">
+        <a:tint val="50000"/>
+      </a:schemeClr>
+    </dgm:fillClrLst>
+    <dgm:linClrLst meth="repeat">
+      <a:schemeClr val="lt1"/>
+    </dgm:linClrLst>
+    <dgm:effectClrLst/>
+    <dgm:txLinClrLst/>
+    <dgm:txFillClrLst meth="repeat">
+      <a:schemeClr val="lt1"/>
+    </dgm:txFillClrLst>
+    <dgm:txEffectClrLst/>
+  </dgm:styleLbl>
+  <dgm:styleLbl name="alignImgPlace1">
+    <dgm:fillClrLst meth="repeat">
+      <a:schemeClr val="accent3">
+        <a:tint val="50000"/>
+      </a:schemeClr>
+    </dgm:fillClrLst>
+    <dgm:linClrLst meth="repeat">
+      <a:schemeClr val="lt1"/>
+    </dgm:linClrLst>
+    <dgm:effectClrLst/>
+    <dgm:txLinClrLst/>
+    <dgm:txFillClrLst meth="repeat">
+      <a:schemeClr val="lt1"/>
+    </dgm:txFillClrLst>
+    <dgm:txEffectClrLst/>
+  </dgm:styleLbl>
+  <dgm:styleLbl name="bgImgPlace1">
+    <dgm:fillClrLst meth="repeat">
+      <a:schemeClr val="accent3">
+        <a:tint val="50000"/>
+      </a:schemeClr>
+    </dgm:fillClrLst>
+    <dgm:linClrLst meth="repeat">
+      <a:schemeClr val="lt1"/>
+    </dgm:linClrLst>
+    <dgm:effectClrLst/>
+    <dgm:txLinClrLst/>
+    <dgm:txFillClrLst meth="repeat">
+      <a:schemeClr val="lt1"/>
+    </dgm:txFillClrLst>
+    <dgm:txEffectClrLst/>
+  </dgm:styleLbl>
+  <dgm:styleLbl name="sibTrans2D1">
+    <dgm:fillClrLst meth="repeat">
+      <a:schemeClr val="accent3">
+        <a:tint val="60000"/>
+      </a:schemeClr>
+    </dgm:fillClrLst>
+    <dgm:linClrLst meth="repeat">
+      <a:schemeClr val="accent3">
+        <a:tint val="60000"/>
+      </a:schemeClr>
+    </dgm:linClrLst>
+    <dgm:effectClrLst/>
+    <dgm:txLinClrLst/>
+    <dgm:txFillClrLst/>
+    <dgm:txEffectClrLst/>
+  </dgm:styleLbl>
+  <dgm:styleLbl name="fgSibTrans2D1">
+    <dgm:fillClrLst meth="repeat">
+      <a:schemeClr val="accent3">
+        <a:tint val="60000"/>
+      </a:schemeClr>
+    </dgm:fillClrLst>
+    <dgm:linClrLst meth="repeat">
+      <a:schemeClr val="accent3">
+        <a:tint val="60000"/>
+      </a:schemeClr>
+    </dgm:linClrLst>
+    <dgm:effectClrLst/>
+    <dgm:txLinClrLst/>
+    <dgm:txFillClrLst/>
+    <dgm:txEffectClrLst/>
+  </dgm:styleLbl>
+  <dgm:styleLbl name="bgSibTrans2D1">
+    <dgm:fillClrLst meth="repeat">
+      <a:schemeClr val="accent3">
+        <a:tint val="60000"/>
+      </a:schemeClr>
+    </dgm:fillClrLst>
+    <dgm:linClrLst meth="repeat">
+      <a:schemeClr val="accent3">
+        <a:tint val="60000"/>
+      </a:schemeClr>
+    </dgm:linClrLst>
+    <dgm:effectClrLst/>
+    <dgm:txLinClrLst/>
+    <dgm:txFillClrLst/>
+    <dgm:txEffectClrLst/>
+  </dgm:styleLbl>
+  <dgm:styleLbl name="sibTrans1D1">
+    <dgm:fillClrLst meth="repeat">
+      <a:schemeClr val="accent3"/>
+    </dgm:fillClrLst>
+    <dgm:linClrLst meth="repeat">
+      <a:schemeClr val="accent3"/>
+    </dgm:linClrLst>
+    <dgm:effectClrLst/>
+    <dgm:txLinClrLst/>
+    <dgm:txFillClrLst meth="repeat">
+      <a:schemeClr val="tx1"/>
+    </dgm:txFillClrLst>
+    <dgm:txEffectClrLst/>
+  </dgm:styleLbl>
+  <dgm:styleLbl name="callout">
+    <dgm:fillClrLst meth="repeat">
+      <a:schemeClr val="accent3"/>
+    </dgm:fillClrLst>
+    <dgm:linClrLst meth="repeat">
+      <a:schemeClr val="accent3">
+        <a:tint val="50000"/>
+      </a:schemeClr>
+    </dgm:linClrLst>
+    <dgm:effectClrLst/>
+    <dgm:txLinClrLst/>
+    <dgm:txFillClrLst meth="repeat">
+      <a:schemeClr val="tx1"/>
+    </dgm:txFillClrLst>
+    <dgm:txEffectClrLst/>
+  </dgm:styleLbl>
+  <dgm:styleLbl name="asst0">
+    <dgm:fillClrLst meth="repeat">
+      <a:schemeClr val="accent3"/>
+    </dgm:fillClrLst>
+    <dgm:linClrLst meth="repeat">
+      <a:schemeClr val="lt1"/>
+    </dgm:linClrLst>
+    <dgm:effectClrLst/>
+    <dgm:txLinClrLst/>
+    <dgm:txFillClrLst/>
+    <dgm:txEffectClrLst/>
+  </dgm:styleLbl>
+  <dgm:styleLbl name="asst1">
+    <dgm:fillClrLst meth="repeat">
+      <a:schemeClr val="accent3"/>
+    </dgm:fillClrLst>
+    <dgm:linClrLst meth="repeat">
+      <a:schemeClr val="lt1"/>
+    </dgm:linClrLst>
+    <dgm:effectClrLst/>
+    <dgm:txLinClrLst/>
+    <dgm:txFillClrLst/>
+    <dgm:txEffectClrLst/>
+  </dgm:styleLbl>
+  <dgm:styleLbl name="asst2">
+    <dgm:fillClrLst meth="repeat">
+      <a:schemeClr val="accent3"/>
+    </dgm:fillClrLst>
+    <dgm:linClrLst meth="repeat">
+      <a:schemeClr val="lt1"/>
+    </dgm:linClrLst>
+    <dgm:effectClrLst/>
+    <dgm:txLinClrLst/>
+    <dgm:txFillClrLst/>
+    <dgm:txEffectClrLst/>
+  </dgm:styleLbl>
+  <dgm:styleLbl name="asst3">
+    <dgm:fillClrLst meth="repeat">
+      <a:schemeClr val="accent3"/>
+    </dgm:fillClrLst>
+    <dgm:linClrLst meth="repeat">
+      <a:schemeClr val="lt1"/>
+    </dgm:linClrLst>
+    <dgm:effectClrLst/>
+    <dgm:txLinClrLst/>
+    <dgm:txFillClrLst/>
+    <dgm:txEffectClrLst/>
+  </dgm:styleLbl>
+  <dgm:styleLbl name="asst4">
+    <dgm:fillClrLst meth="repeat">
+      <a:schemeClr val="accent3"/>
+    </dgm:fillClrLst>
+    <dgm:linClrLst meth="repeat">
+      <a:schemeClr val="lt1"/>
+    </dgm:linClrLst>
+    <dgm:effectClrLst/>
+    <dgm:txLinClrLst/>
+    <dgm:txFillClrLst/>
+    <dgm:txEffectClrLst/>
+  </dgm:styleLbl>
+  <dgm:styleLbl name="parChTrans2D1">
+    <dgm:fillClrLst meth="repeat">
+      <a:schemeClr val="accent3">
+        <a:tint val="60000"/>
+      </a:schemeClr>
+    </dgm:fillClrLst>
+    <dgm:linClrLst meth="repeat">
+      <a:schemeClr val="accent3">
+        <a:tint val="60000"/>
+      </a:schemeClr>
+    </dgm:linClrLst>
+    <dgm:effectClrLst/>
+    <dgm:txLinClrLst/>
+    <dgm:txFillClrLst meth="repeat">
+      <a:schemeClr val="lt1"/>
+    </dgm:txFillClrLst>
+    <dgm:txEffectClrLst/>
+  </dgm:styleLbl>
+  <dgm:styleLbl name="parChTrans2D2">
+    <dgm:fillClrLst meth="repeat">
+      <a:schemeClr val="accent3"/>
+    </dgm:fillClrLst>
+    <dgm:linClrLst meth="repeat">
+      <a:schemeClr val="accent3"/>
+    </dgm:linClrLst>
+    <dgm:effectClrLst/>
+    <dgm:txLinClrLst/>
+    <dgm:txFillClrLst meth="repeat">
+      <a:schemeClr val="lt1"/>
+    </dgm:txFillClrLst>
+    <dgm:txEffectClrLst/>
+  </dgm:styleLbl>
+  <dgm:styleLbl name="parChTrans2D3">
+    <dgm:fillClrLst meth="repeat">
+      <a:schemeClr val="accent3"/>
+    </dgm:fillClrLst>
+    <dgm:linClrLst meth="repeat">
+      <a:schemeClr val="accent3"/>
+    </dgm:linClrLst>
+    <dgm:effectClrLst/>
+    <dgm:txLinClrLst/>
+    <dgm:txFillClrLst meth="repeat">
+      <a:schemeClr val="lt1"/>
+    </dgm:txFillClrLst>
+    <dgm:txEffectClrLst/>
+  </dgm:styleLbl>
+  <dgm:styleLbl name="parChTrans2D4">
+    <dgm:fillClrLst meth="repeat">
+      <a:schemeClr val="accent3"/>
+    </dgm:fillClrLst>
+    <dgm:linClrLst meth="repeat">
+      <a:schemeClr val="accent3"/>
+    </dgm:linClrLst>
+    <dgm:effectClrLst/>
+    <dgm:txLinClrLst/>
+    <dgm:txFillClrLst meth="repeat">
+      <a:schemeClr val="lt1"/>
+    </dgm:txFillClrLst>
+    <dgm:txEffectClrLst/>
+  </dgm:styleLbl>
+  <dgm:styleLbl name="parChTrans1D1">
+    <dgm:fillClrLst meth="repeat">
+      <a:schemeClr val="accent3"/>
+    </dgm:fillClrLst>
+    <dgm:linClrLst meth="repeat">
+      <a:schemeClr val="accent3">
+        <a:shade val="60000"/>
+      </a:schemeClr>
+    </dgm:linClrLst>
+    <dgm:effectClrLst/>
+    <dgm:txLinClrLst/>
+    <dgm:txFillClrLst meth="repeat">
+      <a:schemeClr val="tx1"/>
+    </dgm:txFillClrLst>
+    <dgm:txEffectClrLst/>
+  </dgm:styleLbl>
+  <dgm:styleLbl name="parChTrans1D2">
+    <dgm:fillClrLst meth="repeat">
+      <a:schemeClr val="accent3"/>
+    </dgm:fillClrLst>
+    <dgm:linClrLst meth="repeat">
+      <a:schemeClr val="accent3">
+        <a:shade val="60000"/>
+      </a:schemeClr>
+    </dgm:linClrLst>
+    <dgm:effectClrLst/>
+    <dgm:txLinClrLst/>
+    <dgm:txFillClrLst meth="repeat">
+      <a:schemeClr val="tx1"/>
+    </dgm:txFillClrLst>
+    <dgm:txEffectClrLst/>
+  </dgm:styleLbl>
+  <dgm:styleLbl name="parChTrans1D3">
+    <dgm:fillClrLst meth="repeat">
+      <a:schemeClr val="accent3"/>
+    </dgm:fillClrLst>
+    <dgm:linClrLst meth="repeat">
+      <a:schemeClr val="accent3">
+        <a:shade val="80000"/>
+      </a:schemeClr>
+    </dgm:linClrLst>
+    <dgm:effectClrLst/>
+    <dgm:txLinClrLst/>
+    <dgm:txFillClrLst meth="repeat">
+      <a:schemeClr val="tx1"/>
+    </dgm:txFillClrLst>
+    <dgm:txEffectClrLst/>
+  </dgm:styleLbl>
+  <dgm:styleLbl name="parChTrans1D4">
+    <dgm:fillClrLst meth="repeat">
+      <a:schemeClr val="accent3"/>
+    </dgm:fillClrLst>
+    <dgm:linClrLst meth="repeat">
+      <a:schemeClr val="accent3">
+        <a:shade val="80000"/>
+      </a:schemeClr>
+    </dgm:linClrLst>
+    <dgm:effectClrLst/>
+    <dgm:txLinClrLst/>
+    <dgm:txFillClrLst meth="repeat">
+      <a:schemeClr val="tx1"/>
+    </dgm:txFillClrLst>
+    <dgm:txEffectClrLst/>
+  </dgm:styleLbl>
+  <dgm:styleLbl name="fgAcc1">
+    <dgm:fillClrLst meth="repeat">
+      <a:schemeClr val="lt1">
+        <a:alpha val="90000"/>
+      </a:schemeClr>
+    </dgm:fillClrLst>
+    <dgm:linClrLst meth="repeat">
+      <a:schemeClr val="accent3"/>
+    </dgm:linClrLst>
+    <dgm:effectClrLst/>
+    <dgm:txLinClrLst/>
+    <dgm:txFillClrLst meth="repeat">
+      <a:schemeClr val="dk1"/>
+    </dgm:txFillClrLst>
+    <dgm:txEffectClrLst/>
+  </dgm:styleLbl>
+  <dgm:styleLbl name="conFgAcc1">
+    <dgm:fillClrLst meth="repeat">
+      <a:schemeClr val="lt1">
+        <a:alpha val="90000"/>
+      </a:schemeClr>
+    </dgm:fillClrLst>
+    <dgm:linClrLst meth="repeat">
+      <a:schemeClr val="accent3"/>
+    </dgm:linClrLst>
+    <dgm:effectClrLst/>
+    <dgm:txLinClrLst/>
+    <dgm:txFillClrLst meth="repeat">
+      <a:schemeClr val="dk1"/>
+    </dgm:txFillClrLst>
+    <dgm:txEffectClrLst/>
+  </dgm:styleLbl>
+  <dgm:styleLbl name="alignAcc1">
+    <dgm:fillClrLst meth="repeat">
+      <a:schemeClr val="lt1">
+        <a:alpha val="90000"/>
+      </a:schemeClr>
+    </dgm:fillClrLst>
+    <dgm:linClrLst meth="repeat">
+      <a:schemeClr val="accent3"/>
+    </dgm:linClrLst>
+    <dgm:effectClrLst/>
+    <dgm:txLinClrLst/>
+    <dgm:txFillClrLst meth="repeat">
+      <a:schemeClr val="dk1"/>
+    </dgm:txFillClrLst>
+    <dgm:txEffectClrLst/>
+  </dgm:styleLbl>
+  <dgm:styleLbl name="trAlignAcc1">
+    <dgm:fillClrLst meth="repeat">
+      <a:schemeClr val="lt1">
+        <a:alpha val="40000"/>
+      </a:schemeClr>
+    </dgm:fillClrLst>
+    <dgm:linClrLst meth="repeat">
+      <a:schemeClr val="accent3"/>
+    </dgm:linClrLst>
+    <dgm:effectClrLst/>
+    <dgm:txLinClrLst/>
+    <dgm:txFillClrLst meth="repeat">
+      <a:schemeClr val="dk1"/>
+    </dgm:txFillClrLst>
+    <dgm:txEffectClrLst/>
+  </dgm:styleLbl>
+  <dgm:styleLbl name="bgAcc1">
+    <dgm:fillClrLst meth="repeat">
+      <a:schemeClr val="lt1">
+        <a:alpha val="90000"/>
+      </a:schemeClr>
+    </dgm:fillClrLst>
+    <dgm:linClrLst meth="repeat">
+      <a:schemeClr val="accent3"/>
+    </dgm:linClrLst>
+    <dgm:effectClrLst/>
+    <dgm:txLinClrLst/>
+    <dgm:txFillClrLst meth="repeat">
+      <a:schemeClr val="dk1"/>
+    </dgm:txFillClrLst>
+    <dgm:txEffectClrLst/>
+  </dgm:styleLbl>
+  <dgm:styleLbl name="solidFgAcc1">
+    <dgm:fillClrLst meth="repeat">
+      <a:schemeClr val="lt1"/>
+    </dgm:fillClrLst>
+    <dgm:linClrLst meth="repeat">
+      <a:schemeClr val="accent3"/>
+    </dgm:linClrLst>
+    <dgm:effectClrLst/>
+    <dgm:txLinClrLst/>
+    <dgm:txFillClrLst meth="repeat">
+      <a:schemeClr val="dk1"/>
+    </dgm:txFillClrLst>
+    <dgm:txEffectClrLst/>
+  </dgm:styleLbl>
+  <dgm:styleLbl name="solidAlignAcc1">
+    <dgm:fillClrLst meth="repeat">
+      <a:schemeClr val="lt1"/>
+    </dgm:fillClrLst>
+    <dgm:linClrLst meth="repeat">
+      <a:schemeClr val="accent3"/>
+    </dgm:linClrLst>
+    <dgm:effectClrLst/>
+    <dgm:txLinClrLst/>
+    <dgm:txFillClrLst meth="repeat">
+      <a:schemeClr val="dk1"/>
+    </dgm:txFillClrLst>
+    <dgm:txEffectClrLst/>
+  </dgm:styleLbl>
+  <dgm:styleLbl name="solidBgAcc1">
+    <dgm:fillClrLst meth="repeat">
+      <a:schemeClr val="lt1"/>
+    </dgm:fillClrLst>
+    <dgm:linClrLst meth="repeat">
+      <a:schemeClr val="accent3"/>
+    </dgm:linClrLst>
+    <dgm:effectClrLst/>
+    <dgm:txLinClrLst/>
+    <dgm:txFillClrLst meth="repeat">
+      <a:schemeClr val="dk1"/>
+    </dgm:txFillClrLst>
+    <dgm:txEffectClrLst/>
+  </dgm:styleLbl>
+  <dgm:styleLbl name="fgAccFollowNode1">
+    <dgm:fillClrLst meth="repeat">
+      <a:schemeClr val="accent3">
+        <a:alpha val="90000"/>
+        <a:tint val="40000"/>
+      </a:schemeClr>
+    </dgm:fillClrLst>
+    <dgm:linClrLst meth="repeat">
+      <a:schemeClr val="accent3">
+        <a:alpha val="90000"/>
+        <a:tint val="40000"/>
+      </a:schemeClr>
+    </dgm:linClrLst>
+    <dgm:effectClrLst/>
+    <dgm:txLinClrLst/>
+    <dgm:txFillClrLst meth="repeat">
+      <a:schemeClr val="dk1"/>
+    </dgm:txFillClrLst>
+    <dgm:txEffectClrLst/>
+  </dgm:styleLbl>
+  <dgm:styleLbl name="alignAccFollowNode1">
+    <dgm:fillClrLst meth="repeat">
+      <a:schemeClr val="accent3">
+        <a:alpha val="90000"/>
+        <a:tint val="40000"/>
+      </a:schemeClr>
+    </dgm:fillClrLst>
+    <dgm:linClrLst meth="repeat">
+      <a:schemeClr val="accent3">
+        <a:alpha val="90000"/>
+        <a:tint val="40000"/>
+      </a:schemeClr>
+    </dgm:linClrLst>
+    <dgm:effectClrLst/>
+    <dgm:txLinClrLst/>
+    <dgm:txFillClrLst meth="repeat">
+      <a:schemeClr val="dk1"/>
+    </dgm:txFillClrLst>
+    <dgm:txEffectClrLst/>
+  </dgm:styleLbl>
+  <dgm:styleLbl name="bgAccFollowNode1">
+    <dgm:fillClrLst meth="repeat">
+      <a:schemeClr val="accent3">
+        <a:alpha val="90000"/>
+        <a:tint val="40000"/>
+      </a:schemeClr>
+    </dgm:fillClrLst>
+    <dgm:linClrLst meth="repeat">
+      <a:schemeClr val="accent3">
+        <a:alpha val="90000"/>
+        <a:tint val="40000"/>
+      </a:schemeClr>
+    </dgm:linClrLst>
+    <dgm:effectClrLst/>
+    <dgm:txLinClrLst/>
+    <dgm:txFillClrLst meth="repeat">
+      <a:schemeClr val="dk1"/>
+    </dgm:txFillClrLst>
+    <dgm:txEffectClrLst/>
+  </dgm:styleLbl>
+  <dgm:styleLbl name="fgAcc0">
+    <dgm:fillClrLst meth="repeat">
+      <a:schemeClr val="lt1">
+        <a:alpha val="90000"/>
+      </a:schemeClr>
+    </dgm:fillClrLst>
+    <dgm:linClrLst meth="repeat">
+      <a:schemeClr val="accent3"/>
+    </dgm:linClrLst>
+    <dgm:effectClrLst/>
+    <dgm:txLinClrLst/>
+    <dgm:txFillClrLst meth="repeat">
+      <a:schemeClr val="dk1"/>
+    </dgm:txFillClrLst>
+    <dgm:txEffectClrLst/>
+  </dgm:styleLbl>
+  <dgm:styleLbl name="fgAcc2">
+    <dgm:fillClrLst meth="repeat">
+      <a:schemeClr val="lt1">
+        <a:alpha val="90000"/>
+      </a:schemeClr>
+    </dgm:fillClrLst>
+    <dgm:linClrLst meth="repeat">
+      <a:schemeClr val="accent3"/>
+    </dgm:linClrLst>
+    <dgm:effectClrLst/>
+    <dgm:txLinClrLst/>
+    <dgm:txFillClrLst meth="repeat">
+      <a:schemeClr val="dk1"/>
+    </dgm:txFillClrLst>
+    <dgm:txEffectClrLst/>
+  </dgm:styleLbl>
+  <dgm:styleLbl name="fgAcc3">
+    <dgm:fillClrLst meth="repeat">
+      <a:schemeClr val="lt1">
+        <a:alpha val="90000"/>
+      </a:schemeClr>
+    </dgm:fillClrLst>
+    <dgm:linClrLst meth="repeat">
+      <a:schemeClr val="accent3"/>
+    </dgm:linClrLst>
+    <dgm:effectClrLst/>
+    <dgm:txLinClrLst/>
+    <dgm:txFillClrLst meth="repeat">
+      <a:schemeClr val="dk1"/>
+    </dgm:txFillClrLst>
+    <dgm:txEffectClrLst/>
+  </dgm:styleLbl>
+  <dgm:styleLbl name="fgAcc4">
+    <dgm:fillClrLst meth="repeat">
+      <a:schemeClr val="lt1">
+        <a:alpha val="90000"/>
+      </a:schemeClr>
+    </dgm:fillClrLst>
+    <dgm:linClrLst meth="repeat">
+      <a:schemeClr val="accent3"/>
+    </dgm:linClrLst>
+    <dgm:effectClrLst/>
+    <dgm:txLinClrLst/>
+    <dgm:txFillClrLst meth="repeat">
+      <a:schemeClr val="dk1"/>
+    </dgm:txFillClrLst>
+    <dgm:txEffectClrLst/>
+  </dgm:styleLbl>
+  <dgm:styleLbl name="bgShp">
+    <dgm:fillClrLst meth="repeat">
+      <a:schemeClr val="accent3">
+        <a:tint val="40000"/>
+      </a:schemeClr>
+    </dgm:fillClrLst>
+    <dgm:linClrLst meth="repeat">
+      <a:schemeClr val="accent3"/>
+    </dgm:linClrLst>
+    <dgm:effectClrLst/>
+    <dgm:txLinClrLst/>
+    <dgm:txFillClrLst meth="repeat">
+      <a:schemeClr val="dk1"/>
+    </dgm:txFillClrLst>
+    <dgm:txEffectClrLst/>
+  </dgm:styleLbl>
+  <dgm:styleLbl name="dkBgShp">
+    <dgm:fillClrLst meth="repeat">
+      <a:schemeClr val="accent3">
+        <a:shade val="80000"/>
+      </a:schemeClr>
+    </dgm:fillClrLst>
+    <dgm:linClrLst meth="repeat">
+      <a:schemeClr val="accent3"/>
+    </dgm:linClrLst>
+    <dgm:effectClrLst/>
+    <dgm:txLinClrLst/>
+    <dgm:txFillClrLst meth="repeat">
+      <a:schemeClr val="lt1"/>
+    </dgm:txFillClrLst>
+    <dgm:txEffectClrLst/>
+  </dgm:styleLbl>
+  <dgm:styleLbl name="trBgShp">
+    <dgm:fillClrLst meth="repeat">
+      <a:schemeClr val="accent3">
+        <a:tint val="50000"/>
+        <a:alpha val="40000"/>
+      </a:schemeClr>
+    </dgm:fillClrLst>
+    <dgm:linClrLst meth="repeat">
+      <a:schemeClr val="accent3"/>
+    </dgm:linClrLst>
+    <dgm:effectClrLst/>
+    <dgm:txLinClrLst/>
+    <dgm:txFillClrLst meth="repeat">
+      <a:schemeClr val="lt1"/>
+    </dgm:txFillClrLst>
+    <dgm:txEffectClrLst/>
+  </dgm:styleLbl>
+  <dgm:styleLbl name="fgShp">
+    <dgm:fillClrLst meth="repeat">
+      <a:schemeClr val="accent3">
+        <a:tint val="60000"/>
+      </a:schemeClr>
+    </dgm:fillClrLst>
+    <dgm:linClrLst meth="repeat">
+      <a:schemeClr val="lt1"/>
+    </dgm:linClrLst>
+    <dgm:effectClrLst/>
+    <dgm:txLinClrLst/>
+    <dgm:txFillClrLst meth="repeat">
+      <a:schemeClr val="dk1"/>
+    </dgm:txFillClrLst>
+    <dgm:txEffectClrLst/>
+  </dgm:styleLbl>
+  <dgm:styleLbl name="revTx">
+    <dgm:fillClrLst meth="repeat">
+      <a:schemeClr val="lt1">
+        <a:alpha val="0"/>
+      </a:schemeClr>
+    </dgm:fillClrLst>
+    <dgm:linClrLst meth="repeat">
+      <a:schemeClr val="dk1">
+        <a:alpha val="0"/>
+      </a:schemeClr>
+    </dgm:linClrLst>
+    <dgm:effectClrLst/>
+    <dgm:txLinClrLst/>
+    <dgm:txFillClrLst meth="repeat">
+      <a:schemeClr val="tx1"/>
+    </dgm:txFillClrLst>
+    <dgm:txEffectClrLst/>
+  </dgm:styleLbl>
+</dgm:colorsDef>
+</file>
+
+<file path=ppt/diagrams/data1.xml><?xml version="1.0" encoding="utf-8"?>
+<dgm:dataModel xmlns:dgm="http://schemas.openxmlformats.org/drawingml/2006/diagram" xmlns:a="http://schemas.openxmlformats.org/drawingml/2006/main">
+  <dgm:ptLst>
+    <dgm:pt modelId="{D44CA352-BCFF-463A-A30F-4049CB819399}" type="doc">
+      <dgm:prSet loTypeId="urn:microsoft.com/office/officeart/2005/8/layout/cycle8" loCatId="cycle" qsTypeId="urn:microsoft.com/office/officeart/2005/8/quickstyle/simple1" qsCatId="simple" csTypeId="urn:microsoft.com/office/officeart/2005/8/colors/accent3_2" csCatId="accent3" phldr="1"/>
+      <dgm:spPr/>
+    </dgm:pt>
+    <dgm:pt modelId="{2995BECA-5FCE-4363-8CE4-56A7E6D8E1C4}">
+      <dgm:prSet phldrT="[テキスト]" custT="1"/>
+      <dgm:spPr/>
+      <dgm:t>
+        <a:bodyPr/>
+        <a:lstStyle/>
+        <a:p>
+          <a:r>
+            <a:rPr kumimoji="1" lang="ja-JP" altLang="en-US" sz="2400" dirty="0">
+              <a:solidFill>
+                <a:schemeClr val="tx1"/>
+              </a:solidFill>
+              <a:latin typeface="ＭＳ ゴシック" panose="020B0609070205080204" pitchFamily="49" charset="-128"/>
+              <a:ea typeface="ＭＳ ゴシック" panose="020B0609070205080204" pitchFamily="49" charset="-128"/>
+            </a:rPr>
+            <a:t>設計</a:t>
+          </a:r>
+          <a:endParaRPr kumimoji="1" lang="ja-JP" altLang="en-US" sz="3100" dirty="0">
+            <a:solidFill>
+              <a:schemeClr val="tx1"/>
+            </a:solidFill>
+            <a:latin typeface="ＭＳ ゴシック" panose="020B0609070205080204" pitchFamily="49" charset="-128"/>
+            <a:ea typeface="ＭＳ ゴシック" panose="020B0609070205080204" pitchFamily="49" charset="-128"/>
+          </a:endParaRPr>
+        </a:p>
+      </dgm:t>
+    </dgm:pt>
+    <dgm:pt modelId="{F74F908B-FE6A-4231-970F-865C3A49B02A}" type="parTrans" cxnId="{3D6B8863-E9AC-4B79-A471-1F32935C3D1F}">
+      <dgm:prSet/>
+      <dgm:spPr/>
+      <dgm:t>
+        <a:bodyPr/>
+        <a:lstStyle/>
+        <a:p>
+          <a:endParaRPr kumimoji="1" lang="ja-JP" altLang="en-US"/>
+        </a:p>
+      </dgm:t>
+    </dgm:pt>
+    <dgm:pt modelId="{06A48849-D51D-4655-885F-173F815D8CA8}" type="sibTrans" cxnId="{3D6B8863-E9AC-4B79-A471-1F32935C3D1F}">
+      <dgm:prSet/>
+      <dgm:spPr/>
+      <dgm:t>
+        <a:bodyPr/>
+        <a:lstStyle/>
+        <a:p>
+          <a:endParaRPr kumimoji="1" lang="ja-JP" altLang="en-US"/>
+        </a:p>
+      </dgm:t>
+    </dgm:pt>
+    <dgm:pt modelId="{B138D4ED-4C25-4A20-A2EA-8D298B80FAB8}">
+      <dgm:prSet phldrT="[テキスト]" custT="1"/>
+      <dgm:spPr/>
+      <dgm:t>
+        <a:bodyPr/>
+        <a:lstStyle/>
+        <a:p>
+          <a:r>
+            <a:rPr kumimoji="1" lang="ja-JP" altLang="en-US" sz="2400" dirty="0">
+              <a:solidFill>
+                <a:schemeClr val="tx1"/>
+              </a:solidFill>
+              <a:latin typeface="ＭＳ ゴシック" panose="020B0609070205080204" pitchFamily="49" charset="-128"/>
+              <a:ea typeface="ＭＳ ゴシック" panose="020B0609070205080204" pitchFamily="49" charset="-128"/>
+            </a:rPr>
+            <a:t>実装</a:t>
+          </a:r>
+          <a:endParaRPr kumimoji="1" lang="ja-JP" altLang="en-US" sz="3100" dirty="0">
+            <a:solidFill>
+              <a:schemeClr val="tx1"/>
+            </a:solidFill>
+            <a:latin typeface="ＭＳ ゴシック" panose="020B0609070205080204" pitchFamily="49" charset="-128"/>
+            <a:ea typeface="ＭＳ ゴシック" panose="020B0609070205080204" pitchFamily="49" charset="-128"/>
+          </a:endParaRPr>
+        </a:p>
+      </dgm:t>
+    </dgm:pt>
+    <dgm:pt modelId="{09EDDC40-7B81-4408-ADD1-AE1EBD04178A}" type="parTrans" cxnId="{DA394EB8-DE4E-4C1C-B34D-806DA01ADAED}">
+      <dgm:prSet/>
+      <dgm:spPr/>
+      <dgm:t>
+        <a:bodyPr/>
+        <a:lstStyle/>
+        <a:p>
+          <a:endParaRPr kumimoji="1" lang="ja-JP" altLang="en-US"/>
+        </a:p>
+      </dgm:t>
+    </dgm:pt>
+    <dgm:pt modelId="{25A47749-D1AA-4A15-9E92-6C23B92B62CA}" type="sibTrans" cxnId="{DA394EB8-DE4E-4C1C-B34D-806DA01ADAED}">
+      <dgm:prSet/>
+      <dgm:spPr/>
+      <dgm:t>
+        <a:bodyPr/>
+        <a:lstStyle/>
+        <a:p>
+          <a:endParaRPr kumimoji="1" lang="ja-JP" altLang="en-US"/>
+        </a:p>
+      </dgm:t>
+    </dgm:pt>
+    <dgm:pt modelId="{2685CF82-5918-45E9-BFC7-FB490C28CF54}">
+      <dgm:prSet phldrT="[テキスト]" custT="1"/>
+      <dgm:spPr/>
+      <dgm:t>
+        <a:bodyPr/>
+        <a:lstStyle/>
+        <a:p>
+          <a:r>
+            <a:rPr kumimoji="1" lang="ja-JP" altLang="en-US" sz="2000" dirty="0">
+              <a:solidFill>
+                <a:schemeClr val="tx1"/>
+              </a:solidFill>
+              <a:latin typeface="ＭＳ ゴシック" panose="020B0609070205080204" pitchFamily="49" charset="-128"/>
+              <a:ea typeface="ＭＳ ゴシック" panose="020B0609070205080204" pitchFamily="49" charset="-128"/>
+            </a:rPr>
+            <a:t>テスト</a:t>
+          </a:r>
+          <a:endParaRPr kumimoji="1" lang="ja-JP" altLang="en-US" sz="3100" dirty="0">
+            <a:solidFill>
+              <a:schemeClr val="tx1"/>
+            </a:solidFill>
+            <a:latin typeface="ＭＳ ゴシック" panose="020B0609070205080204" pitchFamily="49" charset="-128"/>
+            <a:ea typeface="ＭＳ ゴシック" panose="020B0609070205080204" pitchFamily="49" charset="-128"/>
+          </a:endParaRPr>
+        </a:p>
+      </dgm:t>
+    </dgm:pt>
+    <dgm:pt modelId="{E9C15C52-1A3D-42CF-A43E-F96718F6CA80}" type="parTrans" cxnId="{9D5C873C-977A-4896-BFB8-47C98D407B5E}">
+      <dgm:prSet/>
+      <dgm:spPr/>
+      <dgm:t>
+        <a:bodyPr/>
+        <a:lstStyle/>
+        <a:p>
+          <a:endParaRPr kumimoji="1" lang="ja-JP" altLang="en-US"/>
+        </a:p>
+      </dgm:t>
+    </dgm:pt>
+    <dgm:pt modelId="{48E05DED-3BD4-4B9F-9346-E7A3455CC0C2}" type="sibTrans" cxnId="{9D5C873C-977A-4896-BFB8-47C98D407B5E}">
+      <dgm:prSet/>
+      <dgm:spPr/>
+      <dgm:t>
+        <a:bodyPr/>
+        <a:lstStyle/>
+        <a:p>
+          <a:endParaRPr kumimoji="1" lang="ja-JP" altLang="en-US"/>
+        </a:p>
+      </dgm:t>
+    </dgm:pt>
+    <dgm:pt modelId="{7772613F-4BD5-4EE9-9055-3AD6D12AE64C}">
+      <dgm:prSet phldrT="[テキスト]" custT="1"/>
+      <dgm:spPr/>
+      <dgm:t>
+        <a:bodyPr/>
+        <a:lstStyle/>
+        <a:p>
+          <a:r>
+            <a:rPr kumimoji="1" lang="ja-JP" altLang="en-US" sz="2000" dirty="0">
+              <a:solidFill>
+                <a:schemeClr val="tx1"/>
+              </a:solidFill>
+              <a:latin typeface="ＭＳ ゴシック" panose="020B0609070205080204" pitchFamily="49" charset="-128"/>
+              <a:ea typeface="ＭＳ ゴシック" panose="020B0609070205080204" pitchFamily="49" charset="-128"/>
+            </a:rPr>
+            <a:t>レビュー</a:t>
+          </a:r>
+        </a:p>
+      </dgm:t>
+    </dgm:pt>
+    <dgm:pt modelId="{FCC7674A-2263-4F7B-9539-6AA595B1CF0C}" type="parTrans" cxnId="{EA868D97-A95C-4C1B-989C-CE655B6D3517}">
+      <dgm:prSet/>
+      <dgm:spPr/>
+      <dgm:t>
+        <a:bodyPr/>
+        <a:lstStyle/>
+        <a:p>
+          <a:endParaRPr kumimoji="1" lang="ja-JP" altLang="en-US"/>
+        </a:p>
+      </dgm:t>
+    </dgm:pt>
+    <dgm:pt modelId="{448AB8EA-ECA3-4444-A32B-0935EABD1E0C}" type="sibTrans" cxnId="{EA868D97-A95C-4C1B-989C-CE655B6D3517}">
+      <dgm:prSet/>
+      <dgm:spPr/>
+      <dgm:t>
+        <a:bodyPr/>
+        <a:lstStyle/>
+        <a:p>
+          <a:endParaRPr kumimoji="1" lang="ja-JP" altLang="en-US"/>
+        </a:p>
+      </dgm:t>
+    </dgm:pt>
+    <dgm:pt modelId="{0AE6D2CE-FD28-4B2F-A212-B9169696E6D5}" type="pres">
+      <dgm:prSet presAssocID="{D44CA352-BCFF-463A-A30F-4049CB819399}" presName="compositeShape" presStyleCnt="0">
+        <dgm:presLayoutVars>
+          <dgm:chMax val="7"/>
+          <dgm:dir/>
+          <dgm:resizeHandles val="exact"/>
+        </dgm:presLayoutVars>
+      </dgm:prSet>
+      <dgm:spPr/>
+    </dgm:pt>
+    <dgm:pt modelId="{0A9458E2-FF44-43B2-99D0-7474D464CCA6}" type="pres">
+      <dgm:prSet presAssocID="{D44CA352-BCFF-463A-A30F-4049CB819399}" presName="wedge1" presStyleLbl="node1" presStyleIdx="0" presStyleCnt="4"/>
+      <dgm:spPr/>
+      <dgm:t>
+        <a:bodyPr/>
+        <a:lstStyle/>
+        <a:p>
+          <a:endParaRPr kumimoji="1" lang="ja-JP" altLang="en-US"/>
+        </a:p>
+      </dgm:t>
+    </dgm:pt>
+    <dgm:pt modelId="{4F094212-E051-4CCD-88B0-49D96100CD2F}" type="pres">
+      <dgm:prSet presAssocID="{D44CA352-BCFF-463A-A30F-4049CB819399}" presName="dummy1a" presStyleCnt="0"/>
+      <dgm:spPr/>
+    </dgm:pt>
+    <dgm:pt modelId="{FA25D454-EDE2-4E4C-A8F5-9225600A6153}" type="pres">
+      <dgm:prSet presAssocID="{D44CA352-BCFF-463A-A30F-4049CB819399}" presName="dummy1b" presStyleCnt="0"/>
+      <dgm:spPr/>
+    </dgm:pt>
+    <dgm:pt modelId="{3D69C20C-6352-4993-AF49-043EB7F71C2C}" type="pres">
+      <dgm:prSet presAssocID="{D44CA352-BCFF-463A-A30F-4049CB819399}" presName="wedge1Tx" presStyleLbl="node1" presStyleIdx="0" presStyleCnt="4">
+        <dgm:presLayoutVars>
+          <dgm:chMax val="0"/>
+          <dgm:chPref val="0"/>
+          <dgm:bulletEnabled val="1"/>
+        </dgm:presLayoutVars>
+      </dgm:prSet>
+      <dgm:spPr/>
+      <dgm:t>
+        <a:bodyPr/>
+        <a:lstStyle/>
+        <a:p>
+          <a:endParaRPr kumimoji="1" lang="ja-JP" altLang="en-US"/>
+        </a:p>
+      </dgm:t>
+    </dgm:pt>
+    <dgm:pt modelId="{9FA76D64-2C2D-4855-A5A0-A957E7364EE8}" type="pres">
+      <dgm:prSet presAssocID="{D44CA352-BCFF-463A-A30F-4049CB819399}" presName="wedge2" presStyleLbl="node1" presStyleIdx="1" presStyleCnt="4"/>
+      <dgm:spPr/>
+      <dgm:t>
+        <a:bodyPr/>
+        <a:lstStyle/>
+        <a:p>
+          <a:endParaRPr kumimoji="1" lang="ja-JP" altLang="en-US"/>
+        </a:p>
+      </dgm:t>
+    </dgm:pt>
+    <dgm:pt modelId="{52484191-A9BC-42B7-A1DA-5478D3C517DD}" type="pres">
+      <dgm:prSet presAssocID="{D44CA352-BCFF-463A-A30F-4049CB819399}" presName="dummy2a" presStyleCnt="0"/>
+      <dgm:spPr/>
+    </dgm:pt>
+    <dgm:pt modelId="{D8F5DF89-A46A-4AF0-BBB0-A6903D333C9D}" type="pres">
+      <dgm:prSet presAssocID="{D44CA352-BCFF-463A-A30F-4049CB819399}" presName="dummy2b" presStyleCnt="0"/>
+      <dgm:spPr/>
+    </dgm:pt>
+    <dgm:pt modelId="{C0D4C020-F7DC-4ABD-A8E3-9BDF1D05F106}" type="pres">
+      <dgm:prSet presAssocID="{D44CA352-BCFF-463A-A30F-4049CB819399}" presName="wedge2Tx" presStyleLbl="node1" presStyleIdx="1" presStyleCnt="4">
+        <dgm:presLayoutVars>
+          <dgm:chMax val="0"/>
+          <dgm:chPref val="0"/>
+          <dgm:bulletEnabled val="1"/>
+        </dgm:presLayoutVars>
+      </dgm:prSet>
+      <dgm:spPr/>
+      <dgm:t>
+        <a:bodyPr/>
+        <a:lstStyle/>
+        <a:p>
+          <a:endParaRPr kumimoji="1" lang="ja-JP" altLang="en-US"/>
+        </a:p>
+      </dgm:t>
+    </dgm:pt>
+    <dgm:pt modelId="{40953A5A-3C97-4705-B0BC-78459BC07D45}" type="pres">
+      <dgm:prSet presAssocID="{D44CA352-BCFF-463A-A30F-4049CB819399}" presName="wedge3" presStyleLbl="node1" presStyleIdx="2" presStyleCnt="4"/>
+      <dgm:spPr/>
+      <dgm:t>
+        <a:bodyPr/>
+        <a:lstStyle/>
+        <a:p>
+          <a:endParaRPr kumimoji="1" lang="ja-JP" altLang="en-US"/>
+        </a:p>
+      </dgm:t>
+    </dgm:pt>
+    <dgm:pt modelId="{A6FAF7C9-2E24-46C9-A2D6-3855A366563D}" type="pres">
+      <dgm:prSet presAssocID="{D44CA352-BCFF-463A-A30F-4049CB819399}" presName="dummy3a" presStyleCnt="0"/>
+      <dgm:spPr/>
+    </dgm:pt>
+    <dgm:pt modelId="{FF74D1B5-6210-4591-88E0-6C286D2748ED}" type="pres">
+      <dgm:prSet presAssocID="{D44CA352-BCFF-463A-A30F-4049CB819399}" presName="dummy3b" presStyleCnt="0"/>
+      <dgm:spPr/>
+    </dgm:pt>
+    <dgm:pt modelId="{F44C514F-F109-410D-BC79-91432D105920}" type="pres">
+      <dgm:prSet presAssocID="{D44CA352-BCFF-463A-A30F-4049CB819399}" presName="wedge3Tx" presStyleLbl="node1" presStyleIdx="2" presStyleCnt="4">
+        <dgm:presLayoutVars>
+          <dgm:chMax val="0"/>
+          <dgm:chPref val="0"/>
+          <dgm:bulletEnabled val="1"/>
+        </dgm:presLayoutVars>
+      </dgm:prSet>
+      <dgm:spPr/>
+      <dgm:t>
+        <a:bodyPr/>
+        <a:lstStyle/>
+        <a:p>
+          <a:endParaRPr kumimoji="1" lang="ja-JP" altLang="en-US"/>
+        </a:p>
+      </dgm:t>
+    </dgm:pt>
+    <dgm:pt modelId="{9B21ADF4-6BC6-4455-9052-22527DD99F94}" type="pres">
+      <dgm:prSet presAssocID="{D44CA352-BCFF-463A-A30F-4049CB819399}" presName="wedge4" presStyleLbl="node1" presStyleIdx="3" presStyleCnt="4"/>
+      <dgm:spPr/>
+      <dgm:t>
+        <a:bodyPr/>
+        <a:lstStyle/>
+        <a:p>
+          <a:endParaRPr kumimoji="1" lang="ja-JP" altLang="en-US"/>
+        </a:p>
+      </dgm:t>
+    </dgm:pt>
+    <dgm:pt modelId="{13EE6114-652A-44C9-9EB0-D045C61E8BF4}" type="pres">
+      <dgm:prSet presAssocID="{D44CA352-BCFF-463A-A30F-4049CB819399}" presName="dummy4a" presStyleCnt="0"/>
+      <dgm:spPr/>
+    </dgm:pt>
+    <dgm:pt modelId="{F504C841-40E8-47E8-B0FA-F9F2EBC8707D}" type="pres">
+      <dgm:prSet presAssocID="{D44CA352-BCFF-463A-A30F-4049CB819399}" presName="dummy4b" presStyleCnt="0"/>
+      <dgm:spPr/>
+    </dgm:pt>
+    <dgm:pt modelId="{0AC03C67-16B5-4860-A2FF-E17CE222266E}" type="pres">
+      <dgm:prSet presAssocID="{D44CA352-BCFF-463A-A30F-4049CB819399}" presName="wedge4Tx" presStyleLbl="node1" presStyleIdx="3" presStyleCnt="4">
+        <dgm:presLayoutVars>
+          <dgm:chMax val="0"/>
+          <dgm:chPref val="0"/>
+          <dgm:bulletEnabled val="1"/>
+        </dgm:presLayoutVars>
+      </dgm:prSet>
+      <dgm:spPr/>
+      <dgm:t>
+        <a:bodyPr/>
+        <a:lstStyle/>
+        <a:p>
+          <a:endParaRPr kumimoji="1" lang="ja-JP" altLang="en-US"/>
+        </a:p>
+      </dgm:t>
+    </dgm:pt>
+    <dgm:pt modelId="{67036E4C-7224-4522-9012-B70FCD7CF591}" type="pres">
+      <dgm:prSet presAssocID="{06A48849-D51D-4655-885F-173F815D8CA8}" presName="arrowWedge1" presStyleLbl="fgSibTrans2D1" presStyleIdx="0" presStyleCnt="4"/>
+      <dgm:spPr/>
+    </dgm:pt>
+    <dgm:pt modelId="{61C36903-40D1-470F-A1BF-870D4D11899B}" type="pres">
+      <dgm:prSet presAssocID="{25A47749-D1AA-4A15-9E92-6C23B92B62CA}" presName="arrowWedge2" presStyleLbl="fgSibTrans2D1" presStyleIdx="1" presStyleCnt="4"/>
+      <dgm:spPr/>
+    </dgm:pt>
+    <dgm:pt modelId="{71F3BD1D-18A4-492B-B5F3-7E323E43D5CF}" type="pres">
+      <dgm:prSet presAssocID="{48E05DED-3BD4-4B9F-9346-E7A3455CC0C2}" presName="arrowWedge3" presStyleLbl="fgSibTrans2D1" presStyleIdx="2" presStyleCnt="4"/>
+      <dgm:spPr/>
+    </dgm:pt>
+    <dgm:pt modelId="{AA510AC7-B190-497F-9A85-49FE0246E435}" type="pres">
+      <dgm:prSet presAssocID="{448AB8EA-ECA3-4444-A32B-0935EABD1E0C}" presName="arrowWedge4" presStyleLbl="fgSibTrans2D1" presStyleIdx="3" presStyleCnt="4"/>
+      <dgm:spPr/>
+    </dgm:pt>
+  </dgm:ptLst>
+  <dgm:cxnLst>
+    <dgm:cxn modelId="{EA868D97-A95C-4C1B-989C-CE655B6D3517}" srcId="{D44CA352-BCFF-463A-A30F-4049CB819399}" destId="{7772613F-4BD5-4EE9-9055-3AD6D12AE64C}" srcOrd="3" destOrd="0" parTransId="{FCC7674A-2263-4F7B-9539-6AA595B1CF0C}" sibTransId="{448AB8EA-ECA3-4444-A32B-0935EABD1E0C}"/>
+    <dgm:cxn modelId="{3D6B8863-E9AC-4B79-A471-1F32935C3D1F}" srcId="{D44CA352-BCFF-463A-A30F-4049CB819399}" destId="{2995BECA-5FCE-4363-8CE4-56A7E6D8E1C4}" srcOrd="0" destOrd="0" parTransId="{F74F908B-FE6A-4231-970F-865C3A49B02A}" sibTransId="{06A48849-D51D-4655-885F-173F815D8CA8}"/>
+    <dgm:cxn modelId="{0796FFF6-D660-BB47-B5FC-235E66D5AC0B}" type="presOf" srcId="{B138D4ED-4C25-4A20-A2EA-8D298B80FAB8}" destId="{9FA76D64-2C2D-4855-A5A0-A957E7364EE8}" srcOrd="0" destOrd="0" presId="urn:microsoft.com/office/officeart/2005/8/layout/cycle8"/>
+    <dgm:cxn modelId="{9D5C873C-977A-4896-BFB8-47C98D407B5E}" srcId="{D44CA352-BCFF-463A-A30F-4049CB819399}" destId="{2685CF82-5918-45E9-BFC7-FB490C28CF54}" srcOrd="2" destOrd="0" parTransId="{E9C15C52-1A3D-42CF-A43E-F96718F6CA80}" sibTransId="{48E05DED-3BD4-4B9F-9346-E7A3455CC0C2}"/>
+    <dgm:cxn modelId="{493CF36E-60AE-B446-A28A-B31A5551696E}" type="presOf" srcId="{2995BECA-5FCE-4363-8CE4-56A7E6D8E1C4}" destId="{3D69C20C-6352-4993-AF49-043EB7F71C2C}" srcOrd="1" destOrd="0" presId="urn:microsoft.com/office/officeart/2005/8/layout/cycle8"/>
+    <dgm:cxn modelId="{0FF8D3F1-6E6D-814A-95EB-6FD3173837DD}" type="presOf" srcId="{7772613F-4BD5-4EE9-9055-3AD6D12AE64C}" destId="{9B21ADF4-6BC6-4455-9052-22527DD99F94}" srcOrd="0" destOrd="0" presId="urn:microsoft.com/office/officeart/2005/8/layout/cycle8"/>
+    <dgm:cxn modelId="{D368FADF-FD20-424B-9ECD-972FB141FF08}" type="presOf" srcId="{2685CF82-5918-45E9-BFC7-FB490C28CF54}" destId="{F44C514F-F109-410D-BC79-91432D105920}" srcOrd="1" destOrd="0" presId="urn:microsoft.com/office/officeart/2005/8/layout/cycle8"/>
+    <dgm:cxn modelId="{F3CE0491-4C2E-5C48-BD37-B91039D1668F}" type="presOf" srcId="{B138D4ED-4C25-4A20-A2EA-8D298B80FAB8}" destId="{C0D4C020-F7DC-4ABD-A8E3-9BDF1D05F106}" srcOrd="1" destOrd="0" presId="urn:microsoft.com/office/officeart/2005/8/layout/cycle8"/>
+    <dgm:cxn modelId="{3D2B88DA-224A-AF45-B973-AE5B7EE8E013}" type="presOf" srcId="{2685CF82-5918-45E9-BFC7-FB490C28CF54}" destId="{40953A5A-3C97-4705-B0BC-78459BC07D45}" srcOrd="0" destOrd="0" presId="urn:microsoft.com/office/officeart/2005/8/layout/cycle8"/>
+    <dgm:cxn modelId="{DA394EB8-DE4E-4C1C-B34D-806DA01ADAED}" srcId="{D44CA352-BCFF-463A-A30F-4049CB819399}" destId="{B138D4ED-4C25-4A20-A2EA-8D298B80FAB8}" srcOrd="1" destOrd="0" parTransId="{09EDDC40-7B81-4408-ADD1-AE1EBD04178A}" sibTransId="{25A47749-D1AA-4A15-9E92-6C23B92B62CA}"/>
+    <dgm:cxn modelId="{10E74AB6-70FE-8C49-BA99-D11EB294E8F3}" type="presOf" srcId="{2995BECA-5FCE-4363-8CE4-56A7E6D8E1C4}" destId="{0A9458E2-FF44-43B2-99D0-7474D464CCA6}" srcOrd="0" destOrd="0" presId="urn:microsoft.com/office/officeart/2005/8/layout/cycle8"/>
+    <dgm:cxn modelId="{17DEA2B5-E636-644E-A73C-DF0C72EC1AED}" type="presOf" srcId="{D44CA352-BCFF-463A-A30F-4049CB819399}" destId="{0AE6D2CE-FD28-4B2F-A212-B9169696E6D5}" srcOrd="0" destOrd="0" presId="urn:microsoft.com/office/officeart/2005/8/layout/cycle8"/>
+    <dgm:cxn modelId="{46FD85F9-C11A-6A4F-85CD-6D64A090E649}" type="presOf" srcId="{7772613F-4BD5-4EE9-9055-3AD6D12AE64C}" destId="{0AC03C67-16B5-4860-A2FF-E17CE222266E}" srcOrd="1" destOrd="0" presId="urn:microsoft.com/office/officeart/2005/8/layout/cycle8"/>
+    <dgm:cxn modelId="{8EF25E6B-7925-8948-8089-655E70E796EA}" type="presParOf" srcId="{0AE6D2CE-FD28-4B2F-A212-B9169696E6D5}" destId="{0A9458E2-FF44-43B2-99D0-7474D464CCA6}" srcOrd="0" destOrd="0" presId="urn:microsoft.com/office/officeart/2005/8/layout/cycle8"/>
+    <dgm:cxn modelId="{879965A8-87A5-9B4B-8031-A5DB5FEF7F63}" type="presParOf" srcId="{0AE6D2CE-FD28-4B2F-A212-B9169696E6D5}" destId="{4F094212-E051-4CCD-88B0-49D96100CD2F}" srcOrd="1" destOrd="0" presId="urn:microsoft.com/office/officeart/2005/8/layout/cycle8"/>
+    <dgm:cxn modelId="{58FB07E2-A0F6-3E4B-9771-D858A6378A23}" type="presParOf" srcId="{0AE6D2CE-FD28-4B2F-A212-B9169696E6D5}" destId="{FA25D454-EDE2-4E4C-A8F5-9225600A6153}" srcOrd="2" destOrd="0" presId="urn:microsoft.com/office/officeart/2005/8/layout/cycle8"/>
+    <dgm:cxn modelId="{6C6EB962-B6EA-654D-9E8A-04924C7252CF}" type="presParOf" srcId="{0AE6D2CE-FD28-4B2F-A212-B9169696E6D5}" destId="{3D69C20C-6352-4993-AF49-043EB7F71C2C}" srcOrd="3" destOrd="0" presId="urn:microsoft.com/office/officeart/2005/8/layout/cycle8"/>
+    <dgm:cxn modelId="{E2CB2960-B668-3D46-8AEA-92C530C4D376}" type="presParOf" srcId="{0AE6D2CE-FD28-4B2F-A212-B9169696E6D5}" destId="{9FA76D64-2C2D-4855-A5A0-A957E7364EE8}" srcOrd="4" destOrd="0" presId="urn:microsoft.com/office/officeart/2005/8/layout/cycle8"/>
+    <dgm:cxn modelId="{D9A2C629-9EDA-404E-9235-8EE5CA437A6D}" type="presParOf" srcId="{0AE6D2CE-FD28-4B2F-A212-B9169696E6D5}" destId="{52484191-A9BC-42B7-A1DA-5478D3C517DD}" srcOrd="5" destOrd="0" presId="urn:microsoft.com/office/officeart/2005/8/layout/cycle8"/>
+    <dgm:cxn modelId="{04C1034E-CBFC-D141-AECB-2B74BAC1E78A}" type="presParOf" srcId="{0AE6D2CE-FD28-4B2F-A212-B9169696E6D5}" destId="{D8F5DF89-A46A-4AF0-BBB0-A6903D333C9D}" srcOrd="6" destOrd="0" presId="urn:microsoft.com/office/officeart/2005/8/layout/cycle8"/>
+    <dgm:cxn modelId="{4EDABD96-1336-8040-9F20-FB02630BCF4F}" type="presParOf" srcId="{0AE6D2CE-FD28-4B2F-A212-B9169696E6D5}" destId="{C0D4C020-F7DC-4ABD-A8E3-9BDF1D05F106}" srcOrd="7" destOrd="0" presId="urn:microsoft.com/office/officeart/2005/8/layout/cycle8"/>
+    <dgm:cxn modelId="{53F2B31C-68D6-7546-AD36-5702ED9207F2}" type="presParOf" srcId="{0AE6D2CE-FD28-4B2F-A212-B9169696E6D5}" destId="{40953A5A-3C97-4705-B0BC-78459BC07D45}" srcOrd="8" destOrd="0" presId="urn:microsoft.com/office/officeart/2005/8/layout/cycle8"/>
+    <dgm:cxn modelId="{55EA4544-A40E-1141-BD8A-679D7C3B70C3}" type="presParOf" srcId="{0AE6D2CE-FD28-4B2F-A212-B9169696E6D5}" destId="{A6FAF7C9-2E24-46C9-A2D6-3855A366563D}" srcOrd="9" destOrd="0" presId="urn:microsoft.com/office/officeart/2005/8/layout/cycle8"/>
+    <dgm:cxn modelId="{7CC02277-CC87-EC44-86A4-A469A3F2B391}" type="presParOf" srcId="{0AE6D2CE-FD28-4B2F-A212-B9169696E6D5}" destId="{FF74D1B5-6210-4591-88E0-6C286D2748ED}" srcOrd="10" destOrd="0" presId="urn:microsoft.com/office/officeart/2005/8/layout/cycle8"/>
+    <dgm:cxn modelId="{39A729E7-8EA6-A54C-946C-477E7A4AC5F7}" type="presParOf" srcId="{0AE6D2CE-FD28-4B2F-A212-B9169696E6D5}" destId="{F44C514F-F109-410D-BC79-91432D105920}" srcOrd="11" destOrd="0" presId="urn:microsoft.com/office/officeart/2005/8/layout/cycle8"/>
+    <dgm:cxn modelId="{6F74C248-123C-C24D-8159-DE772D639A7E}" type="presParOf" srcId="{0AE6D2CE-FD28-4B2F-A212-B9169696E6D5}" destId="{9B21ADF4-6BC6-4455-9052-22527DD99F94}" srcOrd="12" destOrd="0" presId="urn:microsoft.com/office/officeart/2005/8/layout/cycle8"/>
+    <dgm:cxn modelId="{6067D0F1-B6D2-A04A-948E-50B4C2899F34}" type="presParOf" srcId="{0AE6D2CE-FD28-4B2F-A212-B9169696E6D5}" destId="{13EE6114-652A-44C9-9EB0-D045C61E8BF4}" srcOrd="13" destOrd="0" presId="urn:microsoft.com/office/officeart/2005/8/layout/cycle8"/>
+    <dgm:cxn modelId="{DCB15A07-1760-974D-8A1B-659F0A88537A}" type="presParOf" srcId="{0AE6D2CE-FD28-4B2F-A212-B9169696E6D5}" destId="{F504C841-40E8-47E8-B0FA-F9F2EBC8707D}" srcOrd="14" destOrd="0" presId="urn:microsoft.com/office/officeart/2005/8/layout/cycle8"/>
+    <dgm:cxn modelId="{69301D9A-F730-3A46-BD2B-6073E72F046C}" type="presParOf" srcId="{0AE6D2CE-FD28-4B2F-A212-B9169696E6D5}" destId="{0AC03C67-16B5-4860-A2FF-E17CE222266E}" srcOrd="15" destOrd="0" presId="urn:microsoft.com/office/officeart/2005/8/layout/cycle8"/>
+    <dgm:cxn modelId="{69D7A794-BDDA-8145-BAB6-9E29CFD0CF9A}" type="presParOf" srcId="{0AE6D2CE-FD28-4B2F-A212-B9169696E6D5}" destId="{67036E4C-7224-4522-9012-B70FCD7CF591}" srcOrd="16" destOrd="0" presId="urn:microsoft.com/office/officeart/2005/8/layout/cycle8"/>
+    <dgm:cxn modelId="{AA5B3F5D-94BF-8B43-AA89-49A5AC4E0DB7}" type="presParOf" srcId="{0AE6D2CE-FD28-4B2F-A212-B9169696E6D5}" destId="{61C36903-40D1-470F-A1BF-870D4D11899B}" srcOrd="17" destOrd="0" presId="urn:microsoft.com/office/officeart/2005/8/layout/cycle8"/>
+    <dgm:cxn modelId="{750556B5-47DA-E045-81C6-3C1BD307A8D0}" type="presParOf" srcId="{0AE6D2CE-FD28-4B2F-A212-B9169696E6D5}" destId="{71F3BD1D-18A4-492B-B5F3-7E323E43D5CF}" srcOrd="18" destOrd="0" presId="urn:microsoft.com/office/officeart/2005/8/layout/cycle8"/>
+    <dgm:cxn modelId="{E2B20BE3-FE24-204C-BBC9-BDAEAA2789C3}" type="presParOf" srcId="{0AE6D2CE-FD28-4B2F-A212-B9169696E6D5}" destId="{AA510AC7-B190-497F-9A85-49FE0246E435}" srcOrd="19" destOrd="0" presId="urn:microsoft.com/office/officeart/2005/8/layout/cycle8"/>
+  </dgm:cxnLst>
+  <dgm:bg/>
+  <dgm:whole/>
+  <dgm:extLst>
+    <a:ext uri="http://schemas.microsoft.com/office/drawing/2008/diagram">
+      <dsp:dataModelExt xmlns:dsp="http://schemas.microsoft.com/office/drawing/2008/diagram" relId="rId6" minVer="http://schemas.openxmlformats.org/drawingml/2006/diagram"/>
+    </a:ext>
+  </dgm:extLst>
+</dgm:dataModel>
+</file>
+
+<file path=ppt/diagrams/drawing1.xml><?xml version="1.0" encoding="utf-8"?>
+<dsp:drawing xmlns:dgm="http://schemas.openxmlformats.org/drawingml/2006/diagram" xmlns:dsp="http://schemas.microsoft.com/office/drawing/2008/diagram" xmlns:a="http://schemas.openxmlformats.org/drawingml/2006/main">
+  <dsp:spTree>
+    <dsp:nvGrpSpPr>
+      <dsp:cNvPr id="0" name=""/>
+      <dsp:cNvGrpSpPr/>
+    </dsp:nvGrpSpPr>
+    <dsp:grpSpPr/>
+    <dsp:sp modelId="{0A9458E2-FF44-43B2-99D0-7474D464CCA6}">
+      <dsp:nvSpPr>
+        <dsp:cNvPr id="0" name=""/>
+        <dsp:cNvSpPr/>
+      </dsp:nvSpPr>
+      <dsp:spPr>
+        <a:xfrm>
+          <a:off x="408817" y="219656"/>
+          <a:ext cx="3029309" cy="3029309"/>
+        </a:xfrm>
+        <a:prstGeom prst="pie">
+          <a:avLst>
+            <a:gd name="adj1" fmla="val 16200000"/>
+            <a:gd name="adj2" fmla="val 0"/>
+          </a:avLst>
+        </a:prstGeom>
+        <a:solidFill>
+          <a:schemeClr val="accent3">
+            <a:hueOff val="0"/>
+            <a:satOff val="0"/>
+            <a:lumOff val="0"/>
+            <a:alphaOff val="0"/>
+          </a:schemeClr>
+        </a:solidFill>
+        <a:ln w="12700" cap="flat" cmpd="sng" algn="ctr">
+          <a:solidFill>
+            <a:schemeClr val="lt1">
+              <a:hueOff val="0"/>
+              <a:satOff val="0"/>
+              <a:lumOff val="0"/>
+              <a:alphaOff val="0"/>
+            </a:schemeClr>
+          </a:solidFill>
+          <a:prstDash val="solid"/>
+          <a:miter lim="800000"/>
+        </a:ln>
+        <a:effectLst/>
+      </dsp:spPr>
+      <dsp:style>
+        <a:lnRef idx="2">
+          <a:scrgbClr r="0" g="0" b="0"/>
+        </a:lnRef>
+        <a:fillRef idx="1">
+          <a:scrgbClr r="0" g="0" b="0"/>
+        </a:fillRef>
+        <a:effectRef idx="0">
+          <a:scrgbClr r="0" g="0" b="0"/>
+        </a:effectRef>
+        <a:fontRef idx="minor">
+          <a:schemeClr val="lt1"/>
+        </a:fontRef>
+      </dsp:style>
+      <dsp:txBody>
+        <a:bodyPr spcFirstLastPara="0" vert="horz" wrap="square" lIns="30480" tIns="30480" rIns="30480" bIns="30480" numCol="1" spcCol="1270" anchor="ctr" anchorCtr="0">
+          <a:noAutofit/>
+        </a:bodyPr>
+        <a:lstStyle/>
+        <a:p>
+          <a:pPr lvl="0" algn="ctr" defTabSz="1066800">
+            <a:lnSpc>
+              <a:spcPct val="90000"/>
+            </a:lnSpc>
+            <a:spcBef>
+              <a:spcPct val="0"/>
+            </a:spcBef>
+            <a:spcAft>
+              <a:spcPct val="35000"/>
+            </a:spcAft>
+          </a:pPr>
+          <a:r>
+            <a:rPr kumimoji="1" lang="ja-JP" altLang="en-US" sz="2400" kern="1200" dirty="0">
+              <a:solidFill>
+                <a:schemeClr val="tx1"/>
+              </a:solidFill>
+              <a:latin typeface="ＭＳ ゴシック" panose="020B0609070205080204" pitchFamily="49" charset="-128"/>
+              <a:ea typeface="ＭＳ ゴシック" panose="020B0609070205080204" pitchFamily="49" charset="-128"/>
+            </a:rPr>
+            <a:t>設計</a:t>
+          </a:r>
+          <a:endParaRPr kumimoji="1" lang="ja-JP" altLang="en-US" sz="3100" kern="1200" dirty="0">
+            <a:solidFill>
+              <a:schemeClr val="tx1"/>
+            </a:solidFill>
+            <a:latin typeface="ＭＳ ゴシック" panose="020B0609070205080204" pitchFamily="49" charset="-128"/>
+            <a:ea typeface="ＭＳ ゴシック" panose="020B0609070205080204" pitchFamily="49" charset="-128"/>
+          </a:endParaRPr>
+        </a:p>
+      </dsp:txBody>
+      <dsp:txXfrm>
+        <a:off x="2016876" y="847517"/>
+        <a:ext cx="1117959" cy="829453"/>
+      </dsp:txXfrm>
+    </dsp:sp>
+    <dsp:sp modelId="{9FA76D64-2C2D-4855-A5A0-A957E7364EE8}">
+      <dsp:nvSpPr>
+        <dsp:cNvPr id="0" name=""/>
+        <dsp:cNvSpPr/>
+      </dsp:nvSpPr>
+      <dsp:spPr>
+        <a:xfrm>
+          <a:off x="408817" y="321354"/>
+          <a:ext cx="3029309" cy="3029309"/>
+        </a:xfrm>
+        <a:prstGeom prst="pie">
+          <a:avLst>
+            <a:gd name="adj1" fmla="val 0"/>
+            <a:gd name="adj2" fmla="val 5400000"/>
+          </a:avLst>
+        </a:prstGeom>
+        <a:solidFill>
+          <a:schemeClr val="accent3">
+            <a:hueOff val="0"/>
+            <a:satOff val="0"/>
+            <a:lumOff val="0"/>
+            <a:alphaOff val="0"/>
+          </a:schemeClr>
+        </a:solidFill>
+        <a:ln w="12700" cap="flat" cmpd="sng" algn="ctr">
+          <a:solidFill>
+            <a:schemeClr val="lt1">
+              <a:hueOff val="0"/>
+              <a:satOff val="0"/>
+              <a:lumOff val="0"/>
+              <a:alphaOff val="0"/>
+            </a:schemeClr>
+          </a:solidFill>
+          <a:prstDash val="solid"/>
+          <a:miter lim="800000"/>
+        </a:ln>
+        <a:effectLst/>
+      </dsp:spPr>
+      <dsp:style>
+        <a:lnRef idx="2">
+          <a:scrgbClr r="0" g="0" b="0"/>
+        </a:lnRef>
+        <a:fillRef idx="1">
+          <a:scrgbClr r="0" g="0" b="0"/>
+        </a:fillRef>
+        <a:effectRef idx="0">
+          <a:scrgbClr r="0" g="0" b="0"/>
+        </a:effectRef>
+        <a:fontRef idx="minor">
+          <a:schemeClr val="lt1"/>
+        </a:fontRef>
+      </dsp:style>
+      <dsp:txBody>
+        <a:bodyPr spcFirstLastPara="0" vert="horz" wrap="square" lIns="30480" tIns="30480" rIns="30480" bIns="30480" numCol="1" spcCol="1270" anchor="ctr" anchorCtr="0">
+          <a:noAutofit/>
+        </a:bodyPr>
+        <a:lstStyle/>
+        <a:p>
+          <a:pPr lvl="0" algn="ctr" defTabSz="1066800">
+            <a:lnSpc>
+              <a:spcPct val="90000"/>
+            </a:lnSpc>
+            <a:spcBef>
+              <a:spcPct val="0"/>
+            </a:spcBef>
+            <a:spcAft>
+              <a:spcPct val="35000"/>
+            </a:spcAft>
+          </a:pPr>
+          <a:r>
+            <a:rPr kumimoji="1" lang="ja-JP" altLang="en-US" sz="2400" kern="1200" dirty="0">
+              <a:solidFill>
+                <a:schemeClr val="tx1"/>
+              </a:solidFill>
+              <a:latin typeface="ＭＳ ゴシック" panose="020B0609070205080204" pitchFamily="49" charset="-128"/>
+              <a:ea typeface="ＭＳ ゴシック" panose="020B0609070205080204" pitchFamily="49" charset="-128"/>
+            </a:rPr>
+            <a:t>実装</a:t>
+          </a:r>
+          <a:endParaRPr kumimoji="1" lang="ja-JP" altLang="en-US" sz="3100" kern="1200" dirty="0">
+            <a:solidFill>
+              <a:schemeClr val="tx1"/>
+            </a:solidFill>
+            <a:latin typeface="ＭＳ ゴシック" panose="020B0609070205080204" pitchFamily="49" charset="-128"/>
+            <a:ea typeface="ＭＳ ゴシック" panose="020B0609070205080204" pitchFamily="49" charset="-128"/>
+          </a:endParaRPr>
+        </a:p>
+      </dsp:txBody>
+      <dsp:txXfrm>
+        <a:off x="2016876" y="1893350"/>
+        <a:ext cx="1117959" cy="829453"/>
+      </dsp:txXfrm>
+    </dsp:sp>
+    <dsp:sp modelId="{40953A5A-3C97-4705-B0BC-78459BC07D45}">
+      <dsp:nvSpPr>
+        <dsp:cNvPr id="0" name=""/>
+        <dsp:cNvSpPr/>
+      </dsp:nvSpPr>
+      <dsp:spPr>
+        <a:xfrm>
+          <a:off x="307119" y="321354"/>
+          <a:ext cx="3029309" cy="3029309"/>
+        </a:xfrm>
+        <a:prstGeom prst="pie">
+          <a:avLst>
+            <a:gd name="adj1" fmla="val 5400000"/>
+            <a:gd name="adj2" fmla="val 10800000"/>
+          </a:avLst>
+        </a:prstGeom>
+        <a:solidFill>
+          <a:schemeClr val="accent3">
+            <a:hueOff val="0"/>
+            <a:satOff val="0"/>
+            <a:lumOff val="0"/>
+            <a:alphaOff val="0"/>
+          </a:schemeClr>
+        </a:solidFill>
+        <a:ln w="12700" cap="flat" cmpd="sng" algn="ctr">
+          <a:solidFill>
+            <a:schemeClr val="lt1">
+              <a:hueOff val="0"/>
+              <a:satOff val="0"/>
+              <a:lumOff val="0"/>
+              <a:alphaOff val="0"/>
+            </a:schemeClr>
+          </a:solidFill>
+          <a:prstDash val="solid"/>
+          <a:miter lim="800000"/>
+        </a:ln>
+        <a:effectLst/>
+      </dsp:spPr>
+      <dsp:style>
+        <a:lnRef idx="2">
+          <a:scrgbClr r="0" g="0" b="0"/>
+        </a:lnRef>
+        <a:fillRef idx="1">
+          <a:scrgbClr r="0" g="0" b="0"/>
+        </a:fillRef>
+        <a:effectRef idx="0">
+          <a:scrgbClr r="0" g="0" b="0"/>
+        </a:effectRef>
+        <a:fontRef idx="minor">
+          <a:schemeClr val="lt1"/>
+        </a:fontRef>
+      </dsp:style>
+      <dsp:txBody>
+        <a:bodyPr spcFirstLastPara="0" vert="horz" wrap="square" lIns="25400" tIns="25400" rIns="25400" bIns="25400" numCol="1" spcCol="1270" anchor="ctr" anchorCtr="0">
+          <a:noAutofit/>
+        </a:bodyPr>
+        <a:lstStyle/>
+        <a:p>
+          <a:pPr lvl="0" algn="ctr" defTabSz="889000">
+            <a:lnSpc>
+              <a:spcPct val="90000"/>
+            </a:lnSpc>
+            <a:spcBef>
+              <a:spcPct val="0"/>
+            </a:spcBef>
+            <a:spcAft>
+              <a:spcPct val="35000"/>
+            </a:spcAft>
+          </a:pPr>
+          <a:r>
+            <a:rPr kumimoji="1" lang="ja-JP" altLang="en-US" sz="2000" kern="1200" dirty="0">
+              <a:solidFill>
+                <a:schemeClr val="tx1"/>
+              </a:solidFill>
+              <a:latin typeface="ＭＳ ゴシック" panose="020B0609070205080204" pitchFamily="49" charset="-128"/>
+              <a:ea typeface="ＭＳ ゴシック" panose="020B0609070205080204" pitchFamily="49" charset="-128"/>
+            </a:rPr>
+            <a:t>テスト</a:t>
+          </a:r>
+          <a:endParaRPr kumimoji="1" lang="ja-JP" altLang="en-US" sz="3100" kern="1200" dirty="0">
+            <a:solidFill>
+              <a:schemeClr val="tx1"/>
+            </a:solidFill>
+            <a:latin typeface="ＭＳ ゴシック" panose="020B0609070205080204" pitchFamily="49" charset="-128"/>
+            <a:ea typeface="ＭＳ ゴシック" panose="020B0609070205080204" pitchFamily="49" charset="-128"/>
+          </a:endParaRPr>
+        </a:p>
+      </dsp:txBody>
+      <dsp:txXfrm>
+        <a:off x="610411" y="1893350"/>
+        <a:ext cx="1117959" cy="829453"/>
+      </dsp:txXfrm>
+    </dsp:sp>
+    <dsp:sp modelId="{9B21ADF4-6BC6-4455-9052-22527DD99F94}">
+      <dsp:nvSpPr>
+        <dsp:cNvPr id="0" name=""/>
+        <dsp:cNvSpPr/>
+      </dsp:nvSpPr>
+      <dsp:spPr>
+        <a:xfrm>
+          <a:off x="307119" y="219656"/>
+          <a:ext cx="3029309" cy="3029309"/>
+        </a:xfrm>
+        <a:prstGeom prst="pie">
+          <a:avLst>
+            <a:gd name="adj1" fmla="val 10800000"/>
+            <a:gd name="adj2" fmla="val 16200000"/>
+          </a:avLst>
+        </a:prstGeom>
+        <a:solidFill>
+          <a:schemeClr val="accent3">
+            <a:hueOff val="0"/>
+            <a:satOff val="0"/>
+            <a:lumOff val="0"/>
+            <a:alphaOff val="0"/>
+          </a:schemeClr>
+        </a:solidFill>
+        <a:ln w="12700" cap="flat" cmpd="sng" algn="ctr">
+          <a:solidFill>
+            <a:schemeClr val="lt1">
+              <a:hueOff val="0"/>
+              <a:satOff val="0"/>
+              <a:lumOff val="0"/>
+              <a:alphaOff val="0"/>
+            </a:schemeClr>
+          </a:solidFill>
+          <a:prstDash val="solid"/>
+          <a:miter lim="800000"/>
+        </a:ln>
+        <a:effectLst/>
+      </dsp:spPr>
+      <dsp:style>
+        <a:lnRef idx="2">
+          <a:scrgbClr r="0" g="0" b="0"/>
+        </a:lnRef>
+        <a:fillRef idx="1">
+          <a:scrgbClr r="0" g="0" b="0"/>
+        </a:fillRef>
+        <a:effectRef idx="0">
+          <a:scrgbClr r="0" g="0" b="0"/>
+        </a:effectRef>
+        <a:fontRef idx="minor">
+          <a:schemeClr val="lt1"/>
+        </a:fontRef>
+      </dsp:style>
+      <dsp:txBody>
+        <a:bodyPr spcFirstLastPara="0" vert="horz" wrap="square" lIns="25400" tIns="25400" rIns="25400" bIns="25400" numCol="1" spcCol="1270" anchor="ctr" anchorCtr="0">
+          <a:noAutofit/>
+        </a:bodyPr>
+        <a:lstStyle/>
+        <a:p>
+          <a:pPr lvl="0" algn="ctr" defTabSz="889000">
+            <a:lnSpc>
+              <a:spcPct val="90000"/>
+            </a:lnSpc>
+            <a:spcBef>
+              <a:spcPct val="0"/>
+            </a:spcBef>
+            <a:spcAft>
+              <a:spcPct val="35000"/>
+            </a:spcAft>
+          </a:pPr>
+          <a:r>
+            <a:rPr kumimoji="1" lang="ja-JP" altLang="en-US" sz="2000" kern="1200" dirty="0">
+              <a:solidFill>
+                <a:schemeClr val="tx1"/>
+              </a:solidFill>
+              <a:latin typeface="ＭＳ ゴシック" panose="020B0609070205080204" pitchFamily="49" charset="-128"/>
+              <a:ea typeface="ＭＳ ゴシック" panose="020B0609070205080204" pitchFamily="49" charset="-128"/>
+            </a:rPr>
+            <a:t>レビュー</a:t>
+          </a:r>
+        </a:p>
+      </dsp:txBody>
+      <dsp:txXfrm>
+        <a:off x="610411" y="847517"/>
+        <a:ext cx="1117959" cy="829453"/>
+      </dsp:txXfrm>
+    </dsp:sp>
+    <dsp:sp modelId="{67036E4C-7224-4522-9012-B70FCD7CF591}">
+      <dsp:nvSpPr>
+        <dsp:cNvPr id="0" name=""/>
+        <dsp:cNvSpPr/>
+      </dsp:nvSpPr>
+      <dsp:spPr>
+        <a:xfrm>
+          <a:off x="221289" y="32127"/>
+          <a:ext cx="3404367" cy="3404367"/>
+        </a:xfrm>
+        <a:prstGeom prst="circularArrow">
+          <a:avLst>
+            <a:gd name="adj1" fmla="val 5085"/>
+            <a:gd name="adj2" fmla="val 327528"/>
+            <a:gd name="adj3" fmla="val 21272472"/>
+            <a:gd name="adj4" fmla="val 16200000"/>
+            <a:gd name="adj5" fmla="val 5932"/>
+          </a:avLst>
+        </a:prstGeom>
+        <a:solidFill>
+          <a:schemeClr val="accent3">
+            <a:tint val="60000"/>
+            <a:hueOff val="0"/>
+            <a:satOff val="0"/>
+            <a:lumOff val="0"/>
+            <a:alphaOff val="0"/>
+          </a:schemeClr>
+        </a:solidFill>
+        <a:ln>
+          <a:noFill/>
+        </a:ln>
+        <a:effectLst/>
+      </dsp:spPr>
+      <dsp:style>
+        <a:lnRef idx="0">
+          <a:scrgbClr r="0" g="0" b="0"/>
+        </a:lnRef>
+        <a:fillRef idx="1">
+          <a:scrgbClr r="0" g="0" b="0"/>
+        </a:fillRef>
+        <a:effectRef idx="0">
+          <a:scrgbClr r="0" g="0" b="0"/>
+        </a:effectRef>
+        <a:fontRef idx="minor">
+          <a:schemeClr val="lt1"/>
+        </a:fontRef>
+      </dsp:style>
+    </dsp:sp>
+    <dsp:sp modelId="{61C36903-40D1-470F-A1BF-870D4D11899B}">
+      <dsp:nvSpPr>
+        <dsp:cNvPr id="0" name=""/>
+        <dsp:cNvSpPr/>
+      </dsp:nvSpPr>
+      <dsp:spPr>
+        <a:xfrm>
+          <a:off x="221289" y="133826"/>
+          <a:ext cx="3404367" cy="3404367"/>
+        </a:xfrm>
+        <a:prstGeom prst="circularArrow">
+          <a:avLst>
+            <a:gd name="adj1" fmla="val 5085"/>
+            <a:gd name="adj2" fmla="val 327528"/>
+            <a:gd name="adj3" fmla="val 5072472"/>
+            <a:gd name="adj4" fmla="val 0"/>
+            <a:gd name="adj5" fmla="val 5932"/>
+          </a:avLst>
+        </a:prstGeom>
+        <a:solidFill>
+          <a:schemeClr val="accent3">
+            <a:tint val="60000"/>
+            <a:hueOff val="0"/>
+            <a:satOff val="0"/>
+            <a:lumOff val="0"/>
+            <a:alphaOff val="0"/>
+          </a:schemeClr>
+        </a:solidFill>
+        <a:ln>
+          <a:noFill/>
+        </a:ln>
+        <a:effectLst/>
+      </dsp:spPr>
+      <dsp:style>
+        <a:lnRef idx="0">
+          <a:scrgbClr r="0" g="0" b="0"/>
+        </a:lnRef>
+        <a:fillRef idx="1">
+          <a:scrgbClr r="0" g="0" b="0"/>
+        </a:fillRef>
+        <a:effectRef idx="0">
+          <a:scrgbClr r="0" g="0" b="0"/>
+        </a:effectRef>
+        <a:fontRef idx="minor">
+          <a:schemeClr val="lt1"/>
+        </a:fontRef>
+      </dsp:style>
+    </dsp:sp>
+    <dsp:sp modelId="{71F3BD1D-18A4-492B-B5F3-7E323E43D5CF}">
+      <dsp:nvSpPr>
+        <dsp:cNvPr id="0" name=""/>
+        <dsp:cNvSpPr/>
+      </dsp:nvSpPr>
+      <dsp:spPr>
+        <a:xfrm>
+          <a:off x="119590" y="133826"/>
+          <a:ext cx="3404367" cy="3404367"/>
+        </a:xfrm>
+        <a:prstGeom prst="circularArrow">
+          <a:avLst>
+            <a:gd name="adj1" fmla="val 5085"/>
+            <a:gd name="adj2" fmla="val 327528"/>
+            <a:gd name="adj3" fmla="val 10472472"/>
+            <a:gd name="adj4" fmla="val 5400000"/>
+            <a:gd name="adj5" fmla="val 5932"/>
+          </a:avLst>
+        </a:prstGeom>
+        <a:solidFill>
+          <a:schemeClr val="accent3">
+            <a:tint val="60000"/>
+            <a:hueOff val="0"/>
+            <a:satOff val="0"/>
+            <a:lumOff val="0"/>
+            <a:alphaOff val="0"/>
+          </a:schemeClr>
+        </a:solidFill>
+        <a:ln>
+          <a:noFill/>
+        </a:ln>
+        <a:effectLst/>
+      </dsp:spPr>
+      <dsp:style>
+        <a:lnRef idx="0">
+          <a:scrgbClr r="0" g="0" b="0"/>
+        </a:lnRef>
+        <a:fillRef idx="1">
+          <a:scrgbClr r="0" g="0" b="0"/>
+        </a:fillRef>
+        <a:effectRef idx="0">
+          <a:scrgbClr r="0" g="0" b="0"/>
+        </a:effectRef>
+        <a:fontRef idx="minor">
+          <a:schemeClr val="lt1"/>
+        </a:fontRef>
+      </dsp:style>
+    </dsp:sp>
+    <dsp:sp modelId="{AA510AC7-B190-497F-9A85-49FE0246E435}">
+      <dsp:nvSpPr>
+        <dsp:cNvPr id="0" name=""/>
+        <dsp:cNvSpPr/>
+      </dsp:nvSpPr>
+      <dsp:spPr>
+        <a:xfrm>
+          <a:off x="119590" y="32127"/>
+          <a:ext cx="3404367" cy="3404367"/>
+        </a:xfrm>
+        <a:prstGeom prst="circularArrow">
+          <a:avLst>
+            <a:gd name="adj1" fmla="val 5085"/>
+            <a:gd name="adj2" fmla="val 327528"/>
+            <a:gd name="adj3" fmla="val 15872472"/>
+            <a:gd name="adj4" fmla="val 10800000"/>
+            <a:gd name="adj5" fmla="val 5932"/>
+          </a:avLst>
+        </a:prstGeom>
+        <a:solidFill>
+          <a:schemeClr val="accent3">
+            <a:tint val="60000"/>
+            <a:hueOff val="0"/>
+            <a:satOff val="0"/>
+            <a:lumOff val="0"/>
+            <a:alphaOff val="0"/>
+          </a:schemeClr>
+        </a:solidFill>
+        <a:ln>
+          <a:noFill/>
+        </a:ln>
+        <a:effectLst/>
+      </dsp:spPr>
+      <dsp:style>
+        <a:lnRef idx="0">
+          <a:scrgbClr r="0" g="0" b="0"/>
+        </a:lnRef>
+        <a:fillRef idx="1">
+          <a:scrgbClr r="0" g="0" b="0"/>
+        </a:fillRef>
+        <a:effectRef idx="0">
+          <a:scrgbClr r="0" g="0" b="0"/>
+        </a:effectRef>
+        <a:fontRef idx="minor">
+          <a:schemeClr val="lt1"/>
+        </a:fontRef>
+      </dsp:style>
+    </dsp:sp>
+  </dsp:spTree>
+</dsp:drawing>
+</file>
+
+<file path=ppt/diagrams/layout1.xml><?xml version="1.0" encoding="utf-8"?>
+<dgm:layoutDef xmlns:dgm="http://schemas.openxmlformats.org/drawingml/2006/diagram" xmlns:a="http://schemas.openxmlformats.org/drawingml/2006/main" uniqueId="urn:microsoft.com/office/officeart/2005/8/layout/cycle8">
+  <dgm:title val=""/>
+  <dgm:desc val=""/>
+  <dgm:catLst>
+    <dgm:cat type="cycle" pri="7000"/>
+  </dgm:catLst>
+  <dgm:sampData useDef="1">
+    <dgm:dataModel>
+      <dgm:ptLst/>
+      <dgm:bg/>
+      <dgm:whole/>
+    </dgm:dataModel>
+  </dgm:sampData>
+  <dgm:styleData useDef="1">
+    <dgm:dataModel>
+      <dgm:ptLst/>
+      <dgm:bg/>
+      <dgm:whole/>
+    </dgm:dataModel>
+  </dgm:styleData>
+  <dgm:clrData>
+    <dgm:dataModel>
+      <dgm:ptLst>
+        <dgm:pt modelId="0" type="doc"/>
+        <dgm:pt modelId="1"/>
+        <dgm:pt modelId="2"/>
+        <dgm:pt modelId="3"/>
+        <dgm:pt modelId="4"/>
+        <dgm:pt modelId="5"/>
+      </dgm:ptLst>
+      <dgm:cxnLst>
+        <dgm:cxn modelId="7" srcId="0" destId="1" srcOrd="0" destOrd="0"/>
+        <dgm:cxn modelId="8" srcId="0" destId="2" srcOrd="1" destOrd="0"/>
+        <dgm:cxn modelId="9" srcId="0" destId="3" srcOrd="2" destOrd="0"/>
+        <dgm:cxn modelId="10" srcId="0" destId="4" srcOrd="3" destOrd="0"/>
+        <dgm:cxn modelId="11" srcId="0" destId="5" srcOrd="4" destOrd="0"/>
+      </dgm:cxnLst>
+      <dgm:bg/>
+      <dgm:whole/>
+    </dgm:dataModel>
+  </dgm:clrData>
+  <dgm:layoutNode name="compositeShape">
+    <dgm:varLst>
+      <dgm:chMax val="7"/>
+      <dgm:dir/>
+      <dgm:resizeHandles val="exact"/>
+    </dgm:varLst>
+    <dgm:alg type="composite">
+      <dgm:param type="horzAlign" val="ctr"/>
+      <dgm:param type="vertAlign" val="mid"/>
+      <dgm:param type="ar" val="1"/>
+    </dgm:alg>
+    <dgm:shape xmlns:r="http://schemas.openxmlformats.org/officeDocument/2006/relationships" r:blip="">
+      <dgm:adjLst/>
+    </dgm:shape>
+    <dgm:presOf/>
+    <dgm:choose name="Name0">
+      <dgm:if name="Name1" axis="ch" ptType="node" func="cnt" op="equ" val="1">
+        <dgm:constrLst>
+          <dgm:constr type="l" for="ch" forName="wedge1" refType="w" fact="0.08"/>
+          <dgm:constr type="t" for="ch" forName="wedge1" refType="w" fact="0.08"/>
+          <dgm:constr type="w" for="ch" forName="wedge1" refType="w" fact="0.84"/>
+          <dgm:constr type="h" for="ch" forName="wedge1" refType="h" fact="0.84"/>
+          <dgm:constr type="l" for="ch" forName="dummy1a" refType="w" fact="0.5"/>
+          <dgm:constr type="t" for="ch" forName="dummy1a" refType="h" fact="0.08"/>
+          <dgm:constr type="l" for="ch" forName="dummy1b" refType="w" fact="0.5"/>
+          <dgm:constr type="t" for="ch" forName="dummy1b" refType="h" fact="0.08"/>
+          <dgm:constr type="l" for="ch" forName="wedge1Tx" refType="w" fact="0.22"/>
+          <dgm:constr type="t" for="ch" forName="wedge1Tx" refType="h" fact="0.22"/>
+          <dgm:constr type="w" for="ch" forName="wedge1Tx" refType="w" fact="0.56"/>
+          <dgm:constr type="h" for="ch" forName="wedge1Tx" refType="h" fact="0.56"/>
+          <dgm:constr type="h" for="ch" forName="arrowWedge1single" refType="w" fact="0.08"/>
+          <dgm:constr type="diam" for="ch" forName="arrowWedge1single" refType="w" fact="0.84"/>
+          <dgm:constr type="l" for="ch" forName="arrowWedge1single" refType="w" fact="0.5"/>
+          <dgm:constr type="t" for="ch" forName="arrowWedge1single" refType="w" fact="0.5"/>
+          <dgm:constr type="primFontSz" for="ch" ptType="node" op="equ"/>
+        </dgm:constrLst>
+      </dgm:if>
+      <dgm:if name="Name2" axis="ch" ptType="node" func="cnt" op="equ" val="2">
+        <dgm:constrLst>
+          <dgm:constr type="l" for="ch" forName="wedge1" refType="w" fact="0.1"/>
+          <dgm:constr type="t" for="ch" forName="wedge1" refType="w" fact="0.08"/>
+          <dgm:constr type="w" for="ch" forName="wedge1" refType="w" fact="0.84"/>
+          <dgm:constr type="h" for="ch" forName="wedge1" refType="h" fact="0.84"/>
+          <dgm:constr type="l" for="ch" forName="dummy1a" refType="w" fact="0.52"/>
+          <dgm:constr type="t" for="ch" forName="dummy1a" refType="h" fact="0.08"/>
+          <dgm:constr type="l" for="ch" forName="dummy1b" refType="w" fact="0.52"/>
+          <dgm:constr type="t" for="ch" forName="dummy1b" refType="h" fact="0.92"/>
+          <dgm:constr type="l" for="ch" forName="wedge1Tx" refType="w" fact="0.559"/>
+          <dgm:constr type="t" for="ch" forName="wedge1Tx" refType="h" fact="0.3"/>
+          <dgm:constr type="w" for="ch" forName="wedge1Tx" refType="w" fact="0.3"/>
+          <dgm:constr type="h" for="ch" forName="wedge1Tx" refType="h" fact="0.4"/>
+          <dgm:constr type="l" for="ch" forName="wedge2" refType="w" fact="0.06"/>
+          <dgm:constr type="t" for="ch" forName="wedge2" refType="w" fact="0.08"/>
+          <dgm:constr type="w" for="ch" forName="wedge2" refType="w" fact="0.84"/>
+          <dgm:constr type="h" for="ch" forName="wedge2" refType="h" fact="0.84"/>
+          <dgm:constr type="l" for="ch" forName="dummy2a" refType="w" fact="0.48"/>
+          <dgm:constr type="t" for="ch" forName="dummy2a" refType="h" fact="0.92"/>
+          <dgm:constr type="l" for="ch" forName="dummy2b" refType="w" fact="0.48"/>
+          <dgm:constr type="t" for="ch" forName="dummy2b" refType="h" fact="0.08"/>
+          <dgm:constr type="r" for="ch" forName="wedge2Tx" refType="w" fact="0.441"/>
+          <dgm:constr type="t" for="ch" forName="wedge2Tx" refType="h" fact="0.3"/>
+          <dgm:constr type="w" for="ch" forName="wedge2Tx" refType="w" fact="0.3"/>
+          <dgm:constr type="h" for="ch" forName="wedge2Tx" refType="h" fact="0.4"/>
+          <dgm:constr type="h" for="ch" forName="arrowWedge1" refType="w" fact="0.08"/>
+          <dgm:constr type="diam" for="ch" forName="arrowWedge1" refType="w" fact="0.84"/>
+          <dgm:constr type="l" for="ch" forName="arrowWedge1" refType="w" fact="0.5"/>
+          <dgm:constr type="t" for="ch" forName="arrowWedge1" refType="w" fact="0.5"/>
+          <dgm:constr type="h" for="ch" forName="arrowWedge2" refType="w" fact="0.08"/>
+          <dgm:constr type="diam" for="ch" forName="arrowWedge2" refType="w" fact="0.84"/>
+          <dgm:constr type="l" for="ch" forName="arrowWedge2" refType="w" fact="0.5"/>
+          <dgm:constr type="t" for="ch" forName="arrowWedge2" refType="w" fact="0.5"/>
+          <dgm:constr type="primFontSz" for="ch" ptType="node" op="equ"/>
+        </dgm:constrLst>
+      </dgm:if>
+      <dgm:if name="Name3" axis="ch" ptType="node" func="cnt" op="equ" val="3">
+        <dgm:constrLst>
+          <dgm:constr type="l" for="ch" forName="wedge1" refType="w" fact="0.0973"/>
+          <dgm:constr type="t" for="ch" forName="wedge1" refType="w" fact="0.07"/>
+          <dgm:constr type="w" for="ch" forName="wedge1" refType="w" fact="0.84"/>
+          <dgm:constr type="h" for="ch" forName="wedge1" refType="h" fact="0.84"/>
+          <dgm:constr type="l" for="ch" forName="dummy1a" refType="w" fact="0.5173"/>
+          <dgm:constr type="t" for="ch" forName="dummy1a" refType="h" fact="0.07"/>
+          <dgm:constr type="l" for="ch" forName="dummy1b" refType="w" fact="0.8811"/>
+          <dgm:constr type="t" for="ch" forName="dummy1b" refType="h" fact="0.7"/>
+          <dgm:constr type="l" for="ch" forName="wedge1Tx" refType="w" fact="0.54"/>
+          <dgm:constr type="t" for="ch" forName="wedge1Tx" refType="h" fact="0.248"/>
+          <dgm:constr type="w" for="ch" forName="wedge1Tx" refType="w" fact="0.3"/>
+          <dgm:constr type="h" for="ch" forName="wedge1Tx" refType="h" fact="0.25"/>
+          <dgm:constr type="l" for="ch" forName="wedge2" refType="w" fact="0.08"/>
+          <dgm:constr type="t" for="ch" forName="wedge2" refType="w" fact="0.1"/>
+          <dgm:constr type="w" for="ch" forName="wedge2" refType="w" fact="0.84"/>
+          <dgm:constr type="h" for="ch" forName="wedge2" refType="h" fact="0.84"/>
+          <dgm:constr type="l" for="ch" forName="dummy2a" refType="w" fact="0.8637"/>
+          <dgm:constr type="t" for="ch" forName="dummy2a" refType="h" fact="0.73"/>
+          <dgm:constr type="l" for="ch" forName="dummy2b" refType="w" fact="0.1363"/>
+          <dgm:constr type="t" for="ch" forName="dummy2b" refType="h" fact="0.73"/>
+          <dgm:constr type="l" for="ch" forName="wedge2Tx" refType="w" fact="0.28"/>
+          <dgm:constr type="t" for="ch" forName="wedge2Tx" refType="h" fact="0.645"/>
+          <dgm:constr type="w" for="ch" forName="wedge2Tx" refType="w" fact="0.45"/>
+          <dgm:constr type="h" for="ch" forName="wedge2Tx" refType="h" fact="0.22"/>
+          <dgm:constr type="l" for="ch" forName="wedge3" refType="w" fact="0.0627"/>
+          <dgm:constr type="t" for="ch" forName="wedge3" refType="w" fact="0.07"/>
+          <dgm:constr type="w" for="ch" forName="wedge3" refType="w" fact="0.84"/>
+          <dgm:constr type="h" for="ch" forName="wedge3" refType="h" fact="0.84"/>
+          <dgm:constr type="l" for="ch" forName="dummy3a" refType="w" fact="0.1189"/>
+          <dgm:constr type="t" for="ch" forName="dummy3a" refType="h" fact="0.7"/>
+          <dgm:constr type="l" for="ch" forName="dummy3b" refType="w" fact="0.4827"/>
+          <dgm:constr type="t" for="ch" forName="dummy3b" refType="h" fact="0.07"/>
+          <dgm:constr type="r" for="ch" forName="wedge3Tx" refType="w" fact="0.46"/>
+          <dgm:constr type="t" for="ch" forName="wedge3Tx" refType="h" fact="0.248"/>
+          <dgm:constr type="w" for="ch" forName="wedge3Tx" refType="w" fact="0.3"/>
+          <dgm:constr type="h" for="ch" forName="wedge3Tx" refType="h" fact="0.25"/>
+          <dgm:constr type="h" for="ch" forName="arrowWedge1" refType="w" fact="0.08"/>
+          <dgm:constr type="diam" for="ch" forName="arrowWedge1" refType="w" fact="0.84"/>
+          <dgm:constr type="l" for="ch" forName="arrowWedge1" refType="w" fact="0.5"/>
+          <dgm:constr type="t" for="ch" forName="arrowWedge1" refType="w" fact="0.5"/>
+          <dgm:constr type="h" for="ch" forName="arrowWedge2" refType="w" fact="0.08"/>
+          <dgm:constr type="diam" for="ch" forName="arrowWedge2" refType="w" fact="0.84"/>
+          <dgm:constr type="l" for="ch" forName="arrowWedge2" refType="w" fact="0.5"/>
+          <dgm:constr type="t" for="ch" forName="arrowWedge2" refType="w" fact="0.5"/>
+          <dgm:constr type="h" for="ch" forName="arrowWedge3" refType="w" fact="0.08"/>
+          <dgm:constr type="diam" for="ch" forName="arrowWedge3" refType="w" fact="0.84"/>
+          <dgm:constr type="l" for="ch" forName="arrowWedge3" refType="w" fact="0.5"/>
+          <dgm:constr type="t" for="ch" forName="arrowWedge3" refType="w" fact="0.5"/>
+          <dgm:constr type="primFontSz" for="ch" ptType="node" op="equ"/>
+        </dgm:constrLst>
+      </dgm:if>
+      <dgm:if name="Name4" axis="ch" ptType="node" func="cnt" op="equ" val="4">
+        <dgm:constrLst>
+          <dgm:constr type="l" for="ch" forName="wedge1" refType="w" fact="0.0941"/>
+          <dgm:constr type="t" for="ch" forName="wedge1" refType="w" fact="0.0659"/>
+          <dgm:constr type="w" for="ch" forName="wedge1" refType="w" fact="0.84"/>
+          <dgm:constr type="h" for="ch" forName="wedge1" refType="h" fact="0.84"/>
+          <dgm:constr type="l" for="ch" forName="dummy1a" refType="w" fact="0.5141"/>
+          <dgm:constr type="t" for="ch" forName="dummy1a" refType="h" fact="0.0659"/>
+          <dgm:constr type="l" for="ch" forName="dummy1b" refType="w" fact="0.9341"/>
+          <dgm:constr type="t" for="ch" forName="dummy1b" refType="h" fact="0.4859"/>
+          <dgm:constr type="l" for="ch" forName="wedge1Tx" refType="w" fact="0.54"/>
+          <dgm:constr type="t" for="ch" forName="wedge1Tx" refType="h" fact="0.24"/>
+          <dgm:constr type="w" for="ch" forName="wedge1Tx" refType="w" fact="0.31"/>
+          <dgm:constr type="h" for="ch" forName="wedge1Tx" refType="h" fact="0.23"/>
+          <dgm:constr type="l" for="ch" forName="wedge2" refType="w" fact="0.0941"/>
+          <dgm:constr type="t" for="ch" forName="wedge2" refType="w" fact="0.0941"/>
+          <dgm:constr type="w" for="ch" forName="wedge2" refType="w" fact="0.84"/>
+          <dgm:constr type="h" for="ch" forName="wedge2" refType="h" fact="0.84"/>
+          <dgm:constr type="l" for="ch" forName="dummy2a" refType="w" fact="0.9341"/>
+          <dgm:constr type="t" for="ch" forName="dummy2a" refType="h" fact="0.5141"/>
+          <dgm:constr type="l" for="ch" forName="dummy2b" refType="w" fact="0.5141"/>
+          <dgm:constr type="t" for="ch" forName="dummy2b" refType="h" fact="0.9341"/>
+          <dgm:constr type="l" for="ch" forName="wedge2Tx" refType="w" fact="0.54"/>
+          <dgm:constr type="t" for="ch" forName="wedge2Tx" refType="h" fact="0.53"/>
+          <dgm:constr type="w" for="ch" forName="wedge2Tx" refType="w" fact="0.31"/>
+          <dgm:constr type="h" for="ch" forName="wedge2Tx" refType="h" fact="0.23"/>
+          <dgm:constr type="l" for="ch" forName="wedge3" refType="w" fact="0.0659"/>
+          <dgm:constr type="t" for="ch" forName="wedge3" refType="w" fact="0.0941"/>
+          <dgm:constr type="w" for="ch" forName="wedge3" refType="w" fact="0.84"/>
+          <dgm:constr type="h" for="ch" forName="wedge3" refType="h" fact="0.84"/>
+          <dgm:constr type="l" for="ch" forName="dummy3a" refType="w" fact="0.4859"/>
+          <dgm:constr type="t" for="ch" forName="dummy3a" refType="h" fact="0.9341"/>
+          <dgm:constr type="l" for="ch" forName="dummy3b" refType="w" fact="0.0659"/>
+          <dgm:constr type="t" for="ch" forName="dummy3b" refType="h" fact="0.5141"/>
+          <dgm:constr type="r" for="ch" forName="wedge3Tx" refType="w" fact="0.46"/>
+          <dgm:constr type="t" for="ch" forName="wedge3Tx" refType="h" fact="0.53"/>
+          <dgm:constr type="w" for="ch" forName="wedge3Tx" refType="w" fact="0.31"/>
+          <dgm:constr type="h" for="ch" forName="wedge3Tx" refType="h" fact="0.23"/>
+          <dgm:constr type="l" for="ch" forName="wedge4" refType="w" fact="0.0659"/>
+          <dgm:constr type="t" for="ch" forName="wedge4" refType="h" fact="0.0659"/>
+          <dgm:constr type="w" for="ch" forName="wedge4" refType="w" fact="0.84"/>
+          <dgm:constr type="h" for="ch" forName="wedge4" refType="h" fact="0.84"/>
+          <dgm:constr type="l" for="ch" forName="dummy4a" refType="w" fact="0.0659"/>
+          <dgm:constr type="t" for="ch" forName="dummy4a" refType="h" fact="0.4859"/>
+          <dgm:constr type="l" for="ch" forName="dummy4b" refType="w" fact="0.4859"/>
+          <dgm:constr type="t" for="ch" forName="dummy4b" refType="h" fact="0.0659"/>
+          <dgm:constr type="r" for="ch" forName="wedge4Tx" refType="w" fact="0.46"/>
+          <dgm:constr type="t" for="ch" forName="wedge4Tx" refType="h" fact="0.24"/>
+          <dgm:constr type="w" for="ch" forName="wedge4Tx" refType="w" fact="0.31"/>
+          <dgm:constr type="h" for="ch" forName="wedge4Tx" refType="h" fact="0.23"/>
+          <dgm:constr type="h" for="ch" forName="arrowWedge1" refType="w" fact="0.08"/>
+          <dgm:constr type="diam" for="ch" forName="arrowWedge1" refType="w" fact="0.84"/>
+          <dgm:constr type="l" for="ch" forName="arrowWedge1" refType="w" fact="0.5"/>
+          <dgm:constr type="t" for="ch" forName="arrowWedge1" refType="w" fact="0.5"/>
+          <dgm:constr type="h" for="ch" forName="arrowWedge2" refType="w" fact="0.08"/>
+          <dgm:constr type="diam" for="ch" forName="arrowWedge2" refType="w" fact="0.84"/>
+          <dgm:constr type="l" for="ch" forName="arrowWedge2" refType="w" fact="0.5"/>
+          <dgm:constr type="t" for="ch" forName="arrowWedge2" refType="w" fact="0.5"/>
+          <dgm:constr type="h" for="ch" forName="arrowWedge3" refType="w" fact="0.08"/>
+          <dgm:constr type="diam" for="ch" forName="arrowWedge3" refType="w" fact="0.84"/>
+          <dgm:constr type="l" for="ch" forName="arrowWedge3" refType="w" fact="0.5"/>
+          <dgm:constr type="t" for="ch" forName="arrowWedge3" refType="w" fact="0.5"/>
+          <dgm:constr type="h" for="ch" forName="arrowWedge4" refType="w" fact="0.08"/>
+          <dgm:constr type="diam" for="ch" forName="arrowWedge4" refType="w" fact="0.84"/>
+          <dgm:constr type="l" for="ch" forName="arrowWedge4" refType="w" fact="0.5"/>
+          <dgm:constr type="t" for="ch" forName="arrowWedge4" refType="w" fact="0.5"/>
+          <dgm:constr type="primFontSz" for="ch" ptType="node" op="equ"/>
+        </dgm:constrLst>
+      </dgm:if>
+      <dgm:if name="Name5" axis="ch" ptType="node" func="cnt" op="equ" val="5">
+        <dgm:constrLst>
+          <dgm:constr type="l" for="ch" forName="wedge1" refType="w" fact="0.0918"/>
+          <dgm:constr type="t" for="ch" forName="wedge1" refType="w" fact="0.0638"/>
+          <dgm:constr type="w" for="ch" forName="wedge1" refType="w" fact="0.84"/>
+          <dgm:constr type="h" for="ch" forName="wedge1" refType="h" fact="0.84"/>
+          <dgm:constr type="l" for="ch" forName="dummy1a" refType="w" fact="0.5118"/>
+          <dgm:constr type="t" for="ch" forName="dummy1a" refType="h" fact="0.0638"/>
+          <dgm:constr type="l" for="ch" forName="dummy1b" refType="w" fact="0.9112"/>
+          <dgm:constr type="t" for="ch" forName="dummy1b" refType="h" fact="0.354"/>
+          <dgm:constr type="l" for="ch" forName="wedge1Tx" refType="w" fact="0.53"/>
+          <dgm:constr type="t" for="ch" forName="wedge1Tx" refType="h" fact="0.205"/>
+          <dgm:constr type="w" for="ch" forName="wedge1Tx" refType="w" fact="0.27"/>
+          <dgm:constr type="h" for="ch" forName="wedge1Tx" refType="h" fact="0.18"/>
+          <dgm:constr type="l" for="ch" forName="wedge2" refType="w" fact="0.099"/>
+          <dgm:constr type="t" for="ch" forName="wedge2" refType="w" fact="0.0862"/>
+          <dgm:constr type="w" for="ch" forName="wedge2" refType="w" fact="0.84"/>
+          <dgm:constr type="h" for="ch" forName="wedge2" refType="h" fact="0.84"/>
+          <dgm:constr type="l" for="ch" forName="dummy2a" refType="w" fact="0.9185"/>
+          <dgm:constr type="t" for="ch" forName="dummy2a" refType="h" fact="0.3764"/>
+          <dgm:constr type="l" for="ch" forName="dummy2b" refType="w" fact="0.7659"/>
+          <dgm:constr type="t" for="ch" forName="dummy2b" refType="h" fact="0.846"/>
+          <dgm:constr type="l" for="ch" forName="wedge2Tx" refType="w" fact="0.64"/>
+          <dgm:constr type="t" for="ch" forName="wedge2Tx" refType="h" fact="0.47"/>
+          <dgm:constr type="w" for="ch" forName="wedge2Tx" refType="w" fact="0.25"/>
+          <dgm:constr type="h" for="ch" forName="wedge2Tx" refType="h" fact="0.2"/>
+          <dgm:constr type="l" for="ch" forName="wedge3" refType="w" fact="0.08"/>
+          <dgm:constr type="t" for="ch" forName="wedge3" refType="w" fact="0.1"/>
+          <dgm:constr type="w" for="ch" forName="wedge3" refType="w" fact="0.84"/>
+          <dgm:constr type="h" for="ch" forName="wedge3" refType="h" fact="0.84"/>
+          <dgm:constr type="l" for="ch" forName="dummy3a" refType="w" fact="0.7469"/>
+          <dgm:constr type="t" for="ch" forName="dummy3a" refType="h" fact="0.8598"/>
+          <dgm:constr type="l" for="ch" forName="dummy3b" refType="w" fact="0.2531"/>
+          <dgm:constr type="t" for="ch" forName="dummy3b" refType="h" fact="0.8598"/>
+          <dgm:constr type="l" for="ch" forName="wedge3Tx" refType="w" fact="0.38"/>
+          <dgm:constr type="t" for="ch" forName="wedge3Tx" refType="h" fact="0.69"/>
+          <dgm:constr type="w" for="ch" forName="wedge3Tx" refType="w" fact="0.24"/>
+          <dgm:constr type="h" for="ch" forName="wedge3Tx" refType="h" fact="0.22"/>
+          <dgm:constr type="l" for="ch" forName="wedge4" refType="w" fact="0.061"/>
+          <dgm:constr type="t" for="ch" forName="wedge4" refType="h" fact="0.0862"/>
+          <dgm:constr type="w" for="ch" forName="wedge4" refType="w" fact="0.84"/>
+          <dgm:constr type="h" for="ch" forName="wedge4" refType="h" fact="0.84"/>
+          <dgm:constr type="l" for="ch" forName="dummy4a" refType="w" fact="0.2341"/>
+          <dgm:constr type="t" for="ch" forName="dummy4a" refType="h" fact="0.846"/>
+          <dgm:constr type="l" for="ch" forName="dummy4b" refType="w" fact="0.0815"/>
+          <dgm:constr type="t" for="ch" forName="dummy4b" refType="h" fact="0.3764"/>
+          <dgm:constr type="r" for="ch" forName="wedge4Tx" refType="w" fact="0.36"/>
+          <dgm:constr type="t" for="ch" forName="wedge4Tx" refType="h" fact="0.47"/>
+          <dgm:constr type="w" for="ch" forName="wedge4Tx" refType="w" fact="0.25"/>
+          <dgm:constr type="h" for="ch" forName="wedge4Tx" refType="h" fact="0.2"/>
+          <dgm:constr type="l" for="ch" forName="wedge5" refType="w" fact="0.0682"/>
+          <dgm:constr type="t" for="ch" forName="wedge5" refType="h" fact="0.0638"/>
+          <dgm:constr type="w" for="ch" forName="wedge5" refType="w" fact="0.84"/>
+          <dgm:constr type="h" for="ch" forName="wedge5" refType="h" fact="0.84"/>
+          <dgm:constr type="l" for="ch" forName="dummy5a" refType="w" fact="0.0888"/>
+          <dgm:constr type="t" for="ch" forName="dummy5a" refType="h" fact="0.354"/>
+          <dgm:constr type="l" for="ch" forName="dummy5b" refType="w" fact="0.4882"/>
+          <dgm:constr type="t" for="ch" forName="dummy5b" refType="h" fact="0.0638"/>
+          <dgm:constr type="r" for="ch" forName="wedge5Tx" refType="w" fact="0.47"/>
+          <dgm:constr type="t" for="ch" forName="wedge5Tx" refType="h" fact="0.205"/>
+          <dgm:constr type="w" for="ch" forName="wedge5Tx" refType="w" fact="0.27"/>
+          <dgm:constr type="h" for="ch" forName="wedge5Tx" refType="h" fact="0.18"/>
+          <dgm:constr type="h" for="ch" forName="arrowWedge1" refType="w" fact="0.08"/>
+          <dgm:constr type="diam" for="ch" forName="arrowWedge1" refType="w" fact="0.84"/>
+          <dgm:constr type="l" for="ch" forName="arrowWedge1" refType="w" fact="0.5"/>
+          <dgm:constr type="t" for="ch" forName="arrowWedge1" refType="w" fact="0.5"/>
+          <dgm:constr type="h" for="ch" forName="arrowWedge2" refType="w" fact="0.08"/>
+          <dgm:constr type="diam" for="ch" forName="arrowWedge2" refType="w" fact="0.84"/>
+          <dgm:constr type="l" for="ch" forName="arrowWedge2" refType="w" fact="0.5"/>
+          <dgm:constr type="t" for="ch" forName="arrowWedge2" refType="w" fact="0.5"/>
+          <dgm:constr type="h" for="ch" forName="arrowWedge3" refType="w" fact="0.08"/>
+          <dgm:constr type="diam" for="ch" forName="arrowWedge3" refType="w" fact="0.84"/>
+          <dgm:constr type="l" for="ch" forName="arrowWedge3" refType="w" fact="0.5"/>
+          <dgm:constr type="t" for="ch" forName="arrowWedge3" refType="w" fact="0.5"/>
+          <dgm:constr type="h" for="ch" forName="arrowWedge4" refType="w" fact="0.08"/>
+          <dgm:constr type="diam" for="ch" forName="arrowWedge4" refType="w" fact="0.84"/>
+          <dgm:constr type="l" for="ch" forName="arrowWedge4" refType="w" fact="0.5"/>
+          <dgm:constr type="t" for="ch" forName="arrowWedge4" refType="w" fact="0.5"/>
+          <dgm:constr type="h" for="ch" forName="arrowWedge5" refType="w" fact="0.08"/>
+          <dgm:constr type="diam" for="ch" forName="arrowWedge5" refType="w" fact="0.84"/>
+          <dgm:constr type="l" for="ch" forName="arrowWedge5" refType="w" fact="0.5"/>
+          <dgm:constr type="t" for="ch" forName="arrowWedge5" refType="w" fact="0.5"/>
+          <dgm:constr type="primFontSz" for="ch" ptType="node" op="equ"/>
+        </dgm:constrLst>
+      </dgm:if>
+      <dgm:if name="Name6" axis="ch" ptType="node" func="cnt" op="equ" val="6">
+        <dgm:constrLst>
+          <dgm:constr type="l" for="ch" forName="wedge1" refType="w" fact="0.09"/>
+          <dgm:constr type="t" for="ch" forName="wedge1" refType="w" fact="0.0627"/>
+          <dgm:constr type="w" for="ch" forName="wedge1" refType="w" fact="0.84"/>
+          <dgm:constr type="h" for="ch" forName="wedge1" refType="h" fact="0.84"/>
+          <dgm:constr type="l" for="ch" forName="dummy1a" refType="w" fact="0.51"/>
+          <dgm:constr type="t" for="ch" forName="dummy1a" refType="h" fact="0.0627"/>
+          <dgm:constr type="l" for="ch" forName="dummy1b" refType="w" fact="0.8737"/>
+          <dgm:constr type="t" for="ch" forName="dummy1b" refType="h" fact="0.2727"/>
+          <dgm:constr type="l" for="ch" forName="wedge1Tx" refType="w" fact="0.53"/>
+          <dgm:constr type="t" for="ch" forName="wedge1Tx" refType="h" fact="0.17"/>
+          <dgm:constr type="w" for="ch" forName="wedge1Tx" refType="w" fact="0.22"/>
+          <dgm:constr type="h" for="ch" forName="wedge1Tx" refType="h" fact="0.17"/>
+          <dgm:constr type="l" for="ch" forName="wedge2" refType="w" fact="0.1"/>
+          <dgm:constr type="t" for="ch" forName="wedge2" refType="w" fact="0.08"/>
+          <dgm:constr type="w" for="ch" forName="wedge2" refType="w" fact="0.84"/>
+          <dgm:constr type="h" for="ch" forName="wedge2" refType="h" fact="0.84"/>
+          <dgm:constr type="l" for="ch" forName="dummy2a" refType="w" fact="0.8837"/>
+          <dgm:constr type="t" for="ch" forName="dummy2a" refType="h" fact="0.29"/>
+          <dgm:constr type="l" for="ch" forName="dummy2b" refType="w" fact="0.8837"/>
+          <dgm:constr type="t" for="ch" forName="dummy2b" refType="h" fact="0.71"/>
+          <dgm:constr type="l" for="ch" forName="wedge2Tx" refType="w" fact="0.67"/>
+          <dgm:constr type="t" for="ch" forName="wedge2Tx" refType="h" fact="0.42"/>
+          <dgm:constr type="w" for="ch" forName="wedge2Tx" refType="w" fact="0.23"/>
+          <dgm:constr type="h" for="ch" forName="wedge2Tx" refType="h" fact="0.165"/>
+          <dgm:constr type="l" for="ch" forName="wedge3" refType="w" fact="0.09"/>
+          <dgm:constr type="t" for="ch" forName="wedge3" refType="w" fact="0.0973"/>
+          <dgm:constr type="w" for="ch" forName="wedge3" refType="w" fact="0.84"/>
+          <dgm:constr type="h" for="ch" forName="wedge3" refType="h" fact="0.84"/>
+          <dgm:constr type="l" for="ch" forName="dummy3a" refType="w" fact="0.8737"/>
+          <dgm:constr type="t" for="ch" forName="dummy3a" refType="h" fact="0.7273"/>
+          <dgm:constr type="l" for="ch" forName="dummy3b" refType="w" fact="0.51"/>
+          <dgm:constr type="t" for="ch" forName="dummy3b" refType="h" fact="0.9373"/>
+          <dgm:constr type="l" for="ch" forName="wedge3Tx" refType="w" fact="0.53"/>
+          <dgm:constr type="t" for="ch" forName="wedge3Tx" refType="h" fact="0.665"/>
+          <dgm:constr type="w" for="ch" forName="wedge3Tx" refType="w" fact="0.22"/>
+          <dgm:constr type="h" for="ch" forName="wedge3Tx" refType="h" fact="0.17"/>
+          <dgm:constr type="l" for="ch" forName="wedge4" refType="w" fact="0.07"/>
+          <dgm:constr type="t" for="ch" forName="wedge4" refType="h" fact="0.0973"/>
+          <dgm:constr type="w" for="ch" forName="wedge4" refType="w" fact="0.84"/>
+          <dgm:constr type="h" for="ch" forName="wedge4" refType="h" fact="0.84"/>
+          <dgm:constr type="l" for="ch" forName="dummy4a" refType="w" fact="0.49"/>
+          <dgm:constr type="t" for="ch" forName="dummy4a" refType="h" fact="0.9373"/>
+          <dgm:constr type="l" for="ch" forName="dummy4b" refType="w" fact="0.1263"/>
+          <dgm:constr type="t" for="ch" forName="dummy4b" refType="h" fact="0.7273"/>
+          <dgm:constr type="r" for="ch" forName="wedge4Tx" refType="w" fact="0.47"/>
+          <dgm:constr type="t" for="ch" forName="wedge4Tx" refType="h" fact="0.665"/>
+          <dgm:constr type="w" for="ch" forName="wedge4Tx" refType="w" fact="0.22"/>
+          <dgm:constr type="h" for="ch" forName="wedge4Tx" refType="h" fact="0.17"/>
+          <dgm:constr type="l" for="ch" forName="wedge5" refType="w" fact="0.06"/>
+          <dgm:constr type="t" for="ch" forName="wedge5" refType="h" fact="0.08"/>
+          <dgm:constr type="w" for="ch" forName="wedge5" refType="w" fact="0.84"/>
+          <dgm:constr type="h" for="ch" forName="wedge5" refType="h" fact="0.84"/>
+          <dgm:constr type="l" for="ch" forName="dummy5a" refType="w" fact="0.1163"/>
+          <dgm:constr type="t" for="ch" forName="dummy5a" refType="h" fact="0.71"/>
+          <dgm:constr type="l" for="ch" forName="dummy5b" refType="w" fact="0.1163"/>
+          <dgm:constr type="t" for="ch" forName="dummy5b" refType="h" fact="0.29"/>
+          <dgm:constr type="r" for="ch" forName="wedge5Tx" refType="w" fact="0.33"/>
+          <dgm:constr type="t" for="ch" forName="wedge5Tx" refType="h" fact="0.42"/>
+          <dgm:constr type="w" for="ch" forName="wedge5Tx" refType="w" fact="0.23"/>
+          <dgm:constr type="h" for="ch" forName="wedge5Tx" refType="h" fact="0.165"/>
+          <dgm:constr type="l" for="ch" forName="wedge6" refType="w" fact="0.07"/>
+          <dgm:constr type="t" for="ch" forName="wedge6" refType="h" fact="0.0627"/>
+          <dgm:constr type="w" for="ch" forName="wedge6" refType="w" fact="0.84"/>
+          <dgm:constr type="h" for="ch" forName="wedge6" refType="h" fact="0.84"/>
+          <dgm:constr type="l" for="ch" forName="dummy6a" refType="w" fact="0.1263"/>
+          <dgm:constr type="t" for="ch" forName="dummy6a" refType="h" fact="0.2727"/>
+          <dgm:constr type="l" for="ch" forName="dummy6b" refType="w" fact="0.49"/>
+          <dgm:constr type="t" for="ch" forName="dummy6b" refType="h" fact="0.0627"/>
+          <dgm:constr type="r" for="ch" forName="wedge6Tx" refType="w" fact="0.47"/>
+          <dgm:constr type="t" for="ch" forName="wedge6Tx" refType="h" fact="0.17"/>
+          <dgm:constr type="w" for="ch" forName="wedge6Tx" refType="w" fact="0.22"/>
+          <dgm:constr type="h" for="ch" forName="wedge6Tx" refType="h" fact="0.17"/>
+          <dgm:constr type="h" for="ch" forName="arrowWedge1" refType="w" fact="0.08"/>
+          <dgm:constr type="diam" for="ch" forName="arrowWedge1" refType="w" fact="0.84"/>
+          <dgm:constr type="l" for="ch" forName="arrowWedge1" refType="w" fact="0.5"/>
+          <dgm:constr type="t" for="ch" forName="arrowWedge1" refType="w" fact="0.5"/>
+          <dgm:constr type="h" for="ch" forName="arrowWedge2" refType="w" fact="0.08"/>
+          <dgm:constr type="diam" for="ch" forName="arrowWedge2" refType="w" fact="0.84"/>
+          <dgm:constr type="l" for="ch" forName="arrowWedge2" refType="w" fact="0.5"/>
+          <dgm:constr type="t" for="ch" forName="arrowWedge2" refType="w" fact="0.5"/>
+          <dgm:constr type="h" for="ch" forName="arrowWedge3" refType="w" fact="0.08"/>
+          <dgm:constr type="diam" for="ch" forName="arrowWedge3" refType="w" fact="0.84"/>
+          <dgm:constr type="l" for="ch" forName="arrowWedge3" refType="w" fact="0.5"/>
+          <dgm:constr type="t" for="ch" forName="arrowWedge3" refType="w" fact="0.5"/>
+          <dgm:constr type="h" for="ch" forName="arrowWedge4" refType="w" fact="0.08"/>
+          <dgm:constr type="diam" for="ch" forName="arrowWedge4" refType="w" fact="0.84"/>
+          <dgm:constr type="l" for="ch" forName="arrowWedge4" refType="w" fact="0.5"/>
+          <dgm:constr type="t" for="ch" forName="arrowWedge4" refType="w" fact="0.5"/>
+          <dgm:constr type="h" for="ch" forName="arrowWedge5" refType="w" fact="0.08"/>
+          <dgm:constr type="diam" for="ch" forName="arrowWedge5" refType="w" fact="0.84"/>
+          <dgm:constr type="l" for="ch" forName="arrowWedge5" refType="w" fact="0.5"/>
+          <dgm:constr type="t" for="ch" forName="arrowWedge5" refType="w" fact="0.5"/>
+          <dgm:constr type="h" for="ch" forName="arrowWedge6" refType="w" fact="0.08"/>
+          <dgm:constr type="diam" for="ch" forName="arrowWedge6" refType="w" fact="0.84"/>
+          <dgm:constr type="l" for="ch" forName="arrowWedge6" refType="w" fact="0.5"/>
+          <dgm:constr type="t" for="ch" forName="arrowWedge6" refType="w" fact="0.5"/>
+          <dgm:constr type="primFontSz" for="ch" ptType="node" op="equ"/>
+        </dgm:constrLst>
+      </dgm:if>
+      <dgm:else name="Name7">
+        <dgm:constrLst>
+          <dgm:constr type="l" for="ch" forName="wedge1" refType="w" fact="0.0887"/>
+          <dgm:constr type="t" for="ch" forName="wedge1" refType="w" fact="0.062"/>
+          <dgm:constr type="w" for="ch" forName="wedge1" refType="w" fact="0.84"/>
+          <dgm:constr type="h" for="ch" forName="wedge1" refType="h" fact="0.84"/>
+          <dgm:constr type="l" for="ch" forName="dummy1a" refType="w" fact="0.5087"/>
+          <dgm:constr type="t" for="ch" forName="dummy1a" refType="h" fact="0.062"/>
+          <dgm:constr type="l" for="ch" forName="dummy1b" refType="w" fact="0.837"/>
+          <dgm:constr type="t" for="ch" forName="dummy1b" refType="h" fact="0.2201"/>
+          <dgm:constr type="l" for="ch" forName="wedge1Tx" refType="w" fact="0.53"/>
+          <dgm:constr type="t" for="ch" forName="wedge1Tx" refType="h" fact="0.14"/>
+          <dgm:constr type="w" for="ch" forName="wedge1Tx" refType="w" fact="0.2"/>
+          <dgm:constr type="h" for="ch" forName="wedge1Tx" refType="h" fact="0.16"/>
+          <dgm:constr type="l" for="ch" forName="wedge2" refType="w" fact="0.0995"/>
+          <dgm:constr type="t" for="ch" forName="wedge2" refType="w" fact="0.0755"/>
+          <dgm:constr type="w" for="ch" forName="wedge2" refType="w" fact="0.84"/>
+          <dgm:constr type="h" for="ch" forName="wedge2" refType="h" fact="0.84"/>
+          <dgm:constr type="l" for="ch" forName="dummy2a" refType="w" fact="0.8479"/>
+          <dgm:constr type="t" for="ch" forName="dummy2a" refType="h" fact="0.2337"/>
+          <dgm:constr type="l" for="ch" forName="dummy2b" refType="w" fact="0.929"/>
+          <dgm:constr type="t" for="ch" forName="dummy2b" refType="h" fact="0.589"/>
+          <dgm:constr type="l" for="ch" forName="wedge2Tx" refType="w" fact="0.67"/>
+          <dgm:constr type="t" for="ch" forName="wedge2Tx" refType="h" fact="0.38"/>
+          <dgm:constr type="w" for="ch" forName="wedge2Tx" refType="w" fact="0.23"/>
+          <dgm:constr type="h" for="ch" forName="wedge2Tx" refType="h" fact="0.14"/>
+          <dgm:constr type="l" for="ch" forName="wedge3" refType="w" fact="0.0956"/>
+          <dgm:constr type="t" for="ch" forName="wedge3" refType="w" fact="0.0925"/>
+          <dgm:constr type="w" for="ch" forName="wedge3" refType="w" fact="0.84"/>
+          <dgm:constr type="h" for="ch" forName="wedge3" refType="h" fact="0.84"/>
+          <dgm:constr type="l" for="ch" forName="dummy3a" refType="w" fact="0.9251"/>
+          <dgm:constr type="t" for="ch" forName="dummy3a" refType="h" fact="0.6059"/>
+          <dgm:constr type="l" for="ch" forName="dummy3b" refType="w" fact="0.6979"/>
+          <dgm:constr type="t" for="ch" forName="dummy3b" refType="h" fact="0.8909"/>
+          <dgm:constr type="l" for="ch" forName="wedge3Tx" refType="w" fact="0.635"/>
+          <dgm:constr type="t" for="ch" forName="wedge3Tx" refType="h" fact="0.59"/>
+          <dgm:constr type="w" for="ch" forName="wedge3Tx" refType="w" fact="0.2"/>
+          <dgm:constr type="h" for="ch" forName="wedge3Tx" refType="h" fact="0.155"/>
+          <dgm:constr type="l" for="ch" forName="wedge4" refType="w" fact="0.08"/>
+          <dgm:constr type="t" for="ch" forName="wedge4" refType="h" fact="0.1"/>
+          <dgm:constr type="w" for="ch" forName="wedge4" refType="w" fact="0.84"/>
+          <dgm:constr type="h" for="ch" forName="wedge4" refType="h" fact="0.84"/>
+          <dgm:constr type="l" for="ch" forName="dummy4a" refType="w" fact="0.6822"/>
+          <dgm:constr type="t" for="ch" forName="dummy4a" refType="h" fact="0.8984"/>
+          <dgm:constr type="l" for="ch" forName="dummy4b" refType="w" fact="0.3178"/>
+          <dgm:constr type="t" for="ch" forName="dummy4b" refType="h" fact="0.8984"/>
+          <dgm:constr type="l" for="ch" forName="wedge4Tx" refType="w" fact="0.4025"/>
+          <dgm:constr type="t" for="ch" forName="wedge4Tx" refType="h" fact="0.76"/>
+          <dgm:constr type="w" for="ch" forName="wedge4Tx" refType="w" fact="0.195"/>
+          <dgm:constr type="h" for="ch" forName="wedge4Tx" refType="h" fact="0.14"/>
+          <dgm:constr type="l" for="ch" forName="wedge5" refType="w" fact="0.0644"/>
+          <dgm:constr type="t" for="ch" forName="wedge5" refType="h" fact="0.0925"/>
+          <dgm:constr type="w" for="ch" forName="wedge5" refType="w" fact="0.84"/>
+          <dgm:constr type="h" for="ch" forName="wedge5" refType="h" fact="0.84"/>
+          <dgm:constr type="l" for="ch" forName="dummy5a" refType="w" fact="0.3021"/>
+          <dgm:constr type="t" for="ch" forName="dummy5a" refType="h" fact="0.8909"/>
+          <dgm:constr type="l" for="ch" forName="dummy5b" refType="w" fact="0.0749"/>
+          <dgm:constr type="t" for="ch" forName="dummy5b" refType="h" fact="0.6059"/>
+          <dgm:constr type="r" for="ch" forName="wedge5Tx" refType="w" fact="0.365"/>
+          <dgm:constr type="t" for="ch" forName="wedge5Tx" refType="h" fact="0.59"/>
+          <dgm:constr type="w" for="ch" forName="wedge5Tx" refType="w" fact="0.2"/>
+          <dgm:constr type="h" for="ch" forName="wedge5Tx" refType="h" fact="0.155"/>
+          <dgm:constr type="l" for="ch" forName="wedge6" refType="w" fact="0.0605"/>
+          <dgm:constr type="t" for="ch" forName="wedge6" refType="h" fact="0.0755"/>
+          <dgm:constr type="w" for="ch" forName="wedge6" refType="w" fact="0.84"/>
+          <dgm:constr type="h" for="ch" forName="wedge6" refType="h" fact="0.84"/>
+          <dgm:constr type="l" for="ch" forName="dummy6a" refType="w" fact="0.071"/>
+          <dgm:constr type="t" for="ch" forName="dummy6a" refType="h" fact="0.589"/>
+          <dgm:constr type="l" for="ch" forName="dummy6b" refType="w" fact="0.1521"/>
+          <dgm:constr type="t" for="ch" forName="dummy6b" refType="h" fact="0.2337"/>
+          <dgm:constr type="r" for="ch" forName="wedge6Tx" refType="w" fact="0.33"/>
+          <dgm:constr type="t" for="ch" forName="wedge6Tx" refType="h" fact="0.38"/>
+          <dgm:constr type="w" for="ch" forName="wedge6Tx" refType="w" fact="0.23"/>
+          <dgm:constr type="h" for="ch" forName="wedge6Tx" refType="h" fact="0.14"/>
+          <dgm:constr type="l" for="ch" forName="wedge7" refType="w" fact="0.0713"/>
+          <dgm:constr type="t" for="ch" forName="wedge7" refType="h" fact="0.062"/>
+          <dgm:constr type="w" for="ch" forName="wedge7" refType="w" fact="0.84"/>
+          <dgm:constr type="h" for="ch" forName="wedge7" refType="h" fact="0.84"/>
+          <dgm:constr type="l" for="ch" forName="dummy7a" refType="w" fact="0.163"/>
+          <dgm:constr type="t" for="ch" forName="dummy7a" refType="h" fact="0.2201"/>
+          <dgm:constr type="l" for="ch" forName="dummy7b" refType="w" fact="0.4913"/>
+          <dgm:constr type="t" for="ch" forName="dummy7b" refType="h" fact="0.062"/>
+          <dgm:constr type="r" for="ch" forName="wedge7Tx" refType="w" fact="0.47"/>
+          <dgm:constr type="t" for="ch" forName="wedge7Tx" refType="h" fact="0.14"/>
+          <dgm:constr type="w" for="ch" forName="wedge7Tx" refType="w" fact="0.2"/>
+          <dgm:constr type="h" for="ch" forName="wedge7Tx" refType="h" fact="0.16"/>
+          <dgm:constr type="h" for="ch" forName="arrowWedge1" refType="w" fact="0.08"/>
+          <dgm:constr type="diam" for="ch" forName="arrowWedge1" refType="w" fact="0.84"/>
+          <dgm:constr type="l" for="ch" forName="arrowWedge1" refType="w" fact="0.5"/>
+          <dgm:constr type="t" for="ch" forName="arrowWedge1" refType="w" fact="0.5"/>
+          <dgm:constr type="h" for="ch" forName="arrowWedge2" refType="w" fact="0.08"/>
+          <dgm:constr type="diam" for="ch" forName="arrowWedge2" refType="w" fact="0.84"/>
+          <dgm:constr type="l" for="ch" forName="arrowWedge2" refType="w" fact="0.5"/>
+          <dgm:constr type="t" for="ch" forName="arrowWedge2" refType="w" fact="0.5"/>
+          <dgm:constr type="h" for="ch" forName="arrowWedge3" refType="w" fact="0.08"/>
+          <dgm:constr type="diam" for="ch" forName="arrowWedge3" refType="w" fact="0.84"/>
+          <dgm:constr type="l" for="ch" forName="arrowWedge3" refType="w" fact="0.5"/>
+          <dgm:constr type="t" for="ch" forName="arrowWedge3" refType="w" fact="0.5"/>
+          <dgm:constr type="h" for="ch" forName="arrowWedge4" refType="w" fact="0.08"/>
+          <dgm:constr type="diam" for="ch" forName="arrowWedge4" refType="w" fact="0.84"/>
+          <dgm:constr type="l" for="ch" forName="arrowWedge4" refType="w" fact="0.5"/>
+          <dgm:constr type="t" for="ch" forName="arrowWedge4" refType="w" fact="0.5"/>
+          <dgm:constr type="h" for="ch" forName="arrowWedge5" refType="w" fact="0.08"/>
+          <dgm:constr type="diam" for="ch" forName="arrowWedge5" refType="w" fact="0.84"/>
+          <dgm:constr type="l" for="ch" forName="arrowWedge5" refType="w" fact="0.5"/>
+          <dgm:constr type="t" for="ch" forName="arrowWedge5" refType="w" fact="0.5"/>
+          <dgm:constr type="h" for="ch" forName="arrowWedge6" refType="w" fact="0.08"/>
+          <dgm:constr type="diam" for="ch" forName="arrowWedge6" refType="w" fact="0.84"/>
+          <dgm:constr type="l" for="ch" forName="arrowWedge6" refType="w" fact="0.5"/>
+          <dgm:constr type="t" for="ch" forName="arrowWedge6" refType="w" fact="0.5"/>
+          <dgm:constr type="h" for="ch" forName="arrowWedge7" refType="w" fact="0.08"/>
+          <dgm:constr type="diam" for="ch" forName="arrowWedge7" refType="w" fact="0.84"/>
+          <dgm:constr type="l" for="ch" forName="arrowWedge7" refType="w" fact="0.5"/>
+          <dgm:constr type="t" for="ch" forName="arrowWedge7" refType="w" fact="0.5"/>
+          <dgm:constr type="primFontSz" for="ch" ptType="node" op="equ"/>
+        </dgm:constrLst>
+      </dgm:else>
+    </dgm:choose>
+    <dgm:ruleLst/>
+    <dgm:choose name="Name8">
+      <dgm:if name="Name9" axis="ch" ptType="node" func="cnt" op="gte" val="1">
+        <dgm:layoutNode name="wedge1">
+          <dgm:alg type="sp"/>
+          <dgm:choose name="Name10">
+            <dgm:if name="Name11" axis="ch" ptType="node" func="cnt" op="equ" val="1">
+              <dgm:shape xmlns:r="http://schemas.openxmlformats.org/officeDocument/2006/relationships" type="ellipse" r:blip="">
+                <dgm:adjLst/>
+              </dgm:shape>
+            </dgm:if>
+            <dgm:if name="Name12" axis="ch" ptType="node" func="cnt" op="equ" val="2">
+              <dgm:shape xmlns:r="http://schemas.openxmlformats.org/officeDocument/2006/relationships" type="pie" r:blip="">
+                <dgm:adjLst>
+                  <dgm:adj idx="1" val="270"/>
+                  <dgm:adj idx="2" val="90"/>
+                </dgm:adjLst>
+              </dgm:shape>
+            </dgm:if>
+            <dgm:if name="Name13" axis="ch" ptType="node" func="cnt" op="equ" val="3">
+              <dgm:shape xmlns:r="http://schemas.openxmlformats.org/officeDocument/2006/relationships" type="pie" r:blip="">
+                <dgm:adjLst>
+                  <dgm:adj idx="1" val="270"/>
+                  <dgm:adj idx="2" val="30"/>
+                </dgm:adjLst>
+              </dgm:shape>
+            </dgm:if>
+            <dgm:if name="Name14" axis="ch" ptType="node" func="cnt" op="equ" val="4">
+              <dgm:shape xmlns:r="http://schemas.openxmlformats.org/officeDocument/2006/relationships" type="pie" r:blip="">
+                <dgm:adjLst>
+                  <dgm:adj idx="1" val="270"/>
+                  <dgm:adj idx="2" val="0"/>
+                </dgm:adjLst>
+              </dgm:shape>
+            </dgm:if>
+            <dgm:if name="Name15" axis="ch" ptType="node" func="cnt" op="equ" val="5">
+              <dgm:shape xmlns:r="http://schemas.openxmlformats.org/officeDocument/2006/relationships" type="pie" r:blip="">
+                <dgm:adjLst>
+                  <dgm:adj idx="1" val="270"/>
+                  <dgm:adj idx="2" val="342"/>
+                </dgm:adjLst>
+              </dgm:shape>
+            </dgm:if>
+            <dgm:if name="Name16" axis="ch" ptType="node" func="cnt" op="equ" val="6">
+              <dgm:shape xmlns:r="http://schemas.openxmlformats.org/officeDocument/2006/relationships" type="pie" r:blip="">
+                <dgm:adjLst>
+                  <dgm:adj idx="1" val="270"/>
+                  <dgm:adj idx="2" val="330"/>
+                </dgm:adjLst>
+              </dgm:shape>
+            </dgm:if>
+            <dgm:else name="Name17">
+              <dgm:shape xmlns:r="http://schemas.openxmlformats.org/officeDocument/2006/relationships" type="pie" r:blip="">
+                <dgm:adjLst>
+                  <dgm:adj idx="1" val="270"/>
+                  <dgm:adj idx="2" val="321.4286"/>
+                </dgm:adjLst>
+              </dgm:shape>
+            </dgm:else>
+          </dgm:choose>
+          <dgm:choose name="Name18">
+            <dgm:if name="Name19" func="var" arg="dir" op="equ" val="norm">
+              <dgm:presOf axis="ch desOrSelf" ptType="node node" st="1 1" cnt="1 0"/>
+            </dgm:if>
+            <dgm:else name="Name20">
+              <dgm:choose name="Name21">
+                <dgm:if name="Name22" axis="ch" ptType="node" func="cnt" op="equ" val="1">
+                  <dgm:presOf axis="ch desOrSelf" ptType="node node" st="1 1" cnt="1 0"/>
+                </dgm:if>
+                <dgm:if name="Name23" axis="ch" ptType="node" func="cnt" op="equ" val="2">
+                  <dgm:presOf axis="ch desOrSelf" ptType="node node" st="2 1" cnt="1 0"/>
+                </dgm:if>
+                <dgm:if name="Name24" axis="ch" ptType="node" func="cnt" op="equ" val="3">
+                  <dgm:presOf axis="ch desOrSelf" ptType="node node" st="3 1" cnt="1 0"/>
+                </dgm:if>
+                <dgm:if name="Name25" axis="ch" ptType="node" func="cnt" op="equ" val="4">
+                  <dgm:presOf axis="ch desOrSelf" ptType="node node" st="4 1" cnt="1 0"/>
+                </dgm:if>
+                <dgm:if name="Name26" axis="ch" ptType="node" func="cnt" op="equ" val="5">
+                  <dgm:presOf axis="ch desOrSelf" ptType="node node" st="5 1" cnt="1 0"/>
+                </dgm:if>
+                <dgm:if name="Name27" axis="ch" ptType="node" func="cnt" op="equ" val="6">
+                  <dgm:presOf axis="ch desOrSelf" ptType="node node" st="6 1" cnt="1 0"/>
+                </dgm:if>
+                <dgm:else name="Name28">
+                  <dgm:presOf axis="ch desOrSelf" ptType="node node" st="7 1" cnt="1 0"/>
+                </dgm:else>
+              </dgm:choose>
+            </dgm:else>
+          </dgm:choose>
+          <dgm:constrLst/>
+          <dgm:ruleLst/>
+        </dgm:layoutNode>
+        <dgm:layoutNode name="dummy1a" moveWith="wedge1">
+          <dgm:alg type="sp"/>
+          <dgm:shape xmlns:r="http://schemas.openxmlformats.org/officeDocument/2006/relationships" r:blip="">
+            <dgm:adjLst/>
+          </dgm:shape>
+          <dgm:presOf/>
+          <dgm:constrLst>
+            <dgm:constr type="w" val="1"/>
+            <dgm:constr type="h" val="1"/>
+          </dgm:constrLst>
+          <dgm:ruleLst/>
+        </dgm:layoutNode>
+        <dgm:layoutNode name="dummy1b" moveWith="wedge1">
+          <dgm:alg type="sp"/>
+          <dgm:shape xmlns:r="http://schemas.openxmlformats.org/officeDocument/2006/relationships" r:blip="">
+            <dgm:adjLst/>
+          </dgm:shape>
+          <dgm:presOf/>
+          <dgm:constrLst>
+            <dgm:constr type="w" val="1"/>
+            <dgm:constr type="h" val="1"/>
+          </dgm:constrLst>
+          <dgm:ruleLst/>
+        </dgm:layoutNode>
+        <dgm:layoutNode name="wedge1Tx" moveWith="wedge1">
+          <dgm:varLst>
+            <dgm:chMax val="0"/>
+            <dgm:chPref val="0"/>
+            <dgm:bulletEnabled val="1"/>
+          </dgm:varLst>
+          <dgm:alg type="tx"/>
+          <dgm:shape xmlns:r="http://schemas.openxmlformats.org/officeDocument/2006/relationships" type="rect" r:blip="" hideGeom="1">
+            <dgm:adjLst/>
+          </dgm:shape>
+          <dgm:choose name="Name29">
+            <dgm:if name="Name30" func="var" arg="dir" op="equ" val="norm">
+              <dgm:presOf axis="ch desOrSelf" ptType="node node" st="1 1" cnt="1 0"/>
+            </dgm:if>
+            <dgm:else name="Name31">
+              <dgm:choose name="Name32">
+                <dgm:if name="Name33" axis="ch" ptType="node" func="cnt" op="equ" val="1">
+                  <dgm:presOf axis="ch desOrSelf" ptType="node node" st="1 1" cnt="1 0"/>
+                </dgm:if>
+                <dgm:if name="Name34" axis="ch" ptType="node" func="cnt" op="equ" val="2">
+                  <dgm:presOf axis="ch desOrSelf" ptType="node node" st="2 1" cnt="1 0"/>
+                </dgm:if>
+                <dgm:if name="Name35" axis="ch" ptType="node" func="cnt" op="equ" val="3">
+                  <dgm:presOf axis="ch desOrSelf" ptType="node node" st="3 1" cnt="1 0"/>
+                </dgm:if>
+                <dgm:if name="Name36" axis="ch" ptType="node" func="cnt" op="equ" val="4">
+                  <dgm:presOf axis="ch desOrSelf" ptType="node node" st="4 1" cnt="1 0"/>
+                </dgm:if>
+                <dgm:if name="Name37" axis="ch" ptType="node" func="cnt" op="equ" val="5">
+                  <dgm:presOf axis="ch desOrSelf" ptType="node node" st="5 1" cnt="1 0"/>
+                </dgm:if>
+                <dgm:if name="Name38" axis="ch" ptType="node" func="cnt" op="equ" val="6">
+                  <dgm:presOf axis="ch desOrSelf" ptType="node node" st="6 1" cnt="1 0"/>
+                </dgm:if>
+                <dgm:else name="Name39">
+                  <dgm:presOf axis="ch desOrSelf" ptType="node node" st="7 1" cnt="1 0"/>
+                </dgm:else>
+              </dgm:choose>
+            </dgm:else>
+          </dgm:choose>
+          <dgm:constrLst>
+            <dgm:constr type="tMarg" refType="primFontSz" fact="0.1"/>
+            <dgm:constr type="bMarg" refType="primFontSz" fact="0.1"/>
+            <dgm:constr type="lMarg" refType="primFontSz" fact="0.1"/>
+            <dgm:constr type="rMarg" refType="primFontSz" fact="0.1"/>
+            <dgm:constr type="primFontSz" val="65"/>
+          </dgm:constrLst>
+          <dgm:ruleLst>
+            <dgm:rule type="primFontSz" val="5" fact="NaN" max="NaN"/>
+          </dgm:ruleLst>
+        </dgm:layoutNode>
+      </dgm:if>
+      <dgm:else name="Name40"/>
+    </dgm:choose>
+    <dgm:choose name="Name41">
+      <dgm:if name="Name42" axis="ch" ptType="node" func="cnt" op="gte" val="2">
+        <dgm:layoutNode name="wedge2">
+          <dgm:alg type="sp"/>
+          <dgm:choose name="Name43">
+            <dgm:if name="Name44" axis="ch" ptType="node" func="cnt" op="equ" val="2">
+              <dgm:shape xmlns:r="http://schemas.openxmlformats.org/officeDocument/2006/relationships" type="pie" r:blip="">
+                <dgm:adjLst>
+                  <dgm:adj idx="1" val="90"/>
+                  <dgm:adj idx="2" val="270"/>
+                </dgm:adjLst>
+              </dgm:shape>
+            </dgm:if>
+            <dgm:if name="Name45" axis="ch" ptType="node" func="cnt" op="equ" val="3">
+              <dgm:shape xmlns:r="http://schemas.openxmlformats.org/officeDocument/2006/relationships" type="pie" r:blip="">
+                <dgm:adjLst>
+                  <dgm:adj idx="1" val="30"/>
+                  <dgm:adj idx="2" val="150"/>
+                </dgm:adjLst>
+              </dgm:shape>
+            </dgm:if>
+            <dgm:if name="Name46" axis="ch" ptType="node" func="cnt" op="equ" val="4">
+              <dgm:shape xmlns:r="http://schemas.openxmlformats.org/officeDocument/2006/relationships" type="pie" r:blip="">
+                <dgm:adjLst>
+                  <dgm:adj idx="1" val="0"/>
+                  <dgm:adj idx="2" val="90"/>
+                </dgm:adjLst>
+              </dgm:shape>
+            </dgm:if>
+            <dgm:if name="Name47" axis="ch" ptType="node" func="cnt" op="equ" val="5">
+              <dgm:shape xmlns:r="http://schemas.openxmlformats.org/officeDocument/2006/relationships" type="pie" r:blip="">
+                <dgm:adjLst>
+                  <dgm:adj idx="1" val="342"/>
+                  <dgm:adj idx="2" val="54"/>
+                </dgm:adjLst>
+              </dgm:shape>
+            </dgm:if>
+            <dgm:if name="Name48" axis="ch" ptType="node" func="cnt" op="equ" val="6">
+              <dgm:shape xmlns:r="http://schemas.openxmlformats.org/officeDocument/2006/relationships" type="pie" r:blip="">
+                <dgm:adjLst>
+                  <dgm:adj idx="1" val="330"/>
+                  <dgm:adj idx="2" val="30"/>
+                </dgm:adjLst>
+              </dgm:shape>
+            </dgm:if>
+            <dgm:else name="Name49">
+              <dgm:shape xmlns:r="http://schemas.openxmlformats.org/officeDocument/2006/relationships" type="pie" r:blip="">
+                <dgm:adjLst>
+                  <dgm:adj idx="1" val="321.4286"/>
+                  <dgm:adj idx="2" val="12.85714"/>
+                </dgm:adjLst>
+              </dgm:shape>
+            </dgm:else>
+          </dgm:choose>
+          <dgm:choose name="Name50">
+            <dgm:if name="Name51" func="var" arg="dir" op="equ" val="norm">
+              <dgm:presOf axis="ch desOrSelf" ptType="node node" st="2 1" cnt="1 0"/>
+            </dgm:if>
+            <dgm:else name="Name52">
+              <dgm:choose name="Name53">
+                <dgm:if name="Name54" axis="ch" ptType="node" func="cnt" op="equ" val="2">
+                  <dgm:presOf axis="ch desOrSelf" ptType="node node" st="1 1" cnt="1 0"/>
+                </dgm:if>
+                <dgm:if name="Name55" axis="ch" ptType="node" func="cnt" op="equ" val="3">
+                  <dgm:presOf axis="ch desOrSelf" ptType="node node" st="2 1" cnt="1 0"/>
+                </dgm:if>
+                <dgm:if name="Name56" axis="ch" ptType="node" func="cnt" op="equ" val="4">
+                  <dgm:presOf axis="ch desOrSelf" ptType="node node" st="3 1" cnt="1 0"/>
+                </dgm:if>
+                <dgm:if name="Name57" axis="ch" ptType="node" func="cnt" op="equ" val="5">
+                  <dgm:presOf axis="ch desOrSelf" ptType="node node" st="4 1" cnt="1 0"/>
+                </dgm:if>
+                <dgm:if name="Name58" axis="ch" ptType="node" func="cnt" op="equ" val="6">
+                  <dgm:presOf axis="ch desOrSelf" ptType="node node" st="5 1" cnt="1 0"/>
+                </dgm:if>
+                <dgm:else name="Name59">
+                  <dgm:presOf axis="ch desOrSelf" ptType="node node" st="6 1" cnt="1 0"/>
+                </dgm:else>
+              </dgm:choose>
+            </dgm:else>
+          </dgm:choose>
+          <dgm:constrLst/>
+          <dgm:ruleLst/>
+        </dgm:layoutNode>
+        <dgm:layoutNode name="dummy2a" moveWith="wedge2">
+          <dgm:alg type="sp"/>
+          <dgm:shape xmlns:r="http://schemas.openxmlformats.org/officeDocument/2006/relationships" r:blip="">
+            <dgm:adjLst/>
+          </dgm:shape>
+          <dgm:presOf/>
+          <dgm:constrLst>
+            <dgm:constr type="w" val="1"/>
+            <dgm:constr type="h" val="1"/>
+          </dgm:constrLst>
+          <dgm:ruleLst/>
+        </dgm:layoutNode>
+        <dgm:layoutNode name="dummy2b" moveWith="wedge2">
+          <dgm:alg type="sp"/>
+          <dgm:shape xmlns:r="http://schemas.openxmlformats.org/officeDocument/2006/relationships" r:blip="">
+            <dgm:adjLst/>
+          </dgm:shape>
+          <dgm:presOf/>
+          <dgm:constrLst>
+            <dgm:constr type="w" val="1"/>
+            <dgm:constr type="h" val="1"/>
+          </dgm:constrLst>
+          <dgm:ruleLst/>
+        </dgm:layoutNode>
+        <dgm:layoutNode name="wedge2Tx" moveWith="wedge2">
+          <dgm:varLst>
+            <dgm:chMax val="0"/>
+            <dgm:chPref val="0"/>
+            <dgm:bulletEnabled val="1"/>
+          </dgm:varLst>
+          <dgm:alg type="tx"/>
+          <dgm:shape xmlns:r="http://schemas.openxmlformats.org/officeDocument/2006/relationships" type="rect" r:blip="" hideGeom="1">
+            <dgm:adjLst/>
+          </dgm:shape>
+          <dgm:choose name="Name60">
+            <dgm:if name="Name61" func="var" arg="dir" op="equ" val="norm">
+              <dgm:presOf axis="ch desOrSelf" ptType="node node" st="2 1" cnt="1 0"/>
+            </dgm:if>
+            <dgm:else name="Name62">
+              <dgm:choose name="Name63">
+                <dgm:if name="Name64" axis="ch" ptType="node" func="cnt" op="equ" val="2">
+                  <dgm:presOf axis="ch desOrSelf" ptType="node node" st="1 1" cnt="1 0"/>
+                </dgm:if>
+                <dgm:if name="Name65" axis="ch" ptType="node" func="cnt" op="equ" val="3">
+                  <dgm:presOf axis="ch desOrSelf" ptType="node node" st="2 1" cnt="1 0"/>
+                </dgm:if>
+                <dgm:if name="Name66" axis="ch" ptType="node" func="cnt" op="equ" val="4">
+                  <dgm:presOf axis="ch desOrSelf" ptType="node node" st="3 1" cnt="1 0"/>
+                </dgm:if>
+                <dgm:if name="Name67" axis="ch" ptType="node" func="cnt" op="equ" val="5">
+                  <dgm:presOf axis="ch desOrSelf" ptType="node node" st="4 1" cnt="1 0"/>
+                </dgm:if>
+                <dgm:if name="Name68" axis="ch" ptType="node" func="cnt" op="equ" val="6">
+                  <dgm:presOf axis="ch desOrSelf" ptType="node node" st="5 1" cnt="1 0"/>
+                </dgm:if>
+                <dgm:else name="Name69">
+                  <dgm:presOf axis="ch desOrSelf" ptType="node node" st="6 1" cnt="1 0"/>
+                </dgm:else>
+              </dgm:choose>
+            </dgm:else>
+          </dgm:choose>
+          <dgm:constrLst>
+            <dgm:constr type="tMarg" refType="primFontSz" fact="0.1"/>
+            <dgm:constr type="bMarg" refType="primFontSz" fact="0.1"/>
+            <dgm:constr type="lMarg" refType="primFontSz" fact="0.1"/>
+            <dgm:constr type="rMarg" refType="primFontSz" fact="0.1"/>
+            <dgm:constr type="primFontSz" val="65"/>
+          </dgm:constrLst>
+          <dgm:ruleLst>
+            <dgm:rule type="primFontSz" val="5" fact="NaN" max="NaN"/>
+          </dgm:ruleLst>
+        </dgm:layoutNode>
+      </dgm:if>
+      <dgm:else name="Name70"/>
+    </dgm:choose>
+    <dgm:choose name="Name71">
+      <dgm:if name="Name72" axis="ch" ptType="node" func="cnt" op="gte" val="3">
+        <dgm:layoutNode name="wedge3">
+          <dgm:alg type="sp"/>
+          <dgm:choose name="Name73">
+            <dgm:if name="Name74" axis="ch" ptType="node" func="cnt" op="equ" val="3">
+              <dgm:shape xmlns:r="http://schemas.openxmlformats.org/officeDocument/2006/relationships" type="pie" r:blip="">
+                <dgm:adjLst>
+                  <dgm:adj idx="1" val="150"/>
+                  <dgm:adj idx="2" val="270"/>
+                </dgm:adjLst>
+              </dgm:shape>
+            </dgm:if>
+            <dgm:if name="Name75" axis="ch" ptType="node" func="cnt" op="equ" val="4">
+              <dgm:shape xmlns:r="http://schemas.openxmlformats.org/officeDocument/2006/relationships" type="pie" r:blip="">
+                <dgm:adjLst>
+                  <dgm:adj idx="1" val="90"/>
+                  <dgm:adj idx="2" val="180"/>
+                </dgm:adjLst>
+              </dgm:shape>
+            </dgm:if>
+            <dgm:if name="Name76" axis="ch" ptType="node" func="cnt" op="equ" val="5">
+              <dgm:shape xmlns:r="http://schemas.openxmlformats.org/officeDocument/2006/relationships" type="pie" r:blip="">
+                <dgm:adjLst>
+                  <dgm:adj idx="1" val="54"/>
+                  <dgm:adj idx="2" val="126"/>
+                </dgm:adjLst>
+              </dgm:shape>
+            </dgm:if>
+            <dgm:if name="Name77" axis="ch" ptType="node" func="cnt" op="equ" val="6">
+              <dgm:shape xmlns:r="http://schemas.openxmlformats.org/officeDocument/2006/relationships" type="pie" r:blip="">
+                <dgm:adjLst>
+                  <dgm:adj idx="1" val="30"/>
+                  <dgm:adj idx="2" val="90"/>
+                </dgm:adjLst>
+              </dgm:shape>
+            </dgm:if>
+            <dgm:else name="Name78">
+              <dgm:shape xmlns:r="http://schemas.openxmlformats.org/officeDocument/2006/relationships" type="pie" r:blip="">
+                <dgm:adjLst>
+                  <dgm:adj idx="1" val="12.85714"/>
+                  <dgm:adj idx="2" val="64.28571"/>
+                </dgm:adjLst>
+              </dgm:shape>
+            </dgm:else>
+          </dgm:choose>
+          <dgm:choose name="Name79">
+            <dgm:if name="Name80" func="var" arg="dir" op="equ" val="norm">
+              <dgm:presOf axis="ch desOrSelf" ptType="node node" st="3 1" cnt="1 0"/>
+            </dgm:if>
+            <dgm:else name="Name81">
+              <dgm:choose name="Name82">
+                <dgm:if name="Name83" axis="ch" ptType="node" func="cnt" op="equ" val="3">
+                  <dgm:presOf axis="ch desOrSelf" ptType="node node" st="1 1" cnt="1 0"/>
+                </dgm:if>
+                <dgm:if name="Name84" axis="ch" ptType="node" func="cnt" op="equ" val="4">
+                  <dgm:presOf axis="ch desOrSelf" ptType="node node" st="2 1" cnt="1 0"/>
+                </dgm:if>
+                <dgm:if name="Name85" axis="ch" ptType="node" func="cnt" op="equ" val="5">
+                  <dgm:presOf axis="ch desOrSelf" ptType="node node" st="3 1" cnt="1 0"/>
+                </dgm:if>
+                <dgm:if name="Name86" axis="ch" ptType="node" func="cnt" op="equ" val="6">
+                  <dgm:presOf axis="ch desOrSelf" ptType="node node" st="4 1" cnt="1 0"/>
+                </dgm:if>
+                <dgm:else name="Name87">
+                  <dgm:presOf axis="ch desOrSelf" ptType="node node" st="5 1" cnt="1 0"/>
+                </dgm:else>
+              </dgm:choose>
+            </dgm:else>
+          </dgm:choose>
+          <dgm:constrLst/>
+          <dgm:ruleLst/>
+        </dgm:layoutNode>
+        <dgm:layoutNode name="dummy3a" moveWith="wedge3">
+          <dgm:alg type="sp"/>
+          <dgm:shape xmlns:r="http://schemas.openxmlformats.org/officeDocument/2006/relationships" r:blip="">
+            <dgm:adjLst/>
+          </dgm:shape>
+          <dgm:presOf/>
+          <dgm:constrLst>
+            <dgm:constr type="w" val="1"/>
+            <dgm:constr type="h" val="1"/>
+          </dgm:constrLst>
+          <dgm:ruleLst/>
+        </dgm:layoutNode>
+        <dgm:layoutNode name="dummy3b" moveWith="wedge3">
+          <dgm:alg type="sp"/>
+          <dgm:shape xmlns:r="http://schemas.openxmlformats.org/officeDocument/2006/relationships" r:blip="">
+            <dgm:adjLst/>
+          </dgm:shape>
+          <dgm:presOf/>
+          <dgm:constrLst>
+            <dgm:constr type="w" val="1"/>
+            <dgm:constr type="h" val="1"/>
+          </dgm:constrLst>
+          <dgm:ruleLst/>
+        </dgm:layoutNode>
+        <dgm:layoutNode name="wedge3Tx" moveWith="wedge3">
+          <dgm:varLst>
+            <dgm:chMax val="0"/>
+            <dgm:chPref val="0"/>
+            <dgm:bulletEnabled val="1"/>
+          </dgm:varLst>
+          <dgm:alg type="tx"/>
+          <dgm:shape xmlns:r="http://schemas.openxmlformats.org/officeDocument/2006/relationships" type="rect" r:blip="" hideGeom="1">
+            <dgm:adjLst/>
+          </dgm:shape>
+          <dgm:choose name="Name88">
+            <dgm:if name="Name89" func="var" arg="dir" op="equ" val="norm">
+              <dgm:presOf axis="ch desOrSelf" ptType="node node" st="3 1" cnt="1 0"/>
+            </dgm:if>
+            <dgm:else name="Name90">
+              <dgm:choose name="Name91">
+                <dgm:if name="Name92" axis="ch" ptType="node" func="cnt" op="equ" val="3">
+                  <dgm:presOf axis="ch desOrSelf" ptType="node node" st="1 1" cnt="1 0"/>
+                </dgm:if>
+                <dgm:if name="Name93" axis="ch" ptType="node" func="cnt" op="equ" val="4">
+                  <dgm:presOf axis="ch desOrSelf" ptType="node node" st="2 1" cnt="1 0"/>
+                </dgm:if>
+                <dgm:if name="Name94" axis="ch" ptType="node" func="cnt" op="equ" val="5">
+                  <dgm:presOf axis="ch desOrSelf" ptType="node node" st="3 1" cnt="1 0"/>
+                </dgm:if>
+                <dgm:if name="Name95" axis="ch" ptType="node" func="cnt" op="equ" val="6">
+                  <dgm:presOf axis="ch desOrSelf" ptType="node node" st="4 1" cnt="1 0"/>
+                </dgm:if>
+                <dgm:else name="Name96">
+                  <dgm:presOf axis="ch desOrSelf" ptType="node node" st="5 1" cnt="1 0"/>
+                </dgm:else>
+              </dgm:choose>
+            </dgm:else>
+          </dgm:choose>
+          <dgm:constrLst>
+            <dgm:constr type="tMarg" refType="primFontSz" fact="0.1"/>
+            <dgm:constr type="bMarg" refType="primFontSz" fact="0.1"/>
+            <dgm:constr type="lMarg" refType="primFontSz" fact="0.1"/>
+            <dgm:constr type="rMarg" refType="primFontSz" fact="0.1"/>
+            <dgm:constr type="primFontSz" val="65"/>
+          </dgm:constrLst>
+          <dgm:ruleLst>
+            <dgm:rule type="primFontSz" val="5" fact="NaN" max="NaN"/>
+          </dgm:ruleLst>
+        </dgm:layoutNode>
+      </dgm:if>
+      <dgm:else name="Name97"/>
+    </dgm:choose>
+    <dgm:choose name="Name98">
+      <dgm:if name="Name99" axis="ch" ptType="node" func="cnt" op="gte" val="4">
+        <dgm:layoutNode name="wedge4">
+          <dgm:alg type="sp"/>
+          <dgm:choose name="Name100">
+            <dgm:if name="Name101" axis="ch" ptType="node" func="cnt" op="equ" val="4">
+              <dgm:shape xmlns:r="http://schemas.openxmlformats.org/officeDocument/2006/relationships" type="pie" r:blip="">
+                <dgm:adjLst>
+                  <dgm:adj idx="1" val="180"/>
+                  <dgm:adj idx="2" val="270"/>
+                </dgm:adjLst>
+              </dgm:shape>
+            </dgm:if>
+            <dgm:if name="Name102" axis="ch" ptType="node" func="cnt" op="equ" val="5">
+              <dgm:shape xmlns:r="http://schemas.openxmlformats.org/officeDocument/2006/relationships" type="pie" r:blip="">
+                <dgm:adjLst>
+                  <dgm:adj idx="1" val="126"/>
+                  <dgm:adj idx="2" val="198"/>
+                </dgm:adjLst>
+              </dgm:shape>
+            </dgm:if>
+            <dgm:if name="Name103" axis="ch" ptType="node" func="cnt" op="equ" val="6">
+              <dgm:shape xmlns:r="http://schemas.openxmlformats.org/officeDocument/2006/relationships" type="pie" r:blip="">
+                <dgm:adjLst>
+                  <dgm:adj idx="1" val="90"/>
+                  <dgm:adj idx="2" val="150"/>
+                </dgm:adjLst>
+              </dgm:shape>
+            </dgm:if>
+            <dgm:else name="Name104">
+              <dgm:shape xmlns:r="http://schemas.openxmlformats.org/officeDocument/2006/relationships" type="pie" r:blip="">
+                <dgm:adjLst>
+                  <dgm:adj idx="1" val="64.2871"/>
+                  <dgm:adj idx="2" val="115.7143"/>
+                </dgm:adjLst>
+              </dgm:shape>
+            </dgm:else>
+          </dgm:choose>
+          <dgm:choose name="Name105">
+            <dgm:if name="Name106" func="var" arg="dir" op="equ" val="norm">
+              <dgm:presOf axis="ch desOrSelf" ptType="node node" st="4 1" cnt="1 0"/>
+            </dgm:if>
+            <dgm:else name="Name107">
+              <dgm:choose name="Name108">
+                <dgm:if name="Name109" axis="ch" ptType="node" func="cnt" op="equ" val="4">
+                  <dgm:presOf axis="ch desOrSelf" ptType="node node" st="1 1" cnt="1 0"/>
+                </dgm:if>
+                <dgm:if name="Name110" axis="ch" ptType="node" func="cnt" op="equ" val="5">
+                  <dgm:presOf axis="ch desOrSelf" ptType="node node" st="2 1" cnt="1 0"/>
+                </dgm:if>
+                <dgm:if name="Name111" axis="ch" ptType="node" func="cnt" op="equ" val="6">
+                  <dgm:presOf axis="ch desOrSelf" ptType="node node" st="3 1" cnt="1 0"/>
+                </dgm:if>
+                <dgm:else name="Name112">
+                  <dgm:presOf axis="ch desOrSelf" ptType="node node" st="4 1" cnt="1 0"/>
+                </dgm:else>
+              </dgm:choose>
+            </dgm:else>
+          </dgm:choose>
+          <dgm:constrLst/>
+          <dgm:ruleLst/>
+        </dgm:layoutNode>
+        <dgm:layoutNode name="dummy4a" moveWith="wedge4">
+          <dgm:alg type="sp"/>
+          <dgm:shape xmlns:r="http://schemas.openxmlformats.org/officeDocument/2006/relationships" r:blip="">
+            <dgm:adjLst/>
+          </dgm:shape>
+          <dgm:presOf/>
+          <dgm:constrLst>
+            <dgm:constr type="w" val="1"/>
+            <dgm:constr type="h" val="1"/>
+          </dgm:constrLst>
+          <dgm:ruleLst/>
+        </dgm:layoutNode>
+        <dgm:layoutNode name="dummy4b" moveWith="wedge4">
+          <dgm:alg type="sp"/>
+          <dgm:shape xmlns:r="http://schemas.openxmlformats.org/officeDocument/2006/relationships" r:blip="">
+            <dgm:adjLst/>
+          </dgm:shape>
+          <dgm:presOf/>
+          <dgm:constrLst>
+            <dgm:constr type="w" val="1"/>
+            <dgm:constr type="h" val="1"/>
+          </dgm:constrLst>
+          <dgm:ruleLst/>
+        </dgm:layoutNode>
+        <dgm:layoutNode name="wedge4Tx" moveWith="wedge4">
+          <dgm:varLst>
+            <dgm:chMax val="0"/>
+            <dgm:chPref val="0"/>
+            <dgm:bulletEnabled val="1"/>
+          </dgm:varLst>
+          <dgm:alg type="tx"/>
+          <dgm:shape xmlns:r="http://schemas.openxmlformats.org/officeDocument/2006/relationships" type="rect" r:blip="" hideGeom="1">
+            <dgm:adjLst/>
+          </dgm:shape>
+          <dgm:choose name="Name113">
+            <dgm:if name="Name114" func="var" arg="dir" op="equ" val="norm">
+              <dgm:presOf axis="ch desOrSelf" ptType="node node" st="4 1" cnt="1 0"/>
+            </dgm:if>
+            <dgm:else name="Name115">
+              <dgm:choose name="Name116">
+                <dgm:if name="Name117" axis="ch" ptType="node" func="cnt" op="equ" val="4">
+                  <dgm:presOf axis="ch desOrSelf" ptType="node node" st="1 1" cnt="1 0"/>
+                </dgm:if>
+                <dgm:if name="Name118" axis="ch" ptType="node" func="cnt" op="equ" val="5">
+                  <dgm:presOf axis="ch desOrSelf" ptType="node node" st="2 1" cnt="1 0"/>
+                </dgm:if>
+                <dgm:if name="Name119" axis="ch" ptType="node" func="cnt" op="equ" val="6">
+                  <dgm:presOf axis="ch desOrSelf" ptType="node node" st="3 1" cnt="1 0"/>
+                </dgm:if>
+                <dgm:else name="Name120">
+                  <dgm:presOf axis="ch desOrSelf" ptType="node node" st="4 1" cnt="1 0"/>
+                </dgm:else>
+              </dgm:choose>
+            </dgm:else>
+          </dgm:choose>
+          <dgm:constrLst>
+            <dgm:constr type="tMarg" refType="primFontSz" fact="0.1"/>
+            <dgm:constr type="bMarg" refType="primFontSz" fact="0.1"/>
+            <dgm:constr type="lMarg" refType="primFontSz" fact="0.1"/>
+            <dgm:constr type="rMarg" refType="primFontSz" fact="0.1"/>
+            <dgm:constr type="primFontSz" val="65"/>
+          </dgm:constrLst>
+          <dgm:ruleLst>
+            <dgm:rule type="primFontSz" val="5" fact="NaN" max="NaN"/>
+          </dgm:ruleLst>
+        </dgm:layoutNode>
+      </dgm:if>
+      <dgm:else name="Name121"/>
+    </dgm:choose>
+    <dgm:choose name="Name122">
+      <dgm:if name="Name123" axis="ch" ptType="node" func="cnt" op="gte" val="5">
+        <dgm:layoutNode name="wedge5">
+          <dgm:alg type="sp"/>
+          <dgm:choose name="Name124">
+            <dgm:if name="Name125" axis="ch" ptType="node" func="cnt" op="equ" val="5">
+              <dgm:shape xmlns:r="http://schemas.openxmlformats.org/officeDocument/2006/relationships" type="pie" r:blip="">
+                <dgm:adjLst>
+                  <dgm:adj idx="1" val="198"/>
+                  <dgm:adj idx="2" val="270"/>
+                </dgm:adjLst>
+              </dgm:shape>
+            </dgm:if>
+            <dgm:if name="Name126" axis="ch" ptType="node" func="cnt" op="equ" val="6">
+              <dgm:shape xmlns:r="http://schemas.openxmlformats.org/officeDocument/2006/relationships" type="pie" r:blip="">
+                <dgm:adjLst>
+                  <dgm:adj idx="1" val="150"/>
+                  <dgm:adj idx="2" val="210"/>
+                </dgm:adjLst>
+              </dgm:shape>
+            </dgm:if>
+            <dgm:else name="Name127">
+              <dgm:shape xmlns:r="http://schemas.openxmlformats.org/officeDocument/2006/relationships" type="pie" r:blip="">
+                <dgm:adjLst>
+                  <dgm:adj idx="1" val="115.7143"/>
+                  <dgm:adj idx="2" val="167.1429"/>
+                </dgm:adjLst>
+              </dgm:shape>
+            </dgm:else>
+          </dgm:choose>
+          <dgm:choose name="Name128">
+            <dgm:if name="Name129" func="var" arg="dir" op="equ" val="norm">
+              <dgm:presOf axis="ch desOrSelf" ptType="node node" st="5 1" cnt="1 0"/>
+            </dgm:if>
+            <dgm:else name="Name130">
+              <dgm:choose name="Name131">
+                <dgm:if name="Name132" axis="ch" ptType="node" func="cnt" op="equ" val="5">
+                  <dgm:presOf axis="ch desOrSelf" ptType="node node" st="1 1" cnt="1 0"/>
+                </dgm:if>
+                <dgm:if name="Name133" axis="ch" ptType="node" func="cnt" op="equ" val="6">
+                  <dgm:presOf axis="ch desOrSelf" ptType="node node" st="2 1" cnt="1 0"/>
+                </dgm:if>
+                <dgm:else name="Name134">
+                  <dgm:presOf axis="ch desOrSelf" ptType="node node" st="3 1" cnt="1 0"/>
+                </dgm:else>
+              </dgm:choose>
+            </dgm:else>
+          </dgm:choose>
+          <dgm:constrLst/>
+          <dgm:ruleLst/>
+        </dgm:layoutNode>
+        <dgm:layoutNode name="dummy5a" moveWith="wedge5">
+          <dgm:alg type="sp"/>
+          <dgm:shape xmlns:r="http://schemas.openxmlformats.org/officeDocument/2006/relationships" r:blip="">
+            <dgm:adjLst/>
+          </dgm:shape>
+          <dgm:presOf/>
+          <dgm:constrLst>
+            <dgm:constr type="w" val="1"/>
+            <dgm:constr type="h" val="1"/>
+          </dgm:constrLst>
+          <dgm:ruleLst/>
+        </dgm:layoutNode>
+        <dgm:layoutNode name="dummy5b" moveWith="wedge5">
+          <dgm:alg type="sp"/>
+          <dgm:shape xmlns:r="http://schemas.openxmlformats.org/officeDocument/2006/relationships" r:blip="">
+            <dgm:adjLst/>
+          </dgm:shape>
+          <dgm:presOf/>
+          <dgm:constrLst>
+            <dgm:constr type="w" val="1"/>
+            <dgm:constr type="h" val="1"/>
+          </dgm:constrLst>
+          <dgm:ruleLst/>
+        </dgm:layoutNode>
+        <dgm:layoutNode name="wedge5Tx" moveWith="wedge5">
+          <dgm:varLst>
+            <dgm:chMax val="0"/>
+            <dgm:chPref val="0"/>
+            <dgm:bulletEnabled val="1"/>
+          </dgm:varLst>
+          <dgm:alg type="tx"/>
+          <dgm:shape xmlns:r="http://schemas.openxmlformats.org/officeDocument/2006/relationships" type="rect" r:blip="" hideGeom="1">
+            <dgm:adjLst/>
+          </dgm:shape>
+          <dgm:choose name="Name135">
+            <dgm:if name="Name136" func="var" arg="dir" op="equ" val="norm">
+              <dgm:presOf axis="ch desOrSelf" ptType="node node" st="5 1" cnt="1 0"/>
+            </dgm:if>
+            <dgm:else name="Name137">
+              <dgm:choose name="Name138">
+                <dgm:if name="Name139" axis="ch" ptType="node" func="cnt" op="equ" val="5">
+                  <dgm:presOf axis="ch desOrSelf" ptType="node node" st="1 1" cnt="1 0"/>
+                </dgm:if>
+                <dgm:if name="Name140" axis="ch" ptType="node" func="cnt" op="equ" val="6">
+                  <dgm:presOf axis="ch desOrSelf" ptType="node node" st="2 1" cnt="1 0"/>
+                </dgm:if>
+                <dgm:else name="Name141">
+                  <dgm:presOf axis="ch desOrSelf" ptType="node node" st="3 1" cnt="1 0"/>
+                </dgm:else>
+              </dgm:choose>
+            </dgm:else>
+          </dgm:choose>
+          <dgm:constrLst>
+            <dgm:constr type="tMarg" refType="primFontSz" fact="0.1"/>
+            <dgm:constr type="bMarg" refType="primFontSz" fact="0.1"/>
+            <dgm:constr type="lMarg" refType="primFontSz" fact="0.1"/>
+            <dgm:constr type="rMarg" refType="primFontSz" fact="0.1"/>
+            <dgm:constr type="primFontSz" val="65"/>
+          </dgm:constrLst>
+          <dgm:ruleLst>
+            <dgm:rule type="primFontSz" val="5" fact="NaN" max="NaN"/>
+          </dgm:ruleLst>
+        </dgm:layoutNode>
+      </dgm:if>
+      <dgm:else name="Name142"/>
+    </dgm:choose>
+    <dgm:choose name="Name143">
+      <dgm:if name="Name144" axis="ch" ptType="node" func="cnt" op="gte" val="6">
+        <dgm:layoutNode name="wedge6">
+          <dgm:alg type="sp"/>
+          <dgm:choose name="Name145">
+            <dgm:if name="Name146" axis="ch" ptType="node" func="cnt" op="equ" val="6">
+              <dgm:shape xmlns:r="http://schemas.openxmlformats.org/officeDocument/2006/relationships" type="pie" r:blip="">
+                <dgm:adjLst>
+                  <dgm:adj idx="1" val="210"/>
+                  <dgm:adj idx="2" val="270"/>
+                </dgm:adjLst>
+              </dgm:shape>
+            </dgm:if>
+            <dgm:else name="Name147">
+              <dgm:shape xmlns:r="http://schemas.openxmlformats.org/officeDocument/2006/relationships" type="pie" r:blip="">
+                <dgm:adjLst>
+                  <dgm:adj idx="1" val="167.1429"/>
+                  <dgm:adj idx="2" val="218.5714"/>
+                </dgm:adjLst>
+              </dgm:shape>
+            </dgm:else>
+          </dgm:choose>
+          <dgm:choose name="Name148">
+            <dgm:if name="Name149" func="var" arg="dir" op="equ" val="norm">
+              <dgm:presOf axis="ch desOrSelf" ptType="node node" st="6 1" cnt="1 0"/>
+            </dgm:if>
+            <dgm:else name="Name150">
+              <dgm:choose name="Name151">
+                <dgm:if name="Name152" axis="ch" ptType="node" func="cnt" op="equ" val="6">
+                  <dgm:presOf axis="ch desOrSelf" ptType="node node" st="1 1" cnt="1 0"/>
+                </dgm:if>
+                <dgm:else name="Name153">
+                  <dgm:presOf axis="ch desOrSelf" ptType="node node" st="2 1" cnt="1 0"/>
+                </dgm:else>
+              </dgm:choose>
+            </dgm:else>
+          </dgm:choose>
+          <dgm:constrLst/>
+          <dgm:ruleLst/>
+        </dgm:layoutNode>
+        <dgm:layoutNode name="dummy6a" moveWith="wedge6">
+          <dgm:alg type="sp"/>
+          <dgm:shape xmlns:r="http://schemas.openxmlformats.org/officeDocument/2006/relationships" r:blip="">
+            <dgm:adjLst/>
+          </dgm:shape>
+          <dgm:presOf/>
+          <dgm:constrLst>
+            <dgm:constr type="w" val="1"/>
+            <dgm:constr type="h" val="1"/>
+          </dgm:constrLst>
+          <dgm:ruleLst/>
+        </dgm:layoutNode>
+        <dgm:layoutNode name="dummy6b" moveWith="wedge6">
+          <dgm:alg type="sp"/>
+          <dgm:shape xmlns:r="http://schemas.openxmlformats.org/officeDocument/2006/relationships" r:blip="">
+            <dgm:adjLst/>
+          </dgm:shape>
+          <dgm:presOf/>
+          <dgm:constrLst>
+            <dgm:constr type="w" val="1"/>
+            <dgm:constr type="h" val="1"/>
+          </dgm:constrLst>
+          <dgm:ruleLst/>
+        </dgm:layoutNode>
+        <dgm:layoutNode name="wedge6Tx" moveWith="wedge6">
+          <dgm:varLst>
+            <dgm:chMax val="0"/>
+            <dgm:chPref val="0"/>
+            <dgm:bulletEnabled val="1"/>
+          </dgm:varLst>
+          <dgm:alg type="tx"/>
+          <dgm:shape xmlns:r="http://schemas.openxmlformats.org/officeDocument/2006/relationships" type="rect" r:blip="" hideGeom="1">
+            <dgm:adjLst/>
+          </dgm:shape>
+          <dgm:choose name="Name154">
+            <dgm:if name="Name155" func="var" arg="dir" op="equ" val="norm">
+              <dgm:presOf axis="ch desOrSelf" ptType="node node" st="6 1" cnt="1 0"/>
+            </dgm:if>
+            <dgm:else name="Name156">
+              <dgm:choose name="Name157">
+                <dgm:if name="Name158" axis="ch" ptType="node" func="cnt" op="equ" val="6">
+                  <dgm:presOf axis="ch desOrSelf" ptType="node node" st="1 1" cnt="1 0"/>
+                </dgm:if>
+                <dgm:else name="Name159">
+                  <dgm:presOf axis="ch desOrSelf" ptType="node node" st="2 1" cnt="1 0"/>
+                </dgm:else>
+              </dgm:choose>
+            </dgm:else>
+          </dgm:choose>
+          <dgm:constrLst>
+            <dgm:constr type="tMarg" refType="primFontSz" fact="0.1"/>
+            <dgm:constr type="bMarg" refType="primFontSz" fact="0.1"/>
+            <dgm:constr type="lMarg" refType="primFontSz" fact="0.1"/>
+            <dgm:constr type="rMarg" refType="primFontSz" fact="0.1"/>
+            <dgm:constr type="primFontSz" val="65"/>
+          </dgm:constrLst>
+          <dgm:ruleLst>
+            <dgm:rule type="primFontSz" val="5" fact="NaN" max="NaN"/>
+          </dgm:ruleLst>
+        </dgm:layoutNode>
+      </dgm:if>
+      <dgm:else name="Name160"/>
+    </dgm:choose>
+    <dgm:choose name="Name161">
+      <dgm:if name="Name162" axis="ch" ptType="node" func="cnt" op="gte" val="7">
+        <dgm:layoutNode name="wedge7">
+          <dgm:alg type="sp"/>
+          <dgm:shape xmlns:r="http://schemas.openxmlformats.org/officeDocument/2006/relationships" type="pie" r:blip="">
+            <dgm:adjLst>
+              <dgm:adj idx="1" val="218.5714"/>
+              <dgm:adj idx="2" val="270"/>
+            </dgm:adjLst>
+          </dgm:shape>
+          <dgm:choose name="Name163">
+            <dgm:if name="Name164" func="var" arg="dir" op="equ" val="norm">
+              <dgm:presOf axis="ch desOrSelf" ptType="node node" st="7 1" cnt="1 0"/>
+            </dgm:if>
+            <dgm:else name="Name165">
+              <dgm:presOf axis="ch desOrSelf" ptType="node node" st="1 1" cnt="1 0"/>
+            </dgm:else>
+          </dgm:choose>
+          <dgm:constrLst/>
+          <dgm:ruleLst/>
+        </dgm:layoutNode>
+        <dgm:layoutNode name="dummy7a" moveWith="wedge7">
+          <dgm:alg type="sp"/>
+          <dgm:shape xmlns:r="http://schemas.openxmlformats.org/officeDocument/2006/relationships" r:blip="">
+            <dgm:adjLst/>
+          </dgm:shape>
+          <dgm:presOf/>
+          <dgm:constrLst>
+            <dgm:constr type="w" val="1"/>
+            <dgm:constr type="h" val="1"/>
+          </dgm:constrLst>
+          <dgm:ruleLst/>
+        </dgm:layoutNode>
+        <dgm:layoutNode name="dummy7b" moveWith="wedge7">
+          <dgm:alg type="sp"/>
+          <dgm:shape xmlns:r="http://schemas.openxmlformats.org/officeDocument/2006/relationships" r:blip="">
+            <dgm:adjLst/>
+          </dgm:shape>
+          <dgm:presOf/>
+          <dgm:constrLst>
+            <dgm:constr type="w" val="1"/>
+            <dgm:constr type="h" val="1"/>
+          </dgm:constrLst>
+          <dgm:ruleLst/>
+        </dgm:layoutNode>
+        <dgm:layoutNode name="wedge7Tx" moveWith="wedge7">
+          <dgm:varLst>
+            <dgm:chMax val="0"/>
+            <dgm:chPref val="0"/>
+            <dgm:bulletEnabled val="1"/>
+          </dgm:varLst>
+          <dgm:alg type="tx"/>
+          <dgm:shape xmlns:r="http://schemas.openxmlformats.org/officeDocument/2006/relationships" type="rect" r:blip="" hideGeom="1">
+            <dgm:adjLst/>
+          </dgm:shape>
+          <dgm:choose name="Name166">
+            <dgm:if name="Name167" func="var" arg="dir" op="equ" val="norm">
+              <dgm:presOf axis="ch desOrSelf" ptType="node node" st="7 1" cnt="1 0"/>
+            </dgm:if>
+            <dgm:else name="Name168">
+              <dgm:presOf axis="ch desOrSelf" ptType="node node" st="1 1" cnt="1 0"/>
+            </dgm:else>
+          </dgm:choose>
+          <dgm:constrLst>
+            <dgm:constr type="tMarg" refType="primFontSz" fact="0.1"/>
+            <dgm:constr type="bMarg" refType="primFontSz" fact="0.1"/>
+            <dgm:constr type="lMarg" refType="primFontSz" fact="0.1"/>
+            <dgm:constr type="rMarg" refType="primFontSz" fact="0.1"/>
+            <dgm:constr type="primFontSz" val="65"/>
+          </dgm:constrLst>
+          <dgm:ruleLst>
+            <dgm:rule type="primFontSz" val="5" fact="NaN" max="NaN"/>
+          </dgm:ruleLst>
+        </dgm:layoutNode>
+      </dgm:if>
+      <dgm:else name="Name169"/>
+    </dgm:choose>
+    <dgm:choose name="Name170">
+      <dgm:if name="Name171" axis="ch" ptType="node" func="cnt" op="equ" val="1">
+        <dgm:forEach name="Name172" axis="ch" ptType="sibTrans" hideLastTrans="0" cnt="1">
+          <dgm:layoutNode name="arrowWedge1single" styleLbl="fgSibTrans2D1">
+            <dgm:choose name="Name173">
+              <dgm:if name="Name174" func="var" arg="dir" op="equ" val="norm">
+                <dgm:alg type="conn">
+                  <dgm:param type="connRout" val="longCurve"/>
+                  <dgm:param type="srcNode" val="dummy1a"/>
+                  <dgm:param type="dstNode" val="dummy1b"/>
+                  <dgm:param type="begPts" val="tL"/>
+                  <dgm:param type="endPts" val="tR"/>
+                  <dgm:param type="begSty" val="arr"/>
+                  <dgm:param type="endSty" val="noArr"/>
+                </dgm:alg>
+              </dgm:if>
+              <dgm:else name="Name175">
+                <dgm:alg type="conn">
+                  <dgm:param type="connRout" val="longCurve"/>
+                  <dgm:param type="srcNode" val="dummy1a"/>
+                  <dgm:param type="dstNode" val="dummy1b"/>
+                  <dgm:param type="begPts" val="tL"/>
+                  <dgm:param type="endPts" val="tR"/>
+                  <dgm:param type="begSty" val="noArr"/>
+                  <dgm:param type="endSty" val="arr"/>
+                </dgm:alg>
+              </dgm:else>
+            </dgm:choose>
+            <dgm:shape xmlns:r="http://schemas.openxmlformats.org/officeDocument/2006/relationships" type="conn" r:blip="">
+              <dgm:adjLst/>
+            </dgm:shape>
+            <dgm:presOf/>
+            <dgm:constrLst>
+              <dgm:constr type="w" val="1"/>
+              <dgm:constr type="begPad"/>
+              <dgm:constr type="endPad"/>
+            </dgm:constrLst>
+            <dgm:ruleLst/>
+          </dgm:layoutNode>
+        </dgm:forEach>
+      </dgm:if>
+      <dgm:if name="Name176" axis="ch" ptType="node" func="cnt" op="gte" val="2">
+        <dgm:forEach name="Name177" axis="ch" ptType="sibTrans" hideLastTrans="0" cnt="1">
+          <dgm:layoutNode name="arrowWedge1" styleLbl="fgSibTrans2D1">
+            <dgm:choose name="Name178">
+              <dgm:if name="Name179" func="var" arg="dir" op="equ" val="norm">
+                <dgm:alg type="conn">
+                  <dgm:param type="connRout" val="curve"/>
+                  <dgm:param type="srcNode" val="dummy1a"/>
+                  <dgm:param type="dstNode" val="dummy1b"/>
+                  <dgm:param type="begPts" val="tL"/>
+                  <dgm:param type="endPts" val="tL"/>
+                  <dgm:param type="begSty" val="noArr"/>
+                  <dgm:param type="endSty" val="arr"/>
+                </dgm:alg>
+              </dgm:if>
+              <dgm:else name="Name180">
+                <dgm:alg type="conn">
+                  <dgm:param type="connRout" val="curve"/>
+                  <dgm:param type="srcNode" val="dummy1a"/>
+                  <dgm:param type="dstNode" val="dummy1b"/>
+                  <dgm:param type="begPts" val="tL"/>
+                  <dgm:param type="endPts" val="tL"/>
+                  <dgm:param type="begSty" val="arr"/>
+                  <dgm:param type="endSty" val="noArr"/>
+                </dgm:alg>
+              </dgm:else>
+            </dgm:choose>
+            <dgm:shape xmlns:r="http://schemas.openxmlformats.org/officeDocument/2006/relationships" type="conn" r:blip="">
+              <dgm:adjLst/>
+            </dgm:shape>
+            <dgm:presOf/>
+            <dgm:constrLst>
+              <dgm:constr type="w" val="1"/>
+              <dgm:constr type="begPad"/>
+              <dgm:constr type="endPad"/>
+            </dgm:constrLst>
+            <dgm:ruleLst/>
+          </dgm:layoutNode>
+        </dgm:forEach>
+      </dgm:if>
+      <dgm:else name="Name181"/>
+    </dgm:choose>
+    <dgm:forEach name="Name182" axis="ch" ptType="sibTrans" hideLastTrans="0" st="2" cnt="1">
+      <dgm:layoutNode name="arrowWedge2" styleLbl="fgSibTrans2D1">
+        <dgm:choose name="Name183">
+          <dgm:if name="Name184" func="var" arg="dir" op="equ" val="norm">
+            <dgm:alg type="conn">
+              <dgm:param type="connRout" val="curve"/>
+              <dgm:param type="srcNode" val="dummy2a"/>
+              <dgm:param type="dstNode" val="dummy2b"/>
+              <dgm:param type="begPts" val="tL"/>
+              <dgm:param type="endPts" val="tL"/>
+              <dgm:param type="begSty" val="noArr"/>
+              <dgm:param type="endSty" val="arr"/>
+            </dgm:alg>
+          </dgm:if>
+          <dgm:else name="Name185">
+            <dgm:alg type="conn">
+              <dgm:param type="connRout" val="curve"/>
+              <dgm:param type="srcNode" val="dummy2a"/>
+              <dgm:param type="dstNode" val="dummy2b"/>
+              <dgm:param type="begPts" val="tL"/>
+              <dgm:param type="endPts" val="tL"/>
+              <dgm:param type="begSty" val="arr"/>
+              <dgm:param type="endSty" val="noArr"/>
+            </dgm:alg>
+          </dgm:else>
+        </dgm:choose>
+        <dgm:shape xmlns:r="http://schemas.openxmlformats.org/officeDocument/2006/relationships" type="conn" r:blip="">
+          <dgm:adjLst/>
+        </dgm:shape>
+        <dgm:presOf/>
+        <dgm:constrLst>
+          <dgm:constr type="w" val="1"/>
+          <dgm:constr type="begPad"/>
+          <dgm:constr type="endPad"/>
+        </dgm:constrLst>
+        <dgm:ruleLst/>
+      </dgm:layoutNode>
+    </dgm:forEach>
+    <dgm:forEach name="Name186" axis="ch" ptType="sibTrans" hideLastTrans="0" st="3" cnt="1">
+      <dgm:layoutNode name="arrowWedge3" styleLbl="fgSibTrans2D1">
+        <dgm:choose name="Name187">
+          <dgm:if name="Name188" func="var" arg="dir" op="equ" val="norm">
+            <dgm:alg type="conn">
+              <dgm:param type="connRout" val="curve"/>
+              <dgm:param type="srcNode" val="dummy3a"/>
+              <dgm:param type="dstNode" val="dummy3b"/>
+              <dgm:param type="begPts" val="tL"/>
+              <dgm:param type="endPts" val="tL"/>
+              <dgm:param type="begSty" val="noArr"/>
+              <dgm:param type="endSty" val="arr"/>
+            </dgm:alg>
+          </dgm:if>
+          <dgm:else name="Name189">
+            <dgm:alg type="conn">
+              <dgm:param type="connRout" val="curve"/>
+              <dgm:param type="srcNode" val="dummy3a"/>
+              <dgm:param type="dstNode" val="dummy3b"/>
+              <dgm:param type="begPts" val="tL"/>
+              <dgm:param type="endPts" val="tL"/>
+              <dgm:param type="begSty" val="arr"/>
+              <dgm:param type="endSty" val="noArr"/>
+            </dgm:alg>
+          </dgm:else>
+        </dgm:choose>
+        <dgm:shape xmlns:r="http://schemas.openxmlformats.org/officeDocument/2006/relationships" type="conn" r:blip="">
+          <dgm:adjLst/>
+        </dgm:shape>
+        <dgm:presOf/>
+        <dgm:constrLst>
+          <dgm:constr type="w" val="1"/>
+          <dgm:constr type="begPad"/>
+          <dgm:constr type="endPad"/>
+        </dgm:constrLst>
+        <dgm:ruleLst/>
+      </dgm:layoutNode>
+    </dgm:forEach>
+    <dgm:forEach name="Name190" axis="ch" ptType="sibTrans" hideLastTrans="0" st="4" cnt="1">
+      <dgm:layoutNode name="arrowWedge4" styleLbl="fgSibTrans2D1">
+        <dgm:choose name="Name191">
+          <dgm:if name="Name192" func="var" arg="dir" op="equ" val="norm">
+            <dgm:alg type="conn">
+              <dgm:param type="connRout" val="curve"/>
+              <dgm:param type="srcNode" val="dummy4a"/>
+              <dgm:param type="dstNode" val="dummy4b"/>
+              <dgm:param type="begPts" val="tL"/>
+              <dgm:param type="endPts" val="tL"/>
+              <dgm:param type="begSty" val="noArr"/>
+              <dgm:param type="endSty" val="arr"/>
+            </dgm:alg>
+          </dgm:if>
+          <dgm:else name="Name193">
+            <dgm:alg type="conn">
+              <dgm:param type="connRout" val="curve"/>
+              <dgm:param type="srcNode" val="dummy4a"/>
+              <dgm:param type="dstNode" val="dummy4b"/>
+              <dgm:param type="begPts" val="tL"/>
+              <dgm:param type="endPts" val="tL"/>
+              <dgm:param type="begSty" val="arr"/>
+              <dgm:param type="endSty" val="noArr"/>
+            </dgm:alg>
+          </dgm:else>
+        </dgm:choose>
+        <dgm:shape xmlns:r="http://schemas.openxmlformats.org/officeDocument/2006/relationships" type="conn" r:blip="">
+          <dgm:adjLst/>
+        </dgm:shape>
+        <dgm:presOf/>
+        <dgm:constrLst>
+          <dgm:constr type="w" val="1"/>
+          <dgm:constr type="begPad"/>
+          <dgm:constr type="endPad"/>
+        </dgm:constrLst>
+        <dgm:ruleLst/>
+      </dgm:layoutNode>
+    </dgm:forEach>
+    <dgm:forEach name="Name194" axis="ch" ptType="sibTrans" hideLastTrans="0" st="5" cnt="1">
+      <dgm:layoutNode name="arrowWedge5" styleLbl="fgSibTrans2D1">
+        <dgm:choose name="Name195">
+          <dgm:if name="Name196" func="var" arg="dir" op="equ" val="norm">
+            <dgm:alg type="conn">
+              <dgm:param type="connRout" val="curve"/>
+              <dgm:param type="srcNode" val="dummy5a"/>
+              <dgm:param type="dstNode" val="dummy5b"/>
+              <dgm:param type="begPts" val="tL"/>
+              <dgm:param type="endPts" val="tL"/>
+              <dgm:param type="begSty" val="noArr"/>
+              <dgm:param type="endSty" val="arr"/>
+            </dgm:alg>
+          </dgm:if>
+          <dgm:else name="Name197">
+            <dgm:alg type="conn">
+              <dgm:param type="connRout" val="curve"/>
+              <dgm:param type="srcNode" val="dummy5a"/>
+              <dgm:param type="dstNode" val="dummy5b"/>
+              <dgm:param type="begPts" val="tL"/>
+              <dgm:param type="endPts" val="tL"/>
+              <dgm:param type="begSty" val="arr"/>
+              <dgm:param type="endSty" val="noArr"/>
+            </dgm:alg>
+          </dgm:else>
+        </dgm:choose>
+        <dgm:shape xmlns:r="http://schemas.openxmlformats.org/officeDocument/2006/relationships" type="conn" r:blip="">
+          <dgm:adjLst/>
+        </dgm:shape>
+        <dgm:presOf/>
+        <dgm:constrLst>
+          <dgm:constr type="w" val="1"/>
+          <dgm:constr type="begPad"/>
+          <dgm:constr type="endPad"/>
+        </dgm:constrLst>
+        <dgm:ruleLst/>
+      </dgm:layoutNode>
+    </dgm:forEach>
+    <dgm:forEach name="Name198" axis="ch" ptType="sibTrans" hideLastTrans="0" st="6" cnt="1">
+      <dgm:layoutNode name="arrowWedge6" styleLbl="fgSibTrans2D1">
+        <dgm:choose name="Name199">
+          <dgm:if name="Name200" func="var" arg="dir" op="equ" val="norm">
+            <dgm:alg type="conn">
+              <dgm:param type="connRout" val="curve"/>
+              <dgm:param type="srcNode" val="dummy6a"/>
+              <dgm:param type="dstNode" val="dummy6b"/>
+              <dgm:param type="begPts" val="tL"/>
+              <dgm:param type="endPts" val="tL"/>
+              <dgm:param type="begSty" val="noArr"/>
+              <dgm:param type="endSty" val="arr"/>
+            </dgm:alg>
+          </dgm:if>
+          <dgm:else name="Name201">
+            <dgm:alg type="conn">
+              <dgm:param type="connRout" val="curve"/>
+              <dgm:param type="srcNode" val="dummy6a"/>
+              <dgm:param type="dstNode" val="dummy6b"/>
+              <dgm:param type="begPts" val="tL"/>
+              <dgm:param type="endPts" val="tL"/>
+              <dgm:param type="begSty" val="arr"/>
+              <dgm:param type="endSty" val="noArr"/>
+            </dgm:alg>
+          </dgm:else>
+        </dgm:choose>
+        <dgm:shape xmlns:r="http://schemas.openxmlformats.org/officeDocument/2006/relationships" type="conn" r:blip="">
+          <dgm:adjLst/>
+        </dgm:shape>
+        <dgm:presOf/>
+        <dgm:constrLst>
+          <dgm:constr type="w" val="1"/>
+          <dgm:constr type="begPad"/>
+          <dgm:constr type="endPad"/>
+        </dgm:constrLst>
+        <dgm:ruleLst/>
+      </dgm:layoutNode>
+    </dgm:forEach>
+    <dgm:forEach name="Name202" axis="ch" ptType="sibTrans" hideLastTrans="0" st="7" cnt="1">
+      <dgm:layoutNode name="arrowWedge7" styleLbl="fgSibTrans2D1">
+        <dgm:choose name="Name203">
+          <dgm:if name="Name204" func="var" arg="dir" op="equ" val="norm">
+            <dgm:alg type="conn">
+              <dgm:param type="connRout" val="curve"/>
+              <dgm:param type="srcNode" val="dummy7a"/>
+              <dgm:param type="dstNode" val="dummy7b"/>
+              <dgm:param type="begPts" val="tL"/>
+              <dgm:param type="endPts" val="tL"/>
+              <dgm:param type="begSty" val="noArr"/>
+              <dgm:param type="endSty" val="arr"/>
+            </dgm:alg>
+          </dgm:if>
+          <dgm:else name="Name205">
+            <dgm:alg type="conn">
+              <dgm:param type="connRout" val="curve"/>
+              <dgm:param type="srcNode" val="dummy7a"/>
+              <dgm:param type="dstNode" val="dummy7b"/>
+              <dgm:param type="begPts" val="tL"/>
+              <dgm:param type="endPts" val="tL"/>
+              <dgm:param type="begSty" val="arr"/>
+              <dgm:param type="endSty" val="noArr"/>
+            </dgm:alg>
+          </dgm:else>
+        </dgm:choose>
+        <dgm:shape xmlns:r="http://schemas.openxmlformats.org/officeDocument/2006/relationships" type="conn" r:blip="">
+          <dgm:adjLst/>
+        </dgm:shape>
+        <dgm:presOf/>
+        <dgm:constrLst>
+          <dgm:constr type="w" val="1"/>
+          <dgm:constr type="begPad"/>
+          <dgm:constr type="endPad"/>
+        </dgm:constrLst>
+        <dgm:ruleLst/>
+      </dgm:layoutNode>
+    </dgm:forEach>
+  </dgm:layoutNode>
+</dgm:layoutDef>
+</file>
+
+<file path=ppt/diagrams/quickStyle1.xml><?xml version="1.0" encoding="utf-8"?>
+<dgm:styleDef xmlns:dgm="http://schemas.openxmlformats.org/drawingml/2006/diagram" xmlns:a="http://schemas.openxmlformats.org/drawingml/2006/main" uniqueId="urn:microsoft.com/office/officeart/2005/8/quickstyle/simple1">
+  <dgm:title val=""/>
+  <dgm:desc val=""/>
+  <dgm:catLst>
+    <dgm:cat type="simple" pri="10100"/>
+  </dgm:catLst>
+  <dgm:scene3d>
+    <a:camera prst="orthographicFront"/>
+    <a:lightRig rig="threePt" dir="t"/>
+  </dgm:scene3d>
+  <dgm:styleLbl name="node0">
+    <dgm:scene3d>
+      <a:camera prst="orthographicFront"/>
+      <a:lightRig rig="threePt" dir="t"/>
+    </dgm:scene3d>
+    <dgm:sp3d/>
+    <dgm:txPr/>
+    <dgm:style>
+      <a:lnRef idx="2">
+        <a:scrgbClr r="0" g="0" b="0"/>
+      </a:lnRef>
+      <a:fillRef idx="1">
+        <a:scrgbClr r="0" g="0" b="0"/>
+      </a:fillRef>
+      <a:effectRef idx="0">
+        <a:scrgbClr r="0" g="0" b="0"/>
+      </a:effectRef>
+      <a:fontRef idx="minor">
+        <a:schemeClr val="lt1"/>
+      </a:fontRef>
+    </dgm:style>
+  </dgm:styleLbl>
+  <dgm:styleLbl name="lnNode1">
+    <dgm:scene3d>
+      <a:camera prst="orthographicFront"/>
+      <a:lightRig rig="threePt" dir="t"/>
+    </dgm:scene3d>
+    <dgm:sp3d/>
+    <dgm:txPr/>
+    <dgm:style>
+      <a:lnRef idx="2">
+        <a:scrgbClr r="0" g="0" b="0"/>
+      </a:lnRef>
+      <a:fillRef idx="1">
+        <a:scrgbClr r="0" g="0" b="0"/>
+      </a:fillRef>
+      <a:effectRef idx="0">
+        <a:scrgbClr r="0" g="0" b="0"/>
+      </a:effectRef>
+      <a:fontRef idx="minor">
+        <a:schemeClr val="lt1"/>
+      </a:fontRef>
+    </dgm:style>
+  </dgm:styleLbl>
+  <dgm:styleLbl name="vennNode1">
+    <dgm:scene3d>
+      <a:camera prst="orthographicFront"/>
+      <a:lightRig rig="threePt" dir="t"/>
+    </dgm:scene3d>
+    <dgm:sp3d/>
+    <dgm:txPr/>
+    <dgm:style>
+      <a:lnRef idx="2">
+        <a:scrgbClr r="0" g="0" b="0"/>
+      </a:lnRef>
+      <a:fillRef idx="1">
+        <a:scrgbClr r="0" g="0" b="0"/>
+      </a:fillRef>
+      <a:effectRef idx="0">
+        <a:scrgbClr r="0" g="0" b="0"/>
+      </a:effectRef>
+      <a:fontRef idx="minor">
+        <a:schemeClr val="tx1"/>
+      </a:fontRef>
+    </dgm:style>
+  </dgm:styleLbl>
+  <dgm:styleLbl name="alignNode1">
+    <dgm:scene3d>
+      <a:camera prst="orthographicFront"/>
+      <a:lightRig rig="threePt" dir="t"/>
+    </dgm:scene3d>
+    <dgm:sp3d/>
+    <dgm:txPr/>
+    <dgm:style>
+      <a:lnRef idx="2">
+        <a:scrgbClr r="0" g="0" b="0"/>
+      </a:lnRef>
+      <a:fillRef idx="1">
+        <a:scrgbClr r="0" g="0" b="0"/>
+      </a:fillRef>
+      <a:effectRef idx="0">
+        <a:scrgbClr r="0" g="0" b="0"/>
+      </a:effectRef>
+      <a:fontRef idx="minor">
+        <a:schemeClr val="lt1"/>
+      </a:fontRef>
+    </dgm:style>
+  </dgm:styleLbl>
+  <dgm:styleLbl name="node1">
+    <dgm:scene3d>
+      <a:camera prst="orthographicFront"/>
+      <a:lightRig rig="threePt" dir="t"/>
+    </dgm:scene3d>
+    <dgm:sp3d/>
+    <dgm:txPr/>
+    <dgm:style>
+      <a:lnRef idx="2">
+        <a:scrgbClr r="0" g="0" b="0"/>
+      </a:lnRef>
+      <a:fillRef idx="1">
+        <a:scrgbClr r="0" g="0" b="0"/>
+      </a:fillRef>
+      <a:effectRef idx="0">
+        <a:scrgbClr r="0" g="0" b="0"/>
+      </a:effectRef>
+      <a:fontRef idx="minor">
+        <a:schemeClr val="lt1"/>
+      </a:fontRef>
+    </dgm:style>
+  </dgm:styleLbl>
+  <dgm:styleLbl name="node2">
+    <dgm:scene3d>
+      <a:camera prst="orthographicFront"/>
+      <a:lightRig rig="threePt" dir="t"/>
+    </dgm:scene3d>
+    <dgm:sp3d/>
+    <dgm:txPr/>
+    <dgm:style>
+      <a:lnRef idx="2">
+        <a:scrgbClr r="0" g="0" b="0"/>
+      </a:lnRef>
+      <a:fillRef idx="1">
+        <a:scrgbClr r="0" g="0" b="0"/>
+      </a:fillRef>
+      <a:effectRef idx="0">
+        <a:scrgbClr r="0" g="0" b="0"/>
+      </a:effectRef>
+      <a:fontRef idx="minor">
+        <a:schemeClr val="lt1"/>
+      </a:fontRef>
+    </dgm:style>
+  </dgm:styleLbl>
+  <dgm:styleLbl name="node3">
+    <dgm:scene3d>
+      <a:camera prst="orthographicFront"/>
+      <a:lightRig rig="threePt" dir="t"/>
+    </dgm:scene3d>
+    <dgm:sp3d/>
+    <dgm:txPr/>
+    <dgm:style>
+      <a:lnRef idx="2">
+        <a:scrgbClr r="0" g="0" b="0"/>
+      </a:lnRef>
+      <a:fillRef idx="1">
+        <a:scrgbClr r="0" g="0" b="0"/>
+      </a:fillRef>
+      <a:effectRef idx="0">
+        <a:scrgbClr r="0" g="0" b="0"/>
+      </a:effectRef>
+      <a:fontRef idx="minor">
+        <a:schemeClr val="lt1"/>
+      </a:fontRef>
+    </dgm:style>
+  </dgm:styleLbl>
+  <dgm:styleLbl name="node4">
+    <dgm:scene3d>
+      <a:camera prst="orthographicFront"/>
+      <a:lightRig rig="threePt" dir="t"/>
+    </dgm:scene3d>
+    <dgm:sp3d/>
+    <dgm:txPr/>
+    <dgm:style>
+      <a:lnRef idx="2">
+        <a:scrgbClr r="0" g="0" b="0"/>
+      </a:lnRef>
+      <a:fillRef idx="1">
+        <a:scrgbClr r="0" g="0" b="0"/>
+      </a:fillRef>
+      <a:effectRef idx="0">
+        <a:scrgbClr r="0" g="0" b="0"/>
+      </a:effectRef>
+      <a:fontRef idx="minor">
+        <a:schemeClr val="lt1"/>
+      </a:fontRef>
+    </dgm:style>
+  </dgm:styleLbl>
+  <dgm:styleLbl name="fgImgPlace1">
+    <dgm:scene3d>
+      <a:camera prst="orthographicFront"/>
+      <a:lightRig rig="threePt" dir="t"/>
+    </dgm:scene3d>
+    <dgm:sp3d/>
+    <dgm:txPr/>
+    <dgm:style>
+      <a:lnRef idx="2">
+        <a:scrgbClr r="0" g="0" b="0"/>
+      </a:lnRef>
+      <a:fillRef idx="1">
+        <a:scrgbClr r="0" g="0" b="0"/>
+      </a:fillRef>
+      <a:effectRef idx="0">
+        <a:scrgbClr r="0" g="0" b="0"/>
+      </a:effectRef>
+      <a:fontRef idx="minor"/>
+    </dgm:style>
+  </dgm:styleLbl>
+  <dgm:styleLbl name="alignImgPlace1">
+    <dgm:scene3d>
+      <a:camera prst="orthographicFront"/>
+      <a:lightRig rig="threePt" dir="t"/>
+    </dgm:scene3d>
+    <dgm:sp3d/>
+    <dgm:txPr/>
+    <dgm:style>
+      <a:lnRef idx="2">
+        <a:scrgbClr r="0" g="0" b="0"/>
+      </a:lnRef>
+      <a:fillRef idx="1">
+        <a:scrgbClr r="0" g="0" b="0"/>
+      </a:fillRef>
+      <a:effectRef idx="0">
+        <a:scrgbClr r="0" g="0" b="0"/>
+      </a:effectRef>
+      <a:fontRef idx="minor"/>
+    </dgm:style>
+  </dgm:styleLbl>
+  <dgm:styleLbl name="bgImgPlace1">
+    <dgm:scene3d>
+      <a:camera prst="orthographicFront"/>
+      <a:lightRig rig="threePt" dir="t"/>
+    </dgm:scene3d>
+    <dgm:sp3d/>
+    <dgm:txPr/>
+    <dgm:style>
+      <a:lnRef idx="2">
+        <a:scrgbClr r="0" g="0" b="0"/>
+      </a:lnRef>
+      <a:fillRef idx="1">
+        <a:scrgbClr r="0" g="0" b="0"/>
+      </a:fillRef>
+      <a:effectRef idx="0">
+        <a:scrgbClr r="0" g="0" b="0"/>
+      </a:effectRef>
+      <a:fontRef idx="minor"/>
+    </dgm:style>
+  </dgm:styleLbl>
+  <dgm:styleLbl name="sibTrans2D1">
+    <dgm:scene3d>
+      <a:camera prst="orthographicFront"/>
+      <a:lightRig rig="threePt" dir="t"/>
+    </dgm:scene3d>
+    <dgm:sp3d/>
+    <dgm:txPr/>
+    <dgm:style>
+      <a:lnRef idx="0">
+        <a:scrgbClr r="0" g="0" b="0"/>
+      </a:lnRef>
+      <a:fillRef idx="1">
+        <a:scrgbClr r="0" g="0" b="0"/>
+      </a:fillRef>
+      <a:effectRef idx="0">
+        <a:scrgbClr r="0" g="0" b="0"/>
+      </a:effectRef>
+      <a:fontRef idx="minor">
+        <a:schemeClr val="lt1"/>
+      </a:fontRef>
+    </dgm:style>
+  </dgm:styleLbl>
+  <dgm:styleLbl name="fgSibTrans2D1">
+    <dgm:scene3d>
+      <a:camera prst="orthographicFront"/>
+      <a:lightRig rig="threePt" dir="t"/>
+    </dgm:scene3d>
+    <dgm:sp3d/>
+    <dgm:txPr/>
+    <dgm:style>
+      <a:lnRef idx="0">
+        <a:scrgbClr r="0" g="0" b="0"/>
+      </a:lnRef>
+      <a:fillRef idx="1">
+        <a:scrgbClr r="0" g="0" b="0"/>
+      </a:fillRef>
+      <a:effectRef idx="0">
+        <a:scrgbClr r="0" g="0" b="0"/>
+      </a:effectRef>
+      <a:fontRef idx="minor">
+        <a:schemeClr val="lt1"/>
+      </a:fontRef>
+    </dgm:style>
+  </dgm:styleLbl>
+  <dgm:styleLbl name="bgSibTrans2D1">
+    <dgm:scene3d>
+      <a:camera prst="orthographicFront"/>
+      <a:lightRig rig="threePt" dir="t"/>
+    </dgm:scene3d>
+    <dgm:sp3d/>
+    <dgm:txPr/>
+    <dgm:style>
+      <a:lnRef idx="0">
+        <a:scrgbClr r="0" g="0" b="0"/>
+      </a:lnRef>
+      <a:fillRef idx="1">
+        <a:scrgbClr r="0" g="0" b="0"/>
+      </a:fillRef>
+      <a:effectRef idx="0">
+        <a:scrgbClr r="0" g="0" b="0"/>
+      </a:effectRef>
+      <a:fontRef idx="minor">
+        <a:schemeClr val="lt1"/>
+      </a:fontRef>
+    </dgm:style>
+  </dgm:styleLbl>
+  <dgm:styleLbl name="sibTrans1D1">
+    <dgm:scene3d>
+      <a:camera prst="orthographicFront"/>
+      <a:lightRig rig="threePt" dir="t"/>
+    </dgm:scene3d>
+    <dgm:sp3d/>
+    <dgm:txPr/>
+    <dgm:style>
+      <a:lnRef idx="1">
+        <a:scrgbClr r="0" g="0" b="0"/>
+      </a:lnRef>
+      <a:fillRef idx="0">
+        <a:scrgbClr r="0" g="0" b="0"/>
+      </a:fillRef>
+      <a:effectRef idx="0">
+        <a:scrgbClr r="0" g="0" b="0"/>
+      </a:effectRef>
+      <a:fontRef idx="minor"/>
+    </dgm:style>
+  </dgm:styleLbl>
+  <dgm:styleLbl name="callout">
+    <dgm:scene3d>
+      <a:camera prst="orthographicFront"/>
+      <a:lightRig rig="threePt" dir="t"/>
+    </dgm:scene3d>
+    <dgm:sp3d/>
+    <dgm:txPr/>
+    <dgm:style>
+      <a:lnRef idx="2">
+        <a:scrgbClr r="0" g="0" b="0"/>
+      </a:lnRef>
+      <a:fillRef idx="1">
+        <a:scrgbClr r="0" g="0" b="0"/>
+      </a:fillRef>
+      <a:effectRef idx="0">
+        <a:scrgbClr r="0" g="0" b="0"/>
+      </a:effectRef>
+      <a:fontRef idx="minor"/>
+    </dgm:style>
+  </dgm:styleLbl>
+  <dgm:styleLbl name="asst0">
+    <dgm:scene3d>
+      <a:camera prst="orthographicFront"/>
+      <a:lightRig rig="threePt" dir="t"/>
+    </dgm:scene3d>
+    <dgm:sp3d/>
+    <dgm:txPr/>
+    <dgm:style>
+      <a:lnRef idx="2">
+        <a:scrgbClr r="0" g="0" b="0"/>
+      </a:lnRef>
+      <a:fillRef idx="1">
+        <a:scrgbClr r="0" g="0" b="0"/>
+      </a:fillRef>
+      <a:effectRef idx="0">
+        <a:scrgbClr r="0" g="0" b="0"/>
+      </a:effectRef>
+      <a:fontRef idx="minor">
+        <a:schemeClr val="lt1"/>
+      </a:fontRef>
+    </dgm:style>
+  </dgm:styleLbl>
+  <dgm:styleLbl name="asst1">
+    <dgm:scene3d>
+      <a:camera prst="orthographicFront"/>
+      <a:lightRig rig="threePt" dir="t"/>
+    </dgm:scene3d>
+    <dgm:sp3d/>
+    <dgm:txPr/>
+    <dgm:style>
+      <a:lnRef idx="2">
+        <a:scrgbClr r="0" g="0" b="0"/>
+      </a:lnRef>
+      <a:fillRef idx="1">
+        <a:scrgbClr r="0" g="0" b="0"/>
+      </a:fillRef>
+      <a:effectRef idx="0">
+        <a:scrgbClr r="0" g="0" b="0"/>
+      </a:effectRef>
+      <a:fontRef idx="minor">
+        <a:schemeClr val="lt1"/>
+      </a:fontRef>
+    </dgm:style>
+  </dgm:styleLbl>
+  <dgm:styleLbl name="asst2">
+    <dgm:scene3d>
+      <a:camera prst="orthographicFront"/>
+      <a:lightRig rig="threePt" dir="t"/>
+    </dgm:scene3d>
+    <dgm:sp3d/>
+    <dgm:txPr/>
+    <dgm:style>
+      <a:lnRef idx="2">
+        <a:scrgbClr r="0" g="0" b="0"/>
+      </a:lnRef>
+      <a:fillRef idx="1">
+        <a:scrgbClr r="0" g="0" b="0"/>
+      </a:fillRef>
+      <a:effectRef idx="0">
+        <a:scrgbClr r="0" g="0" b="0"/>
+      </a:effectRef>
+      <a:fontRef idx="minor">
+        <a:schemeClr val="lt1"/>
+      </a:fontRef>
+    </dgm:style>
+  </dgm:styleLbl>
+  <dgm:styleLbl name="asst3">
+    <dgm:scene3d>
+      <a:camera prst="orthographicFront"/>
+      <a:lightRig rig="threePt" dir="t"/>
+    </dgm:scene3d>
+    <dgm:sp3d/>
+    <dgm:txPr/>
+    <dgm:style>
+      <a:lnRef idx="2">
+        <a:scrgbClr r="0" g="0" b="0"/>
+      </a:lnRef>
+      <a:fillRef idx="1">
+        <a:scrgbClr r="0" g="0" b="0"/>
+      </a:fillRef>
+      <a:effectRef idx="0">
+        <a:scrgbClr r="0" g="0" b="0"/>
+      </a:effectRef>
+      <a:fontRef idx="minor">
+        <a:schemeClr val="lt1"/>
+      </a:fontRef>
+    </dgm:style>
+  </dgm:styleLbl>
+  <dgm:styleLbl name="asst4">
+    <dgm:scene3d>
+      <a:camera prst="orthographicFront"/>
+      <a:lightRig rig="threePt" dir="t"/>
+    </dgm:scene3d>
+    <dgm:sp3d/>
+    <dgm:txPr/>
+    <dgm:style>
+      <a:lnRef idx="2">
+        <a:scrgbClr r="0" g="0" b="0"/>
+      </a:lnRef>
+      <a:fillRef idx="1">
+        <a:scrgbClr r="0" g="0" b="0"/>
+      </a:fillRef>
+      <a:effectRef idx="0">
+        <a:scrgbClr r="0" g="0" b="0"/>
+      </a:effectRef>
+      <a:fontRef idx="minor">
+        <a:schemeClr val="lt1"/>
+      </a:fontRef>
+    </dgm:style>
+  </dgm:styleLbl>
+  <dgm:styleLbl name="parChTrans2D1">
+    <dgm:scene3d>
+      <a:camera prst="orthographicFront"/>
+      <a:lightRig rig="threePt" dir="t"/>
+    </dgm:scene3d>
+    <dgm:sp3d/>
+    <dgm:txPr/>
+    <dgm:style>
+      <a:lnRef idx="2">
+        <a:scrgbClr r="0" g="0" b="0"/>
+      </a:lnRef>
+      <a:fillRef idx="1">
+        <a:scrgbClr r="0" g="0" b="0"/>
+      </a:fillRef>
+      <a:effectRef idx="0">
+        <a:scrgbClr r="0" g="0" b="0"/>
+      </a:effectRef>
+      <a:fontRef idx="minor">
+        <a:schemeClr val="lt1"/>
+      </a:fontRef>
+    </dgm:style>
+  </dgm:styleLbl>
+  <dgm:styleLbl name="parChTrans2D2">
+    <dgm:scene3d>
+      <a:camera prst="orthographicFront"/>
+      <a:lightRig rig="threePt" dir="t"/>
+    </dgm:scene3d>
+    <dgm:sp3d/>
+    <dgm:txPr/>
+    <dgm:style>
+      <a:lnRef idx="2">
+        <a:scrgbClr r="0" g="0" b="0"/>
+      </a:lnRef>
+      <a:fillRef idx="1">
+        <a:scrgbClr r="0" g="0" b="0"/>
+      </a:fillRef>
+      <a:effectRef idx="0">
+        <a:scrgbClr r="0" g="0" b="0"/>
+      </a:effectRef>
+      <a:fontRef idx="minor">
+        <a:schemeClr val="lt1"/>
+      </a:fontRef>
+    </dgm:style>
+  </dgm:styleLbl>
+  <dgm:styleLbl name="parChTrans2D3">
+    <dgm:scene3d>
+      <a:camera prst="orthographicFront"/>
+      <a:lightRig rig="threePt" dir="t"/>
+    </dgm:scene3d>
+    <dgm:sp3d/>
+    <dgm:txPr/>
+    <dgm:style>
+      <a:lnRef idx="2">
+        <a:scrgbClr r="0" g="0" b="0"/>
+      </a:lnRef>
+      <a:fillRef idx="1">
+        <a:scrgbClr r="0" g="0" b="0"/>
+      </a:fillRef>
+      <a:effectRef idx="0">
+        <a:scrgbClr r="0" g="0" b="0"/>
+      </a:effectRef>
+      <a:fontRef idx="minor">
+        <a:schemeClr val="lt1"/>
+      </a:fontRef>
+    </dgm:style>
+  </dgm:styleLbl>
+  <dgm:styleLbl name="parChTrans2D4">
+    <dgm:scene3d>
+      <a:camera prst="orthographicFront"/>
+      <a:lightRig rig="threePt" dir="t"/>
+    </dgm:scene3d>
+    <dgm:sp3d/>
+    <dgm:txPr/>
+    <dgm:style>
+      <a:lnRef idx="2">
+        <a:scrgbClr r="0" g="0" b="0"/>
+      </a:lnRef>
+      <a:fillRef idx="1">
+        <a:scrgbClr r="0" g="0" b="0"/>
+      </a:fillRef>
+      <a:effectRef idx="0">
+        <a:scrgbClr r="0" g="0" b="0"/>
+      </a:effectRef>
+      <a:fontRef idx="minor">
+        <a:schemeClr val="lt1"/>
+      </a:fontRef>
+    </dgm:style>
+  </dgm:styleLbl>
+  <dgm:styleLbl name="parChTrans1D1">
+    <dgm:scene3d>
+      <a:camera prst="orthographicFront"/>
+      <a:lightRig rig="threePt" dir="t"/>
+    </dgm:scene3d>
+    <dgm:sp3d/>
+    <dgm:txPr/>
+    <dgm:style>
+      <a:lnRef idx="2">
+        <a:scrgbClr r="0" g="0" b="0"/>
+      </a:lnRef>
+      <a:fillRef idx="0">
+        <a:scrgbClr r="0" g="0" b="0"/>
+      </a:fillRef>
+      <a:effectRef idx="0">
+        <a:scrgbClr r="0" g="0" b="0"/>
+      </a:effectRef>
+      <a:fontRef idx="minor"/>
+    </dgm:style>
+  </dgm:styleLbl>
+  <dgm:styleLbl name="parChTrans1D2">
+    <dgm:scene3d>
+      <a:camera prst="orthographicFront"/>
+      <a:lightRig rig="threePt" dir="t"/>
+    </dgm:scene3d>
+    <dgm:sp3d/>
+    <dgm:txPr/>
+    <dgm:style>
+      <a:lnRef idx="2">
+        <a:scrgbClr r="0" g="0" b="0"/>
+      </a:lnRef>
+      <a:fillRef idx="0">
+        <a:scrgbClr r="0" g="0" b="0"/>
+      </a:fillRef>
+      <a:effectRef idx="0">
+        <a:scrgbClr r="0" g="0" b="0"/>
+      </a:effectRef>
+      <a:fontRef idx="minor"/>
+    </dgm:style>
+  </dgm:styleLbl>
+  <dgm:styleLbl name="parChTrans1D3">
+    <dgm:scene3d>
+      <a:camera prst="orthographicFront"/>
+      <a:lightRig rig="threePt" dir="t"/>
+    </dgm:scene3d>
+    <dgm:sp3d/>
+    <dgm:txPr/>
+    <dgm:style>
+      <a:lnRef idx="2">
+        <a:scrgbClr r="0" g="0" b="0"/>
+      </a:lnRef>
+      <a:fillRef idx="0">
+        <a:scrgbClr r="0" g="0" b="0"/>
+      </a:fillRef>
+      <a:effectRef idx="0">
+        <a:scrgbClr r="0" g="0" b="0"/>
+      </a:effectRef>
+      <a:fontRef idx="minor"/>
+    </dgm:style>
+  </dgm:styleLbl>
+  <dgm:styleLbl name="parChTrans1D4">
+    <dgm:scene3d>
+      <a:camera prst="orthographicFront"/>
+      <a:lightRig rig="threePt" dir="t"/>
+    </dgm:scene3d>
+    <dgm:sp3d/>
+    <dgm:txPr/>
+    <dgm:style>
+      <a:lnRef idx="2">
+        <a:scrgbClr r="0" g="0" b="0"/>
+      </a:lnRef>
+      <a:fillRef idx="0">
+        <a:scrgbClr r="0" g="0" b="0"/>
+      </a:fillRef>
+      <a:effectRef idx="0">
+        <a:scrgbClr r="0" g="0" b="0"/>
+      </a:effectRef>
+      <a:fontRef idx="minor"/>
+    </dgm:style>
+  </dgm:styleLbl>
+  <dgm:styleLbl name="fgAcc1">
+    <dgm:scene3d>
+      <a:camera prst="orthographicFront"/>
+      <a:lightRig rig="threePt" dir="t"/>
+    </dgm:scene3d>
+    <dgm:sp3d/>
+    <dgm:txPr/>
+    <dgm:style>
+      <a:lnRef idx="2">
+        <a:scrgbClr r="0" g="0" b="0"/>
+      </a:lnRef>
+      <a:fillRef idx="1">
+        <a:scrgbClr r="0" g="0" b="0"/>
+      </a:fillRef>
+      <a:effectRef idx="0">
+        <a:scrgbClr r="0" g="0" b="0"/>
+      </a:effectRef>
+      <a:fontRef idx="minor"/>
+    </dgm:style>
+  </dgm:styleLbl>
+  <dgm:styleLbl name="conFgAcc1">
+    <dgm:scene3d>
+      <a:camera prst="orthographicFront"/>
+      <a:lightRig rig="threePt" dir="t"/>
+    </dgm:scene3d>
+    <dgm:sp3d/>
+    <dgm:txPr/>
+    <dgm:style>
+      <a:lnRef idx="2">
+        <a:scrgbClr r="0" g="0" b="0"/>
+      </a:lnRef>
+      <a:fillRef idx="1">
+        <a:scrgbClr r="0" g="0" b="0"/>
+      </a:fillRef>
+      <a:effectRef idx="0">
+        <a:scrgbClr r="0" g="0" b="0"/>
+      </a:effectRef>
+      <a:fontRef idx="minor"/>
+    </dgm:style>
+  </dgm:styleLbl>
+  <dgm:styleLbl name="alignAcc1">
+    <dgm:scene3d>
+      <a:camera prst="orthographicFront"/>
+      <a:lightRig rig="threePt" dir="t"/>
+    </dgm:scene3d>
+    <dgm:sp3d/>
+    <dgm:txPr/>
+    <dgm:style>
+      <a:lnRef idx="2">
+        <a:scrgbClr r="0" g="0" b="0"/>
+      </a:lnRef>
+      <a:fillRef idx="1">
+        <a:scrgbClr r="0" g="0" b="0"/>
+      </a:fillRef>
+      <a:effectRef idx="0">
+        <a:scrgbClr r="0" g="0" b="0"/>
+      </a:effectRef>
+      <a:fontRef idx="minor"/>
+    </dgm:style>
+  </dgm:styleLbl>
+  <dgm:styleLbl name="trAlignAcc1">
+    <dgm:scene3d>
+      <a:camera prst="orthographicFront"/>
+      <a:lightRig rig="threePt" dir="t"/>
+    </dgm:scene3d>
+    <dgm:sp3d/>
+    <dgm:txPr/>
+    <dgm:style>
+      <a:lnRef idx="1">
+        <a:scrgbClr r="0" g="0" b="0"/>
+      </a:lnRef>
+      <a:fillRef idx="1">
+        <a:scrgbClr r="0" g="0" b="0"/>
+      </a:fillRef>
+      <a:effectRef idx="0">
+        <a:scrgbClr r="0" g="0" b="0"/>
+      </a:effectRef>
+      <a:fontRef idx="minor"/>
+    </dgm:style>
+  </dgm:styleLbl>
+  <dgm:styleLbl name="bgAcc1">
+    <dgm:scene3d>
+      <a:camera prst="orthographicFront"/>
+      <a:lightRig rig="threePt" dir="t"/>
+    </dgm:scene3d>
+    <dgm:sp3d/>
+    <dgm:txPr/>
+    <dgm:style>
+      <a:lnRef idx="2">
+        <a:scrgbClr r="0" g="0" b="0"/>
+      </a:lnRef>
+      <a:fillRef idx="1">
+        <a:scrgbClr r="0" g="0" b="0"/>
+      </a:fillRef>
+      <a:effectRef idx="0">
+        <a:scrgbClr r="0" g="0" b="0"/>
+      </a:effectRef>
+      <a:fontRef idx="minor"/>
+    </dgm:style>
+  </dgm:styleLbl>
+  <dgm:styleLbl name="solidFgAcc1">
+    <dgm:scene3d>
+      <a:camera prst="orthographicFront"/>
+      <a:lightRig rig="threePt" dir="t"/>
+    </dgm:scene3d>
+    <dgm:sp3d/>
+    <dgm:txPr/>
+    <dgm:style>
+      <a:lnRef idx="2">
+        <a:scrgbClr r="0" g="0" b="0"/>
+      </a:lnRef>
+      <a:fillRef idx="1">
+        <a:scrgbClr r="0" g="0" b="0"/>
+      </a:fillRef>
+      <a:effectRef idx="0">
+        <a:scrgbClr r="0" g="0" b="0"/>
+      </a:effectRef>
+      <a:fontRef idx="minor"/>
+    </dgm:style>
+  </dgm:styleLbl>
+  <dgm:styleLbl name="solidAlignAcc1">
+    <dgm:scene3d>
+      <a:camera prst="orthographicFront"/>
+      <a:lightRig rig="threePt" dir="t"/>
+    </dgm:scene3d>
+    <dgm:sp3d/>
+    <dgm:txPr/>
+    <dgm:style>
+      <a:lnRef idx="2">
+        <a:scrgbClr r="0" g="0" b="0"/>
+      </a:lnRef>
+      <a:fillRef idx="1">
+        <a:scrgbClr r="0" g="0" b="0"/>
+      </a:fillRef>
+      <a:effectRef idx="0">
+        <a:scrgbClr r="0" g="0" b="0"/>
+      </a:effectRef>
+      <a:fontRef idx="minor"/>
+    </dgm:style>
+  </dgm:styleLbl>
+  <dgm:styleLbl name="solidBgAcc1">
+    <dgm:scene3d>
+      <a:camera prst="orthographicFront"/>
+      <a:lightRig rig="threePt" dir="t"/>
+    </dgm:scene3d>
+    <dgm:sp3d/>
+    <dgm:txPr/>
+    <dgm:style>
+      <a:lnRef idx="2">
+        <a:scrgbClr r="0" g="0" b="0"/>
+      </a:lnRef>
+      <a:fillRef idx="1">
+        <a:scrgbClr r="0" g="0" b="0"/>
+      </a:fillRef>
+      <a:effectRef idx="0">
+        <a:scrgbClr r="0" g="0" b="0"/>
+      </a:effectRef>
+      <a:fontRef idx="minor"/>
+    </dgm:style>
+  </dgm:styleLbl>
+  <dgm:styleLbl name="fgAccFollowNode1">
+    <dgm:scene3d>
+      <a:camera prst="orthographicFront"/>
+      <a:lightRig rig="threePt" dir="t"/>
+    </dgm:scene3d>
+    <dgm:sp3d/>
+    <dgm:txPr/>
+    <dgm:style>
+      <a:lnRef idx="2">
+        <a:scrgbClr r="0" g="0" b="0"/>
+      </a:lnRef>
+      <a:fillRef idx="1">
+        <a:scrgbClr r="0" g="0" b="0"/>
+      </a:fillRef>
+      <a:effectRef idx="0">
+        <a:scrgbClr r="0" g="0" b="0"/>
+      </a:effectRef>
+      <a:fontRef idx="minor"/>
+    </dgm:style>
+  </dgm:styleLbl>
+  <dgm:styleLbl name="alignAccFollowNode1">
+    <dgm:scene3d>
+      <a:camera prst="orthographicFront"/>
+      <a:lightRig rig="threePt" dir="t"/>
+    </dgm:scene3d>
+    <dgm:sp3d/>
+    <dgm:txPr/>
+    <dgm:style>
+      <a:lnRef idx="2">
+        <a:scrgbClr r="0" g="0" b="0"/>
+      </a:lnRef>
+      <a:fillRef idx="1">
+        <a:scrgbClr r="0" g="0" b="0"/>
+      </a:fillRef>
+      <a:effectRef idx="0">
+        <a:scrgbClr r="0" g="0" b="0"/>
+      </a:effectRef>
+      <a:fontRef idx="minor"/>
+    </dgm:style>
+  </dgm:styleLbl>
+  <dgm:styleLbl name="bgAccFollowNode1">
+    <dgm:scene3d>
+      <a:camera prst="orthographicFront"/>
+      <a:lightRig rig="threePt" dir="t"/>
+    </dgm:scene3d>
+    <dgm:sp3d/>
+    <dgm:txPr/>
+    <dgm:style>
+      <a:lnRef idx="2">
+        <a:scrgbClr r="0" g="0" b="0"/>
+      </a:lnRef>
+      <a:fillRef idx="1">
+        <a:scrgbClr r="0" g="0" b="0"/>
+      </a:fillRef>
+      <a:effectRef idx="0">
+        <a:scrgbClr r="0" g="0" b="0"/>
+      </a:effectRef>
+      <a:fontRef idx="minor"/>
+    </dgm:style>
+  </dgm:styleLbl>
+  <dgm:styleLbl name="fgAcc0">
+    <dgm:scene3d>
+      <a:camera prst="orthographicFront"/>
+      <a:lightRig rig="threePt" dir="t"/>
+    </dgm:scene3d>
+    <dgm:sp3d/>
+    <dgm:txPr/>
+    <dgm:style>
+      <a:lnRef idx="2">
+        <a:scrgbClr r="0" g="0" b="0"/>
+      </a:lnRef>
+      <a:fillRef idx="1">
+        <a:scrgbClr r="0" g="0" b="0"/>
+      </a:fillRef>
+      <a:effectRef idx="0">
+        <a:scrgbClr r="0" g="0" b="0"/>
+      </a:effectRef>
+      <a:fontRef idx="minor"/>
+    </dgm:style>
+  </dgm:styleLbl>
+  <dgm:styleLbl name="fgAcc2">
+    <dgm:scene3d>
+      <a:camera prst="orthographicFront"/>
+      <a:lightRig rig="threePt" dir="t"/>
+    </dgm:scene3d>
+    <dgm:sp3d/>
+    <dgm:txPr/>
+    <dgm:style>
+      <a:lnRef idx="2">
+        <a:scrgbClr r="0" g="0" b="0"/>
+      </a:lnRef>
+      <a:fillRef idx="1">
+        <a:scrgbClr r="0" g="0" b="0"/>
+      </a:fillRef>
+      <a:effectRef idx="0">
+        <a:scrgbClr r="0" g="0" b="0"/>
+      </a:effectRef>
+      <a:fontRef idx="minor"/>
+    </dgm:style>
+  </dgm:styleLbl>
+  <dgm:styleLbl name="fgAcc3">
+    <dgm:scene3d>
+      <a:camera prst="orthographicFront"/>
+      <a:lightRig rig="threePt" dir="t"/>
+    </dgm:scene3d>
+    <dgm:sp3d/>
+    <dgm:txPr/>
+    <dgm:style>
+      <a:lnRef idx="2">
+        <a:scrgbClr r="0" g="0" b="0"/>
+      </a:lnRef>
+      <a:fillRef idx="1">
+        <a:scrgbClr r="0" g="0" b="0"/>
+      </a:fillRef>
+      <a:effectRef idx="0">
+        <a:scrgbClr r="0" g="0" b="0"/>
+      </a:effectRef>
+      <a:fontRef idx="minor"/>
+    </dgm:style>
+  </dgm:styleLbl>
+  <dgm:styleLbl name="fgAcc4">
+    <dgm:scene3d>
+      <a:camera prst="orthographicFront"/>
+      <a:lightRig rig="threePt" dir="t"/>
+    </dgm:scene3d>
+    <dgm:sp3d/>
+    <dgm:txPr/>
+    <dgm:style>
+      <a:lnRef idx="2">
+        <a:scrgbClr r="0" g="0" b="0"/>
+      </a:lnRef>
+      <a:fillRef idx="1">
+        <a:scrgbClr r="0" g="0" b="0"/>
+      </a:fillRef>
+      <a:effectRef idx="0">
+        <a:scrgbClr r="0" g="0" b="0"/>
+      </a:effectRef>
+      <a:fontRef idx="minor"/>
+    </dgm:style>
+  </dgm:styleLbl>
+  <dgm:styleLbl name="bgShp">
+    <dgm:scene3d>
+      <a:camera prst="orthographicFront"/>
+      <a:lightRig rig="threePt" dir="t"/>
+    </dgm:scene3d>
+    <dgm:sp3d/>
+    <dgm:txPr/>
+    <dgm:style>
+      <a:lnRef idx="0">
+        <a:scrgbClr r="0" g="0" b="0"/>
+      </a:lnRef>
+      <a:fillRef idx="1">
+        <a:scrgbClr r="0" g="0" b="0"/>
+      </a:fillRef>
+      <a:effectRef idx="0">
+        <a:scrgbClr r="0" g="0" b="0"/>
+      </a:effectRef>
+      <a:fontRef idx="minor"/>
+    </dgm:style>
+  </dgm:styleLbl>
+  <dgm:styleLbl name="dkBgShp">
+    <dgm:scene3d>
+      <a:camera prst="orthographicFront"/>
+      <a:lightRig rig="threePt" dir="t"/>
+    </dgm:scene3d>
+    <dgm:sp3d/>
+    <dgm:txPr/>
+    <dgm:style>
+      <a:lnRef idx="0">
+        <a:scrgbClr r="0" g="0" b="0"/>
+      </a:lnRef>
+      <a:fillRef idx="1">
+        <a:scrgbClr r="0" g="0" b="0"/>
+      </a:fillRef>
+      <a:effectRef idx="0">
+        <a:scrgbClr r="0" g="0" b="0"/>
+      </a:effectRef>
+      <a:fontRef idx="minor"/>
+    </dgm:style>
+  </dgm:styleLbl>
+  <dgm:styleLbl name="trBgShp">
+    <dgm:scene3d>
+      <a:camera prst="orthographicFront"/>
+      <a:lightRig rig="threePt" dir="t"/>
+    </dgm:scene3d>
+    <dgm:sp3d/>
+    <dgm:txPr/>
+    <dgm:style>
+      <a:lnRef idx="0">
+        <a:scrgbClr r="0" g="0" b="0"/>
+      </a:lnRef>
+      <a:fillRef idx="1">
+        <a:scrgbClr r="0" g="0" b="0"/>
+      </a:fillRef>
+      <a:effectRef idx="0">
+        <a:scrgbClr r="0" g="0" b="0"/>
+      </a:effectRef>
+      <a:fontRef idx="minor"/>
+    </dgm:style>
+  </dgm:styleLbl>
+  <dgm:styleLbl name="fgShp">
+    <dgm:scene3d>
+      <a:camera prst="orthographicFront"/>
+      <a:lightRig rig="threePt" dir="t"/>
+    </dgm:scene3d>
+    <dgm:sp3d/>
+    <dgm:txPr/>
+    <dgm:style>
+      <a:lnRef idx="2">
+        <a:scrgbClr r="0" g="0" b="0"/>
+      </a:lnRef>
+      <a:fillRef idx="1">
+        <a:scrgbClr r="0" g="0" b="0"/>
+      </a:fillRef>
+      <a:effectRef idx="0">
+        <a:scrgbClr r="0" g="0" b="0"/>
+      </a:effectRef>
+      <a:fontRef idx="minor"/>
+    </dgm:style>
+  </dgm:styleLbl>
+  <dgm:styleLbl name="revTx">
+    <dgm:scene3d>
+      <a:camera prst="orthographicFront"/>
+      <a:lightRig rig="threePt" dir="t"/>
+    </dgm:scene3d>
+    <dgm:sp3d/>
+    <dgm:txPr/>
+    <dgm:style>
+      <a:lnRef idx="0">
+        <a:scrgbClr r="0" g="0" b="0"/>
+      </a:lnRef>
+      <a:fillRef idx="0">
+        <a:scrgbClr r="0" g="0" b="0"/>
+      </a:fillRef>
+      <a:effectRef idx="0">
+        <a:scrgbClr r="0" g="0" b="0"/>
+      </a:effectRef>
+      <a:fontRef idx="minor"/>
+    </dgm:style>
+  </dgm:styleLbl>
+</dgm:styleDef>
+</file>
+
 <file path=ppt/slideLayouts/slideLayout1.xml><?xml version="1.0" encoding="utf-8"?>
 <p:sldLayout xmlns:a="http://schemas.openxmlformats.org/drawingml/2006/main" xmlns:r="http://schemas.openxmlformats.org/officeDocument/2006/relationships" xmlns:p="http://schemas.openxmlformats.org/presentationml/2006/main" type="title" preserve="1">
   <p:cSld name="タイトル スライド">
@@ -249,7 +4773,7 @@
           <a:p>
             <a:fld id="{A6F27FC9-2412-47A4-BD71-0C54F7F91AA6}" type="datetimeFigureOut">
               <a:rPr kumimoji="1" lang="ja-JP" altLang="en-US" smtClean="0"/>
-              <a:t>2016/4/18</a:t>
+              <a:t>2016/4/22</a:t>
             </a:fld>
             <a:endParaRPr kumimoji="1" lang="ja-JP" altLang="en-US"/>
           </a:p>
@@ -449,7 +4973,7 @@
           <a:p>
             <a:fld id="{A6F27FC9-2412-47A4-BD71-0C54F7F91AA6}" type="datetimeFigureOut">
               <a:rPr kumimoji="1" lang="ja-JP" altLang="en-US" smtClean="0"/>
-              <a:t>2016/4/18</a:t>
+              <a:t>2016/4/22</a:t>
             </a:fld>
             <a:endParaRPr kumimoji="1" lang="ja-JP" altLang="en-US"/>
           </a:p>
@@ -659,7 +5183,7 @@
           <a:p>
             <a:fld id="{A6F27FC9-2412-47A4-BD71-0C54F7F91AA6}" type="datetimeFigureOut">
               <a:rPr kumimoji="1" lang="ja-JP" altLang="en-US" smtClean="0"/>
-              <a:t>2016/4/18</a:t>
+              <a:t>2016/4/22</a:t>
             </a:fld>
             <a:endParaRPr kumimoji="1" lang="ja-JP" altLang="en-US"/>
           </a:p>
@@ -859,7 +5383,7 @@
           <a:p>
             <a:fld id="{A6F27FC9-2412-47A4-BD71-0C54F7F91AA6}" type="datetimeFigureOut">
               <a:rPr kumimoji="1" lang="ja-JP" altLang="en-US" smtClean="0"/>
-              <a:t>2016/4/18</a:t>
+              <a:t>2016/4/22</a:t>
             </a:fld>
             <a:endParaRPr kumimoji="1" lang="ja-JP" altLang="en-US"/>
           </a:p>
@@ -1104,7 +5628,7 @@
           <a:p>
             <a:fld id="{A6F27FC9-2412-47A4-BD71-0C54F7F91AA6}" type="datetimeFigureOut">
               <a:rPr kumimoji="1" lang="ja-JP" altLang="en-US" smtClean="0"/>
-              <a:t>2016/4/18</a:t>
+              <a:t>2016/4/22</a:t>
             </a:fld>
             <a:endParaRPr kumimoji="1" lang="ja-JP" altLang="en-US"/>
           </a:p>
@@ -1397,7 +5921,7 @@
           <a:p>
             <a:fld id="{A6F27FC9-2412-47A4-BD71-0C54F7F91AA6}" type="datetimeFigureOut">
               <a:rPr kumimoji="1" lang="ja-JP" altLang="en-US" smtClean="0"/>
-              <a:t>2016/4/18</a:t>
+              <a:t>2016/4/22</a:t>
             </a:fld>
             <a:endParaRPr kumimoji="1" lang="ja-JP" altLang="en-US"/>
           </a:p>
@@ -1825,7 +6349,7 @@
           <a:p>
             <a:fld id="{A6F27FC9-2412-47A4-BD71-0C54F7F91AA6}" type="datetimeFigureOut">
               <a:rPr kumimoji="1" lang="ja-JP" altLang="en-US" smtClean="0"/>
-              <a:t>2016/4/18</a:t>
+              <a:t>2016/4/22</a:t>
             </a:fld>
             <a:endParaRPr kumimoji="1" lang="ja-JP" altLang="en-US"/>
           </a:p>
@@ -1942,7 +6466,7 @@
           <a:p>
             <a:fld id="{A6F27FC9-2412-47A4-BD71-0C54F7F91AA6}" type="datetimeFigureOut">
               <a:rPr kumimoji="1" lang="ja-JP" altLang="en-US" smtClean="0"/>
-              <a:t>2016/4/18</a:t>
+              <a:t>2016/4/22</a:t>
             </a:fld>
             <a:endParaRPr kumimoji="1" lang="ja-JP" altLang="en-US"/>
           </a:p>
@@ -2037,7 +6561,7 @@
           <a:p>
             <a:fld id="{A6F27FC9-2412-47A4-BD71-0C54F7F91AA6}" type="datetimeFigureOut">
               <a:rPr kumimoji="1" lang="ja-JP" altLang="en-US" smtClean="0"/>
-              <a:t>2016/4/18</a:t>
+              <a:t>2016/4/22</a:t>
             </a:fld>
             <a:endParaRPr kumimoji="1" lang="ja-JP" altLang="en-US"/>
           </a:p>
@@ -2344,7 +6868,7 @@
           <a:p>
             <a:fld id="{A6F27FC9-2412-47A4-BD71-0C54F7F91AA6}" type="datetimeFigureOut">
               <a:rPr kumimoji="1" lang="ja-JP" altLang="en-US" smtClean="0"/>
-              <a:t>2016/4/18</a:t>
+              <a:t>2016/4/22</a:t>
             </a:fld>
             <a:endParaRPr kumimoji="1" lang="ja-JP" altLang="en-US"/>
           </a:p>
@@ -2596,7 +7120,7 @@
           <a:p>
             <a:fld id="{A6F27FC9-2412-47A4-BD71-0C54F7F91AA6}" type="datetimeFigureOut">
               <a:rPr kumimoji="1" lang="ja-JP" altLang="en-US" smtClean="0"/>
-              <a:t>2016/4/18</a:t>
+              <a:t>2016/4/22</a:t>
             </a:fld>
             <a:endParaRPr kumimoji="1" lang="ja-JP" altLang="en-US"/>
           </a:p>
@@ -2839,7 +7363,7 @@
           <a:p>
             <a:fld id="{A6F27FC9-2412-47A4-BD71-0C54F7F91AA6}" type="datetimeFigureOut">
               <a:rPr kumimoji="1" lang="ja-JP" altLang="en-US" smtClean="0"/>
-              <a:t>2016/4/18</a:t>
+              <a:t>2016/4/22</a:t>
             </a:fld>
             <a:endParaRPr kumimoji="1" lang="ja-JP" altLang="en-US"/>
           </a:p>
@@ -3833,6 +8357,2347 @@
 </p:sld>
 </file>
 
+<file path=ppt/slides/slide10.xml><?xml version="1.0" encoding="utf-8"?>
+<p:sld xmlns:a="http://schemas.openxmlformats.org/drawingml/2006/main" xmlns:r="http://schemas.openxmlformats.org/officeDocument/2006/relationships" xmlns:p="http://schemas.openxmlformats.org/presentationml/2006/main">
+  <p:cSld>
+    <p:spTree>
+      <p:nvGrpSpPr>
+        <p:cNvPr id="1" name=""/>
+        <p:cNvGrpSpPr/>
+        <p:nvPr/>
+      </p:nvGrpSpPr>
+      <p:grpSpPr>
+        <a:xfrm>
+          <a:off x="0" y="0"/>
+          <a:ext cx="0" cy="0"/>
+          <a:chOff x="0" y="0"/>
+          <a:chExt cx="0" cy="0"/>
+        </a:xfrm>
+      </p:grpSpPr>
+      <p:sp>
+        <p:nvSpPr>
+          <p:cNvPr id="2" name="正方形/長方形 1"/>
+          <p:cNvSpPr/>
+          <p:nvPr/>
+        </p:nvSpPr>
+        <p:spPr>
+          <a:xfrm>
+            <a:off x="3079623" y="3547608"/>
+            <a:ext cx="1702122" cy="1832776"/>
+          </a:xfrm>
+          <a:prstGeom prst="rect">
+            <a:avLst/>
+          </a:prstGeom>
+          <a:noFill/>
+          <a:ln w="50800">
+            <a:solidFill>
+              <a:schemeClr val="tx1"/>
+            </a:solidFill>
+          </a:ln>
+        </p:spPr>
+        <p:style>
+          <a:lnRef idx="2">
+            <a:schemeClr val="accent1">
+              <a:shade val="50000"/>
+            </a:schemeClr>
+          </a:lnRef>
+          <a:fillRef idx="1">
+            <a:schemeClr val="accent1"/>
+          </a:fillRef>
+          <a:effectRef idx="0">
+            <a:schemeClr val="accent1"/>
+          </a:effectRef>
+          <a:fontRef idx="minor">
+            <a:schemeClr val="lt1"/>
+          </a:fontRef>
+        </p:style>
+        <p:txBody>
+          <a:bodyPr rtlCol="0" anchor="ctr"/>
+          <a:lstStyle/>
+          <a:p>
+            <a:pPr algn="ctr"/>
+            <a:endParaRPr kumimoji="1" lang="ja-JP" altLang="en-US"/>
+          </a:p>
+        </p:txBody>
+      </p:sp>
+      <p:sp>
+        <p:nvSpPr>
+          <p:cNvPr id="21" name="正方形/長方形 20"/>
+          <p:cNvSpPr/>
+          <p:nvPr/>
+        </p:nvSpPr>
+        <p:spPr>
+          <a:xfrm>
+            <a:off x="730231" y="1622256"/>
+            <a:ext cx="10136552" cy="1558266"/>
+          </a:xfrm>
+          <a:prstGeom prst="rect">
+            <a:avLst/>
+          </a:prstGeom>
+          <a:solidFill>
+            <a:schemeClr val="bg1">
+              <a:lumMod val="65000"/>
+            </a:schemeClr>
+          </a:solidFill>
+          <a:ln>
+            <a:noFill/>
+          </a:ln>
+        </p:spPr>
+        <p:style>
+          <a:lnRef idx="2">
+            <a:schemeClr val="accent1">
+              <a:shade val="50000"/>
+            </a:schemeClr>
+          </a:lnRef>
+          <a:fillRef idx="1">
+            <a:schemeClr val="accent1"/>
+          </a:fillRef>
+          <a:effectRef idx="0">
+            <a:schemeClr val="accent1"/>
+          </a:effectRef>
+          <a:fontRef idx="minor">
+            <a:schemeClr val="lt1"/>
+          </a:fontRef>
+        </p:style>
+        <p:txBody>
+          <a:bodyPr rtlCol="0" anchor="ctr"/>
+          <a:lstStyle/>
+          <a:p>
+            <a:pPr algn="ctr"/>
+            <a:endParaRPr kumimoji="1" lang="ja-JP" altLang="en-US"/>
+          </a:p>
+        </p:txBody>
+      </p:sp>
+      <p:sp>
+        <p:nvSpPr>
+          <p:cNvPr id="14" name="テキスト ボックス 13"/>
+          <p:cNvSpPr txBox="1"/>
+          <p:nvPr/>
+        </p:nvSpPr>
+        <p:spPr>
+          <a:xfrm>
+            <a:off x="7622800" y="1753302"/>
+            <a:ext cx="1494734" cy="1261884"/>
+          </a:xfrm>
+          <a:prstGeom prst="rect">
+            <a:avLst/>
+          </a:prstGeom>
+          <a:noFill/>
+          <a:ln w="25400">
+            <a:solidFill>
+              <a:schemeClr val="tx1"/>
+            </a:solidFill>
+          </a:ln>
+        </p:spPr>
+        <p:txBody>
+          <a:bodyPr wrap="square" rtlCol="0">
+            <a:spAutoFit/>
+          </a:bodyPr>
+          <a:lstStyle/>
+          <a:p>
+            <a:pPr algn="ctr"/>
+            <a:r>
+              <a:rPr kumimoji="1" lang="en-US" altLang="ja-JP" sz="2800" b="1">
+                <a:latin typeface="Arial" charset="0"/>
+                <a:ea typeface="Arial" charset="0"/>
+                <a:cs typeface="Arial" charset="0"/>
+              </a:rPr>
+              <a:t>4/18</a:t>
+            </a:r>
+            <a:r>
+              <a:rPr kumimoji="1" lang="ja-JP" altLang="en-US" sz="2400" b="1">
+                <a:latin typeface="MS Gothic" charset="-128"/>
+                <a:ea typeface="MS Gothic" charset="-128"/>
+                <a:cs typeface="MS Gothic" charset="-128"/>
+              </a:rPr>
+              <a:t>の</a:t>
+            </a:r>
+          </a:p>
+          <a:p>
+            <a:pPr algn="ctr"/>
+            <a:r>
+              <a:rPr kumimoji="1" lang="ja-JP" altLang="en-US" sz="2400" b="1">
+                <a:latin typeface="MS Gothic" charset="-128"/>
+                <a:ea typeface="MS Gothic" charset="-128"/>
+                <a:cs typeface="MS Gothic" charset="-128"/>
+              </a:rPr>
+              <a:t>コミット</a:t>
+            </a:r>
+          </a:p>
+          <a:p>
+            <a:pPr algn="ctr"/>
+            <a:r>
+              <a:rPr kumimoji="1" lang="ja-JP" altLang="en-US" sz="2400" b="1">
+                <a:latin typeface="MS Gothic" charset="-128"/>
+                <a:ea typeface="MS Gothic" charset="-128"/>
+                <a:cs typeface="MS Gothic" charset="-128"/>
+              </a:rPr>
+              <a:t>情報</a:t>
+            </a:r>
+          </a:p>
+        </p:txBody>
+      </p:sp>
+      <p:sp>
+        <p:nvSpPr>
+          <p:cNvPr id="15" name="正方形/長方形 14"/>
+          <p:cNvSpPr/>
+          <p:nvPr/>
+        </p:nvSpPr>
+        <p:spPr>
+          <a:xfrm>
+            <a:off x="8118302" y="3703208"/>
+            <a:ext cx="581766" cy="384149"/>
+          </a:xfrm>
+          <a:prstGeom prst="rect">
+            <a:avLst/>
+          </a:prstGeom>
+          <a:noFill/>
+          <a:ln w="38100"/>
+        </p:spPr>
+        <p:style>
+          <a:lnRef idx="2">
+            <a:schemeClr val="dk1"/>
+          </a:lnRef>
+          <a:fillRef idx="1">
+            <a:schemeClr val="lt1"/>
+          </a:fillRef>
+          <a:effectRef idx="0">
+            <a:schemeClr val="dk1"/>
+          </a:effectRef>
+          <a:fontRef idx="minor">
+            <a:schemeClr val="dk1"/>
+          </a:fontRef>
+        </p:style>
+        <p:txBody>
+          <a:bodyPr rtlCol="0" anchor="ctr"/>
+          <a:lstStyle/>
+          <a:p>
+            <a:pPr algn="ctr"/>
+            <a:r>
+              <a:rPr lang="en-US" altLang="ja-JP" sz="1600" b="1">
+                <a:latin typeface="Arial" charset="0"/>
+                <a:ea typeface="Arial" charset="0"/>
+                <a:cs typeface="Arial" charset="0"/>
+              </a:rPr>
+              <a:t>4/18</a:t>
+            </a:r>
+            <a:endParaRPr kumimoji="1" lang="ja-JP" altLang="en-US" sz="1600" b="1"/>
+          </a:p>
+        </p:txBody>
+      </p:sp>
+      <p:sp>
+        <p:nvSpPr>
+          <p:cNvPr id="16" name="台形 15"/>
+          <p:cNvSpPr/>
+          <p:nvPr/>
+        </p:nvSpPr>
+        <p:spPr>
+          <a:xfrm>
+            <a:off x="8194304" y="3613513"/>
+            <a:ext cx="210015" cy="83345"/>
+          </a:xfrm>
+          <a:prstGeom prst="trapezoid">
+            <a:avLst/>
+          </a:prstGeom>
+          <a:noFill/>
+          <a:ln w="38100"/>
+        </p:spPr>
+        <p:style>
+          <a:lnRef idx="2">
+            <a:schemeClr val="dk1"/>
+          </a:lnRef>
+          <a:fillRef idx="1">
+            <a:schemeClr val="lt1"/>
+          </a:fillRef>
+          <a:effectRef idx="0">
+            <a:schemeClr val="dk1"/>
+          </a:effectRef>
+          <a:fontRef idx="minor">
+            <a:schemeClr val="dk1"/>
+          </a:fontRef>
+        </p:style>
+        <p:txBody>
+          <a:bodyPr rtlCol="0" anchor="ctr"/>
+          <a:lstStyle/>
+          <a:p>
+            <a:pPr algn="ctr"/>
+            <a:endParaRPr kumimoji="1" lang="ja-JP" altLang="en-US" b="1"/>
+          </a:p>
+        </p:txBody>
+      </p:sp>
+      <p:pic>
+        <p:nvPicPr>
+          <p:cNvPr id="28" name="図 27"/>
+          <p:cNvPicPr>
+            <a:picLocks noChangeAspect="1"/>
+          </p:cNvPicPr>
+          <p:nvPr/>
+        </p:nvPicPr>
+        <p:blipFill>
+          <a:blip r:embed="rId2"/>
+          <a:stretch>
+            <a:fillRect/>
+          </a:stretch>
+        </p:blipFill>
+        <p:spPr>
+          <a:xfrm>
+            <a:off x="8634224" y="4654849"/>
+            <a:ext cx="455425" cy="619207"/>
+          </a:xfrm>
+          <a:prstGeom prst="rect">
+            <a:avLst/>
+          </a:prstGeom>
+        </p:spPr>
+      </p:pic>
+      <p:sp>
+        <p:nvSpPr>
+          <p:cNvPr id="126" name="正方形/長方形 125"/>
+          <p:cNvSpPr/>
+          <p:nvPr/>
+        </p:nvSpPr>
+        <p:spPr>
+          <a:xfrm>
+            <a:off x="7698176" y="4720943"/>
+            <a:ext cx="581766" cy="384149"/>
+          </a:xfrm>
+          <a:prstGeom prst="rect">
+            <a:avLst/>
+          </a:prstGeom>
+          <a:noFill/>
+          <a:ln w="38100"/>
+        </p:spPr>
+        <p:style>
+          <a:lnRef idx="2">
+            <a:schemeClr val="dk1"/>
+          </a:lnRef>
+          <a:fillRef idx="1">
+            <a:schemeClr val="lt1"/>
+          </a:fillRef>
+          <a:effectRef idx="0">
+            <a:schemeClr val="dk1"/>
+          </a:effectRef>
+          <a:fontRef idx="minor">
+            <a:schemeClr val="dk1"/>
+          </a:fontRef>
+        </p:style>
+        <p:txBody>
+          <a:bodyPr rtlCol="0" anchor="ctr"/>
+          <a:lstStyle/>
+          <a:p>
+            <a:pPr algn="ctr"/>
+            <a:r>
+              <a:rPr lang="en-US" altLang="ja-JP" sz="1600" b="1">
+                <a:latin typeface="Arial" charset="0"/>
+                <a:ea typeface="Arial" charset="0"/>
+                <a:cs typeface="Arial" charset="0"/>
+              </a:rPr>
+              <a:t>4/18</a:t>
+            </a:r>
+            <a:endParaRPr kumimoji="1" lang="ja-JP" altLang="en-US" sz="1600" b="1"/>
+          </a:p>
+        </p:txBody>
+      </p:sp>
+      <p:sp>
+        <p:nvSpPr>
+          <p:cNvPr id="127" name="台形 126"/>
+          <p:cNvSpPr/>
+          <p:nvPr/>
+        </p:nvSpPr>
+        <p:spPr>
+          <a:xfrm>
+            <a:off x="7774178" y="4631248"/>
+            <a:ext cx="210015" cy="83345"/>
+          </a:xfrm>
+          <a:prstGeom prst="trapezoid">
+            <a:avLst/>
+          </a:prstGeom>
+          <a:noFill/>
+          <a:ln w="38100"/>
+        </p:spPr>
+        <p:style>
+          <a:lnRef idx="2">
+            <a:schemeClr val="dk1"/>
+          </a:lnRef>
+          <a:fillRef idx="1">
+            <a:schemeClr val="lt1"/>
+          </a:fillRef>
+          <a:effectRef idx="0">
+            <a:schemeClr val="dk1"/>
+          </a:effectRef>
+          <a:fontRef idx="minor">
+            <a:schemeClr val="dk1"/>
+          </a:fontRef>
+        </p:style>
+        <p:txBody>
+          <a:bodyPr rtlCol="0" anchor="ctr"/>
+          <a:lstStyle/>
+          <a:p>
+            <a:pPr algn="ctr"/>
+            <a:endParaRPr kumimoji="1" lang="ja-JP" altLang="en-US" b="1"/>
+          </a:p>
+        </p:txBody>
+      </p:sp>
+      <p:cxnSp>
+        <p:nvCxnSpPr>
+          <p:cNvPr id="131" name="直線矢印コネクタ 130"/>
+          <p:cNvCxnSpPr/>
+          <p:nvPr/>
+        </p:nvCxnSpPr>
+        <p:spPr>
+          <a:xfrm>
+            <a:off x="8371208" y="3069622"/>
+            <a:ext cx="0" cy="424977"/>
+          </a:xfrm>
+          <a:prstGeom prst="straightConnector1">
+            <a:avLst/>
+          </a:prstGeom>
+          <a:ln w="38100">
+            <a:tailEnd type="triangle"/>
+          </a:ln>
+        </p:spPr>
+        <p:style>
+          <a:lnRef idx="3">
+            <a:schemeClr val="dk1"/>
+          </a:lnRef>
+          <a:fillRef idx="0">
+            <a:schemeClr val="dk1"/>
+          </a:fillRef>
+          <a:effectRef idx="2">
+            <a:schemeClr val="dk1"/>
+          </a:effectRef>
+          <a:fontRef idx="minor">
+            <a:schemeClr val="tx1"/>
+          </a:fontRef>
+        </p:style>
+      </p:cxnSp>
+      <p:cxnSp>
+        <p:nvCxnSpPr>
+          <p:cNvPr id="132" name="直線矢印コネクタ 131"/>
+          <p:cNvCxnSpPr/>
+          <p:nvPr/>
+        </p:nvCxnSpPr>
+        <p:spPr>
+          <a:xfrm flipH="1">
+            <a:off x="8031187" y="4169660"/>
+            <a:ext cx="247714" cy="461588"/>
+          </a:xfrm>
+          <a:prstGeom prst="straightConnector1">
+            <a:avLst/>
+          </a:prstGeom>
+          <a:ln w="38100">
+            <a:tailEnd type="triangle"/>
+          </a:ln>
+        </p:spPr>
+        <p:style>
+          <a:lnRef idx="3">
+            <a:schemeClr val="dk1"/>
+          </a:lnRef>
+          <a:fillRef idx="0">
+            <a:schemeClr val="dk1"/>
+          </a:fillRef>
+          <a:effectRef idx="2">
+            <a:schemeClr val="dk1"/>
+          </a:effectRef>
+          <a:fontRef idx="minor">
+            <a:schemeClr val="tx1"/>
+          </a:fontRef>
+        </p:style>
+      </p:cxnSp>
+      <p:cxnSp>
+        <p:nvCxnSpPr>
+          <p:cNvPr id="134" name="直線矢印コネクタ 133"/>
+          <p:cNvCxnSpPr/>
+          <p:nvPr/>
+        </p:nvCxnSpPr>
+        <p:spPr>
+          <a:xfrm>
+            <a:off x="8472299" y="4169660"/>
+            <a:ext cx="276438" cy="430322"/>
+          </a:xfrm>
+          <a:prstGeom prst="straightConnector1">
+            <a:avLst/>
+          </a:prstGeom>
+          <a:ln w="38100">
+            <a:tailEnd type="triangle"/>
+          </a:ln>
+        </p:spPr>
+        <p:style>
+          <a:lnRef idx="3">
+            <a:schemeClr val="dk1"/>
+          </a:lnRef>
+          <a:fillRef idx="0">
+            <a:schemeClr val="dk1"/>
+          </a:fillRef>
+          <a:effectRef idx="2">
+            <a:schemeClr val="dk1"/>
+          </a:effectRef>
+          <a:fontRef idx="minor">
+            <a:schemeClr val="tx1"/>
+          </a:fontRef>
+        </p:style>
+      </p:cxnSp>
+      <p:sp>
+        <p:nvSpPr>
+          <p:cNvPr id="139" name="テキスト ボックス 138"/>
+          <p:cNvSpPr txBox="1"/>
+          <p:nvPr/>
+        </p:nvSpPr>
+        <p:spPr>
+          <a:xfrm>
+            <a:off x="8700068" y="3613513"/>
+            <a:ext cx="1411407" cy="461665"/>
+          </a:xfrm>
+          <a:prstGeom prst="rect">
+            <a:avLst/>
+          </a:prstGeom>
+          <a:noFill/>
+        </p:spPr>
+        <p:txBody>
+          <a:bodyPr wrap="square" rtlCol="0">
+            <a:spAutoFit/>
+          </a:bodyPr>
+          <a:lstStyle/>
+          <a:p>
+            <a:r>
+              <a:rPr kumimoji="1" lang="ja-JP" altLang="en-US" sz="2400" b="1"/>
+              <a:t>フォルダ</a:t>
+            </a:r>
+          </a:p>
+        </p:txBody>
+      </p:sp>
+      <p:sp>
+        <p:nvSpPr>
+          <p:cNvPr id="140" name="テキスト ボックス 139"/>
+          <p:cNvSpPr txBox="1"/>
+          <p:nvPr/>
+        </p:nvSpPr>
+        <p:spPr>
+          <a:xfrm>
+            <a:off x="9089649" y="4733619"/>
+            <a:ext cx="1612554" cy="461665"/>
+          </a:xfrm>
+          <a:prstGeom prst="rect">
+            <a:avLst/>
+          </a:prstGeom>
+          <a:noFill/>
+        </p:spPr>
+        <p:txBody>
+          <a:bodyPr wrap="square" rtlCol="0">
+            <a:spAutoFit/>
+          </a:bodyPr>
+          <a:lstStyle/>
+          <a:p>
+            <a:r>
+              <a:rPr kumimoji="1" lang="ja-JP" altLang="en-US" sz="2400" b="1"/>
+              <a:t>ファイル</a:t>
+            </a:r>
+          </a:p>
+        </p:txBody>
+      </p:sp>
+      <p:sp>
+        <p:nvSpPr>
+          <p:cNvPr id="195" name="テキスト ボックス 194"/>
+          <p:cNvSpPr txBox="1"/>
+          <p:nvPr/>
+        </p:nvSpPr>
+        <p:spPr>
+          <a:xfrm>
+            <a:off x="8998700" y="1842075"/>
+            <a:ext cx="1987811" cy="1200329"/>
+          </a:xfrm>
+          <a:prstGeom prst="rect">
+            <a:avLst/>
+          </a:prstGeom>
+          <a:noFill/>
+        </p:spPr>
+        <p:txBody>
+          <a:bodyPr wrap="square" rtlCol="0">
+            <a:spAutoFit/>
+          </a:bodyPr>
+          <a:lstStyle/>
+          <a:p>
+            <a:pPr algn="ctr"/>
+            <a:r>
+              <a:rPr kumimoji="1" lang="ja-JP" altLang="en-US" sz="2400" b="1"/>
+              <a:t>コミット</a:t>
+            </a:r>
+          </a:p>
+          <a:p>
+            <a:pPr algn="ctr"/>
+            <a:r>
+              <a:rPr kumimoji="1" lang="ja-JP" altLang="en-US" sz="2400" b="1"/>
+              <a:t>情報の</a:t>
+            </a:r>
+          </a:p>
+          <a:p>
+            <a:pPr algn="ctr"/>
+            <a:r>
+              <a:rPr kumimoji="1" lang="ja-JP" altLang="en-US" sz="2400" b="1"/>
+              <a:t>ツリー</a:t>
+            </a:r>
+          </a:p>
+        </p:txBody>
+      </p:sp>
+      <p:sp>
+        <p:nvSpPr>
+          <p:cNvPr id="62" name="テキスト ボックス 61"/>
+          <p:cNvSpPr txBox="1"/>
+          <p:nvPr/>
+        </p:nvSpPr>
+        <p:spPr>
+          <a:xfrm>
+            <a:off x="5377687" y="1753302"/>
+            <a:ext cx="1494734" cy="1261884"/>
+          </a:xfrm>
+          <a:prstGeom prst="rect">
+            <a:avLst/>
+          </a:prstGeom>
+          <a:noFill/>
+          <a:ln w="25400">
+            <a:solidFill>
+              <a:schemeClr val="tx1"/>
+            </a:solidFill>
+          </a:ln>
+        </p:spPr>
+        <p:txBody>
+          <a:bodyPr wrap="square" rtlCol="0">
+            <a:spAutoFit/>
+          </a:bodyPr>
+          <a:lstStyle/>
+          <a:p>
+            <a:pPr algn="ctr"/>
+            <a:r>
+              <a:rPr kumimoji="1" lang="en-US" altLang="ja-JP" sz="2800" b="1">
+                <a:latin typeface="Arial" charset="0"/>
+                <a:ea typeface="Arial" charset="0"/>
+                <a:cs typeface="Arial" charset="0"/>
+              </a:rPr>
+              <a:t>4/15</a:t>
+            </a:r>
+            <a:r>
+              <a:rPr kumimoji="1" lang="ja-JP" altLang="en-US" sz="2400" b="1">
+                <a:latin typeface="MS Gothic" charset="-128"/>
+                <a:ea typeface="MS Gothic" charset="-128"/>
+                <a:cs typeface="MS Gothic" charset="-128"/>
+              </a:rPr>
+              <a:t>の</a:t>
+            </a:r>
+          </a:p>
+          <a:p>
+            <a:pPr algn="ctr"/>
+            <a:r>
+              <a:rPr kumimoji="1" lang="ja-JP" altLang="en-US" sz="2400" b="1">
+                <a:latin typeface="MS Gothic" charset="-128"/>
+                <a:ea typeface="MS Gothic" charset="-128"/>
+                <a:cs typeface="MS Gothic" charset="-128"/>
+              </a:rPr>
+              <a:t>コミット</a:t>
+            </a:r>
+          </a:p>
+          <a:p>
+            <a:pPr algn="ctr"/>
+            <a:r>
+              <a:rPr kumimoji="1" lang="ja-JP" altLang="en-US" sz="2400" b="1">
+                <a:latin typeface="MS Gothic" charset="-128"/>
+                <a:ea typeface="MS Gothic" charset="-128"/>
+                <a:cs typeface="MS Gothic" charset="-128"/>
+              </a:rPr>
+              <a:t>情報</a:t>
+            </a:r>
+          </a:p>
+        </p:txBody>
+      </p:sp>
+      <p:sp>
+        <p:nvSpPr>
+          <p:cNvPr id="63" name="正方形/長方形 62"/>
+          <p:cNvSpPr/>
+          <p:nvPr/>
+        </p:nvSpPr>
+        <p:spPr>
+          <a:xfrm>
+            <a:off x="5873189" y="3703208"/>
+            <a:ext cx="581766" cy="384149"/>
+          </a:xfrm>
+          <a:prstGeom prst="rect">
+            <a:avLst/>
+          </a:prstGeom>
+          <a:noFill/>
+          <a:ln w="38100"/>
+        </p:spPr>
+        <p:style>
+          <a:lnRef idx="2">
+            <a:schemeClr val="dk1"/>
+          </a:lnRef>
+          <a:fillRef idx="1">
+            <a:schemeClr val="lt1"/>
+          </a:fillRef>
+          <a:effectRef idx="0">
+            <a:schemeClr val="dk1"/>
+          </a:effectRef>
+          <a:fontRef idx="minor">
+            <a:schemeClr val="dk1"/>
+          </a:fontRef>
+        </p:style>
+        <p:txBody>
+          <a:bodyPr rtlCol="0" anchor="ctr"/>
+          <a:lstStyle/>
+          <a:p>
+            <a:pPr algn="ctr"/>
+            <a:r>
+              <a:rPr lang="en-US" altLang="ja-JP" sz="1600" b="1">
+                <a:latin typeface="Arial" charset="0"/>
+                <a:ea typeface="Arial" charset="0"/>
+                <a:cs typeface="Arial" charset="0"/>
+              </a:rPr>
+              <a:t>4/15</a:t>
+            </a:r>
+            <a:endParaRPr kumimoji="1" lang="ja-JP" altLang="en-US" sz="1600" b="1"/>
+          </a:p>
+        </p:txBody>
+      </p:sp>
+      <p:sp>
+        <p:nvSpPr>
+          <p:cNvPr id="64" name="台形 63"/>
+          <p:cNvSpPr/>
+          <p:nvPr/>
+        </p:nvSpPr>
+        <p:spPr>
+          <a:xfrm>
+            <a:off x="5949191" y="3613513"/>
+            <a:ext cx="210015" cy="83345"/>
+          </a:xfrm>
+          <a:prstGeom prst="trapezoid">
+            <a:avLst/>
+          </a:prstGeom>
+          <a:noFill/>
+          <a:ln w="38100"/>
+        </p:spPr>
+        <p:style>
+          <a:lnRef idx="2">
+            <a:schemeClr val="dk1"/>
+          </a:lnRef>
+          <a:fillRef idx="1">
+            <a:schemeClr val="lt1"/>
+          </a:fillRef>
+          <a:effectRef idx="0">
+            <a:schemeClr val="dk1"/>
+          </a:effectRef>
+          <a:fontRef idx="minor">
+            <a:schemeClr val="dk1"/>
+          </a:fontRef>
+        </p:style>
+        <p:txBody>
+          <a:bodyPr rtlCol="0" anchor="ctr"/>
+          <a:lstStyle/>
+          <a:p>
+            <a:pPr algn="ctr"/>
+            <a:endParaRPr kumimoji="1" lang="ja-JP" altLang="en-US" b="1"/>
+          </a:p>
+        </p:txBody>
+      </p:sp>
+      <p:pic>
+        <p:nvPicPr>
+          <p:cNvPr id="65" name="図 64"/>
+          <p:cNvPicPr>
+            <a:picLocks noChangeAspect="1"/>
+          </p:cNvPicPr>
+          <p:nvPr/>
+        </p:nvPicPr>
+        <p:blipFill>
+          <a:blip r:embed="rId2"/>
+          <a:stretch>
+            <a:fillRect/>
+          </a:stretch>
+        </p:blipFill>
+        <p:spPr>
+          <a:xfrm>
+            <a:off x="6389111" y="4654849"/>
+            <a:ext cx="455425" cy="619207"/>
+          </a:xfrm>
+          <a:prstGeom prst="rect">
+            <a:avLst/>
+          </a:prstGeom>
+        </p:spPr>
+      </p:pic>
+      <p:sp>
+        <p:nvSpPr>
+          <p:cNvPr id="66" name="正方形/長方形 65"/>
+          <p:cNvSpPr/>
+          <p:nvPr/>
+        </p:nvSpPr>
+        <p:spPr>
+          <a:xfrm>
+            <a:off x="5453063" y="4720943"/>
+            <a:ext cx="581766" cy="384149"/>
+          </a:xfrm>
+          <a:prstGeom prst="rect">
+            <a:avLst/>
+          </a:prstGeom>
+          <a:noFill/>
+          <a:ln w="38100"/>
+        </p:spPr>
+        <p:style>
+          <a:lnRef idx="2">
+            <a:schemeClr val="dk1"/>
+          </a:lnRef>
+          <a:fillRef idx="1">
+            <a:schemeClr val="lt1"/>
+          </a:fillRef>
+          <a:effectRef idx="0">
+            <a:schemeClr val="dk1"/>
+          </a:effectRef>
+          <a:fontRef idx="minor">
+            <a:schemeClr val="dk1"/>
+          </a:fontRef>
+        </p:style>
+        <p:txBody>
+          <a:bodyPr rtlCol="0" anchor="ctr"/>
+          <a:lstStyle/>
+          <a:p>
+            <a:pPr algn="ctr"/>
+            <a:r>
+              <a:rPr lang="en-US" altLang="ja-JP" sz="1600" b="1">
+                <a:latin typeface="Arial" charset="0"/>
+                <a:ea typeface="Arial" charset="0"/>
+                <a:cs typeface="Arial" charset="0"/>
+              </a:rPr>
+              <a:t>4/15</a:t>
+            </a:r>
+            <a:endParaRPr kumimoji="1" lang="ja-JP" altLang="en-US" sz="1600" b="1"/>
+          </a:p>
+        </p:txBody>
+      </p:sp>
+      <p:sp>
+        <p:nvSpPr>
+          <p:cNvPr id="67" name="台形 66"/>
+          <p:cNvSpPr/>
+          <p:nvPr/>
+        </p:nvSpPr>
+        <p:spPr>
+          <a:xfrm>
+            <a:off x="5529065" y="4631248"/>
+            <a:ext cx="210015" cy="83345"/>
+          </a:xfrm>
+          <a:prstGeom prst="trapezoid">
+            <a:avLst/>
+          </a:prstGeom>
+          <a:noFill/>
+          <a:ln w="38100"/>
+        </p:spPr>
+        <p:style>
+          <a:lnRef idx="2">
+            <a:schemeClr val="dk1"/>
+          </a:lnRef>
+          <a:fillRef idx="1">
+            <a:schemeClr val="lt1"/>
+          </a:fillRef>
+          <a:effectRef idx="0">
+            <a:schemeClr val="dk1"/>
+          </a:effectRef>
+          <a:fontRef idx="minor">
+            <a:schemeClr val="dk1"/>
+          </a:fontRef>
+        </p:style>
+        <p:txBody>
+          <a:bodyPr rtlCol="0" anchor="ctr"/>
+          <a:lstStyle/>
+          <a:p>
+            <a:pPr algn="ctr"/>
+            <a:endParaRPr kumimoji="1" lang="ja-JP" altLang="en-US" b="1"/>
+          </a:p>
+        </p:txBody>
+      </p:sp>
+      <p:cxnSp>
+        <p:nvCxnSpPr>
+          <p:cNvPr id="69" name="直線矢印コネクタ 68"/>
+          <p:cNvCxnSpPr/>
+          <p:nvPr/>
+        </p:nvCxnSpPr>
+        <p:spPr>
+          <a:xfrm flipH="1">
+            <a:off x="5786074" y="4169660"/>
+            <a:ext cx="247714" cy="461588"/>
+          </a:xfrm>
+          <a:prstGeom prst="straightConnector1">
+            <a:avLst/>
+          </a:prstGeom>
+          <a:ln w="38100">
+            <a:tailEnd type="triangle"/>
+          </a:ln>
+        </p:spPr>
+        <p:style>
+          <a:lnRef idx="3">
+            <a:schemeClr val="dk1"/>
+          </a:lnRef>
+          <a:fillRef idx="0">
+            <a:schemeClr val="dk1"/>
+          </a:fillRef>
+          <a:effectRef idx="2">
+            <a:schemeClr val="dk1"/>
+          </a:effectRef>
+          <a:fontRef idx="minor">
+            <a:schemeClr val="tx1"/>
+          </a:fontRef>
+        </p:style>
+      </p:cxnSp>
+      <p:cxnSp>
+        <p:nvCxnSpPr>
+          <p:cNvPr id="70" name="直線矢印コネクタ 69"/>
+          <p:cNvCxnSpPr/>
+          <p:nvPr/>
+        </p:nvCxnSpPr>
+        <p:spPr>
+          <a:xfrm>
+            <a:off x="6227186" y="4169660"/>
+            <a:ext cx="276438" cy="430322"/>
+          </a:xfrm>
+          <a:prstGeom prst="straightConnector1">
+            <a:avLst/>
+          </a:prstGeom>
+          <a:ln w="38100">
+            <a:tailEnd type="triangle"/>
+          </a:ln>
+        </p:spPr>
+        <p:style>
+          <a:lnRef idx="3">
+            <a:schemeClr val="dk1"/>
+          </a:lnRef>
+          <a:fillRef idx="0">
+            <a:schemeClr val="dk1"/>
+          </a:fillRef>
+          <a:effectRef idx="2">
+            <a:schemeClr val="dk1"/>
+          </a:effectRef>
+          <a:fontRef idx="minor">
+            <a:schemeClr val="tx1"/>
+          </a:fontRef>
+        </p:style>
+      </p:cxnSp>
+      <p:sp>
+        <p:nvSpPr>
+          <p:cNvPr id="71" name="テキスト ボックス 70"/>
+          <p:cNvSpPr txBox="1"/>
+          <p:nvPr/>
+        </p:nvSpPr>
+        <p:spPr>
+          <a:xfrm>
+            <a:off x="3139010" y="1753302"/>
+            <a:ext cx="1494734" cy="1261884"/>
+          </a:xfrm>
+          <a:prstGeom prst="rect">
+            <a:avLst/>
+          </a:prstGeom>
+          <a:noFill/>
+          <a:ln w="25400">
+            <a:solidFill>
+              <a:schemeClr val="tx1"/>
+            </a:solidFill>
+          </a:ln>
+        </p:spPr>
+        <p:txBody>
+          <a:bodyPr wrap="square" rtlCol="0">
+            <a:spAutoFit/>
+          </a:bodyPr>
+          <a:lstStyle/>
+          <a:p>
+            <a:pPr algn="ctr"/>
+            <a:r>
+              <a:rPr kumimoji="1" lang="en-US" altLang="ja-JP" sz="2800" b="1">
+                <a:latin typeface="Arial" charset="0"/>
+                <a:ea typeface="Arial" charset="0"/>
+                <a:cs typeface="Arial" charset="0"/>
+              </a:rPr>
+              <a:t>4/10</a:t>
+            </a:r>
+            <a:r>
+              <a:rPr kumimoji="1" lang="ja-JP" altLang="en-US" sz="2400" b="1">
+                <a:latin typeface="MS Gothic" charset="-128"/>
+                <a:ea typeface="MS Gothic" charset="-128"/>
+                <a:cs typeface="MS Gothic" charset="-128"/>
+              </a:rPr>
+              <a:t>の</a:t>
+            </a:r>
+          </a:p>
+          <a:p>
+            <a:pPr algn="ctr"/>
+            <a:r>
+              <a:rPr kumimoji="1" lang="ja-JP" altLang="en-US" sz="2400" b="1">
+                <a:latin typeface="MS Gothic" charset="-128"/>
+                <a:ea typeface="MS Gothic" charset="-128"/>
+                <a:cs typeface="MS Gothic" charset="-128"/>
+              </a:rPr>
+              <a:t>コミット</a:t>
+            </a:r>
+          </a:p>
+          <a:p>
+            <a:pPr algn="ctr"/>
+            <a:r>
+              <a:rPr kumimoji="1" lang="ja-JP" altLang="en-US" sz="2400" b="1">
+                <a:latin typeface="MS Gothic" charset="-128"/>
+                <a:ea typeface="MS Gothic" charset="-128"/>
+                <a:cs typeface="MS Gothic" charset="-128"/>
+              </a:rPr>
+              <a:t>情報</a:t>
+            </a:r>
+          </a:p>
+        </p:txBody>
+      </p:sp>
+      <p:sp>
+        <p:nvSpPr>
+          <p:cNvPr id="72" name="正方形/長方形 71"/>
+          <p:cNvSpPr/>
+          <p:nvPr/>
+        </p:nvSpPr>
+        <p:spPr>
+          <a:xfrm>
+            <a:off x="3634512" y="3703208"/>
+            <a:ext cx="581766" cy="384149"/>
+          </a:xfrm>
+          <a:prstGeom prst="rect">
+            <a:avLst/>
+          </a:prstGeom>
+          <a:noFill/>
+          <a:ln w="38100"/>
+        </p:spPr>
+        <p:style>
+          <a:lnRef idx="2">
+            <a:schemeClr val="dk1"/>
+          </a:lnRef>
+          <a:fillRef idx="1">
+            <a:schemeClr val="lt1"/>
+          </a:fillRef>
+          <a:effectRef idx="0">
+            <a:schemeClr val="dk1"/>
+          </a:effectRef>
+          <a:fontRef idx="minor">
+            <a:schemeClr val="dk1"/>
+          </a:fontRef>
+        </p:style>
+        <p:txBody>
+          <a:bodyPr rtlCol="0" anchor="ctr"/>
+          <a:lstStyle/>
+          <a:p>
+            <a:pPr algn="ctr"/>
+            <a:r>
+              <a:rPr kumimoji="1" lang="en-US" altLang="ja-JP" sz="1600" b="1">
+                <a:latin typeface="Arial" charset="0"/>
+                <a:ea typeface="Arial" charset="0"/>
+                <a:cs typeface="Arial" charset="0"/>
+              </a:rPr>
+              <a:t>4/10</a:t>
+            </a:r>
+            <a:endParaRPr kumimoji="1" lang="ja-JP" altLang="en-US" sz="1600" b="1">
+              <a:latin typeface="Arial" charset="0"/>
+              <a:ea typeface="Arial" charset="0"/>
+              <a:cs typeface="Arial" charset="0"/>
+            </a:endParaRPr>
+          </a:p>
+        </p:txBody>
+      </p:sp>
+      <p:sp>
+        <p:nvSpPr>
+          <p:cNvPr id="73" name="台形 72"/>
+          <p:cNvSpPr/>
+          <p:nvPr/>
+        </p:nvSpPr>
+        <p:spPr>
+          <a:xfrm>
+            <a:off x="3710514" y="3613513"/>
+            <a:ext cx="210015" cy="83345"/>
+          </a:xfrm>
+          <a:prstGeom prst="trapezoid">
+            <a:avLst/>
+          </a:prstGeom>
+          <a:noFill/>
+          <a:ln w="38100"/>
+        </p:spPr>
+        <p:style>
+          <a:lnRef idx="2">
+            <a:schemeClr val="dk1"/>
+          </a:lnRef>
+          <a:fillRef idx="1">
+            <a:schemeClr val="lt1"/>
+          </a:fillRef>
+          <a:effectRef idx="0">
+            <a:schemeClr val="dk1"/>
+          </a:effectRef>
+          <a:fontRef idx="minor">
+            <a:schemeClr val="dk1"/>
+          </a:fontRef>
+        </p:style>
+        <p:txBody>
+          <a:bodyPr rtlCol="0" anchor="ctr"/>
+          <a:lstStyle/>
+          <a:p>
+            <a:pPr algn="ctr"/>
+            <a:endParaRPr kumimoji="1" lang="ja-JP" altLang="en-US" b="1"/>
+          </a:p>
+        </p:txBody>
+      </p:sp>
+      <p:pic>
+        <p:nvPicPr>
+          <p:cNvPr id="74" name="図 73"/>
+          <p:cNvPicPr>
+            <a:picLocks noChangeAspect="1"/>
+          </p:cNvPicPr>
+          <p:nvPr/>
+        </p:nvPicPr>
+        <p:blipFill>
+          <a:blip r:embed="rId2"/>
+          <a:stretch>
+            <a:fillRect/>
+          </a:stretch>
+        </p:blipFill>
+        <p:spPr>
+          <a:xfrm>
+            <a:off x="4150434" y="4654849"/>
+            <a:ext cx="455425" cy="619207"/>
+          </a:xfrm>
+          <a:prstGeom prst="rect">
+            <a:avLst/>
+          </a:prstGeom>
+        </p:spPr>
+      </p:pic>
+      <p:sp>
+        <p:nvSpPr>
+          <p:cNvPr id="75" name="正方形/長方形 74"/>
+          <p:cNvSpPr/>
+          <p:nvPr/>
+        </p:nvSpPr>
+        <p:spPr>
+          <a:xfrm>
+            <a:off x="3214386" y="4720943"/>
+            <a:ext cx="581766" cy="384149"/>
+          </a:xfrm>
+          <a:prstGeom prst="rect">
+            <a:avLst/>
+          </a:prstGeom>
+          <a:noFill/>
+          <a:ln w="38100"/>
+        </p:spPr>
+        <p:style>
+          <a:lnRef idx="2">
+            <a:schemeClr val="dk1"/>
+          </a:lnRef>
+          <a:fillRef idx="1">
+            <a:schemeClr val="lt1"/>
+          </a:fillRef>
+          <a:effectRef idx="0">
+            <a:schemeClr val="dk1"/>
+          </a:effectRef>
+          <a:fontRef idx="minor">
+            <a:schemeClr val="dk1"/>
+          </a:fontRef>
+        </p:style>
+        <p:txBody>
+          <a:bodyPr rtlCol="0" anchor="ctr"/>
+          <a:lstStyle/>
+          <a:p>
+            <a:pPr algn="ctr"/>
+            <a:r>
+              <a:rPr lang="en-US" altLang="ja-JP" sz="1600" b="1">
+                <a:latin typeface="Arial" charset="0"/>
+                <a:ea typeface="Arial" charset="0"/>
+                <a:cs typeface="Arial" charset="0"/>
+              </a:rPr>
+              <a:t>4/10</a:t>
+            </a:r>
+            <a:endParaRPr kumimoji="1" lang="ja-JP" altLang="en-US" sz="1600" b="1"/>
+          </a:p>
+        </p:txBody>
+      </p:sp>
+      <p:sp>
+        <p:nvSpPr>
+          <p:cNvPr id="76" name="台形 75"/>
+          <p:cNvSpPr/>
+          <p:nvPr/>
+        </p:nvSpPr>
+        <p:spPr>
+          <a:xfrm>
+            <a:off x="3290388" y="4631248"/>
+            <a:ext cx="210015" cy="83345"/>
+          </a:xfrm>
+          <a:prstGeom prst="trapezoid">
+            <a:avLst/>
+          </a:prstGeom>
+          <a:noFill/>
+          <a:ln w="38100"/>
+        </p:spPr>
+        <p:style>
+          <a:lnRef idx="2">
+            <a:schemeClr val="dk1"/>
+          </a:lnRef>
+          <a:fillRef idx="1">
+            <a:schemeClr val="lt1"/>
+          </a:fillRef>
+          <a:effectRef idx="0">
+            <a:schemeClr val="dk1"/>
+          </a:effectRef>
+          <a:fontRef idx="minor">
+            <a:schemeClr val="dk1"/>
+          </a:fontRef>
+        </p:style>
+        <p:txBody>
+          <a:bodyPr rtlCol="0" anchor="ctr"/>
+          <a:lstStyle/>
+          <a:p>
+            <a:pPr algn="ctr"/>
+            <a:endParaRPr kumimoji="1" lang="ja-JP" altLang="en-US" b="1"/>
+          </a:p>
+        </p:txBody>
+      </p:sp>
+      <p:cxnSp>
+        <p:nvCxnSpPr>
+          <p:cNvPr id="78" name="直線矢印コネクタ 77"/>
+          <p:cNvCxnSpPr/>
+          <p:nvPr/>
+        </p:nvCxnSpPr>
+        <p:spPr>
+          <a:xfrm flipH="1">
+            <a:off x="3547397" y="4169660"/>
+            <a:ext cx="247714" cy="461588"/>
+          </a:xfrm>
+          <a:prstGeom prst="straightConnector1">
+            <a:avLst/>
+          </a:prstGeom>
+          <a:ln w="114300">
+            <a:tailEnd type="triangle"/>
+          </a:ln>
+        </p:spPr>
+        <p:style>
+          <a:lnRef idx="3">
+            <a:schemeClr val="dk1"/>
+          </a:lnRef>
+          <a:fillRef idx="0">
+            <a:schemeClr val="dk1"/>
+          </a:fillRef>
+          <a:effectRef idx="2">
+            <a:schemeClr val="dk1"/>
+          </a:effectRef>
+          <a:fontRef idx="minor">
+            <a:schemeClr val="tx1"/>
+          </a:fontRef>
+        </p:style>
+      </p:cxnSp>
+      <p:cxnSp>
+        <p:nvCxnSpPr>
+          <p:cNvPr id="79" name="直線矢印コネクタ 78"/>
+          <p:cNvCxnSpPr/>
+          <p:nvPr/>
+        </p:nvCxnSpPr>
+        <p:spPr>
+          <a:xfrm>
+            <a:off x="3988509" y="4169660"/>
+            <a:ext cx="276438" cy="430322"/>
+          </a:xfrm>
+          <a:prstGeom prst="straightConnector1">
+            <a:avLst/>
+          </a:prstGeom>
+          <a:ln w="114300">
+            <a:tailEnd type="triangle"/>
+          </a:ln>
+        </p:spPr>
+        <p:style>
+          <a:lnRef idx="3">
+            <a:schemeClr val="dk1"/>
+          </a:lnRef>
+          <a:fillRef idx="0">
+            <a:schemeClr val="dk1"/>
+          </a:fillRef>
+          <a:effectRef idx="2">
+            <a:schemeClr val="dk1"/>
+          </a:effectRef>
+          <a:fontRef idx="minor">
+            <a:schemeClr val="tx1"/>
+          </a:fontRef>
+        </p:style>
+      </p:cxnSp>
+      <p:sp>
+        <p:nvSpPr>
+          <p:cNvPr id="80" name="テキスト ボックス 79"/>
+          <p:cNvSpPr txBox="1"/>
+          <p:nvPr/>
+        </p:nvSpPr>
+        <p:spPr>
+          <a:xfrm>
+            <a:off x="915033" y="1753302"/>
+            <a:ext cx="1494734" cy="1261884"/>
+          </a:xfrm>
+          <a:prstGeom prst="rect">
+            <a:avLst/>
+          </a:prstGeom>
+          <a:noFill/>
+          <a:ln w="25400">
+            <a:solidFill>
+              <a:schemeClr val="tx1"/>
+            </a:solidFill>
+          </a:ln>
+        </p:spPr>
+        <p:txBody>
+          <a:bodyPr wrap="square" rtlCol="0">
+            <a:spAutoFit/>
+          </a:bodyPr>
+          <a:lstStyle/>
+          <a:p>
+            <a:pPr algn="ctr"/>
+            <a:r>
+              <a:rPr kumimoji="1" lang="en-US" altLang="ja-JP" sz="2800" b="1">
+                <a:latin typeface="Arial" charset="0"/>
+                <a:ea typeface="Arial" charset="0"/>
+                <a:cs typeface="Arial" charset="0"/>
+              </a:rPr>
+              <a:t>4/1</a:t>
+            </a:r>
+            <a:r>
+              <a:rPr kumimoji="1" lang="ja-JP" altLang="en-US" sz="2400" b="1">
+                <a:latin typeface="MS Gothic" charset="-128"/>
+                <a:ea typeface="MS Gothic" charset="-128"/>
+                <a:cs typeface="MS Gothic" charset="-128"/>
+              </a:rPr>
+              <a:t>の</a:t>
+            </a:r>
+          </a:p>
+          <a:p>
+            <a:pPr algn="ctr"/>
+            <a:r>
+              <a:rPr kumimoji="1" lang="ja-JP" altLang="en-US" sz="2400" b="1">
+                <a:latin typeface="MS Gothic" charset="-128"/>
+                <a:ea typeface="MS Gothic" charset="-128"/>
+                <a:cs typeface="MS Gothic" charset="-128"/>
+              </a:rPr>
+              <a:t>コミット</a:t>
+            </a:r>
+          </a:p>
+          <a:p>
+            <a:pPr algn="ctr"/>
+            <a:r>
+              <a:rPr kumimoji="1" lang="ja-JP" altLang="en-US" sz="2400" b="1">
+                <a:latin typeface="MS Gothic" charset="-128"/>
+                <a:ea typeface="MS Gothic" charset="-128"/>
+                <a:cs typeface="MS Gothic" charset="-128"/>
+              </a:rPr>
+              <a:t>情報</a:t>
+            </a:r>
+          </a:p>
+        </p:txBody>
+      </p:sp>
+      <p:sp>
+        <p:nvSpPr>
+          <p:cNvPr id="81" name="正方形/長方形 80"/>
+          <p:cNvSpPr/>
+          <p:nvPr/>
+        </p:nvSpPr>
+        <p:spPr>
+          <a:xfrm>
+            <a:off x="1410535" y="3703208"/>
+            <a:ext cx="581766" cy="384149"/>
+          </a:xfrm>
+          <a:prstGeom prst="rect">
+            <a:avLst/>
+          </a:prstGeom>
+          <a:noFill/>
+          <a:ln w="38100"/>
+        </p:spPr>
+        <p:style>
+          <a:lnRef idx="2">
+            <a:schemeClr val="dk1"/>
+          </a:lnRef>
+          <a:fillRef idx="1">
+            <a:schemeClr val="lt1"/>
+          </a:fillRef>
+          <a:effectRef idx="0">
+            <a:schemeClr val="dk1"/>
+          </a:effectRef>
+          <a:fontRef idx="minor">
+            <a:schemeClr val="dk1"/>
+          </a:fontRef>
+        </p:style>
+        <p:txBody>
+          <a:bodyPr rtlCol="0" anchor="ctr"/>
+          <a:lstStyle/>
+          <a:p>
+            <a:pPr algn="ctr"/>
+            <a:r>
+              <a:rPr kumimoji="1" lang="en-US" altLang="ja-JP" sz="1600" b="1">
+                <a:latin typeface="Arial" charset="0"/>
+                <a:ea typeface="Arial" charset="0"/>
+                <a:cs typeface="Arial" charset="0"/>
+              </a:rPr>
+              <a:t>4/1</a:t>
+            </a:r>
+            <a:endParaRPr kumimoji="1" lang="ja-JP" altLang="en-US" b="1">
+              <a:latin typeface="Arial" charset="0"/>
+              <a:ea typeface="Arial" charset="0"/>
+              <a:cs typeface="Arial" charset="0"/>
+            </a:endParaRPr>
+          </a:p>
+        </p:txBody>
+      </p:sp>
+      <p:sp>
+        <p:nvSpPr>
+          <p:cNvPr id="82" name="台形 81"/>
+          <p:cNvSpPr/>
+          <p:nvPr/>
+        </p:nvSpPr>
+        <p:spPr>
+          <a:xfrm>
+            <a:off x="1486537" y="3613513"/>
+            <a:ext cx="210015" cy="83345"/>
+          </a:xfrm>
+          <a:prstGeom prst="trapezoid">
+            <a:avLst/>
+          </a:prstGeom>
+          <a:noFill/>
+          <a:ln w="38100"/>
+        </p:spPr>
+        <p:style>
+          <a:lnRef idx="2">
+            <a:schemeClr val="dk1"/>
+          </a:lnRef>
+          <a:fillRef idx="1">
+            <a:schemeClr val="lt1"/>
+          </a:fillRef>
+          <a:effectRef idx="0">
+            <a:schemeClr val="dk1"/>
+          </a:effectRef>
+          <a:fontRef idx="minor">
+            <a:schemeClr val="dk1"/>
+          </a:fontRef>
+        </p:style>
+        <p:txBody>
+          <a:bodyPr rtlCol="0" anchor="ctr"/>
+          <a:lstStyle/>
+          <a:p>
+            <a:pPr algn="ctr"/>
+            <a:endParaRPr kumimoji="1" lang="ja-JP" altLang="en-US" b="1"/>
+          </a:p>
+        </p:txBody>
+      </p:sp>
+      <p:pic>
+        <p:nvPicPr>
+          <p:cNvPr id="83" name="図 82"/>
+          <p:cNvPicPr>
+            <a:picLocks noChangeAspect="1"/>
+          </p:cNvPicPr>
+          <p:nvPr/>
+        </p:nvPicPr>
+        <p:blipFill>
+          <a:blip r:embed="rId2"/>
+          <a:stretch>
+            <a:fillRect/>
+          </a:stretch>
+        </p:blipFill>
+        <p:spPr>
+          <a:xfrm>
+            <a:off x="1926457" y="4654849"/>
+            <a:ext cx="455425" cy="619207"/>
+          </a:xfrm>
+          <a:prstGeom prst="rect">
+            <a:avLst/>
+          </a:prstGeom>
+        </p:spPr>
+      </p:pic>
+      <p:sp>
+        <p:nvSpPr>
+          <p:cNvPr id="84" name="正方形/長方形 83"/>
+          <p:cNvSpPr/>
+          <p:nvPr/>
+        </p:nvSpPr>
+        <p:spPr>
+          <a:xfrm>
+            <a:off x="990409" y="4720943"/>
+            <a:ext cx="581766" cy="384149"/>
+          </a:xfrm>
+          <a:prstGeom prst="rect">
+            <a:avLst/>
+          </a:prstGeom>
+          <a:noFill/>
+          <a:ln w="38100"/>
+        </p:spPr>
+        <p:style>
+          <a:lnRef idx="2">
+            <a:schemeClr val="dk1"/>
+          </a:lnRef>
+          <a:fillRef idx="1">
+            <a:schemeClr val="lt1"/>
+          </a:fillRef>
+          <a:effectRef idx="0">
+            <a:schemeClr val="dk1"/>
+          </a:effectRef>
+          <a:fontRef idx="minor">
+            <a:schemeClr val="dk1"/>
+          </a:fontRef>
+        </p:style>
+        <p:txBody>
+          <a:bodyPr rtlCol="0" anchor="ctr"/>
+          <a:lstStyle/>
+          <a:p>
+            <a:pPr algn="ctr"/>
+            <a:r>
+              <a:rPr kumimoji="1" lang="en-US" altLang="ja-JP" sz="1600" b="1">
+                <a:latin typeface="Arial" charset="0"/>
+                <a:ea typeface="Arial" charset="0"/>
+                <a:cs typeface="Arial" charset="0"/>
+              </a:rPr>
+              <a:t>4/1</a:t>
+            </a:r>
+            <a:endParaRPr kumimoji="1" lang="ja-JP" altLang="en-US" b="1">
+              <a:latin typeface="Arial" charset="0"/>
+              <a:ea typeface="Arial" charset="0"/>
+              <a:cs typeface="Arial" charset="0"/>
+            </a:endParaRPr>
+          </a:p>
+        </p:txBody>
+      </p:sp>
+      <p:sp>
+        <p:nvSpPr>
+          <p:cNvPr id="85" name="台形 84"/>
+          <p:cNvSpPr/>
+          <p:nvPr/>
+        </p:nvSpPr>
+        <p:spPr>
+          <a:xfrm>
+            <a:off x="1066411" y="4631248"/>
+            <a:ext cx="210015" cy="83345"/>
+          </a:xfrm>
+          <a:prstGeom prst="trapezoid">
+            <a:avLst/>
+          </a:prstGeom>
+          <a:noFill/>
+          <a:ln w="38100"/>
+        </p:spPr>
+        <p:style>
+          <a:lnRef idx="2">
+            <a:schemeClr val="dk1"/>
+          </a:lnRef>
+          <a:fillRef idx="1">
+            <a:schemeClr val="lt1"/>
+          </a:fillRef>
+          <a:effectRef idx="0">
+            <a:schemeClr val="dk1"/>
+          </a:effectRef>
+          <a:fontRef idx="minor">
+            <a:schemeClr val="dk1"/>
+          </a:fontRef>
+        </p:style>
+        <p:txBody>
+          <a:bodyPr rtlCol="0" anchor="ctr"/>
+          <a:lstStyle/>
+          <a:p>
+            <a:pPr algn="ctr"/>
+            <a:endParaRPr kumimoji="1" lang="ja-JP" altLang="en-US" b="1"/>
+          </a:p>
+        </p:txBody>
+      </p:sp>
+      <p:cxnSp>
+        <p:nvCxnSpPr>
+          <p:cNvPr id="87" name="直線矢印コネクタ 86"/>
+          <p:cNvCxnSpPr/>
+          <p:nvPr/>
+        </p:nvCxnSpPr>
+        <p:spPr>
+          <a:xfrm flipH="1">
+            <a:off x="1323420" y="4169660"/>
+            <a:ext cx="247714" cy="461588"/>
+          </a:xfrm>
+          <a:prstGeom prst="straightConnector1">
+            <a:avLst/>
+          </a:prstGeom>
+          <a:ln w="38100">
+            <a:tailEnd type="triangle"/>
+          </a:ln>
+        </p:spPr>
+        <p:style>
+          <a:lnRef idx="3">
+            <a:schemeClr val="dk1"/>
+          </a:lnRef>
+          <a:fillRef idx="0">
+            <a:schemeClr val="dk1"/>
+          </a:fillRef>
+          <a:effectRef idx="2">
+            <a:schemeClr val="dk1"/>
+          </a:effectRef>
+          <a:fontRef idx="minor">
+            <a:schemeClr val="tx1"/>
+          </a:fontRef>
+        </p:style>
+      </p:cxnSp>
+      <p:cxnSp>
+        <p:nvCxnSpPr>
+          <p:cNvPr id="88" name="直線矢印コネクタ 87"/>
+          <p:cNvCxnSpPr/>
+          <p:nvPr/>
+        </p:nvCxnSpPr>
+        <p:spPr>
+          <a:xfrm>
+            <a:off x="1764532" y="4169660"/>
+            <a:ext cx="276438" cy="430322"/>
+          </a:xfrm>
+          <a:prstGeom prst="straightConnector1">
+            <a:avLst/>
+          </a:prstGeom>
+          <a:ln w="38100">
+            <a:tailEnd type="triangle"/>
+          </a:ln>
+        </p:spPr>
+        <p:style>
+          <a:lnRef idx="3">
+            <a:schemeClr val="dk1"/>
+          </a:lnRef>
+          <a:fillRef idx="0">
+            <a:schemeClr val="dk1"/>
+          </a:fillRef>
+          <a:effectRef idx="2">
+            <a:schemeClr val="dk1"/>
+          </a:effectRef>
+          <a:fontRef idx="minor">
+            <a:schemeClr val="tx1"/>
+          </a:fontRef>
+        </p:style>
+      </p:cxnSp>
+      <p:cxnSp>
+        <p:nvCxnSpPr>
+          <p:cNvPr id="94" name="直線矢印コネクタ 93"/>
+          <p:cNvCxnSpPr/>
+          <p:nvPr/>
+        </p:nvCxnSpPr>
+        <p:spPr>
+          <a:xfrm>
+            <a:off x="6108070" y="3061866"/>
+            <a:ext cx="0" cy="424977"/>
+          </a:xfrm>
+          <a:prstGeom prst="straightConnector1">
+            <a:avLst/>
+          </a:prstGeom>
+          <a:ln w="38100">
+            <a:tailEnd type="triangle"/>
+          </a:ln>
+        </p:spPr>
+        <p:style>
+          <a:lnRef idx="3">
+            <a:schemeClr val="dk1"/>
+          </a:lnRef>
+          <a:fillRef idx="0">
+            <a:schemeClr val="dk1"/>
+          </a:fillRef>
+          <a:effectRef idx="2">
+            <a:schemeClr val="dk1"/>
+          </a:effectRef>
+          <a:fontRef idx="minor">
+            <a:schemeClr val="tx1"/>
+          </a:fontRef>
+        </p:style>
+      </p:cxnSp>
+      <p:cxnSp>
+        <p:nvCxnSpPr>
+          <p:cNvPr id="95" name="直線矢印コネクタ 94"/>
+          <p:cNvCxnSpPr/>
+          <p:nvPr/>
+        </p:nvCxnSpPr>
+        <p:spPr>
+          <a:xfrm>
+            <a:off x="3880801" y="3040440"/>
+            <a:ext cx="0" cy="507167"/>
+          </a:xfrm>
+          <a:prstGeom prst="straightConnector1">
+            <a:avLst/>
+          </a:prstGeom>
+          <a:ln w="114300">
+            <a:tailEnd type="triangle"/>
+          </a:ln>
+        </p:spPr>
+        <p:style>
+          <a:lnRef idx="3">
+            <a:schemeClr val="dk1"/>
+          </a:lnRef>
+          <a:fillRef idx="0">
+            <a:schemeClr val="dk1"/>
+          </a:fillRef>
+          <a:effectRef idx="2">
+            <a:schemeClr val="dk1"/>
+          </a:effectRef>
+          <a:fontRef idx="minor">
+            <a:schemeClr val="tx1"/>
+          </a:fontRef>
+        </p:style>
+      </p:cxnSp>
+      <p:cxnSp>
+        <p:nvCxnSpPr>
+          <p:cNvPr id="102" name="直線矢印コネクタ 101"/>
+          <p:cNvCxnSpPr/>
+          <p:nvPr/>
+        </p:nvCxnSpPr>
+        <p:spPr>
+          <a:xfrm flipH="1">
+            <a:off x="4667928" y="2666708"/>
+            <a:ext cx="647556" cy="0"/>
+          </a:xfrm>
+          <a:prstGeom prst="straightConnector1">
+            <a:avLst/>
+          </a:prstGeom>
+          <a:ln w="114300">
+            <a:tailEnd type="triangle"/>
+          </a:ln>
+        </p:spPr>
+        <p:style>
+          <a:lnRef idx="3">
+            <a:schemeClr val="dk1"/>
+          </a:lnRef>
+          <a:fillRef idx="0">
+            <a:schemeClr val="dk1"/>
+          </a:fillRef>
+          <a:effectRef idx="2">
+            <a:schemeClr val="dk1"/>
+          </a:effectRef>
+          <a:fontRef idx="minor">
+            <a:schemeClr val="tx1"/>
+          </a:fontRef>
+        </p:style>
+      </p:cxnSp>
+      <p:cxnSp>
+        <p:nvCxnSpPr>
+          <p:cNvPr id="104" name="直線矢印コネクタ 103"/>
+          <p:cNvCxnSpPr/>
+          <p:nvPr/>
+        </p:nvCxnSpPr>
+        <p:spPr>
+          <a:xfrm flipH="1">
+            <a:off x="6914047" y="2666708"/>
+            <a:ext cx="647556" cy="0"/>
+          </a:xfrm>
+          <a:prstGeom prst="straightConnector1">
+            <a:avLst/>
+          </a:prstGeom>
+          <a:ln w="114300">
+            <a:tailEnd type="triangle"/>
+          </a:ln>
+        </p:spPr>
+        <p:style>
+          <a:lnRef idx="3">
+            <a:schemeClr val="dk1"/>
+          </a:lnRef>
+          <a:fillRef idx="0">
+            <a:schemeClr val="dk1"/>
+          </a:fillRef>
+          <a:effectRef idx="2">
+            <a:schemeClr val="dk1"/>
+          </a:effectRef>
+          <a:fontRef idx="minor">
+            <a:schemeClr val="tx1"/>
+          </a:fontRef>
+        </p:style>
+      </p:cxnSp>
+      <p:cxnSp>
+        <p:nvCxnSpPr>
+          <p:cNvPr id="108" name="直線矢印コネクタ 107"/>
+          <p:cNvCxnSpPr/>
+          <p:nvPr/>
+        </p:nvCxnSpPr>
+        <p:spPr>
+          <a:xfrm flipH="1">
+            <a:off x="2432067" y="2666708"/>
+            <a:ext cx="647556" cy="0"/>
+          </a:xfrm>
+          <a:prstGeom prst="straightConnector1">
+            <a:avLst/>
+          </a:prstGeom>
+          <a:ln w="38100">
+            <a:tailEnd type="triangle"/>
+          </a:ln>
+        </p:spPr>
+        <p:style>
+          <a:lnRef idx="3">
+            <a:schemeClr val="dk1"/>
+          </a:lnRef>
+          <a:fillRef idx="0">
+            <a:schemeClr val="dk1"/>
+          </a:fillRef>
+          <a:effectRef idx="2">
+            <a:schemeClr val="dk1"/>
+          </a:effectRef>
+          <a:fontRef idx="minor">
+            <a:schemeClr val="tx1"/>
+          </a:fontRef>
+        </p:style>
+      </p:cxnSp>
+      <p:cxnSp>
+        <p:nvCxnSpPr>
+          <p:cNvPr id="46" name="直線矢印コネクタ 45"/>
+          <p:cNvCxnSpPr/>
+          <p:nvPr/>
+        </p:nvCxnSpPr>
+        <p:spPr>
+          <a:xfrm>
+            <a:off x="1662400" y="3069622"/>
+            <a:ext cx="0" cy="424977"/>
+          </a:xfrm>
+          <a:prstGeom prst="straightConnector1">
+            <a:avLst/>
+          </a:prstGeom>
+          <a:ln w="38100">
+            <a:tailEnd type="triangle"/>
+          </a:ln>
+        </p:spPr>
+        <p:style>
+          <a:lnRef idx="3">
+            <a:schemeClr val="dk1"/>
+          </a:lnRef>
+          <a:fillRef idx="0">
+            <a:schemeClr val="dk1"/>
+          </a:fillRef>
+          <a:effectRef idx="2">
+            <a:schemeClr val="dk1"/>
+          </a:effectRef>
+          <a:fontRef idx="minor">
+            <a:schemeClr val="tx1"/>
+          </a:fontRef>
+        </p:style>
+      </p:cxnSp>
+      <p:sp>
+        <p:nvSpPr>
+          <p:cNvPr id="48" name="テキスト ボックス 47"/>
+          <p:cNvSpPr txBox="1"/>
+          <p:nvPr/>
+        </p:nvSpPr>
+        <p:spPr>
+          <a:xfrm>
+            <a:off x="2836326" y="5432031"/>
+            <a:ext cx="2188716" cy="830997"/>
+          </a:xfrm>
+          <a:prstGeom prst="rect">
+            <a:avLst/>
+          </a:prstGeom>
+          <a:noFill/>
+        </p:spPr>
+        <p:txBody>
+          <a:bodyPr wrap="square" rtlCol="0">
+            <a:spAutoFit/>
+          </a:bodyPr>
+          <a:lstStyle/>
+          <a:p>
+            <a:pPr algn="ctr"/>
+            <a:r>
+              <a:rPr kumimoji="1" lang="ja-JP" altLang="en-US" sz="2400" b="1"/>
+              <a:t>復元したい</a:t>
+            </a:r>
+          </a:p>
+          <a:p>
+            <a:pPr algn="ctr"/>
+            <a:r>
+              <a:rPr kumimoji="1" lang="ja-JP" altLang="en-US" sz="2400" b="1"/>
+              <a:t>ファイル</a:t>
+            </a:r>
+          </a:p>
+        </p:txBody>
+      </p:sp>
+    </p:spTree>
+    <p:extLst>
+      <p:ext uri="{BB962C8B-B14F-4D97-AF65-F5344CB8AC3E}">
+        <p14:creationId xmlns:p14="http://schemas.microsoft.com/office/powerpoint/2010/main" val="22917164"/>
+      </p:ext>
+    </p:extLst>
+  </p:cSld>
+  <p:clrMapOvr>
+    <a:masterClrMapping/>
+  </p:clrMapOvr>
+</p:sld>
+</file>
+
+<file path=ppt/slides/slide11.xml><?xml version="1.0" encoding="utf-8"?>
+<p:sld xmlns:a="http://schemas.openxmlformats.org/drawingml/2006/main" xmlns:r="http://schemas.openxmlformats.org/officeDocument/2006/relationships" xmlns:p="http://schemas.openxmlformats.org/presentationml/2006/main">
+  <p:cSld>
+    <p:spTree>
+      <p:nvGrpSpPr>
+        <p:cNvPr id="1" name=""/>
+        <p:cNvGrpSpPr/>
+        <p:nvPr/>
+      </p:nvGrpSpPr>
+      <p:grpSpPr>
+        <a:xfrm>
+          <a:off x="0" y="0"/>
+          <a:ext cx="0" cy="0"/>
+          <a:chOff x="0" y="0"/>
+          <a:chExt cx="0" cy="0"/>
+        </a:xfrm>
+      </p:grpSpPr>
+      <p:graphicFrame>
+        <p:nvGraphicFramePr>
+          <p:cNvPr id="7" name="図表 6"/>
+          <p:cNvGraphicFramePr/>
+          <p:nvPr>
+            <p:extLst>
+              <p:ext uri="{D42A27DB-BD31-4B8C-83A1-F6EECF244321}">
+                <p14:modId xmlns:p14="http://schemas.microsoft.com/office/powerpoint/2010/main" val="1235278854"/>
+              </p:ext>
+            </p:extLst>
+          </p:nvPr>
+        </p:nvGraphicFramePr>
+        <p:xfrm>
+          <a:off x="508191" y="775145"/>
+          <a:ext cx="3781247" cy="3606321"/>
+        </p:xfrm>
+        <a:graphic>
+          <a:graphicData uri="http://schemas.openxmlformats.org/drawingml/2006/diagram">
+            <dgm:relIds xmlns:dgm="http://schemas.openxmlformats.org/drawingml/2006/diagram" xmlns:r="http://schemas.openxmlformats.org/officeDocument/2006/relationships" r:dm="rId2" r:lo="rId3" r:qs="rId4" r:cs="rId5"/>
+          </a:graphicData>
+        </a:graphic>
+      </p:graphicFrame>
+      <p:sp>
+        <p:nvSpPr>
+          <p:cNvPr id="8" name="角丸四角形吹き出し 7"/>
+          <p:cNvSpPr/>
+          <p:nvPr/>
+        </p:nvSpPr>
+        <p:spPr>
+          <a:xfrm>
+            <a:off x="4524498" y="1341912"/>
+            <a:ext cx="6163293" cy="2446317"/>
+          </a:xfrm>
+          <a:prstGeom prst="wedgeRoundRectCallout">
+            <a:avLst>
+              <a:gd name="adj1" fmla="val -67354"/>
+              <a:gd name="adj2" fmla="val 21723"/>
+              <a:gd name="adj3" fmla="val 16667"/>
+            </a:avLst>
+          </a:prstGeom>
+          <a:ln w="38100"/>
+        </p:spPr>
+        <p:style>
+          <a:lnRef idx="2">
+            <a:schemeClr val="dk1"/>
+          </a:lnRef>
+          <a:fillRef idx="1">
+            <a:schemeClr val="lt1"/>
+          </a:fillRef>
+          <a:effectRef idx="0">
+            <a:schemeClr val="dk1"/>
+          </a:effectRef>
+          <a:fontRef idx="minor">
+            <a:schemeClr val="dk1"/>
+          </a:fontRef>
+        </p:style>
+        <p:txBody>
+          <a:bodyPr rtlCol="0" anchor="ctr"/>
+          <a:lstStyle/>
+          <a:p>
+            <a:pPr algn="ctr"/>
+            <a:endParaRPr kumimoji="1" lang="ja-JP" altLang="en-US"/>
+          </a:p>
+        </p:txBody>
+      </p:sp>
+      <p:sp>
+        <p:nvSpPr>
+          <p:cNvPr id="9" name="テキスト ボックス 8"/>
+          <p:cNvSpPr txBox="1"/>
+          <p:nvPr/>
+        </p:nvSpPr>
+        <p:spPr>
+          <a:xfrm>
+            <a:off x="1092529" y="4381466"/>
+            <a:ext cx="3040084" cy="523220"/>
+          </a:xfrm>
+          <a:prstGeom prst="rect">
+            <a:avLst/>
+          </a:prstGeom>
+          <a:noFill/>
+        </p:spPr>
+        <p:txBody>
+          <a:bodyPr wrap="square" rtlCol="0">
+            <a:spAutoFit/>
+          </a:bodyPr>
+          <a:lstStyle/>
+          <a:p>
+            <a:r>
+              <a:rPr kumimoji="1" lang="ja-JP" altLang="en-US" sz="2800">
+                <a:latin typeface="MS Gothic" charset="-128"/>
+                <a:ea typeface="MS Gothic" charset="-128"/>
+                <a:cs typeface="MS Gothic" charset="-128"/>
+              </a:rPr>
+              <a:t>アジャイル開発</a:t>
+            </a:r>
+            <a:endParaRPr kumimoji="1" lang="ja-JP" altLang="en-US" sz="2800">
+              <a:latin typeface="MS Gothic" charset="-128"/>
+              <a:ea typeface="MS Gothic" charset="-128"/>
+              <a:cs typeface="MS Gothic" charset="-128"/>
+            </a:endParaRPr>
+          </a:p>
+        </p:txBody>
+      </p:sp>
+      <p:sp>
+        <p:nvSpPr>
+          <p:cNvPr id="10" name="正方形/長方形 9"/>
+          <p:cNvSpPr/>
+          <p:nvPr/>
+        </p:nvSpPr>
+        <p:spPr>
+          <a:xfrm>
+            <a:off x="5777552" y="2480264"/>
+            <a:ext cx="1098261" cy="818887"/>
+          </a:xfrm>
+          <a:prstGeom prst="rect">
+            <a:avLst/>
+          </a:prstGeom>
+          <a:solidFill>
+            <a:schemeClr val="bg1"/>
+          </a:solidFill>
+          <a:ln w="63500">
+            <a:solidFill>
+              <a:schemeClr val="tx1"/>
+            </a:solidFill>
+          </a:ln>
+        </p:spPr>
+        <p:style>
+          <a:lnRef idx="2">
+            <a:schemeClr val="accent1">
+              <a:shade val="50000"/>
+            </a:schemeClr>
+          </a:lnRef>
+          <a:fillRef idx="1">
+            <a:schemeClr val="accent1"/>
+          </a:fillRef>
+          <a:effectRef idx="0">
+            <a:schemeClr val="accent1"/>
+          </a:effectRef>
+          <a:fontRef idx="minor">
+            <a:schemeClr val="lt1"/>
+          </a:fontRef>
+        </p:style>
+        <p:txBody>
+          <a:bodyPr rtlCol="0" anchor="ctr"/>
+          <a:lstStyle/>
+          <a:p>
+            <a:pPr algn="ctr"/>
+            <a:r>
+              <a:rPr kumimoji="1" lang="ja-JP" altLang="en-US" sz="2400" dirty="0">
+                <a:solidFill>
+                  <a:schemeClr val="tx1"/>
+                </a:solidFill>
+                <a:latin typeface="ＭＳ ゴシック" panose="020B0609070205080204" pitchFamily="49" charset="-128"/>
+                <a:ea typeface="ＭＳ ゴシック" panose="020B0609070205080204" pitchFamily="49" charset="-128"/>
+              </a:rPr>
+              <a:t>タスク</a:t>
+            </a:r>
+          </a:p>
+        </p:txBody>
+      </p:sp>
+      <p:sp>
+        <p:nvSpPr>
+          <p:cNvPr id="11" name="ホームベース 10"/>
+          <p:cNvSpPr/>
+          <p:nvPr/>
+        </p:nvSpPr>
+        <p:spPr>
+          <a:xfrm rot="795929">
+            <a:off x="4833008" y="2043589"/>
+            <a:ext cx="1580203" cy="465128"/>
+          </a:xfrm>
+          <a:prstGeom prst="homePlate">
+            <a:avLst>
+              <a:gd name="adj" fmla="val 73944"/>
+            </a:avLst>
+          </a:prstGeom>
+        </p:spPr>
+        <p:style>
+          <a:lnRef idx="2">
+            <a:schemeClr val="accent3">
+              <a:shade val="50000"/>
+            </a:schemeClr>
+          </a:lnRef>
+          <a:fillRef idx="1">
+            <a:schemeClr val="accent3"/>
+          </a:fillRef>
+          <a:effectRef idx="0">
+            <a:schemeClr val="accent3"/>
+          </a:effectRef>
+          <a:fontRef idx="minor">
+            <a:schemeClr val="lt1"/>
+          </a:fontRef>
+        </p:style>
+        <p:txBody>
+          <a:bodyPr rtlCol="0" anchor="ctr"/>
+          <a:lstStyle/>
+          <a:p>
+            <a:pPr algn="ctr"/>
+            <a:r>
+              <a:rPr kumimoji="1" lang="ja-JP" altLang="en-US" sz="2400" dirty="0">
+                <a:solidFill>
+                  <a:schemeClr val="tx1"/>
+                </a:solidFill>
+                <a:latin typeface="ＭＳ ゴシック" panose="020B0609070205080204" pitchFamily="49" charset="-128"/>
+                <a:ea typeface="ＭＳ ゴシック" panose="020B0609070205080204" pitchFamily="49" charset="-128"/>
+              </a:rPr>
+              <a:t>チケット</a:t>
+            </a:r>
+          </a:p>
+        </p:txBody>
+      </p:sp>
+      <p:sp>
+        <p:nvSpPr>
+          <p:cNvPr id="12" name="正方形/長方形 11"/>
+          <p:cNvSpPr/>
+          <p:nvPr/>
+        </p:nvSpPr>
+        <p:spPr>
+          <a:xfrm>
+            <a:off x="7579736" y="2480264"/>
+            <a:ext cx="1098261" cy="818887"/>
+          </a:xfrm>
+          <a:prstGeom prst="rect">
+            <a:avLst/>
+          </a:prstGeom>
+          <a:solidFill>
+            <a:schemeClr val="bg1"/>
+          </a:solidFill>
+          <a:ln w="63500">
+            <a:solidFill>
+              <a:schemeClr val="tx1"/>
+            </a:solidFill>
+          </a:ln>
+        </p:spPr>
+        <p:style>
+          <a:lnRef idx="2">
+            <a:schemeClr val="accent1">
+              <a:shade val="50000"/>
+            </a:schemeClr>
+          </a:lnRef>
+          <a:fillRef idx="1">
+            <a:schemeClr val="accent1"/>
+          </a:fillRef>
+          <a:effectRef idx="0">
+            <a:schemeClr val="accent1"/>
+          </a:effectRef>
+          <a:fontRef idx="minor">
+            <a:schemeClr val="lt1"/>
+          </a:fontRef>
+        </p:style>
+        <p:txBody>
+          <a:bodyPr rtlCol="0" anchor="ctr"/>
+          <a:lstStyle/>
+          <a:p>
+            <a:pPr algn="ctr"/>
+            <a:r>
+              <a:rPr kumimoji="1" lang="ja-JP" altLang="en-US" sz="2400" dirty="0">
+                <a:solidFill>
+                  <a:schemeClr val="tx1"/>
+                </a:solidFill>
+                <a:latin typeface="ＭＳ ゴシック" panose="020B0609070205080204" pitchFamily="49" charset="-128"/>
+                <a:ea typeface="ＭＳ ゴシック" panose="020B0609070205080204" pitchFamily="49" charset="-128"/>
+              </a:rPr>
+              <a:t>タスク</a:t>
+            </a:r>
+          </a:p>
+        </p:txBody>
+      </p:sp>
+      <p:sp>
+        <p:nvSpPr>
+          <p:cNvPr id="13" name="ホームベース 12"/>
+          <p:cNvSpPr/>
+          <p:nvPr/>
+        </p:nvSpPr>
+        <p:spPr>
+          <a:xfrm rot="795929">
+            <a:off x="6635192" y="2043589"/>
+            <a:ext cx="1580203" cy="465128"/>
+          </a:xfrm>
+          <a:prstGeom prst="homePlate">
+            <a:avLst>
+              <a:gd name="adj" fmla="val 73944"/>
+            </a:avLst>
+          </a:prstGeom>
+        </p:spPr>
+        <p:style>
+          <a:lnRef idx="2">
+            <a:schemeClr val="accent3">
+              <a:shade val="50000"/>
+            </a:schemeClr>
+          </a:lnRef>
+          <a:fillRef idx="1">
+            <a:schemeClr val="accent3"/>
+          </a:fillRef>
+          <a:effectRef idx="0">
+            <a:schemeClr val="accent3"/>
+          </a:effectRef>
+          <a:fontRef idx="minor">
+            <a:schemeClr val="lt1"/>
+          </a:fontRef>
+        </p:style>
+        <p:txBody>
+          <a:bodyPr rtlCol="0" anchor="ctr"/>
+          <a:lstStyle/>
+          <a:p>
+            <a:pPr algn="ctr"/>
+            <a:r>
+              <a:rPr kumimoji="1" lang="ja-JP" altLang="en-US" sz="2400" dirty="0">
+                <a:solidFill>
+                  <a:schemeClr val="tx1"/>
+                </a:solidFill>
+                <a:latin typeface="ＭＳ ゴシック" panose="020B0609070205080204" pitchFamily="49" charset="-128"/>
+                <a:ea typeface="ＭＳ ゴシック" panose="020B0609070205080204" pitchFamily="49" charset="-128"/>
+              </a:rPr>
+              <a:t>チケット</a:t>
+            </a:r>
+          </a:p>
+        </p:txBody>
+      </p:sp>
+      <p:sp>
+        <p:nvSpPr>
+          <p:cNvPr id="14" name="正方形/長方形 13"/>
+          <p:cNvSpPr/>
+          <p:nvPr/>
+        </p:nvSpPr>
+        <p:spPr>
+          <a:xfrm>
+            <a:off x="9381920" y="2478959"/>
+            <a:ext cx="1098261" cy="818887"/>
+          </a:xfrm>
+          <a:prstGeom prst="rect">
+            <a:avLst/>
+          </a:prstGeom>
+          <a:solidFill>
+            <a:schemeClr val="bg1"/>
+          </a:solidFill>
+          <a:ln w="63500">
+            <a:solidFill>
+              <a:schemeClr val="tx1"/>
+            </a:solidFill>
+          </a:ln>
+        </p:spPr>
+        <p:style>
+          <a:lnRef idx="2">
+            <a:schemeClr val="accent1">
+              <a:shade val="50000"/>
+            </a:schemeClr>
+          </a:lnRef>
+          <a:fillRef idx="1">
+            <a:schemeClr val="accent1"/>
+          </a:fillRef>
+          <a:effectRef idx="0">
+            <a:schemeClr val="accent1"/>
+          </a:effectRef>
+          <a:fontRef idx="minor">
+            <a:schemeClr val="lt1"/>
+          </a:fontRef>
+        </p:style>
+        <p:txBody>
+          <a:bodyPr rtlCol="0" anchor="ctr"/>
+          <a:lstStyle/>
+          <a:p>
+            <a:pPr algn="ctr"/>
+            <a:r>
+              <a:rPr kumimoji="1" lang="ja-JP" altLang="en-US" sz="2400" dirty="0">
+                <a:solidFill>
+                  <a:schemeClr val="tx1"/>
+                </a:solidFill>
+                <a:latin typeface="ＭＳ ゴシック" panose="020B0609070205080204" pitchFamily="49" charset="-128"/>
+                <a:ea typeface="ＭＳ ゴシック" panose="020B0609070205080204" pitchFamily="49" charset="-128"/>
+              </a:rPr>
+              <a:t>タスク</a:t>
+            </a:r>
+          </a:p>
+        </p:txBody>
+      </p:sp>
+      <p:sp>
+        <p:nvSpPr>
+          <p:cNvPr id="15" name="ホームベース 14"/>
+          <p:cNvSpPr/>
+          <p:nvPr/>
+        </p:nvSpPr>
+        <p:spPr>
+          <a:xfrm rot="795929">
+            <a:off x="8437376" y="2042284"/>
+            <a:ext cx="1580203" cy="465128"/>
+          </a:xfrm>
+          <a:prstGeom prst="homePlate">
+            <a:avLst>
+              <a:gd name="adj" fmla="val 73944"/>
+            </a:avLst>
+          </a:prstGeom>
+        </p:spPr>
+        <p:style>
+          <a:lnRef idx="2">
+            <a:schemeClr val="accent3">
+              <a:shade val="50000"/>
+            </a:schemeClr>
+          </a:lnRef>
+          <a:fillRef idx="1">
+            <a:schemeClr val="accent3"/>
+          </a:fillRef>
+          <a:effectRef idx="0">
+            <a:schemeClr val="accent3"/>
+          </a:effectRef>
+          <a:fontRef idx="minor">
+            <a:schemeClr val="lt1"/>
+          </a:fontRef>
+        </p:style>
+        <p:txBody>
+          <a:bodyPr rtlCol="0" anchor="ctr"/>
+          <a:lstStyle/>
+          <a:p>
+            <a:pPr algn="ctr"/>
+            <a:r>
+              <a:rPr kumimoji="1" lang="ja-JP" altLang="en-US" sz="2400" dirty="0">
+                <a:solidFill>
+                  <a:schemeClr val="tx1"/>
+                </a:solidFill>
+                <a:latin typeface="ＭＳ ゴシック" panose="020B0609070205080204" pitchFamily="49" charset="-128"/>
+                <a:ea typeface="ＭＳ ゴシック" panose="020B0609070205080204" pitchFamily="49" charset="-128"/>
+              </a:rPr>
+              <a:t>チケット</a:t>
+            </a:r>
+          </a:p>
+        </p:txBody>
+      </p:sp>
+      <p:sp>
+        <p:nvSpPr>
+          <p:cNvPr id="16" name="テキスト ボックス 15"/>
+          <p:cNvSpPr txBox="1"/>
+          <p:nvPr/>
+        </p:nvSpPr>
+        <p:spPr>
+          <a:xfrm>
+            <a:off x="6086102" y="3914283"/>
+            <a:ext cx="3040084" cy="523220"/>
+          </a:xfrm>
+          <a:prstGeom prst="rect">
+            <a:avLst/>
+          </a:prstGeom>
+          <a:noFill/>
+        </p:spPr>
+        <p:txBody>
+          <a:bodyPr wrap="square" rtlCol="0">
+            <a:spAutoFit/>
+          </a:bodyPr>
+          <a:lstStyle/>
+          <a:p>
+            <a:r>
+              <a:rPr kumimoji="1" lang="ja-JP" altLang="en-US" sz="2800">
+                <a:latin typeface="MS Gothic" charset="-128"/>
+                <a:ea typeface="MS Gothic" charset="-128"/>
+                <a:cs typeface="MS Gothic" charset="-128"/>
+              </a:rPr>
+              <a:t>チケット駆動開発</a:t>
+            </a:r>
+            <a:endParaRPr kumimoji="1" lang="ja-JP" altLang="en-US" sz="2800">
+              <a:latin typeface="MS Gothic" charset="-128"/>
+              <a:ea typeface="MS Gothic" charset="-128"/>
+              <a:cs typeface="MS Gothic" charset="-128"/>
+            </a:endParaRPr>
+          </a:p>
+        </p:txBody>
+      </p:sp>
+    </p:spTree>
+    <p:extLst>
+      <p:ext uri="{BB962C8B-B14F-4D97-AF65-F5344CB8AC3E}">
+        <p14:creationId xmlns:p14="http://schemas.microsoft.com/office/powerpoint/2010/main" val="1151574738"/>
+      </p:ext>
+    </p:extLst>
+  </p:cSld>
+  <p:clrMapOvr>
+    <a:masterClrMapping/>
+  </p:clrMapOvr>
+</p:sld>
+</file>
+
 <file path=ppt/slides/slide2.xml><?xml version="1.0" encoding="utf-8"?>
 <p:sld xmlns:a="http://schemas.openxmlformats.org/drawingml/2006/main" xmlns:r="http://schemas.openxmlformats.org/officeDocument/2006/relationships" xmlns:p="http://schemas.openxmlformats.org/presentationml/2006/main">
   <p:cSld>
@@ -4731,11 +11596,6 @@
               </a:rPr>
               <a:t>バグ修正</a:t>
             </a:r>
-            <a:endParaRPr kumimoji="1" lang="ja-JP" altLang="en-US" sz="1400" b="1" dirty="0">
-              <a:latin typeface="MS Gothic" charset="-128"/>
-              <a:ea typeface="MS Gothic" charset="-128"/>
-              <a:cs typeface="MS Gothic" charset="-128"/>
-            </a:endParaRPr>
           </a:p>
         </p:txBody>
       </p:sp>
@@ -4851,23 +11711,7 @@
                 <a:ea typeface="MS Gothic" charset="-128"/>
                 <a:cs typeface="MS Gothic" charset="-128"/>
               </a:rPr>
-              <a:t>ブランチ</a:t>
-            </a:r>
-            <a:r>
-              <a:rPr kumimoji="1" lang="ja-JP" altLang="en-US" sz="1400" b="1" dirty="0" smtClean="0">
-                <a:latin typeface="MS Gothic" charset="-128"/>
-                <a:ea typeface="MS Gothic" charset="-128"/>
-                <a:cs typeface="MS Gothic" charset="-128"/>
-              </a:rPr>
-              <a:t>の</a:t>
-            </a:r>
-            <a:r>
-              <a:rPr kumimoji="1" lang="ja-JP" altLang="en-US" sz="1400" b="1" dirty="0" smtClean="0">
-                <a:latin typeface="MS Gothic" charset="-128"/>
-                <a:ea typeface="MS Gothic" charset="-128"/>
-                <a:cs typeface="MS Gothic" charset="-128"/>
-              </a:rPr>
-              <a:t>分岐</a:t>
+              <a:t>ブランチの分岐</a:t>
             </a:r>
             <a:endParaRPr kumimoji="1" lang="ja-JP" altLang="en-US" sz="1400" b="1" dirty="0">
               <a:latin typeface="MS Gothic" charset="-128"/>
@@ -5009,11 +11853,6 @@
               </a:rPr>
               <a:t>新機能の追加</a:t>
             </a:r>
-            <a:endParaRPr kumimoji="1" lang="ja-JP" altLang="en-US" sz="1400" b="1" dirty="0">
-              <a:latin typeface="MS Gothic" charset="-128"/>
-              <a:ea typeface="MS Gothic" charset="-128"/>
-              <a:cs typeface="MS Gothic" charset="-128"/>
-            </a:endParaRPr>
           </a:p>
         </p:txBody>
       </p:sp>
@@ -5031,6 +11870,454 @@
 </file>
 
 <file path=ppt/slides/slide4.xml><?xml version="1.0" encoding="utf-8"?>
+<p:sld xmlns:a="http://schemas.openxmlformats.org/drawingml/2006/main" xmlns:r="http://schemas.openxmlformats.org/officeDocument/2006/relationships" xmlns:p="http://schemas.openxmlformats.org/presentationml/2006/main">
+  <p:cSld>
+    <p:spTree>
+      <p:nvGrpSpPr>
+        <p:cNvPr id="1" name=""/>
+        <p:cNvGrpSpPr/>
+        <p:nvPr/>
+      </p:nvGrpSpPr>
+      <p:grpSpPr>
+        <a:xfrm>
+          <a:off x="0" y="0"/>
+          <a:ext cx="0" cy="0"/>
+          <a:chOff x="0" y="0"/>
+          <a:chExt cx="0" cy="0"/>
+        </a:xfrm>
+      </p:grpSpPr>
+      <p:cxnSp>
+        <p:nvCxnSpPr>
+          <p:cNvPr id="5" name="直線矢印コネクタ 4"/>
+          <p:cNvCxnSpPr/>
+          <p:nvPr/>
+        </p:nvCxnSpPr>
+        <p:spPr>
+          <a:xfrm>
+            <a:off x="529839" y="2355193"/>
+            <a:ext cx="5320545" cy="0"/>
+          </a:xfrm>
+          <a:prstGeom prst="straightConnector1">
+            <a:avLst/>
+          </a:prstGeom>
+          <a:ln w="44450">
+            <a:tailEnd type="triangle"/>
+          </a:ln>
+        </p:spPr>
+        <p:style>
+          <a:lnRef idx="3">
+            <a:schemeClr val="dk1"/>
+          </a:lnRef>
+          <a:fillRef idx="0">
+            <a:schemeClr val="dk1"/>
+          </a:fillRef>
+          <a:effectRef idx="2">
+            <a:schemeClr val="dk1"/>
+          </a:effectRef>
+          <a:fontRef idx="minor">
+            <a:schemeClr val="tx1"/>
+          </a:fontRef>
+        </p:style>
+      </p:cxnSp>
+      <p:cxnSp>
+        <p:nvCxnSpPr>
+          <p:cNvPr id="7" name="直線コネクタ 6"/>
+          <p:cNvCxnSpPr/>
+          <p:nvPr/>
+        </p:nvCxnSpPr>
+        <p:spPr>
+          <a:xfrm flipV="1">
+            <a:off x="1198175" y="1659147"/>
+            <a:ext cx="321690" cy="696046"/>
+          </a:xfrm>
+          <a:prstGeom prst="line">
+            <a:avLst/>
+          </a:prstGeom>
+          <a:ln w="44450"/>
+        </p:spPr>
+        <p:style>
+          <a:lnRef idx="3">
+            <a:schemeClr val="dk1"/>
+          </a:lnRef>
+          <a:fillRef idx="0">
+            <a:schemeClr val="dk1"/>
+          </a:fillRef>
+          <a:effectRef idx="2">
+            <a:schemeClr val="dk1"/>
+          </a:effectRef>
+          <a:fontRef idx="minor">
+            <a:schemeClr val="tx1"/>
+          </a:fontRef>
+        </p:style>
+      </p:cxnSp>
+      <p:cxnSp>
+        <p:nvCxnSpPr>
+          <p:cNvPr id="8" name="直線コネクタ 7"/>
+          <p:cNvCxnSpPr/>
+          <p:nvPr/>
+        </p:nvCxnSpPr>
+        <p:spPr>
+          <a:xfrm>
+            <a:off x="1497981" y="1671847"/>
+            <a:ext cx="777655" cy="0"/>
+          </a:xfrm>
+          <a:prstGeom prst="line">
+            <a:avLst/>
+          </a:prstGeom>
+          <a:ln w="44450"/>
+        </p:spPr>
+        <p:style>
+          <a:lnRef idx="3">
+            <a:schemeClr val="dk1"/>
+          </a:lnRef>
+          <a:fillRef idx="0">
+            <a:schemeClr val="dk1"/>
+          </a:fillRef>
+          <a:effectRef idx="2">
+            <a:schemeClr val="dk1"/>
+          </a:effectRef>
+          <a:fontRef idx="minor">
+            <a:schemeClr val="tx1"/>
+          </a:fontRef>
+        </p:style>
+      </p:cxnSp>
+      <p:cxnSp>
+        <p:nvCxnSpPr>
+          <p:cNvPr id="10" name="直線矢印コネクタ 9"/>
+          <p:cNvCxnSpPr/>
+          <p:nvPr/>
+        </p:nvCxnSpPr>
+        <p:spPr>
+          <a:xfrm>
+            <a:off x="2260884" y="1660548"/>
+            <a:ext cx="314558" cy="694645"/>
+          </a:xfrm>
+          <a:prstGeom prst="straightConnector1">
+            <a:avLst/>
+          </a:prstGeom>
+          <a:ln w="44450">
+            <a:tailEnd type="triangle"/>
+          </a:ln>
+        </p:spPr>
+        <p:style>
+          <a:lnRef idx="3">
+            <a:schemeClr val="dk1"/>
+          </a:lnRef>
+          <a:fillRef idx="0">
+            <a:schemeClr val="dk1"/>
+          </a:fillRef>
+          <a:effectRef idx="2">
+            <a:schemeClr val="dk1"/>
+          </a:effectRef>
+          <a:fontRef idx="minor">
+            <a:schemeClr val="tx1"/>
+          </a:fontRef>
+        </p:style>
+      </p:cxnSp>
+      <p:sp>
+        <p:nvSpPr>
+          <p:cNvPr id="19" name="テキスト ボックス 18"/>
+          <p:cNvSpPr txBox="1"/>
+          <p:nvPr/>
+        </p:nvSpPr>
+        <p:spPr>
+          <a:xfrm>
+            <a:off x="1440490" y="1358615"/>
+            <a:ext cx="1225117" cy="307777"/>
+          </a:xfrm>
+          <a:prstGeom prst="rect">
+            <a:avLst/>
+          </a:prstGeom>
+          <a:noFill/>
+        </p:spPr>
+        <p:txBody>
+          <a:bodyPr wrap="square" rtlCol="0">
+            <a:spAutoFit/>
+          </a:bodyPr>
+          <a:lstStyle/>
+          <a:p>
+            <a:r>
+              <a:rPr kumimoji="1" lang="ja-JP" altLang="en-US" sz="1400" b="1" dirty="0">
+                <a:latin typeface="MS Gothic" charset="-128"/>
+                <a:ea typeface="MS Gothic" charset="-128"/>
+                <a:cs typeface="MS Gothic" charset="-128"/>
+              </a:rPr>
+              <a:t>バグ修正</a:t>
+            </a:r>
+          </a:p>
+        </p:txBody>
+      </p:sp>
+      <p:sp>
+        <p:nvSpPr>
+          <p:cNvPr id="20" name="十字形 19"/>
+          <p:cNvSpPr/>
+          <p:nvPr/>
+        </p:nvSpPr>
+        <p:spPr>
+          <a:xfrm rot="2700000">
+            <a:off x="617805" y="2066683"/>
+            <a:ext cx="577020" cy="577020"/>
+          </a:xfrm>
+          <a:prstGeom prst="plus">
+            <a:avLst>
+              <a:gd name="adj" fmla="val 41832"/>
+            </a:avLst>
+          </a:prstGeom>
+        </p:spPr>
+        <p:style>
+          <a:lnRef idx="2">
+            <a:schemeClr val="dk1">
+              <a:shade val="50000"/>
+            </a:schemeClr>
+          </a:lnRef>
+          <a:fillRef idx="1">
+            <a:schemeClr val="dk1"/>
+          </a:fillRef>
+          <a:effectRef idx="0">
+            <a:schemeClr val="dk1"/>
+          </a:effectRef>
+          <a:fontRef idx="minor">
+            <a:schemeClr val="lt1"/>
+          </a:fontRef>
+        </p:style>
+        <p:txBody>
+          <a:bodyPr rtlCol="0" anchor="ctr"/>
+          <a:lstStyle/>
+          <a:p>
+            <a:pPr algn="ctr"/>
+            <a:endParaRPr kumimoji="1" lang="ja-JP" altLang="en-US">
+              <a:latin typeface="MS Gothic" charset="-128"/>
+              <a:ea typeface="MS Gothic" charset="-128"/>
+              <a:cs typeface="MS Gothic" charset="-128"/>
+            </a:endParaRPr>
+          </a:p>
+        </p:txBody>
+      </p:sp>
+      <p:sp>
+        <p:nvSpPr>
+          <p:cNvPr id="21" name="テキスト ボックス 20"/>
+          <p:cNvSpPr txBox="1"/>
+          <p:nvPr/>
+        </p:nvSpPr>
+        <p:spPr>
+          <a:xfrm>
+            <a:off x="460594" y="2629477"/>
+            <a:ext cx="934720" cy="307777"/>
+          </a:xfrm>
+          <a:prstGeom prst="rect">
+            <a:avLst/>
+          </a:prstGeom>
+          <a:noFill/>
+        </p:spPr>
+        <p:txBody>
+          <a:bodyPr wrap="square" rtlCol="0">
+            <a:spAutoFit/>
+          </a:bodyPr>
+          <a:lstStyle/>
+          <a:p>
+            <a:r>
+              <a:rPr kumimoji="1" lang="ja-JP" altLang="en-US" sz="1400" b="1" dirty="0" smtClean="0">
+                <a:latin typeface="MS Gothic" charset="-128"/>
+                <a:ea typeface="MS Gothic" charset="-128"/>
+                <a:cs typeface="MS Gothic" charset="-128"/>
+              </a:rPr>
+              <a:t>バグ発生</a:t>
+            </a:r>
+            <a:endParaRPr kumimoji="1" lang="ja-JP" altLang="en-US" sz="1400" b="1" dirty="0">
+              <a:latin typeface="MS Gothic" charset="-128"/>
+              <a:ea typeface="MS Gothic" charset="-128"/>
+              <a:cs typeface="MS Gothic" charset="-128"/>
+            </a:endParaRPr>
+          </a:p>
+        </p:txBody>
+      </p:sp>
+      <p:sp>
+        <p:nvSpPr>
+          <p:cNvPr id="22" name="テキスト ボックス 21"/>
+          <p:cNvSpPr txBox="1"/>
+          <p:nvPr/>
+        </p:nvSpPr>
+        <p:spPr>
+          <a:xfrm>
+            <a:off x="3965279" y="2371584"/>
+            <a:ext cx="1555348" cy="307777"/>
+          </a:xfrm>
+          <a:prstGeom prst="rect">
+            <a:avLst/>
+          </a:prstGeom>
+          <a:noFill/>
+        </p:spPr>
+        <p:txBody>
+          <a:bodyPr wrap="square" rtlCol="0">
+            <a:spAutoFit/>
+          </a:bodyPr>
+          <a:lstStyle/>
+          <a:p>
+            <a:r>
+              <a:rPr kumimoji="1" lang="ja-JP" altLang="en-US" sz="1400" b="1" dirty="0" smtClean="0">
+                <a:latin typeface="MS Gothic" charset="-128"/>
+                <a:ea typeface="MS Gothic" charset="-128"/>
+                <a:cs typeface="MS Gothic" charset="-128"/>
+              </a:rPr>
+              <a:t>ブランチの分岐</a:t>
+            </a:r>
+            <a:endParaRPr kumimoji="1" lang="ja-JP" altLang="en-US" sz="1400" b="1" dirty="0">
+              <a:latin typeface="MS Gothic" charset="-128"/>
+              <a:ea typeface="MS Gothic" charset="-128"/>
+              <a:cs typeface="MS Gothic" charset="-128"/>
+            </a:endParaRPr>
+          </a:p>
+        </p:txBody>
+      </p:sp>
+      <p:sp>
+        <p:nvSpPr>
+          <p:cNvPr id="23" name="テキスト ボックス 22"/>
+          <p:cNvSpPr txBox="1"/>
+          <p:nvPr/>
+        </p:nvSpPr>
+        <p:spPr>
+          <a:xfrm>
+            <a:off x="2505186" y="2029373"/>
+            <a:ext cx="1902376" cy="307777"/>
+          </a:xfrm>
+          <a:prstGeom prst="rect">
+            <a:avLst/>
+          </a:prstGeom>
+          <a:noFill/>
+        </p:spPr>
+        <p:txBody>
+          <a:bodyPr wrap="square" rtlCol="0">
+            <a:spAutoFit/>
+          </a:bodyPr>
+          <a:lstStyle/>
+          <a:p>
+            <a:r>
+              <a:rPr kumimoji="1" lang="ja-JP" altLang="en-US" sz="1400" b="1" dirty="0" smtClean="0">
+                <a:latin typeface="MS Gothic" charset="-128"/>
+                <a:ea typeface="MS Gothic" charset="-128"/>
+                <a:cs typeface="MS Gothic" charset="-128"/>
+              </a:rPr>
+              <a:t>マージ（統合）</a:t>
+            </a:r>
+            <a:endParaRPr kumimoji="1" lang="ja-JP" altLang="en-US" sz="1400" b="1" dirty="0">
+              <a:latin typeface="MS Gothic" charset="-128"/>
+              <a:ea typeface="MS Gothic" charset="-128"/>
+              <a:cs typeface="MS Gothic" charset="-128"/>
+            </a:endParaRPr>
+          </a:p>
+        </p:txBody>
+      </p:sp>
+      <p:cxnSp>
+        <p:nvCxnSpPr>
+          <p:cNvPr id="13" name="直線コネクタ 12"/>
+          <p:cNvCxnSpPr/>
+          <p:nvPr/>
+        </p:nvCxnSpPr>
+        <p:spPr>
+          <a:xfrm flipH="1" flipV="1">
+            <a:off x="3884295" y="2371584"/>
+            <a:ext cx="292981" cy="818151"/>
+          </a:xfrm>
+          <a:prstGeom prst="line">
+            <a:avLst/>
+          </a:prstGeom>
+          <a:ln w="44450"/>
+        </p:spPr>
+        <p:style>
+          <a:lnRef idx="3">
+            <a:schemeClr val="dk1"/>
+          </a:lnRef>
+          <a:fillRef idx="0">
+            <a:schemeClr val="dk1"/>
+          </a:fillRef>
+          <a:effectRef idx="2">
+            <a:schemeClr val="dk1"/>
+          </a:effectRef>
+          <a:fontRef idx="minor">
+            <a:schemeClr val="tx1"/>
+          </a:fontRef>
+        </p:style>
+      </p:cxnSp>
+      <p:cxnSp>
+        <p:nvCxnSpPr>
+          <p:cNvPr id="15" name="直線コネクタ 14"/>
+          <p:cNvCxnSpPr/>
+          <p:nvPr/>
+        </p:nvCxnSpPr>
+        <p:spPr>
+          <a:xfrm>
+            <a:off x="4162411" y="3181643"/>
+            <a:ext cx="1310356" cy="0"/>
+          </a:xfrm>
+          <a:prstGeom prst="line">
+            <a:avLst/>
+          </a:prstGeom>
+          <a:ln w="44450">
+            <a:tailEnd type="triangle"/>
+          </a:ln>
+        </p:spPr>
+        <p:style>
+          <a:lnRef idx="3">
+            <a:schemeClr val="dk1"/>
+          </a:lnRef>
+          <a:fillRef idx="0">
+            <a:schemeClr val="dk1"/>
+          </a:fillRef>
+          <a:effectRef idx="2">
+            <a:schemeClr val="dk1"/>
+          </a:effectRef>
+          <a:fontRef idx="minor">
+            <a:schemeClr val="tx1"/>
+          </a:fontRef>
+        </p:style>
+      </p:cxnSp>
+      <p:sp>
+        <p:nvSpPr>
+          <p:cNvPr id="18" name="テキスト ボックス 17"/>
+          <p:cNvSpPr txBox="1"/>
+          <p:nvPr/>
+        </p:nvSpPr>
+        <p:spPr>
+          <a:xfrm>
+            <a:off x="4122644" y="3199687"/>
+            <a:ext cx="1350123" cy="307777"/>
+          </a:xfrm>
+          <a:prstGeom prst="rect">
+            <a:avLst/>
+          </a:prstGeom>
+          <a:noFill/>
+        </p:spPr>
+        <p:txBody>
+          <a:bodyPr wrap="square" rtlCol="0">
+            <a:spAutoFit/>
+          </a:bodyPr>
+          <a:lstStyle/>
+          <a:p>
+            <a:r>
+              <a:rPr kumimoji="1" lang="ja-JP" altLang="en-US" sz="1400" b="1" dirty="0">
+                <a:latin typeface="MS Gothic" charset="-128"/>
+                <a:ea typeface="MS Gothic" charset="-128"/>
+                <a:cs typeface="MS Gothic" charset="-128"/>
+              </a:rPr>
+              <a:t>新機能の追加</a:t>
+            </a:r>
+          </a:p>
+        </p:txBody>
+      </p:sp>
+    </p:spTree>
+    <p:extLst>
+      <p:ext uri="{BB962C8B-B14F-4D97-AF65-F5344CB8AC3E}">
+        <p14:creationId xmlns:p14="http://schemas.microsoft.com/office/powerpoint/2010/main" val="679349566"/>
+      </p:ext>
+    </p:extLst>
+  </p:cSld>
+  <p:clrMapOvr>
+    <a:masterClrMapping/>
+  </p:clrMapOvr>
+</p:sld>
+</file>
+
+<file path=ppt/slides/slide5.xml><?xml version="1.0" encoding="utf-8"?>
 <p:sld xmlns:a="http://schemas.openxmlformats.org/drawingml/2006/main" xmlns:r="http://schemas.openxmlformats.org/officeDocument/2006/relationships" xmlns:p="http://schemas.openxmlformats.org/presentationml/2006/main">
   <p:cSld>
     <p:spTree>
@@ -5481,7 +12768,7 @@
 </p:sld>
 </file>
 
-<file path=ppt/slides/slide5.xml><?xml version="1.0" encoding="utf-8"?>
+<file path=ppt/slides/slide6.xml><?xml version="1.0" encoding="utf-8"?>
 <p:sld xmlns:a="http://schemas.openxmlformats.org/drawingml/2006/main" xmlns:r="http://schemas.openxmlformats.org/officeDocument/2006/relationships" xmlns:p="http://schemas.openxmlformats.org/presentationml/2006/main">
   <p:cSld>
     <p:spTree>
@@ -7623,7 +14910,7 @@
 </p:sld>
 </file>
 
-<file path=ppt/slides/slide6.xml><?xml version="1.0" encoding="utf-8"?>
+<file path=ppt/slides/slide7.xml><?xml version="1.0" encoding="utf-8"?>
 <p:sld xmlns:a="http://schemas.openxmlformats.org/drawingml/2006/main" xmlns:r="http://schemas.openxmlformats.org/officeDocument/2006/relationships" xmlns:p="http://schemas.openxmlformats.org/presentationml/2006/main">
   <p:cSld>
     <p:spTree>
@@ -8409,7 +15696,7 @@
 </p:sld>
 </file>
 
-<file path=ppt/slides/slide7.xml><?xml version="1.0" encoding="utf-8"?>
+<file path=ppt/slides/slide8.xml><?xml version="1.0" encoding="utf-8"?>
 <p:sld xmlns:a="http://schemas.openxmlformats.org/drawingml/2006/main" xmlns:r="http://schemas.openxmlformats.org/officeDocument/2006/relationships" xmlns:p="http://schemas.openxmlformats.org/presentationml/2006/main">
   <p:cSld>
     <p:spTree>
@@ -11066,7 +18353,7 @@
 </p:sld>
 </file>
 
-<file path=ppt/slides/slide8.xml><?xml version="1.0" encoding="utf-8"?>
+<file path=ppt/slides/slide9.xml><?xml version="1.0" encoding="utf-8"?>
 <p:sld xmlns:a="http://schemas.openxmlformats.org/drawingml/2006/main" xmlns:r="http://schemas.openxmlformats.org/officeDocument/2006/relationships" xmlns:p="http://schemas.openxmlformats.org/presentationml/2006/main">
   <p:cSld>
     <p:spTree>
@@ -13538,1853 +20825,6 @@
     <p:extLst>
       <p:ext uri="{BB962C8B-B14F-4D97-AF65-F5344CB8AC3E}">
         <p14:creationId xmlns:p14="http://schemas.microsoft.com/office/powerpoint/2010/main" val="956889837"/>
-      </p:ext>
-    </p:extLst>
-  </p:cSld>
-  <p:clrMapOvr>
-    <a:masterClrMapping/>
-  </p:clrMapOvr>
-</p:sld>
-</file>
-
-<file path=ppt/slides/slide9.xml><?xml version="1.0" encoding="utf-8"?>
-<p:sld xmlns:a="http://schemas.openxmlformats.org/drawingml/2006/main" xmlns:r="http://schemas.openxmlformats.org/officeDocument/2006/relationships" xmlns:p="http://schemas.openxmlformats.org/presentationml/2006/main">
-  <p:cSld>
-    <p:spTree>
-      <p:nvGrpSpPr>
-        <p:cNvPr id="1" name=""/>
-        <p:cNvGrpSpPr/>
-        <p:nvPr/>
-      </p:nvGrpSpPr>
-      <p:grpSpPr>
-        <a:xfrm>
-          <a:off x="0" y="0"/>
-          <a:ext cx="0" cy="0"/>
-          <a:chOff x="0" y="0"/>
-          <a:chExt cx="0" cy="0"/>
-        </a:xfrm>
-      </p:grpSpPr>
-      <p:sp>
-        <p:nvSpPr>
-          <p:cNvPr id="2" name="正方形/長方形 1"/>
-          <p:cNvSpPr/>
-          <p:nvPr/>
-        </p:nvSpPr>
-        <p:spPr>
-          <a:xfrm>
-            <a:off x="3079623" y="3547608"/>
-            <a:ext cx="1702122" cy="1832776"/>
-          </a:xfrm>
-          <a:prstGeom prst="rect">
-            <a:avLst/>
-          </a:prstGeom>
-          <a:noFill/>
-          <a:ln w="50800">
-            <a:solidFill>
-              <a:schemeClr val="tx1"/>
-            </a:solidFill>
-          </a:ln>
-        </p:spPr>
-        <p:style>
-          <a:lnRef idx="2">
-            <a:schemeClr val="accent1">
-              <a:shade val="50000"/>
-            </a:schemeClr>
-          </a:lnRef>
-          <a:fillRef idx="1">
-            <a:schemeClr val="accent1"/>
-          </a:fillRef>
-          <a:effectRef idx="0">
-            <a:schemeClr val="accent1"/>
-          </a:effectRef>
-          <a:fontRef idx="minor">
-            <a:schemeClr val="lt1"/>
-          </a:fontRef>
-        </p:style>
-        <p:txBody>
-          <a:bodyPr rtlCol="0" anchor="ctr"/>
-          <a:lstStyle/>
-          <a:p>
-            <a:pPr algn="ctr"/>
-            <a:endParaRPr kumimoji="1" lang="ja-JP" altLang="en-US"/>
-          </a:p>
-        </p:txBody>
-      </p:sp>
-      <p:sp>
-        <p:nvSpPr>
-          <p:cNvPr id="21" name="正方形/長方形 20"/>
-          <p:cNvSpPr/>
-          <p:nvPr/>
-        </p:nvSpPr>
-        <p:spPr>
-          <a:xfrm>
-            <a:off x="730231" y="1622256"/>
-            <a:ext cx="10136552" cy="1558266"/>
-          </a:xfrm>
-          <a:prstGeom prst="rect">
-            <a:avLst/>
-          </a:prstGeom>
-          <a:solidFill>
-            <a:schemeClr val="bg1">
-              <a:lumMod val="65000"/>
-            </a:schemeClr>
-          </a:solidFill>
-          <a:ln>
-            <a:noFill/>
-          </a:ln>
-        </p:spPr>
-        <p:style>
-          <a:lnRef idx="2">
-            <a:schemeClr val="accent1">
-              <a:shade val="50000"/>
-            </a:schemeClr>
-          </a:lnRef>
-          <a:fillRef idx="1">
-            <a:schemeClr val="accent1"/>
-          </a:fillRef>
-          <a:effectRef idx="0">
-            <a:schemeClr val="accent1"/>
-          </a:effectRef>
-          <a:fontRef idx="minor">
-            <a:schemeClr val="lt1"/>
-          </a:fontRef>
-        </p:style>
-        <p:txBody>
-          <a:bodyPr rtlCol="0" anchor="ctr"/>
-          <a:lstStyle/>
-          <a:p>
-            <a:pPr algn="ctr"/>
-            <a:endParaRPr kumimoji="1" lang="ja-JP" altLang="en-US"/>
-          </a:p>
-        </p:txBody>
-      </p:sp>
-      <p:sp>
-        <p:nvSpPr>
-          <p:cNvPr id="14" name="テキスト ボックス 13"/>
-          <p:cNvSpPr txBox="1"/>
-          <p:nvPr/>
-        </p:nvSpPr>
-        <p:spPr>
-          <a:xfrm>
-            <a:off x="7622800" y="1753302"/>
-            <a:ext cx="1494734" cy="1261884"/>
-          </a:xfrm>
-          <a:prstGeom prst="rect">
-            <a:avLst/>
-          </a:prstGeom>
-          <a:noFill/>
-          <a:ln w="25400">
-            <a:solidFill>
-              <a:schemeClr val="tx1"/>
-            </a:solidFill>
-          </a:ln>
-        </p:spPr>
-        <p:txBody>
-          <a:bodyPr wrap="square" rtlCol="0">
-            <a:spAutoFit/>
-          </a:bodyPr>
-          <a:lstStyle/>
-          <a:p>
-            <a:pPr algn="ctr"/>
-            <a:r>
-              <a:rPr kumimoji="1" lang="en-US" altLang="ja-JP" sz="2800" b="1">
-                <a:latin typeface="Arial" charset="0"/>
-                <a:ea typeface="Arial" charset="0"/>
-                <a:cs typeface="Arial" charset="0"/>
-              </a:rPr>
-              <a:t>4/18</a:t>
-            </a:r>
-            <a:r>
-              <a:rPr kumimoji="1" lang="ja-JP" altLang="en-US" sz="2400" b="1">
-                <a:latin typeface="MS Gothic" charset="-128"/>
-                <a:ea typeface="MS Gothic" charset="-128"/>
-                <a:cs typeface="MS Gothic" charset="-128"/>
-              </a:rPr>
-              <a:t>の</a:t>
-            </a:r>
-          </a:p>
-          <a:p>
-            <a:pPr algn="ctr"/>
-            <a:r>
-              <a:rPr kumimoji="1" lang="ja-JP" altLang="en-US" sz="2400" b="1">
-                <a:latin typeface="MS Gothic" charset="-128"/>
-                <a:ea typeface="MS Gothic" charset="-128"/>
-                <a:cs typeface="MS Gothic" charset="-128"/>
-              </a:rPr>
-              <a:t>コミット</a:t>
-            </a:r>
-          </a:p>
-          <a:p>
-            <a:pPr algn="ctr"/>
-            <a:r>
-              <a:rPr kumimoji="1" lang="ja-JP" altLang="en-US" sz="2400" b="1">
-                <a:latin typeface="MS Gothic" charset="-128"/>
-                <a:ea typeface="MS Gothic" charset="-128"/>
-                <a:cs typeface="MS Gothic" charset="-128"/>
-              </a:rPr>
-              <a:t>情報</a:t>
-            </a:r>
-          </a:p>
-        </p:txBody>
-      </p:sp>
-      <p:sp>
-        <p:nvSpPr>
-          <p:cNvPr id="15" name="正方形/長方形 14"/>
-          <p:cNvSpPr/>
-          <p:nvPr/>
-        </p:nvSpPr>
-        <p:spPr>
-          <a:xfrm>
-            <a:off x="8118302" y="3703208"/>
-            <a:ext cx="581766" cy="384149"/>
-          </a:xfrm>
-          <a:prstGeom prst="rect">
-            <a:avLst/>
-          </a:prstGeom>
-          <a:noFill/>
-          <a:ln w="38100"/>
-        </p:spPr>
-        <p:style>
-          <a:lnRef idx="2">
-            <a:schemeClr val="dk1"/>
-          </a:lnRef>
-          <a:fillRef idx="1">
-            <a:schemeClr val="lt1"/>
-          </a:fillRef>
-          <a:effectRef idx="0">
-            <a:schemeClr val="dk1"/>
-          </a:effectRef>
-          <a:fontRef idx="minor">
-            <a:schemeClr val="dk1"/>
-          </a:fontRef>
-        </p:style>
-        <p:txBody>
-          <a:bodyPr rtlCol="0" anchor="ctr"/>
-          <a:lstStyle/>
-          <a:p>
-            <a:pPr algn="ctr"/>
-            <a:r>
-              <a:rPr lang="en-US" altLang="ja-JP" sz="1600" b="1">
-                <a:latin typeface="Arial" charset="0"/>
-                <a:ea typeface="Arial" charset="0"/>
-                <a:cs typeface="Arial" charset="0"/>
-              </a:rPr>
-              <a:t>4/18</a:t>
-            </a:r>
-            <a:endParaRPr kumimoji="1" lang="ja-JP" altLang="en-US" sz="1600" b="1"/>
-          </a:p>
-        </p:txBody>
-      </p:sp>
-      <p:sp>
-        <p:nvSpPr>
-          <p:cNvPr id="16" name="台形 15"/>
-          <p:cNvSpPr/>
-          <p:nvPr/>
-        </p:nvSpPr>
-        <p:spPr>
-          <a:xfrm>
-            <a:off x="8194304" y="3613513"/>
-            <a:ext cx="210015" cy="83345"/>
-          </a:xfrm>
-          <a:prstGeom prst="trapezoid">
-            <a:avLst/>
-          </a:prstGeom>
-          <a:noFill/>
-          <a:ln w="38100"/>
-        </p:spPr>
-        <p:style>
-          <a:lnRef idx="2">
-            <a:schemeClr val="dk1"/>
-          </a:lnRef>
-          <a:fillRef idx="1">
-            <a:schemeClr val="lt1"/>
-          </a:fillRef>
-          <a:effectRef idx="0">
-            <a:schemeClr val="dk1"/>
-          </a:effectRef>
-          <a:fontRef idx="minor">
-            <a:schemeClr val="dk1"/>
-          </a:fontRef>
-        </p:style>
-        <p:txBody>
-          <a:bodyPr rtlCol="0" anchor="ctr"/>
-          <a:lstStyle/>
-          <a:p>
-            <a:pPr algn="ctr"/>
-            <a:endParaRPr kumimoji="1" lang="ja-JP" altLang="en-US" b="1"/>
-          </a:p>
-        </p:txBody>
-      </p:sp>
-      <p:pic>
-        <p:nvPicPr>
-          <p:cNvPr id="28" name="図 27"/>
-          <p:cNvPicPr>
-            <a:picLocks noChangeAspect="1"/>
-          </p:cNvPicPr>
-          <p:nvPr/>
-        </p:nvPicPr>
-        <p:blipFill>
-          <a:blip r:embed="rId2"/>
-          <a:stretch>
-            <a:fillRect/>
-          </a:stretch>
-        </p:blipFill>
-        <p:spPr>
-          <a:xfrm>
-            <a:off x="8634224" y="4654849"/>
-            <a:ext cx="455425" cy="619207"/>
-          </a:xfrm>
-          <a:prstGeom prst="rect">
-            <a:avLst/>
-          </a:prstGeom>
-        </p:spPr>
-      </p:pic>
-      <p:sp>
-        <p:nvSpPr>
-          <p:cNvPr id="126" name="正方形/長方形 125"/>
-          <p:cNvSpPr/>
-          <p:nvPr/>
-        </p:nvSpPr>
-        <p:spPr>
-          <a:xfrm>
-            <a:off x="7698176" y="4720943"/>
-            <a:ext cx="581766" cy="384149"/>
-          </a:xfrm>
-          <a:prstGeom prst="rect">
-            <a:avLst/>
-          </a:prstGeom>
-          <a:noFill/>
-          <a:ln w="38100"/>
-        </p:spPr>
-        <p:style>
-          <a:lnRef idx="2">
-            <a:schemeClr val="dk1"/>
-          </a:lnRef>
-          <a:fillRef idx="1">
-            <a:schemeClr val="lt1"/>
-          </a:fillRef>
-          <a:effectRef idx="0">
-            <a:schemeClr val="dk1"/>
-          </a:effectRef>
-          <a:fontRef idx="minor">
-            <a:schemeClr val="dk1"/>
-          </a:fontRef>
-        </p:style>
-        <p:txBody>
-          <a:bodyPr rtlCol="0" anchor="ctr"/>
-          <a:lstStyle/>
-          <a:p>
-            <a:pPr algn="ctr"/>
-            <a:r>
-              <a:rPr lang="en-US" altLang="ja-JP" sz="1600" b="1">
-                <a:latin typeface="Arial" charset="0"/>
-                <a:ea typeface="Arial" charset="0"/>
-                <a:cs typeface="Arial" charset="0"/>
-              </a:rPr>
-              <a:t>4/18</a:t>
-            </a:r>
-            <a:endParaRPr kumimoji="1" lang="ja-JP" altLang="en-US" sz="1600" b="1"/>
-          </a:p>
-        </p:txBody>
-      </p:sp>
-      <p:sp>
-        <p:nvSpPr>
-          <p:cNvPr id="127" name="台形 126"/>
-          <p:cNvSpPr/>
-          <p:nvPr/>
-        </p:nvSpPr>
-        <p:spPr>
-          <a:xfrm>
-            <a:off x="7774178" y="4631248"/>
-            <a:ext cx="210015" cy="83345"/>
-          </a:xfrm>
-          <a:prstGeom prst="trapezoid">
-            <a:avLst/>
-          </a:prstGeom>
-          <a:noFill/>
-          <a:ln w="38100"/>
-        </p:spPr>
-        <p:style>
-          <a:lnRef idx="2">
-            <a:schemeClr val="dk1"/>
-          </a:lnRef>
-          <a:fillRef idx="1">
-            <a:schemeClr val="lt1"/>
-          </a:fillRef>
-          <a:effectRef idx="0">
-            <a:schemeClr val="dk1"/>
-          </a:effectRef>
-          <a:fontRef idx="minor">
-            <a:schemeClr val="dk1"/>
-          </a:fontRef>
-        </p:style>
-        <p:txBody>
-          <a:bodyPr rtlCol="0" anchor="ctr"/>
-          <a:lstStyle/>
-          <a:p>
-            <a:pPr algn="ctr"/>
-            <a:endParaRPr kumimoji="1" lang="ja-JP" altLang="en-US" b="1"/>
-          </a:p>
-        </p:txBody>
-      </p:sp>
-      <p:cxnSp>
-        <p:nvCxnSpPr>
-          <p:cNvPr id="131" name="直線矢印コネクタ 130"/>
-          <p:cNvCxnSpPr/>
-          <p:nvPr/>
-        </p:nvCxnSpPr>
-        <p:spPr>
-          <a:xfrm>
-            <a:off x="8371208" y="3069622"/>
-            <a:ext cx="0" cy="424977"/>
-          </a:xfrm>
-          <a:prstGeom prst="straightConnector1">
-            <a:avLst/>
-          </a:prstGeom>
-          <a:ln w="38100">
-            <a:tailEnd type="triangle"/>
-          </a:ln>
-        </p:spPr>
-        <p:style>
-          <a:lnRef idx="3">
-            <a:schemeClr val="dk1"/>
-          </a:lnRef>
-          <a:fillRef idx="0">
-            <a:schemeClr val="dk1"/>
-          </a:fillRef>
-          <a:effectRef idx="2">
-            <a:schemeClr val="dk1"/>
-          </a:effectRef>
-          <a:fontRef idx="minor">
-            <a:schemeClr val="tx1"/>
-          </a:fontRef>
-        </p:style>
-      </p:cxnSp>
-      <p:cxnSp>
-        <p:nvCxnSpPr>
-          <p:cNvPr id="132" name="直線矢印コネクタ 131"/>
-          <p:cNvCxnSpPr/>
-          <p:nvPr/>
-        </p:nvCxnSpPr>
-        <p:spPr>
-          <a:xfrm flipH="1">
-            <a:off x="8031187" y="4169660"/>
-            <a:ext cx="247714" cy="461588"/>
-          </a:xfrm>
-          <a:prstGeom prst="straightConnector1">
-            <a:avLst/>
-          </a:prstGeom>
-          <a:ln w="38100">
-            <a:tailEnd type="triangle"/>
-          </a:ln>
-        </p:spPr>
-        <p:style>
-          <a:lnRef idx="3">
-            <a:schemeClr val="dk1"/>
-          </a:lnRef>
-          <a:fillRef idx="0">
-            <a:schemeClr val="dk1"/>
-          </a:fillRef>
-          <a:effectRef idx="2">
-            <a:schemeClr val="dk1"/>
-          </a:effectRef>
-          <a:fontRef idx="minor">
-            <a:schemeClr val="tx1"/>
-          </a:fontRef>
-        </p:style>
-      </p:cxnSp>
-      <p:cxnSp>
-        <p:nvCxnSpPr>
-          <p:cNvPr id="134" name="直線矢印コネクタ 133"/>
-          <p:cNvCxnSpPr/>
-          <p:nvPr/>
-        </p:nvCxnSpPr>
-        <p:spPr>
-          <a:xfrm>
-            <a:off x="8472299" y="4169660"/>
-            <a:ext cx="276438" cy="430322"/>
-          </a:xfrm>
-          <a:prstGeom prst="straightConnector1">
-            <a:avLst/>
-          </a:prstGeom>
-          <a:ln w="38100">
-            <a:tailEnd type="triangle"/>
-          </a:ln>
-        </p:spPr>
-        <p:style>
-          <a:lnRef idx="3">
-            <a:schemeClr val="dk1"/>
-          </a:lnRef>
-          <a:fillRef idx="0">
-            <a:schemeClr val="dk1"/>
-          </a:fillRef>
-          <a:effectRef idx="2">
-            <a:schemeClr val="dk1"/>
-          </a:effectRef>
-          <a:fontRef idx="minor">
-            <a:schemeClr val="tx1"/>
-          </a:fontRef>
-        </p:style>
-      </p:cxnSp>
-      <p:sp>
-        <p:nvSpPr>
-          <p:cNvPr id="139" name="テキスト ボックス 138"/>
-          <p:cNvSpPr txBox="1"/>
-          <p:nvPr/>
-        </p:nvSpPr>
-        <p:spPr>
-          <a:xfrm>
-            <a:off x="8700068" y="3613513"/>
-            <a:ext cx="1411407" cy="461665"/>
-          </a:xfrm>
-          <a:prstGeom prst="rect">
-            <a:avLst/>
-          </a:prstGeom>
-          <a:noFill/>
-        </p:spPr>
-        <p:txBody>
-          <a:bodyPr wrap="square" rtlCol="0">
-            <a:spAutoFit/>
-          </a:bodyPr>
-          <a:lstStyle/>
-          <a:p>
-            <a:r>
-              <a:rPr kumimoji="1" lang="ja-JP" altLang="en-US" sz="2400" b="1"/>
-              <a:t>フォルダ</a:t>
-            </a:r>
-            <a:endParaRPr kumimoji="1" lang="ja-JP" altLang="en-US" sz="2400" b="1"/>
-          </a:p>
-        </p:txBody>
-      </p:sp>
-      <p:sp>
-        <p:nvSpPr>
-          <p:cNvPr id="140" name="テキスト ボックス 139"/>
-          <p:cNvSpPr txBox="1"/>
-          <p:nvPr/>
-        </p:nvSpPr>
-        <p:spPr>
-          <a:xfrm>
-            <a:off x="9089649" y="4733619"/>
-            <a:ext cx="1612554" cy="461665"/>
-          </a:xfrm>
-          <a:prstGeom prst="rect">
-            <a:avLst/>
-          </a:prstGeom>
-          <a:noFill/>
-        </p:spPr>
-        <p:txBody>
-          <a:bodyPr wrap="square" rtlCol="0">
-            <a:spAutoFit/>
-          </a:bodyPr>
-          <a:lstStyle/>
-          <a:p>
-            <a:r>
-              <a:rPr kumimoji="1" lang="ja-JP" altLang="en-US" sz="2400" b="1"/>
-              <a:t>ファイル</a:t>
-            </a:r>
-          </a:p>
-        </p:txBody>
-      </p:sp>
-      <p:sp>
-        <p:nvSpPr>
-          <p:cNvPr id="195" name="テキスト ボックス 194"/>
-          <p:cNvSpPr txBox="1"/>
-          <p:nvPr/>
-        </p:nvSpPr>
-        <p:spPr>
-          <a:xfrm>
-            <a:off x="8998700" y="1842075"/>
-            <a:ext cx="1987811" cy="1200329"/>
-          </a:xfrm>
-          <a:prstGeom prst="rect">
-            <a:avLst/>
-          </a:prstGeom>
-          <a:noFill/>
-        </p:spPr>
-        <p:txBody>
-          <a:bodyPr wrap="square" rtlCol="0">
-            <a:spAutoFit/>
-          </a:bodyPr>
-          <a:lstStyle/>
-          <a:p>
-            <a:pPr algn="ctr"/>
-            <a:r>
-              <a:rPr kumimoji="1" lang="ja-JP" altLang="en-US" sz="2400" b="1"/>
-              <a:t>コミット</a:t>
-            </a:r>
-          </a:p>
-          <a:p>
-            <a:pPr algn="ctr"/>
-            <a:r>
-              <a:rPr kumimoji="1" lang="ja-JP" altLang="en-US" sz="2400" b="1"/>
-              <a:t>情報の</a:t>
-            </a:r>
-          </a:p>
-          <a:p>
-            <a:pPr algn="ctr"/>
-            <a:r>
-              <a:rPr kumimoji="1" lang="ja-JP" altLang="en-US" sz="2400" b="1"/>
-              <a:t>ツリー</a:t>
-            </a:r>
-          </a:p>
-        </p:txBody>
-      </p:sp>
-      <p:sp>
-        <p:nvSpPr>
-          <p:cNvPr id="62" name="テキスト ボックス 61"/>
-          <p:cNvSpPr txBox="1"/>
-          <p:nvPr/>
-        </p:nvSpPr>
-        <p:spPr>
-          <a:xfrm>
-            <a:off x="5377687" y="1753302"/>
-            <a:ext cx="1494734" cy="1261884"/>
-          </a:xfrm>
-          <a:prstGeom prst="rect">
-            <a:avLst/>
-          </a:prstGeom>
-          <a:noFill/>
-          <a:ln w="25400">
-            <a:solidFill>
-              <a:schemeClr val="tx1"/>
-            </a:solidFill>
-          </a:ln>
-        </p:spPr>
-        <p:txBody>
-          <a:bodyPr wrap="square" rtlCol="0">
-            <a:spAutoFit/>
-          </a:bodyPr>
-          <a:lstStyle/>
-          <a:p>
-            <a:pPr algn="ctr"/>
-            <a:r>
-              <a:rPr kumimoji="1" lang="en-US" altLang="ja-JP" sz="2800" b="1">
-                <a:latin typeface="Arial" charset="0"/>
-                <a:ea typeface="Arial" charset="0"/>
-                <a:cs typeface="Arial" charset="0"/>
-              </a:rPr>
-              <a:t>4/15</a:t>
-            </a:r>
-            <a:r>
-              <a:rPr kumimoji="1" lang="ja-JP" altLang="en-US" sz="2400" b="1">
-                <a:latin typeface="MS Gothic" charset="-128"/>
-                <a:ea typeface="MS Gothic" charset="-128"/>
-                <a:cs typeface="MS Gothic" charset="-128"/>
-              </a:rPr>
-              <a:t>の</a:t>
-            </a:r>
-          </a:p>
-          <a:p>
-            <a:pPr algn="ctr"/>
-            <a:r>
-              <a:rPr kumimoji="1" lang="ja-JP" altLang="en-US" sz="2400" b="1">
-                <a:latin typeface="MS Gothic" charset="-128"/>
-                <a:ea typeface="MS Gothic" charset="-128"/>
-                <a:cs typeface="MS Gothic" charset="-128"/>
-              </a:rPr>
-              <a:t>コミット</a:t>
-            </a:r>
-          </a:p>
-          <a:p>
-            <a:pPr algn="ctr"/>
-            <a:r>
-              <a:rPr kumimoji="1" lang="ja-JP" altLang="en-US" sz="2400" b="1">
-                <a:latin typeface="MS Gothic" charset="-128"/>
-                <a:ea typeface="MS Gothic" charset="-128"/>
-                <a:cs typeface="MS Gothic" charset="-128"/>
-              </a:rPr>
-              <a:t>情報</a:t>
-            </a:r>
-          </a:p>
-        </p:txBody>
-      </p:sp>
-      <p:sp>
-        <p:nvSpPr>
-          <p:cNvPr id="63" name="正方形/長方形 62"/>
-          <p:cNvSpPr/>
-          <p:nvPr/>
-        </p:nvSpPr>
-        <p:spPr>
-          <a:xfrm>
-            <a:off x="5873189" y="3703208"/>
-            <a:ext cx="581766" cy="384149"/>
-          </a:xfrm>
-          <a:prstGeom prst="rect">
-            <a:avLst/>
-          </a:prstGeom>
-          <a:noFill/>
-          <a:ln w="38100"/>
-        </p:spPr>
-        <p:style>
-          <a:lnRef idx="2">
-            <a:schemeClr val="dk1"/>
-          </a:lnRef>
-          <a:fillRef idx="1">
-            <a:schemeClr val="lt1"/>
-          </a:fillRef>
-          <a:effectRef idx="0">
-            <a:schemeClr val="dk1"/>
-          </a:effectRef>
-          <a:fontRef idx="minor">
-            <a:schemeClr val="dk1"/>
-          </a:fontRef>
-        </p:style>
-        <p:txBody>
-          <a:bodyPr rtlCol="0" anchor="ctr"/>
-          <a:lstStyle/>
-          <a:p>
-            <a:pPr algn="ctr"/>
-            <a:r>
-              <a:rPr lang="en-US" altLang="ja-JP" sz="1600" b="1">
-                <a:latin typeface="Arial" charset="0"/>
-                <a:ea typeface="Arial" charset="0"/>
-                <a:cs typeface="Arial" charset="0"/>
-              </a:rPr>
-              <a:t>4/15</a:t>
-            </a:r>
-            <a:endParaRPr kumimoji="1" lang="ja-JP" altLang="en-US" sz="1600" b="1"/>
-          </a:p>
-        </p:txBody>
-      </p:sp>
-      <p:sp>
-        <p:nvSpPr>
-          <p:cNvPr id="64" name="台形 63"/>
-          <p:cNvSpPr/>
-          <p:nvPr/>
-        </p:nvSpPr>
-        <p:spPr>
-          <a:xfrm>
-            <a:off x="5949191" y="3613513"/>
-            <a:ext cx="210015" cy="83345"/>
-          </a:xfrm>
-          <a:prstGeom prst="trapezoid">
-            <a:avLst/>
-          </a:prstGeom>
-          <a:noFill/>
-          <a:ln w="38100"/>
-        </p:spPr>
-        <p:style>
-          <a:lnRef idx="2">
-            <a:schemeClr val="dk1"/>
-          </a:lnRef>
-          <a:fillRef idx="1">
-            <a:schemeClr val="lt1"/>
-          </a:fillRef>
-          <a:effectRef idx="0">
-            <a:schemeClr val="dk1"/>
-          </a:effectRef>
-          <a:fontRef idx="minor">
-            <a:schemeClr val="dk1"/>
-          </a:fontRef>
-        </p:style>
-        <p:txBody>
-          <a:bodyPr rtlCol="0" anchor="ctr"/>
-          <a:lstStyle/>
-          <a:p>
-            <a:pPr algn="ctr"/>
-            <a:endParaRPr kumimoji="1" lang="ja-JP" altLang="en-US" b="1"/>
-          </a:p>
-        </p:txBody>
-      </p:sp>
-      <p:pic>
-        <p:nvPicPr>
-          <p:cNvPr id="65" name="図 64"/>
-          <p:cNvPicPr>
-            <a:picLocks noChangeAspect="1"/>
-          </p:cNvPicPr>
-          <p:nvPr/>
-        </p:nvPicPr>
-        <p:blipFill>
-          <a:blip r:embed="rId2"/>
-          <a:stretch>
-            <a:fillRect/>
-          </a:stretch>
-        </p:blipFill>
-        <p:spPr>
-          <a:xfrm>
-            <a:off x="6389111" y="4654849"/>
-            <a:ext cx="455425" cy="619207"/>
-          </a:xfrm>
-          <a:prstGeom prst="rect">
-            <a:avLst/>
-          </a:prstGeom>
-        </p:spPr>
-      </p:pic>
-      <p:sp>
-        <p:nvSpPr>
-          <p:cNvPr id="66" name="正方形/長方形 65"/>
-          <p:cNvSpPr/>
-          <p:nvPr/>
-        </p:nvSpPr>
-        <p:spPr>
-          <a:xfrm>
-            <a:off x="5453063" y="4720943"/>
-            <a:ext cx="581766" cy="384149"/>
-          </a:xfrm>
-          <a:prstGeom prst="rect">
-            <a:avLst/>
-          </a:prstGeom>
-          <a:noFill/>
-          <a:ln w="38100"/>
-        </p:spPr>
-        <p:style>
-          <a:lnRef idx="2">
-            <a:schemeClr val="dk1"/>
-          </a:lnRef>
-          <a:fillRef idx="1">
-            <a:schemeClr val="lt1"/>
-          </a:fillRef>
-          <a:effectRef idx="0">
-            <a:schemeClr val="dk1"/>
-          </a:effectRef>
-          <a:fontRef idx="minor">
-            <a:schemeClr val="dk1"/>
-          </a:fontRef>
-        </p:style>
-        <p:txBody>
-          <a:bodyPr rtlCol="0" anchor="ctr"/>
-          <a:lstStyle/>
-          <a:p>
-            <a:pPr algn="ctr"/>
-            <a:r>
-              <a:rPr lang="en-US" altLang="ja-JP" sz="1600" b="1">
-                <a:latin typeface="Arial" charset="0"/>
-                <a:ea typeface="Arial" charset="0"/>
-                <a:cs typeface="Arial" charset="0"/>
-              </a:rPr>
-              <a:t>4/15</a:t>
-            </a:r>
-            <a:endParaRPr kumimoji="1" lang="ja-JP" altLang="en-US" sz="1600" b="1"/>
-          </a:p>
-        </p:txBody>
-      </p:sp>
-      <p:sp>
-        <p:nvSpPr>
-          <p:cNvPr id="67" name="台形 66"/>
-          <p:cNvSpPr/>
-          <p:nvPr/>
-        </p:nvSpPr>
-        <p:spPr>
-          <a:xfrm>
-            <a:off x="5529065" y="4631248"/>
-            <a:ext cx="210015" cy="83345"/>
-          </a:xfrm>
-          <a:prstGeom prst="trapezoid">
-            <a:avLst/>
-          </a:prstGeom>
-          <a:noFill/>
-          <a:ln w="38100"/>
-        </p:spPr>
-        <p:style>
-          <a:lnRef idx="2">
-            <a:schemeClr val="dk1"/>
-          </a:lnRef>
-          <a:fillRef idx="1">
-            <a:schemeClr val="lt1"/>
-          </a:fillRef>
-          <a:effectRef idx="0">
-            <a:schemeClr val="dk1"/>
-          </a:effectRef>
-          <a:fontRef idx="minor">
-            <a:schemeClr val="dk1"/>
-          </a:fontRef>
-        </p:style>
-        <p:txBody>
-          <a:bodyPr rtlCol="0" anchor="ctr"/>
-          <a:lstStyle/>
-          <a:p>
-            <a:pPr algn="ctr"/>
-            <a:endParaRPr kumimoji="1" lang="ja-JP" altLang="en-US" b="1"/>
-          </a:p>
-        </p:txBody>
-      </p:sp>
-      <p:cxnSp>
-        <p:nvCxnSpPr>
-          <p:cNvPr id="69" name="直線矢印コネクタ 68"/>
-          <p:cNvCxnSpPr/>
-          <p:nvPr/>
-        </p:nvCxnSpPr>
-        <p:spPr>
-          <a:xfrm flipH="1">
-            <a:off x="5786074" y="4169660"/>
-            <a:ext cx="247714" cy="461588"/>
-          </a:xfrm>
-          <a:prstGeom prst="straightConnector1">
-            <a:avLst/>
-          </a:prstGeom>
-          <a:ln w="38100">
-            <a:tailEnd type="triangle"/>
-          </a:ln>
-        </p:spPr>
-        <p:style>
-          <a:lnRef idx="3">
-            <a:schemeClr val="dk1"/>
-          </a:lnRef>
-          <a:fillRef idx="0">
-            <a:schemeClr val="dk1"/>
-          </a:fillRef>
-          <a:effectRef idx="2">
-            <a:schemeClr val="dk1"/>
-          </a:effectRef>
-          <a:fontRef idx="minor">
-            <a:schemeClr val="tx1"/>
-          </a:fontRef>
-        </p:style>
-      </p:cxnSp>
-      <p:cxnSp>
-        <p:nvCxnSpPr>
-          <p:cNvPr id="70" name="直線矢印コネクタ 69"/>
-          <p:cNvCxnSpPr/>
-          <p:nvPr/>
-        </p:nvCxnSpPr>
-        <p:spPr>
-          <a:xfrm>
-            <a:off x="6227186" y="4169660"/>
-            <a:ext cx="276438" cy="430322"/>
-          </a:xfrm>
-          <a:prstGeom prst="straightConnector1">
-            <a:avLst/>
-          </a:prstGeom>
-          <a:ln w="38100">
-            <a:tailEnd type="triangle"/>
-          </a:ln>
-        </p:spPr>
-        <p:style>
-          <a:lnRef idx="3">
-            <a:schemeClr val="dk1"/>
-          </a:lnRef>
-          <a:fillRef idx="0">
-            <a:schemeClr val="dk1"/>
-          </a:fillRef>
-          <a:effectRef idx="2">
-            <a:schemeClr val="dk1"/>
-          </a:effectRef>
-          <a:fontRef idx="minor">
-            <a:schemeClr val="tx1"/>
-          </a:fontRef>
-        </p:style>
-      </p:cxnSp>
-      <p:sp>
-        <p:nvSpPr>
-          <p:cNvPr id="71" name="テキスト ボックス 70"/>
-          <p:cNvSpPr txBox="1"/>
-          <p:nvPr/>
-        </p:nvSpPr>
-        <p:spPr>
-          <a:xfrm>
-            <a:off x="3139010" y="1753302"/>
-            <a:ext cx="1494734" cy="1261884"/>
-          </a:xfrm>
-          <a:prstGeom prst="rect">
-            <a:avLst/>
-          </a:prstGeom>
-          <a:noFill/>
-          <a:ln w="25400">
-            <a:solidFill>
-              <a:schemeClr val="tx1"/>
-            </a:solidFill>
-          </a:ln>
-        </p:spPr>
-        <p:txBody>
-          <a:bodyPr wrap="square" rtlCol="0">
-            <a:spAutoFit/>
-          </a:bodyPr>
-          <a:lstStyle/>
-          <a:p>
-            <a:pPr algn="ctr"/>
-            <a:r>
-              <a:rPr kumimoji="1" lang="en-US" altLang="ja-JP" sz="2800" b="1">
-                <a:latin typeface="Arial" charset="0"/>
-                <a:ea typeface="Arial" charset="0"/>
-                <a:cs typeface="Arial" charset="0"/>
-              </a:rPr>
-              <a:t>4/10</a:t>
-            </a:r>
-            <a:r>
-              <a:rPr kumimoji="1" lang="ja-JP" altLang="en-US" sz="2400" b="1">
-                <a:latin typeface="MS Gothic" charset="-128"/>
-                <a:ea typeface="MS Gothic" charset="-128"/>
-                <a:cs typeface="MS Gothic" charset="-128"/>
-              </a:rPr>
-              <a:t>の</a:t>
-            </a:r>
-          </a:p>
-          <a:p>
-            <a:pPr algn="ctr"/>
-            <a:r>
-              <a:rPr kumimoji="1" lang="ja-JP" altLang="en-US" sz="2400" b="1">
-                <a:latin typeface="MS Gothic" charset="-128"/>
-                <a:ea typeface="MS Gothic" charset="-128"/>
-                <a:cs typeface="MS Gothic" charset="-128"/>
-              </a:rPr>
-              <a:t>コミット</a:t>
-            </a:r>
-          </a:p>
-          <a:p>
-            <a:pPr algn="ctr"/>
-            <a:r>
-              <a:rPr kumimoji="1" lang="ja-JP" altLang="en-US" sz="2400" b="1">
-                <a:latin typeface="MS Gothic" charset="-128"/>
-                <a:ea typeface="MS Gothic" charset="-128"/>
-                <a:cs typeface="MS Gothic" charset="-128"/>
-              </a:rPr>
-              <a:t>情報</a:t>
-            </a:r>
-          </a:p>
-        </p:txBody>
-      </p:sp>
-      <p:sp>
-        <p:nvSpPr>
-          <p:cNvPr id="72" name="正方形/長方形 71"/>
-          <p:cNvSpPr/>
-          <p:nvPr/>
-        </p:nvSpPr>
-        <p:spPr>
-          <a:xfrm>
-            <a:off x="3634512" y="3703208"/>
-            <a:ext cx="581766" cy="384149"/>
-          </a:xfrm>
-          <a:prstGeom prst="rect">
-            <a:avLst/>
-          </a:prstGeom>
-          <a:noFill/>
-          <a:ln w="38100"/>
-        </p:spPr>
-        <p:style>
-          <a:lnRef idx="2">
-            <a:schemeClr val="dk1"/>
-          </a:lnRef>
-          <a:fillRef idx="1">
-            <a:schemeClr val="lt1"/>
-          </a:fillRef>
-          <a:effectRef idx="0">
-            <a:schemeClr val="dk1"/>
-          </a:effectRef>
-          <a:fontRef idx="minor">
-            <a:schemeClr val="dk1"/>
-          </a:fontRef>
-        </p:style>
-        <p:txBody>
-          <a:bodyPr rtlCol="0" anchor="ctr"/>
-          <a:lstStyle/>
-          <a:p>
-            <a:pPr algn="ctr"/>
-            <a:r>
-              <a:rPr kumimoji="1" lang="en-US" altLang="ja-JP" sz="1600" b="1">
-                <a:latin typeface="Arial" charset="0"/>
-                <a:ea typeface="Arial" charset="0"/>
-                <a:cs typeface="Arial" charset="0"/>
-              </a:rPr>
-              <a:t>4/10</a:t>
-            </a:r>
-            <a:endParaRPr kumimoji="1" lang="ja-JP" altLang="en-US" sz="1600" b="1">
-              <a:latin typeface="Arial" charset="0"/>
-              <a:ea typeface="Arial" charset="0"/>
-              <a:cs typeface="Arial" charset="0"/>
-            </a:endParaRPr>
-          </a:p>
-        </p:txBody>
-      </p:sp>
-      <p:sp>
-        <p:nvSpPr>
-          <p:cNvPr id="73" name="台形 72"/>
-          <p:cNvSpPr/>
-          <p:nvPr/>
-        </p:nvSpPr>
-        <p:spPr>
-          <a:xfrm>
-            <a:off x="3710514" y="3613513"/>
-            <a:ext cx="210015" cy="83345"/>
-          </a:xfrm>
-          <a:prstGeom prst="trapezoid">
-            <a:avLst/>
-          </a:prstGeom>
-          <a:noFill/>
-          <a:ln w="38100"/>
-        </p:spPr>
-        <p:style>
-          <a:lnRef idx="2">
-            <a:schemeClr val="dk1"/>
-          </a:lnRef>
-          <a:fillRef idx="1">
-            <a:schemeClr val="lt1"/>
-          </a:fillRef>
-          <a:effectRef idx="0">
-            <a:schemeClr val="dk1"/>
-          </a:effectRef>
-          <a:fontRef idx="minor">
-            <a:schemeClr val="dk1"/>
-          </a:fontRef>
-        </p:style>
-        <p:txBody>
-          <a:bodyPr rtlCol="0" anchor="ctr"/>
-          <a:lstStyle/>
-          <a:p>
-            <a:pPr algn="ctr"/>
-            <a:endParaRPr kumimoji="1" lang="ja-JP" altLang="en-US" b="1"/>
-          </a:p>
-        </p:txBody>
-      </p:sp>
-      <p:pic>
-        <p:nvPicPr>
-          <p:cNvPr id="74" name="図 73"/>
-          <p:cNvPicPr>
-            <a:picLocks noChangeAspect="1"/>
-          </p:cNvPicPr>
-          <p:nvPr/>
-        </p:nvPicPr>
-        <p:blipFill>
-          <a:blip r:embed="rId2"/>
-          <a:stretch>
-            <a:fillRect/>
-          </a:stretch>
-        </p:blipFill>
-        <p:spPr>
-          <a:xfrm>
-            <a:off x="4150434" y="4654849"/>
-            <a:ext cx="455425" cy="619207"/>
-          </a:xfrm>
-          <a:prstGeom prst="rect">
-            <a:avLst/>
-          </a:prstGeom>
-        </p:spPr>
-      </p:pic>
-      <p:sp>
-        <p:nvSpPr>
-          <p:cNvPr id="75" name="正方形/長方形 74"/>
-          <p:cNvSpPr/>
-          <p:nvPr/>
-        </p:nvSpPr>
-        <p:spPr>
-          <a:xfrm>
-            <a:off x="3214386" y="4720943"/>
-            <a:ext cx="581766" cy="384149"/>
-          </a:xfrm>
-          <a:prstGeom prst="rect">
-            <a:avLst/>
-          </a:prstGeom>
-          <a:noFill/>
-          <a:ln w="38100"/>
-        </p:spPr>
-        <p:style>
-          <a:lnRef idx="2">
-            <a:schemeClr val="dk1"/>
-          </a:lnRef>
-          <a:fillRef idx="1">
-            <a:schemeClr val="lt1"/>
-          </a:fillRef>
-          <a:effectRef idx="0">
-            <a:schemeClr val="dk1"/>
-          </a:effectRef>
-          <a:fontRef idx="minor">
-            <a:schemeClr val="dk1"/>
-          </a:fontRef>
-        </p:style>
-        <p:txBody>
-          <a:bodyPr rtlCol="0" anchor="ctr"/>
-          <a:lstStyle/>
-          <a:p>
-            <a:pPr algn="ctr"/>
-            <a:r>
-              <a:rPr lang="en-US" altLang="ja-JP" sz="1600" b="1">
-                <a:latin typeface="Arial" charset="0"/>
-                <a:ea typeface="Arial" charset="0"/>
-                <a:cs typeface="Arial" charset="0"/>
-              </a:rPr>
-              <a:t>4/10</a:t>
-            </a:r>
-            <a:endParaRPr kumimoji="1" lang="ja-JP" altLang="en-US" sz="1600" b="1"/>
-          </a:p>
-        </p:txBody>
-      </p:sp>
-      <p:sp>
-        <p:nvSpPr>
-          <p:cNvPr id="76" name="台形 75"/>
-          <p:cNvSpPr/>
-          <p:nvPr/>
-        </p:nvSpPr>
-        <p:spPr>
-          <a:xfrm>
-            <a:off x="3290388" y="4631248"/>
-            <a:ext cx="210015" cy="83345"/>
-          </a:xfrm>
-          <a:prstGeom prst="trapezoid">
-            <a:avLst/>
-          </a:prstGeom>
-          <a:noFill/>
-          <a:ln w="38100"/>
-        </p:spPr>
-        <p:style>
-          <a:lnRef idx="2">
-            <a:schemeClr val="dk1"/>
-          </a:lnRef>
-          <a:fillRef idx="1">
-            <a:schemeClr val="lt1"/>
-          </a:fillRef>
-          <a:effectRef idx="0">
-            <a:schemeClr val="dk1"/>
-          </a:effectRef>
-          <a:fontRef idx="minor">
-            <a:schemeClr val="dk1"/>
-          </a:fontRef>
-        </p:style>
-        <p:txBody>
-          <a:bodyPr rtlCol="0" anchor="ctr"/>
-          <a:lstStyle/>
-          <a:p>
-            <a:pPr algn="ctr"/>
-            <a:endParaRPr kumimoji="1" lang="ja-JP" altLang="en-US" b="1"/>
-          </a:p>
-        </p:txBody>
-      </p:sp>
-      <p:cxnSp>
-        <p:nvCxnSpPr>
-          <p:cNvPr id="78" name="直線矢印コネクタ 77"/>
-          <p:cNvCxnSpPr/>
-          <p:nvPr/>
-        </p:nvCxnSpPr>
-        <p:spPr>
-          <a:xfrm flipH="1">
-            <a:off x="3547397" y="4169660"/>
-            <a:ext cx="247714" cy="461588"/>
-          </a:xfrm>
-          <a:prstGeom prst="straightConnector1">
-            <a:avLst/>
-          </a:prstGeom>
-          <a:ln w="114300">
-            <a:tailEnd type="triangle"/>
-          </a:ln>
-        </p:spPr>
-        <p:style>
-          <a:lnRef idx="3">
-            <a:schemeClr val="dk1"/>
-          </a:lnRef>
-          <a:fillRef idx="0">
-            <a:schemeClr val="dk1"/>
-          </a:fillRef>
-          <a:effectRef idx="2">
-            <a:schemeClr val="dk1"/>
-          </a:effectRef>
-          <a:fontRef idx="minor">
-            <a:schemeClr val="tx1"/>
-          </a:fontRef>
-        </p:style>
-      </p:cxnSp>
-      <p:cxnSp>
-        <p:nvCxnSpPr>
-          <p:cNvPr id="79" name="直線矢印コネクタ 78"/>
-          <p:cNvCxnSpPr/>
-          <p:nvPr/>
-        </p:nvCxnSpPr>
-        <p:spPr>
-          <a:xfrm>
-            <a:off x="3988509" y="4169660"/>
-            <a:ext cx="276438" cy="430322"/>
-          </a:xfrm>
-          <a:prstGeom prst="straightConnector1">
-            <a:avLst/>
-          </a:prstGeom>
-          <a:ln w="114300">
-            <a:tailEnd type="triangle"/>
-          </a:ln>
-        </p:spPr>
-        <p:style>
-          <a:lnRef idx="3">
-            <a:schemeClr val="dk1"/>
-          </a:lnRef>
-          <a:fillRef idx="0">
-            <a:schemeClr val="dk1"/>
-          </a:fillRef>
-          <a:effectRef idx="2">
-            <a:schemeClr val="dk1"/>
-          </a:effectRef>
-          <a:fontRef idx="minor">
-            <a:schemeClr val="tx1"/>
-          </a:fontRef>
-        </p:style>
-      </p:cxnSp>
-      <p:sp>
-        <p:nvSpPr>
-          <p:cNvPr id="80" name="テキスト ボックス 79"/>
-          <p:cNvSpPr txBox="1"/>
-          <p:nvPr/>
-        </p:nvSpPr>
-        <p:spPr>
-          <a:xfrm>
-            <a:off x="915033" y="1753302"/>
-            <a:ext cx="1494734" cy="1261884"/>
-          </a:xfrm>
-          <a:prstGeom prst="rect">
-            <a:avLst/>
-          </a:prstGeom>
-          <a:noFill/>
-          <a:ln w="25400">
-            <a:solidFill>
-              <a:schemeClr val="tx1"/>
-            </a:solidFill>
-          </a:ln>
-        </p:spPr>
-        <p:txBody>
-          <a:bodyPr wrap="square" rtlCol="0">
-            <a:spAutoFit/>
-          </a:bodyPr>
-          <a:lstStyle/>
-          <a:p>
-            <a:pPr algn="ctr"/>
-            <a:r>
-              <a:rPr kumimoji="1" lang="en-US" altLang="ja-JP" sz="2800" b="1">
-                <a:latin typeface="Arial" charset="0"/>
-                <a:ea typeface="Arial" charset="0"/>
-                <a:cs typeface="Arial" charset="0"/>
-              </a:rPr>
-              <a:t>4/1</a:t>
-            </a:r>
-            <a:r>
-              <a:rPr kumimoji="1" lang="ja-JP" altLang="en-US" sz="2400" b="1">
-                <a:latin typeface="MS Gothic" charset="-128"/>
-                <a:ea typeface="MS Gothic" charset="-128"/>
-                <a:cs typeface="MS Gothic" charset="-128"/>
-              </a:rPr>
-              <a:t>の</a:t>
-            </a:r>
-          </a:p>
-          <a:p>
-            <a:pPr algn="ctr"/>
-            <a:r>
-              <a:rPr kumimoji="1" lang="ja-JP" altLang="en-US" sz="2400" b="1">
-                <a:latin typeface="MS Gothic" charset="-128"/>
-                <a:ea typeface="MS Gothic" charset="-128"/>
-                <a:cs typeface="MS Gothic" charset="-128"/>
-              </a:rPr>
-              <a:t>コミット</a:t>
-            </a:r>
-          </a:p>
-          <a:p>
-            <a:pPr algn="ctr"/>
-            <a:r>
-              <a:rPr kumimoji="1" lang="ja-JP" altLang="en-US" sz="2400" b="1">
-                <a:latin typeface="MS Gothic" charset="-128"/>
-                <a:ea typeface="MS Gothic" charset="-128"/>
-                <a:cs typeface="MS Gothic" charset="-128"/>
-              </a:rPr>
-              <a:t>情報</a:t>
-            </a:r>
-          </a:p>
-        </p:txBody>
-      </p:sp>
-      <p:sp>
-        <p:nvSpPr>
-          <p:cNvPr id="81" name="正方形/長方形 80"/>
-          <p:cNvSpPr/>
-          <p:nvPr/>
-        </p:nvSpPr>
-        <p:spPr>
-          <a:xfrm>
-            <a:off x="1410535" y="3703208"/>
-            <a:ext cx="581766" cy="384149"/>
-          </a:xfrm>
-          <a:prstGeom prst="rect">
-            <a:avLst/>
-          </a:prstGeom>
-          <a:noFill/>
-          <a:ln w="38100"/>
-        </p:spPr>
-        <p:style>
-          <a:lnRef idx="2">
-            <a:schemeClr val="dk1"/>
-          </a:lnRef>
-          <a:fillRef idx="1">
-            <a:schemeClr val="lt1"/>
-          </a:fillRef>
-          <a:effectRef idx="0">
-            <a:schemeClr val="dk1"/>
-          </a:effectRef>
-          <a:fontRef idx="minor">
-            <a:schemeClr val="dk1"/>
-          </a:fontRef>
-        </p:style>
-        <p:txBody>
-          <a:bodyPr rtlCol="0" anchor="ctr"/>
-          <a:lstStyle/>
-          <a:p>
-            <a:pPr algn="ctr"/>
-            <a:r>
-              <a:rPr kumimoji="1" lang="en-US" altLang="ja-JP" sz="1600" b="1">
-                <a:latin typeface="Arial" charset="0"/>
-                <a:ea typeface="Arial" charset="0"/>
-                <a:cs typeface="Arial" charset="0"/>
-              </a:rPr>
-              <a:t>4/1</a:t>
-            </a:r>
-            <a:endParaRPr kumimoji="1" lang="ja-JP" altLang="en-US" b="1">
-              <a:latin typeface="Arial" charset="0"/>
-              <a:ea typeface="Arial" charset="0"/>
-              <a:cs typeface="Arial" charset="0"/>
-            </a:endParaRPr>
-          </a:p>
-        </p:txBody>
-      </p:sp>
-      <p:sp>
-        <p:nvSpPr>
-          <p:cNvPr id="82" name="台形 81"/>
-          <p:cNvSpPr/>
-          <p:nvPr/>
-        </p:nvSpPr>
-        <p:spPr>
-          <a:xfrm>
-            <a:off x="1486537" y="3613513"/>
-            <a:ext cx="210015" cy="83345"/>
-          </a:xfrm>
-          <a:prstGeom prst="trapezoid">
-            <a:avLst/>
-          </a:prstGeom>
-          <a:noFill/>
-          <a:ln w="38100"/>
-        </p:spPr>
-        <p:style>
-          <a:lnRef idx="2">
-            <a:schemeClr val="dk1"/>
-          </a:lnRef>
-          <a:fillRef idx="1">
-            <a:schemeClr val="lt1"/>
-          </a:fillRef>
-          <a:effectRef idx="0">
-            <a:schemeClr val="dk1"/>
-          </a:effectRef>
-          <a:fontRef idx="minor">
-            <a:schemeClr val="dk1"/>
-          </a:fontRef>
-        </p:style>
-        <p:txBody>
-          <a:bodyPr rtlCol="0" anchor="ctr"/>
-          <a:lstStyle/>
-          <a:p>
-            <a:pPr algn="ctr"/>
-            <a:endParaRPr kumimoji="1" lang="ja-JP" altLang="en-US" b="1"/>
-          </a:p>
-        </p:txBody>
-      </p:sp>
-      <p:pic>
-        <p:nvPicPr>
-          <p:cNvPr id="83" name="図 82"/>
-          <p:cNvPicPr>
-            <a:picLocks noChangeAspect="1"/>
-          </p:cNvPicPr>
-          <p:nvPr/>
-        </p:nvPicPr>
-        <p:blipFill>
-          <a:blip r:embed="rId2"/>
-          <a:stretch>
-            <a:fillRect/>
-          </a:stretch>
-        </p:blipFill>
-        <p:spPr>
-          <a:xfrm>
-            <a:off x="1926457" y="4654849"/>
-            <a:ext cx="455425" cy="619207"/>
-          </a:xfrm>
-          <a:prstGeom prst="rect">
-            <a:avLst/>
-          </a:prstGeom>
-        </p:spPr>
-      </p:pic>
-      <p:sp>
-        <p:nvSpPr>
-          <p:cNvPr id="84" name="正方形/長方形 83"/>
-          <p:cNvSpPr/>
-          <p:nvPr/>
-        </p:nvSpPr>
-        <p:spPr>
-          <a:xfrm>
-            <a:off x="990409" y="4720943"/>
-            <a:ext cx="581766" cy="384149"/>
-          </a:xfrm>
-          <a:prstGeom prst="rect">
-            <a:avLst/>
-          </a:prstGeom>
-          <a:noFill/>
-          <a:ln w="38100"/>
-        </p:spPr>
-        <p:style>
-          <a:lnRef idx="2">
-            <a:schemeClr val="dk1"/>
-          </a:lnRef>
-          <a:fillRef idx="1">
-            <a:schemeClr val="lt1"/>
-          </a:fillRef>
-          <a:effectRef idx="0">
-            <a:schemeClr val="dk1"/>
-          </a:effectRef>
-          <a:fontRef idx="minor">
-            <a:schemeClr val="dk1"/>
-          </a:fontRef>
-        </p:style>
-        <p:txBody>
-          <a:bodyPr rtlCol="0" anchor="ctr"/>
-          <a:lstStyle/>
-          <a:p>
-            <a:pPr algn="ctr"/>
-            <a:r>
-              <a:rPr kumimoji="1" lang="en-US" altLang="ja-JP" sz="1600" b="1">
-                <a:latin typeface="Arial" charset="0"/>
-                <a:ea typeface="Arial" charset="0"/>
-                <a:cs typeface="Arial" charset="0"/>
-              </a:rPr>
-              <a:t>4/1</a:t>
-            </a:r>
-            <a:endParaRPr kumimoji="1" lang="ja-JP" altLang="en-US" b="1">
-              <a:latin typeface="Arial" charset="0"/>
-              <a:ea typeface="Arial" charset="0"/>
-              <a:cs typeface="Arial" charset="0"/>
-            </a:endParaRPr>
-          </a:p>
-        </p:txBody>
-      </p:sp>
-      <p:sp>
-        <p:nvSpPr>
-          <p:cNvPr id="85" name="台形 84"/>
-          <p:cNvSpPr/>
-          <p:nvPr/>
-        </p:nvSpPr>
-        <p:spPr>
-          <a:xfrm>
-            <a:off x="1066411" y="4631248"/>
-            <a:ext cx="210015" cy="83345"/>
-          </a:xfrm>
-          <a:prstGeom prst="trapezoid">
-            <a:avLst/>
-          </a:prstGeom>
-          <a:noFill/>
-          <a:ln w="38100"/>
-        </p:spPr>
-        <p:style>
-          <a:lnRef idx="2">
-            <a:schemeClr val="dk1"/>
-          </a:lnRef>
-          <a:fillRef idx="1">
-            <a:schemeClr val="lt1"/>
-          </a:fillRef>
-          <a:effectRef idx="0">
-            <a:schemeClr val="dk1"/>
-          </a:effectRef>
-          <a:fontRef idx="minor">
-            <a:schemeClr val="dk1"/>
-          </a:fontRef>
-        </p:style>
-        <p:txBody>
-          <a:bodyPr rtlCol="0" anchor="ctr"/>
-          <a:lstStyle/>
-          <a:p>
-            <a:pPr algn="ctr"/>
-            <a:endParaRPr kumimoji="1" lang="ja-JP" altLang="en-US" b="1"/>
-          </a:p>
-        </p:txBody>
-      </p:sp>
-      <p:cxnSp>
-        <p:nvCxnSpPr>
-          <p:cNvPr id="87" name="直線矢印コネクタ 86"/>
-          <p:cNvCxnSpPr/>
-          <p:nvPr/>
-        </p:nvCxnSpPr>
-        <p:spPr>
-          <a:xfrm flipH="1">
-            <a:off x="1323420" y="4169660"/>
-            <a:ext cx="247714" cy="461588"/>
-          </a:xfrm>
-          <a:prstGeom prst="straightConnector1">
-            <a:avLst/>
-          </a:prstGeom>
-          <a:ln w="38100">
-            <a:tailEnd type="triangle"/>
-          </a:ln>
-        </p:spPr>
-        <p:style>
-          <a:lnRef idx="3">
-            <a:schemeClr val="dk1"/>
-          </a:lnRef>
-          <a:fillRef idx="0">
-            <a:schemeClr val="dk1"/>
-          </a:fillRef>
-          <a:effectRef idx="2">
-            <a:schemeClr val="dk1"/>
-          </a:effectRef>
-          <a:fontRef idx="minor">
-            <a:schemeClr val="tx1"/>
-          </a:fontRef>
-        </p:style>
-      </p:cxnSp>
-      <p:cxnSp>
-        <p:nvCxnSpPr>
-          <p:cNvPr id="88" name="直線矢印コネクタ 87"/>
-          <p:cNvCxnSpPr/>
-          <p:nvPr/>
-        </p:nvCxnSpPr>
-        <p:spPr>
-          <a:xfrm>
-            <a:off x="1764532" y="4169660"/>
-            <a:ext cx="276438" cy="430322"/>
-          </a:xfrm>
-          <a:prstGeom prst="straightConnector1">
-            <a:avLst/>
-          </a:prstGeom>
-          <a:ln w="38100">
-            <a:tailEnd type="triangle"/>
-          </a:ln>
-        </p:spPr>
-        <p:style>
-          <a:lnRef idx="3">
-            <a:schemeClr val="dk1"/>
-          </a:lnRef>
-          <a:fillRef idx="0">
-            <a:schemeClr val="dk1"/>
-          </a:fillRef>
-          <a:effectRef idx="2">
-            <a:schemeClr val="dk1"/>
-          </a:effectRef>
-          <a:fontRef idx="minor">
-            <a:schemeClr val="tx1"/>
-          </a:fontRef>
-        </p:style>
-      </p:cxnSp>
-      <p:cxnSp>
-        <p:nvCxnSpPr>
-          <p:cNvPr id="94" name="直線矢印コネクタ 93"/>
-          <p:cNvCxnSpPr/>
-          <p:nvPr/>
-        </p:nvCxnSpPr>
-        <p:spPr>
-          <a:xfrm>
-            <a:off x="6108070" y="3061866"/>
-            <a:ext cx="0" cy="424977"/>
-          </a:xfrm>
-          <a:prstGeom prst="straightConnector1">
-            <a:avLst/>
-          </a:prstGeom>
-          <a:ln w="38100">
-            <a:tailEnd type="triangle"/>
-          </a:ln>
-        </p:spPr>
-        <p:style>
-          <a:lnRef idx="3">
-            <a:schemeClr val="dk1"/>
-          </a:lnRef>
-          <a:fillRef idx="0">
-            <a:schemeClr val="dk1"/>
-          </a:fillRef>
-          <a:effectRef idx="2">
-            <a:schemeClr val="dk1"/>
-          </a:effectRef>
-          <a:fontRef idx="minor">
-            <a:schemeClr val="tx1"/>
-          </a:fontRef>
-        </p:style>
-      </p:cxnSp>
-      <p:cxnSp>
-        <p:nvCxnSpPr>
-          <p:cNvPr id="95" name="直線矢印コネクタ 94"/>
-          <p:cNvCxnSpPr/>
-          <p:nvPr/>
-        </p:nvCxnSpPr>
-        <p:spPr>
-          <a:xfrm>
-            <a:off x="3880801" y="3040440"/>
-            <a:ext cx="0" cy="507167"/>
-          </a:xfrm>
-          <a:prstGeom prst="straightConnector1">
-            <a:avLst/>
-          </a:prstGeom>
-          <a:ln w="114300">
-            <a:tailEnd type="triangle"/>
-          </a:ln>
-        </p:spPr>
-        <p:style>
-          <a:lnRef idx="3">
-            <a:schemeClr val="dk1"/>
-          </a:lnRef>
-          <a:fillRef idx="0">
-            <a:schemeClr val="dk1"/>
-          </a:fillRef>
-          <a:effectRef idx="2">
-            <a:schemeClr val="dk1"/>
-          </a:effectRef>
-          <a:fontRef idx="minor">
-            <a:schemeClr val="tx1"/>
-          </a:fontRef>
-        </p:style>
-      </p:cxnSp>
-      <p:cxnSp>
-        <p:nvCxnSpPr>
-          <p:cNvPr id="102" name="直線矢印コネクタ 101"/>
-          <p:cNvCxnSpPr/>
-          <p:nvPr/>
-        </p:nvCxnSpPr>
-        <p:spPr>
-          <a:xfrm flipH="1">
-            <a:off x="4667928" y="2666708"/>
-            <a:ext cx="647556" cy="0"/>
-          </a:xfrm>
-          <a:prstGeom prst="straightConnector1">
-            <a:avLst/>
-          </a:prstGeom>
-          <a:ln w="114300">
-            <a:tailEnd type="triangle"/>
-          </a:ln>
-        </p:spPr>
-        <p:style>
-          <a:lnRef idx="3">
-            <a:schemeClr val="dk1"/>
-          </a:lnRef>
-          <a:fillRef idx="0">
-            <a:schemeClr val="dk1"/>
-          </a:fillRef>
-          <a:effectRef idx="2">
-            <a:schemeClr val="dk1"/>
-          </a:effectRef>
-          <a:fontRef idx="minor">
-            <a:schemeClr val="tx1"/>
-          </a:fontRef>
-        </p:style>
-      </p:cxnSp>
-      <p:cxnSp>
-        <p:nvCxnSpPr>
-          <p:cNvPr id="104" name="直線矢印コネクタ 103"/>
-          <p:cNvCxnSpPr/>
-          <p:nvPr/>
-        </p:nvCxnSpPr>
-        <p:spPr>
-          <a:xfrm flipH="1">
-            <a:off x="6914047" y="2666708"/>
-            <a:ext cx="647556" cy="0"/>
-          </a:xfrm>
-          <a:prstGeom prst="straightConnector1">
-            <a:avLst/>
-          </a:prstGeom>
-          <a:ln w="114300">
-            <a:tailEnd type="triangle"/>
-          </a:ln>
-        </p:spPr>
-        <p:style>
-          <a:lnRef idx="3">
-            <a:schemeClr val="dk1"/>
-          </a:lnRef>
-          <a:fillRef idx="0">
-            <a:schemeClr val="dk1"/>
-          </a:fillRef>
-          <a:effectRef idx="2">
-            <a:schemeClr val="dk1"/>
-          </a:effectRef>
-          <a:fontRef idx="minor">
-            <a:schemeClr val="tx1"/>
-          </a:fontRef>
-        </p:style>
-      </p:cxnSp>
-      <p:cxnSp>
-        <p:nvCxnSpPr>
-          <p:cNvPr id="108" name="直線矢印コネクタ 107"/>
-          <p:cNvCxnSpPr/>
-          <p:nvPr/>
-        </p:nvCxnSpPr>
-        <p:spPr>
-          <a:xfrm flipH="1">
-            <a:off x="2432067" y="2666708"/>
-            <a:ext cx="647556" cy="0"/>
-          </a:xfrm>
-          <a:prstGeom prst="straightConnector1">
-            <a:avLst/>
-          </a:prstGeom>
-          <a:ln w="38100">
-            <a:tailEnd type="triangle"/>
-          </a:ln>
-        </p:spPr>
-        <p:style>
-          <a:lnRef idx="3">
-            <a:schemeClr val="dk1"/>
-          </a:lnRef>
-          <a:fillRef idx="0">
-            <a:schemeClr val="dk1"/>
-          </a:fillRef>
-          <a:effectRef idx="2">
-            <a:schemeClr val="dk1"/>
-          </a:effectRef>
-          <a:fontRef idx="minor">
-            <a:schemeClr val="tx1"/>
-          </a:fontRef>
-        </p:style>
-      </p:cxnSp>
-      <p:cxnSp>
-        <p:nvCxnSpPr>
-          <p:cNvPr id="46" name="直線矢印コネクタ 45"/>
-          <p:cNvCxnSpPr/>
-          <p:nvPr/>
-        </p:nvCxnSpPr>
-        <p:spPr>
-          <a:xfrm>
-            <a:off x="1662400" y="3069622"/>
-            <a:ext cx="0" cy="424977"/>
-          </a:xfrm>
-          <a:prstGeom prst="straightConnector1">
-            <a:avLst/>
-          </a:prstGeom>
-          <a:ln w="38100">
-            <a:tailEnd type="triangle"/>
-          </a:ln>
-        </p:spPr>
-        <p:style>
-          <a:lnRef idx="3">
-            <a:schemeClr val="dk1"/>
-          </a:lnRef>
-          <a:fillRef idx="0">
-            <a:schemeClr val="dk1"/>
-          </a:fillRef>
-          <a:effectRef idx="2">
-            <a:schemeClr val="dk1"/>
-          </a:effectRef>
-          <a:fontRef idx="minor">
-            <a:schemeClr val="tx1"/>
-          </a:fontRef>
-        </p:style>
-      </p:cxnSp>
-      <p:sp>
-        <p:nvSpPr>
-          <p:cNvPr id="48" name="テキスト ボックス 47"/>
-          <p:cNvSpPr txBox="1"/>
-          <p:nvPr/>
-        </p:nvSpPr>
-        <p:spPr>
-          <a:xfrm>
-            <a:off x="2836326" y="5432031"/>
-            <a:ext cx="2188716" cy="830997"/>
-          </a:xfrm>
-          <a:prstGeom prst="rect">
-            <a:avLst/>
-          </a:prstGeom>
-          <a:noFill/>
-        </p:spPr>
-        <p:txBody>
-          <a:bodyPr wrap="square" rtlCol="0">
-            <a:spAutoFit/>
-          </a:bodyPr>
-          <a:lstStyle/>
-          <a:p>
-            <a:pPr algn="ctr"/>
-            <a:r>
-              <a:rPr kumimoji="1" lang="ja-JP" altLang="en-US" sz="2400" b="1"/>
-              <a:t>復元したい</a:t>
-            </a:r>
-          </a:p>
-          <a:p>
-            <a:pPr algn="ctr"/>
-            <a:r>
-              <a:rPr kumimoji="1" lang="ja-JP" altLang="en-US" sz="2400" b="1"/>
-              <a:t>ファイル</a:t>
-            </a:r>
-          </a:p>
-        </p:txBody>
-      </p:sp>
-    </p:spTree>
-    <p:extLst>
-      <p:ext uri="{BB962C8B-B14F-4D97-AF65-F5344CB8AC3E}">
-        <p14:creationId xmlns:p14="http://schemas.microsoft.com/office/powerpoint/2010/main" val="22917164"/>
       </p:ext>
     </p:extLst>
   </p:cSld>
